--- a/1-analysis/RootInsurance_Qi.pptx
+++ b/1-analysis/RootInsurance_Qi.pptx
@@ -5,16 +5,18 @@
     <p:sldMasterId id="2147483648" r:id="rId1"/>
   </p:sldMasterIdLst>
   <p:notesMasterIdLst>
-    <p:notesMasterId r:id="rId9"/>
+    <p:notesMasterId r:id="rId11"/>
   </p:notesMasterIdLst>
   <p:sldIdLst>
     <p:sldId id="256" r:id="rId2"/>
-    <p:sldId id="257" r:id="rId3"/>
-    <p:sldId id="258" r:id="rId4"/>
-    <p:sldId id="259" r:id="rId5"/>
-    <p:sldId id="260" r:id="rId6"/>
-    <p:sldId id="261" r:id="rId7"/>
-    <p:sldId id="262" r:id="rId8"/>
+    <p:sldId id="263" r:id="rId3"/>
+    <p:sldId id="264" r:id="rId4"/>
+    <p:sldId id="257" r:id="rId5"/>
+    <p:sldId id="258" r:id="rId6"/>
+    <p:sldId id="259" r:id="rId7"/>
+    <p:sldId id="260" r:id="rId8"/>
+    <p:sldId id="261" r:id="rId9"/>
+    <p:sldId id="262" r:id="rId10"/>
   </p:sldIdLst>
   <p:sldSz cx="12192000" cy="6858000"/>
   <p:notesSz cx="6858000" cy="9144000"/>
@@ -122,6 +124,2526 @@
 </file>
 
 <file path=ppt/charts/chart1.xml><?xml version="1.0" encoding="utf-8"?>
+<c:chartSpace xmlns:c="http://schemas.openxmlformats.org/drawingml/2006/chart" xmlns:a="http://schemas.openxmlformats.org/drawingml/2006/main" xmlns:r="http://schemas.openxmlformats.org/officeDocument/2006/relationships" xmlns:c16r2="http://schemas.microsoft.com/office/drawing/2015/06/chart">
+  <c:date1904 val="0"/>
+  <c:lang val="en-US"/>
+  <c:roundedCorners val="0"/>
+  <mc:AlternateContent xmlns:mc="http://schemas.openxmlformats.org/markup-compatibility/2006">
+    <mc:Choice xmlns:c14="http://schemas.microsoft.com/office/drawing/2007/8/2/chart" Requires="c14">
+      <c14:style val="102"/>
+    </mc:Choice>
+    <mc:Fallback>
+      <c:style val="2"/>
+    </mc:Fallback>
+  </mc:AlternateContent>
+  <c:chart>
+    <c:autoTitleDeleted val="1"/>
+    <c:plotArea>
+      <c:layout/>
+      <c:pieChart>
+        <c:varyColors val="1"/>
+        <c:ser>
+          <c:idx val="0"/>
+          <c:order val="0"/>
+          <c:tx>
+            <c:strRef>
+              <c:f>Sheet5!$A$11</c:f>
+              <c:strCache>
+                <c:ptCount val="1"/>
+                <c:pt idx="0">
+                  <c:v>Total</c:v>
+                </c:pt>
+              </c:strCache>
+            </c:strRef>
+          </c:tx>
+          <c:dPt>
+            <c:idx val="0"/>
+            <c:bubble3D val="0"/>
+            <c:spPr>
+              <a:solidFill>
+                <a:schemeClr val="accent1"/>
+              </a:solidFill>
+              <a:ln w="19050">
+                <a:solidFill>
+                  <a:schemeClr val="lt1"/>
+                </a:solidFill>
+              </a:ln>
+              <a:effectLst/>
+            </c:spPr>
+            <c:extLst>
+              <c:ext xmlns:c16="http://schemas.microsoft.com/office/drawing/2014/chart" uri="{C3380CC4-5D6E-409C-BE32-E72D297353CC}">
+                <c16:uniqueId val="{00000001-D239-554D-8278-ABD799171359}"/>
+              </c:ext>
+            </c:extLst>
+          </c:dPt>
+          <c:dPt>
+            <c:idx val="1"/>
+            <c:bubble3D val="0"/>
+            <c:spPr>
+              <a:solidFill>
+                <a:schemeClr val="accent2"/>
+              </a:solidFill>
+              <a:ln w="19050">
+                <a:solidFill>
+                  <a:schemeClr val="lt1"/>
+                </a:solidFill>
+              </a:ln>
+              <a:effectLst/>
+            </c:spPr>
+            <c:extLst>
+              <c:ext xmlns:c16="http://schemas.microsoft.com/office/drawing/2014/chart" uri="{C3380CC4-5D6E-409C-BE32-E72D297353CC}">
+                <c16:uniqueId val="{00000003-D239-554D-8278-ABD799171359}"/>
+              </c:ext>
+            </c:extLst>
+          </c:dPt>
+          <c:dPt>
+            <c:idx val="2"/>
+            <c:bubble3D val="0"/>
+            <c:spPr>
+              <a:solidFill>
+                <a:schemeClr val="accent3"/>
+              </a:solidFill>
+              <a:ln w="19050">
+                <a:solidFill>
+                  <a:schemeClr val="lt1"/>
+                </a:solidFill>
+              </a:ln>
+              <a:effectLst/>
+            </c:spPr>
+            <c:extLst>
+              <c:ext xmlns:c16="http://schemas.microsoft.com/office/drawing/2014/chart" uri="{C3380CC4-5D6E-409C-BE32-E72D297353CC}">
+                <c16:uniqueId val="{00000005-D239-554D-8278-ABD799171359}"/>
+              </c:ext>
+            </c:extLst>
+          </c:dPt>
+          <c:dLbls>
+            <c:spPr>
+              <a:noFill/>
+              <a:ln>
+                <a:noFill/>
+              </a:ln>
+              <a:effectLst/>
+            </c:spPr>
+            <c:txPr>
+              <a:bodyPr rot="0" spcFirstLastPara="1" vertOverflow="ellipsis" vert="horz" wrap="square" lIns="38100" tIns="19050" rIns="38100" bIns="19050" anchor="ctr" anchorCtr="1">
+                <a:spAutoFit/>
+              </a:bodyPr>
+              <a:lstStyle/>
+              <a:p>
+                <a:pPr>
+                  <a:defRPr sz="900" b="0" i="0" u="none" strike="noStrike" kern="1200" baseline="0">
+                    <a:solidFill>
+                      <a:schemeClr val="tx1">
+                        <a:lumMod val="75000"/>
+                        <a:lumOff val="25000"/>
+                      </a:schemeClr>
+                    </a:solidFill>
+                    <a:latin typeface="+mn-lt"/>
+                    <a:ea typeface="+mn-ea"/>
+                    <a:cs typeface="+mn-cs"/>
+                  </a:defRPr>
+                </a:pPr>
+                <a:endParaRPr lang="en-US"/>
+              </a:p>
+            </c:txPr>
+            <c:showLegendKey val="0"/>
+            <c:showVal val="1"/>
+            <c:showCatName val="0"/>
+            <c:showSerName val="0"/>
+            <c:showPercent val="0"/>
+            <c:showBubbleSize val="0"/>
+            <c:showLeaderLines val="1"/>
+            <c:leaderLines>
+              <c:spPr>
+                <a:ln w="9525" cap="flat" cmpd="sng" algn="ctr">
+                  <a:solidFill>
+                    <a:schemeClr val="tx1">
+                      <a:lumMod val="35000"/>
+                      <a:lumOff val="65000"/>
+                    </a:schemeClr>
+                  </a:solidFill>
+                  <a:round/>
+                </a:ln>
+                <a:effectLst/>
+              </c:spPr>
+            </c:leaderLines>
+            <c:extLst>
+              <c:ext xmlns:c15="http://schemas.microsoft.com/office/drawing/2012/chart" uri="{CE6537A1-D6FC-4f65-9D91-7224C49458BB}"/>
+            </c:extLst>
+          </c:dLbls>
+          <c:cat>
+            <c:strRef>
+              <c:f>Sheet5!$B$10:$D$10</c:f>
+              <c:strCache>
+                <c:ptCount val="3"/>
+                <c:pt idx="0">
+                  <c:v>click_nobuy</c:v>
+                </c:pt>
+                <c:pt idx="1">
+                  <c:v>click_buy</c:v>
+                </c:pt>
+                <c:pt idx="2">
+                  <c:v>noclick_nobuy</c:v>
+                </c:pt>
+              </c:strCache>
+            </c:strRef>
+          </c:cat>
+          <c:val>
+            <c:numRef>
+              <c:f>Sheet5!$B$11:$D$11</c:f>
+              <c:numCache>
+                <c:formatCode>General</c:formatCode>
+                <c:ptCount val="3"/>
+                <c:pt idx="0" formatCode="#,##0">
+                  <c:v>1095</c:v>
+                </c:pt>
+                <c:pt idx="1">
+                  <c:v>783</c:v>
+                </c:pt>
+                <c:pt idx="2" formatCode="#,##0">
+                  <c:v>8122</c:v>
+                </c:pt>
+              </c:numCache>
+            </c:numRef>
+          </c:val>
+          <c:extLst>
+            <c:ext xmlns:c16="http://schemas.microsoft.com/office/drawing/2014/chart" uri="{C3380CC4-5D6E-409C-BE32-E72D297353CC}">
+              <c16:uniqueId val="{00000006-D239-554D-8278-ABD799171359}"/>
+            </c:ext>
+          </c:extLst>
+        </c:ser>
+        <c:dLbls>
+          <c:showLegendKey val="0"/>
+          <c:showVal val="0"/>
+          <c:showCatName val="0"/>
+          <c:showSerName val="0"/>
+          <c:showPercent val="0"/>
+          <c:showBubbleSize val="0"/>
+          <c:showLeaderLines val="1"/>
+        </c:dLbls>
+        <c:firstSliceAng val="0"/>
+      </c:pieChart>
+      <c:spPr>
+        <a:noFill/>
+        <a:ln>
+          <a:noFill/>
+        </a:ln>
+        <a:effectLst/>
+      </c:spPr>
+    </c:plotArea>
+    <c:legend>
+      <c:legendPos val="b"/>
+      <c:overlay val="0"/>
+      <c:spPr>
+        <a:noFill/>
+        <a:ln>
+          <a:noFill/>
+        </a:ln>
+        <a:effectLst/>
+      </c:spPr>
+      <c:txPr>
+        <a:bodyPr rot="0" spcFirstLastPara="1" vertOverflow="ellipsis" vert="horz" wrap="square" anchor="ctr" anchorCtr="1"/>
+        <a:lstStyle/>
+        <a:p>
+          <a:pPr>
+            <a:defRPr sz="900" b="0" i="0" u="none" strike="noStrike" kern="1200" baseline="0">
+              <a:solidFill>
+                <a:schemeClr val="tx1">
+                  <a:lumMod val="65000"/>
+                  <a:lumOff val="35000"/>
+                </a:schemeClr>
+              </a:solidFill>
+              <a:latin typeface="+mn-lt"/>
+              <a:ea typeface="+mn-ea"/>
+              <a:cs typeface="+mn-cs"/>
+            </a:defRPr>
+          </a:pPr>
+          <a:endParaRPr lang="en-US"/>
+        </a:p>
+      </c:txPr>
+    </c:legend>
+    <c:plotVisOnly val="1"/>
+    <c:dispBlanksAs val="gap"/>
+    <c:showDLblsOverMax val="0"/>
+  </c:chart>
+  <c:spPr>
+    <a:noFill/>
+    <a:ln>
+      <a:noFill/>
+    </a:ln>
+    <a:effectLst/>
+  </c:spPr>
+  <c:txPr>
+    <a:bodyPr/>
+    <a:lstStyle/>
+    <a:p>
+      <a:pPr>
+        <a:defRPr/>
+      </a:pPr>
+      <a:endParaRPr lang="en-US"/>
+    </a:p>
+  </c:txPr>
+  <c:externalData r:id="rId3">
+    <c:autoUpdate val="0"/>
+  </c:externalData>
+</c:chartSpace>
+</file>
+
+<file path=ppt/charts/chart10.xml><?xml version="1.0" encoding="utf-8"?>
+<c:chartSpace xmlns:c="http://schemas.openxmlformats.org/drawingml/2006/chart" xmlns:a="http://schemas.openxmlformats.org/drawingml/2006/main" xmlns:r="http://schemas.openxmlformats.org/officeDocument/2006/relationships" xmlns:c16r2="http://schemas.microsoft.com/office/drawing/2015/06/chart">
+  <c:date1904 val="0"/>
+  <c:lang val="en-US"/>
+  <c:roundedCorners val="0"/>
+  <mc:AlternateContent xmlns:mc="http://schemas.openxmlformats.org/markup-compatibility/2006">
+    <mc:Choice xmlns:c14="http://schemas.microsoft.com/office/drawing/2007/8/2/chart" Requires="c14">
+      <c14:style val="102"/>
+    </mc:Choice>
+    <mc:Fallback>
+      <c:style val="2"/>
+    </mc:Fallback>
+  </mc:AlternateContent>
+  <c:chart>
+    <c:title>
+      <c:tx>
+        <c:rich>
+          <a:bodyPr rot="0" spcFirstLastPara="1" vertOverflow="ellipsis" vert="horz" wrap="square" anchor="ctr" anchorCtr="1"/>
+          <a:lstStyle/>
+          <a:p>
+            <a:pPr>
+              <a:defRPr sz="1400" b="0" i="0" u="none" strike="noStrike" kern="1200" spc="0" baseline="0">
+                <a:solidFill>
+                  <a:schemeClr val="tx1">
+                    <a:lumMod val="65000"/>
+                    <a:lumOff val="35000"/>
+                  </a:schemeClr>
+                </a:solidFill>
+                <a:latin typeface="+mn-lt"/>
+                <a:ea typeface="+mn-ea"/>
+                <a:cs typeface="+mn-cs"/>
+              </a:defRPr>
+            </a:pPr>
+            <a:r>
+              <a:rPr lang="en-US" dirty="0" err="1"/>
+              <a:t>Noclick_nobuy</a:t>
+            </a:r>
+            <a:endParaRPr lang="en-US" dirty="0"/>
+          </a:p>
+        </c:rich>
+      </c:tx>
+      <c:overlay val="0"/>
+      <c:spPr>
+        <a:noFill/>
+        <a:ln>
+          <a:noFill/>
+        </a:ln>
+        <a:effectLst/>
+      </c:spPr>
+      <c:txPr>
+        <a:bodyPr rot="0" spcFirstLastPara="1" vertOverflow="ellipsis" vert="horz" wrap="square" anchor="ctr" anchorCtr="1"/>
+        <a:lstStyle/>
+        <a:p>
+          <a:pPr>
+            <a:defRPr sz="1400" b="0" i="0" u="none" strike="noStrike" kern="1200" spc="0" baseline="0">
+              <a:solidFill>
+                <a:schemeClr val="tx1">
+                  <a:lumMod val="65000"/>
+                  <a:lumOff val="35000"/>
+                </a:schemeClr>
+              </a:solidFill>
+              <a:latin typeface="+mn-lt"/>
+              <a:ea typeface="+mn-ea"/>
+              <a:cs typeface="+mn-cs"/>
+            </a:defRPr>
+          </a:pPr>
+          <a:endParaRPr lang="en-US"/>
+        </a:p>
+      </c:txPr>
+    </c:title>
+    <c:autoTitleDeleted val="0"/>
+    <c:plotArea>
+      <c:layout/>
+      <c:barChart>
+        <c:barDir val="col"/>
+        <c:grouping val="clustered"/>
+        <c:varyColors val="0"/>
+        <c:ser>
+          <c:idx val="0"/>
+          <c:order val="0"/>
+          <c:tx>
+            <c:strRef>
+              <c:f>Sheet2!$H$29</c:f>
+              <c:strCache>
+                <c:ptCount val="1"/>
+                <c:pt idx="0">
+                  <c:v>rank5_click_buy</c:v>
+                </c:pt>
+              </c:strCache>
+            </c:strRef>
+          </c:tx>
+          <c:spPr>
+            <a:solidFill>
+              <a:schemeClr val="accent1"/>
+            </a:solidFill>
+            <a:ln>
+              <a:noFill/>
+            </a:ln>
+            <a:effectLst/>
+          </c:spPr>
+          <c:invertIfNegative val="0"/>
+          <c:cat>
+            <c:strRef>
+              <c:f>(Sheet2!$I$28,Sheet2!$P$28,Sheet2!$W$28,Sheet2!$AD$28,Sheet2!$AL$28,Sheet2!$AT$28,Sheet2!$BB$28)</c:f>
+              <c:strCache>
+                <c:ptCount val="7"/>
+                <c:pt idx="0">
+                  <c:v>mean_insured_Y</c:v>
+                </c:pt>
+                <c:pt idx="1">
+                  <c:v>mean_insured_N</c:v>
+                </c:pt>
+                <c:pt idx="2">
+                  <c:v>mean_insured_Un</c:v>
+                </c:pt>
+                <c:pt idx="3">
+                  <c:v>mean_married</c:v>
+                </c:pt>
+                <c:pt idx="4">
+                  <c:v>mean_single</c:v>
+                </c:pt>
+                <c:pt idx="5">
+                  <c:v>mean_ve~s</c:v>
+                </c:pt>
+                <c:pt idx="6">
+                  <c:v>mean_dr~s</c:v>
+                </c:pt>
+              </c:strCache>
+            </c:strRef>
+          </c:cat>
+          <c:val>
+            <c:numRef>
+              <c:f>(Sheet2!$I$29,Sheet2!$P$29,Sheet2!$W$29,Sheet2!$AD$29,Sheet2!$AL$29,Sheet2!$AT$29,Sheet2!$BB$29)</c:f>
+              <c:numCache>
+                <c:formatCode>General</c:formatCode>
+                <c:ptCount val="7"/>
+                <c:pt idx="0">
+                  <c:v>0.55000000000000004</c:v>
+                </c:pt>
+                <c:pt idx="1">
+                  <c:v>0.45</c:v>
+                </c:pt>
+                <c:pt idx="2">
+                  <c:v>0</c:v>
+                </c:pt>
+                <c:pt idx="3">
+                  <c:v>0.7</c:v>
+                </c:pt>
+                <c:pt idx="4">
+                  <c:v>0.3</c:v>
+                </c:pt>
+                <c:pt idx="5">
+                  <c:v>2.35</c:v>
+                </c:pt>
+                <c:pt idx="6">
+                  <c:v>1.5</c:v>
+                </c:pt>
+              </c:numCache>
+            </c:numRef>
+          </c:val>
+          <c:extLst>
+            <c:ext xmlns:c16="http://schemas.microsoft.com/office/drawing/2014/chart" uri="{C3380CC4-5D6E-409C-BE32-E72D297353CC}">
+              <c16:uniqueId val="{00000000-4E19-8F4D-835B-B7B2D995BA7B}"/>
+            </c:ext>
+          </c:extLst>
+        </c:ser>
+        <c:ser>
+          <c:idx val="1"/>
+          <c:order val="1"/>
+          <c:tx>
+            <c:strRef>
+              <c:f>Sheet2!$H$30</c:f>
+              <c:strCache>
+                <c:ptCount val="1"/>
+                <c:pt idx="0">
+                  <c:v>rank1_noclick_nobuy</c:v>
+                </c:pt>
+              </c:strCache>
+            </c:strRef>
+          </c:tx>
+          <c:spPr>
+            <a:solidFill>
+              <a:schemeClr val="accent2"/>
+            </a:solidFill>
+            <a:ln>
+              <a:noFill/>
+            </a:ln>
+            <a:effectLst/>
+          </c:spPr>
+          <c:invertIfNegative val="0"/>
+          <c:cat>
+            <c:strRef>
+              <c:f>(Sheet2!$I$28,Sheet2!$P$28,Sheet2!$W$28,Sheet2!$AD$28,Sheet2!$AL$28,Sheet2!$AT$28,Sheet2!$BB$28)</c:f>
+              <c:strCache>
+                <c:ptCount val="7"/>
+                <c:pt idx="0">
+                  <c:v>mean_insured_Y</c:v>
+                </c:pt>
+                <c:pt idx="1">
+                  <c:v>mean_insured_N</c:v>
+                </c:pt>
+                <c:pt idx="2">
+                  <c:v>mean_insured_Un</c:v>
+                </c:pt>
+                <c:pt idx="3">
+                  <c:v>mean_married</c:v>
+                </c:pt>
+                <c:pt idx="4">
+                  <c:v>mean_single</c:v>
+                </c:pt>
+                <c:pt idx="5">
+                  <c:v>mean_ve~s</c:v>
+                </c:pt>
+                <c:pt idx="6">
+                  <c:v>mean_dr~s</c:v>
+                </c:pt>
+              </c:strCache>
+            </c:strRef>
+          </c:cat>
+          <c:val>
+            <c:numRef>
+              <c:f>(Sheet2!$I$30,Sheet2!$P$30,Sheet2!$W$30,Sheet2!$AD$30,Sheet2!$AL$30,Sheet2!$AT$30,Sheet2!$BB$30)</c:f>
+              <c:numCache>
+                <c:formatCode>General</c:formatCode>
+                <c:ptCount val="7"/>
+                <c:pt idx="0">
+                  <c:v>7.6015730000000004E-2</c:v>
+                </c:pt>
+                <c:pt idx="1">
+                  <c:v>9.0432499999999999E-2</c:v>
+                </c:pt>
+                <c:pt idx="2">
+                  <c:v>0.83355177000000003</c:v>
+                </c:pt>
+                <c:pt idx="3">
+                  <c:v>0.53997379000000001</c:v>
+                </c:pt>
+                <c:pt idx="4">
+                  <c:v>0.46002620999999999</c:v>
+                </c:pt>
+                <c:pt idx="5">
+                  <c:v>1.5543906000000001</c:v>
+                </c:pt>
+                <c:pt idx="6">
+                  <c:v>1.559633</c:v>
+                </c:pt>
+              </c:numCache>
+            </c:numRef>
+          </c:val>
+          <c:extLst>
+            <c:ext xmlns:c16="http://schemas.microsoft.com/office/drawing/2014/chart" uri="{C3380CC4-5D6E-409C-BE32-E72D297353CC}">
+              <c16:uniqueId val="{00000001-4E19-8F4D-835B-B7B2D995BA7B}"/>
+            </c:ext>
+          </c:extLst>
+        </c:ser>
+        <c:ser>
+          <c:idx val="2"/>
+          <c:order val="2"/>
+          <c:tx>
+            <c:strRef>
+              <c:f>Sheet2!$H$31</c:f>
+              <c:strCache>
+                <c:ptCount val="1"/>
+                <c:pt idx="0">
+                  <c:v>rank2_noclick_nobuy</c:v>
+                </c:pt>
+              </c:strCache>
+            </c:strRef>
+          </c:tx>
+          <c:spPr>
+            <a:solidFill>
+              <a:schemeClr val="accent3"/>
+            </a:solidFill>
+            <a:ln>
+              <a:noFill/>
+            </a:ln>
+            <a:effectLst/>
+          </c:spPr>
+          <c:invertIfNegative val="0"/>
+          <c:cat>
+            <c:strRef>
+              <c:f>(Sheet2!$I$28,Sheet2!$P$28,Sheet2!$W$28,Sheet2!$AD$28,Sheet2!$AL$28,Sheet2!$AT$28,Sheet2!$BB$28)</c:f>
+              <c:strCache>
+                <c:ptCount val="7"/>
+                <c:pt idx="0">
+                  <c:v>mean_insured_Y</c:v>
+                </c:pt>
+                <c:pt idx="1">
+                  <c:v>mean_insured_N</c:v>
+                </c:pt>
+                <c:pt idx="2">
+                  <c:v>mean_insured_Un</c:v>
+                </c:pt>
+                <c:pt idx="3">
+                  <c:v>mean_married</c:v>
+                </c:pt>
+                <c:pt idx="4">
+                  <c:v>mean_single</c:v>
+                </c:pt>
+                <c:pt idx="5">
+                  <c:v>mean_ve~s</c:v>
+                </c:pt>
+                <c:pt idx="6">
+                  <c:v>mean_dr~s</c:v>
+                </c:pt>
+              </c:strCache>
+            </c:strRef>
+          </c:cat>
+          <c:val>
+            <c:numRef>
+              <c:f>(Sheet2!$I$31,Sheet2!$P$31,Sheet2!$W$31,Sheet2!$AD$31,Sheet2!$AL$31,Sheet2!$AT$31,Sheet2!$BB$31)</c:f>
+              <c:numCache>
+                <c:formatCode>General</c:formatCode>
+                <c:ptCount val="7"/>
+                <c:pt idx="0">
+                  <c:v>0.23211169000000001</c:v>
+                </c:pt>
+                <c:pt idx="1">
+                  <c:v>0.17801047</c:v>
+                </c:pt>
+                <c:pt idx="2">
+                  <c:v>0.58987783999999999</c:v>
+                </c:pt>
+                <c:pt idx="3">
+                  <c:v>0.52006980999999997</c:v>
+                </c:pt>
+                <c:pt idx="4">
+                  <c:v>0.47993018999999998</c:v>
+                </c:pt>
+                <c:pt idx="5">
+                  <c:v>1.5959859999999999</c:v>
+                </c:pt>
+                <c:pt idx="6">
+                  <c:v>1.534904</c:v>
+                </c:pt>
+              </c:numCache>
+            </c:numRef>
+          </c:val>
+          <c:extLst>
+            <c:ext xmlns:c16="http://schemas.microsoft.com/office/drawing/2014/chart" uri="{C3380CC4-5D6E-409C-BE32-E72D297353CC}">
+              <c16:uniqueId val="{00000002-4E19-8F4D-835B-B7B2D995BA7B}"/>
+            </c:ext>
+          </c:extLst>
+        </c:ser>
+        <c:ser>
+          <c:idx val="3"/>
+          <c:order val="3"/>
+          <c:tx>
+            <c:strRef>
+              <c:f>Sheet2!$H$32</c:f>
+              <c:strCache>
+                <c:ptCount val="1"/>
+                <c:pt idx="0">
+                  <c:v>rank3_noclick_nobuy</c:v>
+                </c:pt>
+              </c:strCache>
+            </c:strRef>
+          </c:tx>
+          <c:spPr>
+            <a:solidFill>
+              <a:schemeClr val="accent4"/>
+            </a:solidFill>
+            <a:ln>
+              <a:noFill/>
+            </a:ln>
+            <a:effectLst/>
+          </c:spPr>
+          <c:invertIfNegative val="0"/>
+          <c:cat>
+            <c:strRef>
+              <c:f>(Sheet2!$I$28,Sheet2!$P$28,Sheet2!$W$28,Sheet2!$AD$28,Sheet2!$AL$28,Sheet2!$AT$28,Sheet2!$BB$28)</c:f>
+              <c:strCache>
+                <c:ptCount val="7"/>
+                <c:pt idx="0">
+                  <c:v>mean_insured_Y</c:v>
+                </c:pt>
+                <c:pt idx="1">
+                  <c:v>mean_insured_N</c:v>
+                </c:pt>
+                <c:pt idx="2">
+                  <c:v>mean_insured_Un</c:v>
+                </c:pt>
+                <c:pt idx="3">
+                  <c:v>mean_married</c:v>
+                </c:pt>
+                <c:pt idx="4">
+                  <c:v>mean_single</c:v>
+                </c:pt>
+                <c:pt idx="5">
+                  <c:v>mean_ve~s</c:v>
+                </c:pt>
+                <c:pt idx="6">
+                  <c:v>mean_dr~s</c:v>
+                </c:pt>
+              </c:strCache>
+            </c:strRef>
+          </c:cat>
+          <c:val>
+            <c:numRef>
+              <c:f>(Sheet2!$I$32,Sheet2!$P$32,Sheet2!$W$32,Sheet2!$AD$32,Sheet2!$AL$32,Sheet2!$AT$32,Sheet2!$BB$32)</c:f>
+              <c:numCache>
+                <c:formatCode>General</c:formatCode>
+                <c:ptCount val="7"/>
+                <c:pt idx="0">
+                  <c:v>0.37756097999999999</c:v>
+                </c:pt>
+                <c:pt idx="1">
+                  <c:v>0.32878048999999998</c:v>
+                </c:pt>
+                <c:pt idx="2">
+                  <c:v>0.29365854000000002</c:v>
+                </c:pt>
+                <c:pt idx="3">
+                  <c:v>0.52926828999999997</c:v>
+                </c:pt>
+                <c:pt idx="4">
+                  <c:v>0.47073171000000003</c:v>
+                </c:pt>
+                <c:pt idx="5">
+                  <c:v>1.9229267999999999</c:v>
+                </c:pt>
+                <c:pt idx="6">
+                  <c:v>1.5190243999999999</c:v>
+                </c:pt>
+              </c:numCache>
+            </c:numRef>
+          </c:val>
+          <c:extLst>
+            <c:ext xmlns:c16="http://schemas.microsoft.com/office/drawing/2014/chart" uri="{C3380CC4-5D6E-409C-BE32-E72D297353CC}">
+              <c16:uniqueId val="{00000003-4E19-8F4D-835B-B7B2D995BA7B}"/>
+            </c:ext>
+          </c:extLst>
+        </c:ser>
+        <c:ser>
+          <c:idx val="4"/>
+          <c:order val="4"/>
+          <c:tx>
+            <c:strRef>
+              <c:f>Sheet2!$H$33</c:f>
+              <c:strCache>
+                <c:ptCount val="1"/>
+                <c:pt idx="0">
+                  <c:v>rank4_noclick_nobuy</c:v>
+                </c:pt>
+              </c:strCache>
+            </c:strRef>
+          </c:tx>
+          <c:spPr>
+            <a:solidFill>
+              <a:schemeClr val="accent5"/>
+            </a:solidFill>
+            <a:ln>
+              <a:noFill/>
+            </a:ln>
+            <a:effectLst/>
+          </c:spPr>
+          <c:invertIfNegative val="0"/>
+          <c:cat>
+            <c:strRef>
+              <c:f>(Sheet2!$I$28,Sheet2!$P$28,Sheet2!$W$28,Sheet2!$AD$28,Sheet2!$AL$28,Sheet2!$AT$28,Sheet2!$BB$28)</c:f>
+              <c:strCache>
+                <c:ptCount val="7"/>
+                <c:pt idx="0">
+                  <c:v>mean_insured_Y</c:v>
+                </c:pt>
+                <c:pt idx="1">
+                  <c:v>mean_insured_N</c:v>
+                </c:pt>
+                <c:pt idx="2">
+                  <c:v>mean_insured_Un</c:v>
+                </c:pt>
+                <c:pt idx="3">
+                  <c:v>mean_married</c:v>
+                </c:pt>
+                <c:pt idx="4">
+                  <c:v>mean_single</c:v>
+                </c:pt>
+                <c:pt idx="5">
+                  <c:v>mean_ve~s</c:v>
+                </c:pt>
+                <c:pt idx="6">
+                  <c:v>mean_dr~s</c:v>
+                </c:pt>
+              </c:strCache>
+            </c:strRef>
+          </c:cat>
+          <c:val>
+            <c:numRef>
+              <c:f>(Sheet2!$I$33,Sheet2!$P$33,Sheet2!$W$33,Sheet2!$AD$33,Sheet2!$AL$33,Sheet2!$AT$33,Sheet2!$BB$33)</c:f>
+              <c:numCache>
+                <c:formatCode>General</c:formatCode>
+                <c:ptCount val="7"/>
+                <c:pt idx="0">
+                  <c:v>0.46590317999999997</c:v>
+                </c:pt>
+                <c:pt idx="1">
+                  <c:v>0.45809474</c:v>
+                </c:pt>
+                <c:pt idx="2">
+                  <c:v>7.600208E-2</c:v>
+                </c:pt>
+                <c:pt idx="3">
+                  <c:v>0.52732952</c:v>
+                </c:pt>
+                <c:pt idx="4">
+                  <c:v>0.47267048</c:v>
+                </c:pt>
+                <c:pt idx="5">
+                  <c:v>2.1572098</c:v>
+                </c:pt>
+                <c:pt idx="6">
+                  <c:v>1.4763143999999999</c:v>
+                </c:pt>
+              </c:numCache>
+            </c:numRef>
+          </c:val>
+          <c:extLst>
+            <c:ext xmlns:c16="http://schemas.microsoft.com/office/drawing/2014/chart" uri="{C3380CC4-5D6E-409C-BE32-E72D297353CC}">
+              <c16:uniqueId val="{00000004-4E19-8F4D-835B-B7B2D995BA7B}"/>
+            </c:ext>
+          </c:extLst>
+        </c:ser>
+        <c:ser>
+          <c:idx val="5"/>
+          <c:order val="5"/>
+          <c:tx>
+            <c:strRef>
+              <c:f>Sheet2!$H$34</c:f>
+              <c:strCache>
+                <c:ptCount val="1"/>
+                <c:pt idx="0">
+                  <c:v>rank5_noclick_nobuy</c:v>
+                </c:pt>
+              </c:strCache>
+            </c:strRef>
+          </c:tx>
+          <c:spPr>
+            <a:solidFill>
+              <a:schemeClr val="accent6"/>
+            </a:solidFill>
+            <a:ln>
+              <a:noFill/>
+            </a:ln>
+            <a:effectLst/>
+          </c:spPr>
+          <c:invertIfNegative val="0"/>
+          <c:cat>
+            <c:strRef>
+              <c:f>(Sheet2!$I$28,Sheet2!$P$28,Sheet2!$W$28,Sheet2!$AD$28,Sheet2!$AL$28,Sheet2!$AT$28,Sheet2!$BB$28)</c:f>
+              <c:strCache>
+                <c:ptCount val="7"/>
+                <c:pt idx="0">
+                  <c:v>mean_insured_Y</c:v>
+                </c:pt>
+                <c:pt idx="1">
+                  <c:v>mean_insured_N</c:v>
+                </c:pt>
+                <c:pt idx="2">
+                  <c:v>mean_insured_Un</c:v>
+                </c:pt>
+                <c:pt idx="3">
+                  <c:v>mean_married</c:v>
+                </c:pt>
+                <c:pt idx="4">
+                  <c:v>mean_single</c:v>
+                </c:pt>
+                <c:pt idx="5">
+                  <c:v>mean_ve~s</c:v>
+                </c:pt>
+                <c:pt idx="6">
+                  <c:v>mean_dr~s</c:v>
+                </c:pt>
+              </c:strCache>
+            </c:strRef>
+          </c:cat>
+          <c:val>
+            <c:numRef>
+              <c:f>(Sheet2!$I$34,Sheet2!$P$34,Sheet2!$W$34,Sheet2!$AD$34,Sheet2!$AL$34,Sheet2!$AT$34,Sheet2!$BB$34)</c:f>
+              <c:numCache>
+                <c:formatCode>General</c:formatCode>
+                <c:ptCount val="7"/>
+                <c:pt idx="0">
+                  <c:v>0.47413023999999998</c:v>
+                </c:pt>
+                <c:pt idx="1">
+                  <c:v>0.52586975999999996</c:v>
+                </c:pt>
+                <c:pt idx="2">
+                  <c:v>0</c:v>
+                </c:pt>
+                <c:pt idx="3">
+                  <c:v>0.52319358000000005</c:v>
+                </c:pt>
+                <c:pt idx="4">
+                  <c:v>0.47680642000000001</c:v>
+                </c:pt>
+                <c:pt idx="5">
+                  <c:v>2.4103479000000001</c:v>
+                </c:pt>
+                <c:pt idx="6">
+                  <c:v>1.4455842999999999</c:v>
+                </c:pt>
+              </c:numCache>
+            </c:numRef>
+          </c:val>
+          <c:extLst>
+            <c:ext xmlns:c16="http://schemas.microsoft.com/office/drawing/2014/chart" uri="{C3380CC4-5D6E-409C-BE32-E72D297353CC}">
+              <c16:uniqueId val="{00000005-4E19-8F4D-835B-B7B2D995BA7B}"/>
+            </c:ext>
+          </c:extLst>
+        </c:ser>
+        <c:dLbls>
+          <c:showLegendKey val="0"/>
+          <c:showVal val="0"/>
+          <c:showCatName val="0"/>
+          <c:showSerName val="0"/>
+          <c:showPercent val="0"/>
+          <c:showBubbleSize val="0"/>
+        </c:dLbls>
+        <c:gapWidth val="219"/>
+        <c:overlap val="-27"/>
+        <c:axId val="2039628688"/>
+        <c:axId val="2024346464"/>
+      </c:barChart>
+      <c:catAx>
+        <c:axId val="2039628688"/>
+        <c:scaling>
+          <c:orientation val="minMax"/>
+        </c:scaling>
+        <c:delete val="0"/>
+        <c:axPos val="b"/>
+        <c:numFmt formatCode="General" sourceLinked="1"/>
+        <c:majorTickMark val="none"/>
+        <c:minorTickMark val="none"/>
+        <c:tickLblPos val="nextTo"/>
+        <c:spPr>
+          <a:noFill/>
+          <a:ln w="9525" cap="flat" cmpd="sng" algn="ctr">
+            <a:solidFill>
+              <a:schemeClr val="tx1">
+                <a:lumMod val="15000"/>
+                <a:lumOff val="85000"/>
+              </a:schemeClr>
+            </a:solidFill>
+            <a:round/>
+          </a:ln>
+          <a:effectLst/>
+        </c:spPr>
+        <c:txPr>
+          <a:bodyPr rot="-60000000" spcFirstLastPara="1" vertOverflow="ellipsis" vert="horz" wrap="square" anchor="ctr" anchorCtr="1"/>
+          <a:lstStyle/>
+          <a:p>
+            <a:pPr>
+              <a:defRPr sz="900" b="0" i="0" u="none" strike="noStrike" kern="1200" baseline="0">
+                <a:solidFill>
+                  <a:schemeClr val="tx1">
+                    <a:lumMod val="65000"/>
+                    <a:lumOff val="35000"/>
+                  </a:schemeClr>
+                </a:solidFill>
+                <a:latin typeface="+mn-lt"/>
+                <a:ea typeface="+mn-ea"/>
+                <a:cs typeface="+mn-cs"/>
+              </a:defRPr>
+            </a:pPr>
+            <a:endParaRPr lang="en-US"/>
+          </a:p>
+        </c:txPr>
+        <c:crossAx val="2024346464"/>
+        <c:crosses val="autoZero"/>
+        <c:auto val="1"/>
+        <c:lblAlgn val="ctr"/>
+        <c:lblOffset val="100"/>
+        <c:noMultiLvlLbl val="0"/>
+      </c:catAx>
+      <c:valAx>
+        <c:axId val="2024346464"/>
+        <c:scaling>
+          <c:orientation val="minMax"/>
+        </c:scaling>
+        <c:delete val="0"/>
+        <c:axPos val="l"/>
+        <c:numFmt formatCode="General" sourceLinked="1"/>
+        <c:majorTickMark val="none"/>
+        <c:minorTickMark val="none"/>
+        <c:tickLblPos val="nextTo"/>
+        <c:spPr>
+          <a:noFill/>
+          <a:ln>
+            <a:noFill/>
+          </a:ln>
+          <a:effectLst/>
+        </c:spPr>
+        <c:txPr>
+          <a:bodyPr rot="-60000000" spcFirstLastPara="1" vertOverflow="ellipsis" vert="horz" wrap="square" anchor="ctr" anchorCtr="1"/>
+          <a:lstStyle/>
+          <a:p>
+            <a:pPr>
+              <a:defRPr sz="900" b="0" i="0" u="none" strike="noStrike" kern="1200" baseline="0">
+                <a:solidFill>
+                  <a:schemeClr val="tx1">
+                    <a:lumMod val="65000"/>
+                    <a:lumOff val="35000"/>
+                  </a:schemeClr>
+                </a:solidFill>
+                <a:latin typeface="+mn-lt"/>
+                <a:ea typeface="+mn-ea"/>
+                <a:cs typeface="+mn-cs"/>
+              </a:defRPr>
+            </a:pPr>
+            <a:endParaRPr lang="en-US"/>
+          </a:p>
+        </c:txPr>
+        <c:crossAx val="2039628688"/>
+        <c:crosses val="autoZero"/>
+        <c:crossBetween val="between"/>
+      </c:valAx>
+      <c:spPr>
+        <a:noFill/>
+        <a:ln>
+          <a:noFill/>
+        </a:ln>
+        <a:effectLst/>
+      </c:spPr>
+    </c:plotArea>
+    <c:legend>
+      <c:legendPos val="b"/>
+      <c:overlay val="0"/>
+      <c:spPr>
+        <a:noFill/>
+        <a:ln>
+          <a:noFill/>
+        </a:ln>
+        <a:effectLst/>
+      </c:spPr>
+      <c:txPr>
+        <a:bodyPr rot="0" spcFirstLastPara="1" vertOverflow="ellipsis" vert="horz" wrap="square" anchor="ctr" anchorCtr="1"/>
+        <a:lstStyle/>
+        <a:p>
+          <a:pPr>
+            <a:defRPr sz="900" b="0" i="0" u="none" strike="noStrike" kern="1200" baseline="0">
+              <a:solidFill>
+                <a:schemeClr val="tx1">
+                  <a:lumMod val="65000"/>
+                  <a:lumOff val="35000"/>
+                </a:schemeClr>
+              </a:solidFill>
+              <a:latin typeface="+mn-lt"/>
+              <a:ea typeface="+mn-ea"/>
+              <a:cs typeface="+mn-cs"/>
+            </a:defRPr>
+          </a:pPr>
+          <a:endParaRPr lang="en-US"/>
+        </a:p>
+      </c:txPr>
+    </c:legend>
+    <c:plotVisOnly val="1"/>
+    <c:dispBlanksAs val="gap"/>
+    <c:extLst>
+      <c:ext xmlns:c16r3="http://schemas.microsoft.com/office/drawing/2017/03/chart" uri="{56B9EC1D-385E-4148-901F-78D8002777C0}">
+        <c16r3:dataDisplayOptions16>
+          <c16r3:dispNaAsBlank val="1"/>
+        </c16r3:dataDisplayOptions16>
+      </c:ext>
+    </c:extLst>
+    <c:showDLblsOverMax val="0"/>
+  </c:chart>
+  <c:spPr>
+    <a:noFill/>
+    <a:ln>
+      <a:noFill/>
+    </a:ln>
+    <a:effectLst/>
+  </c:spPr>
+  <c:txPr>
+    <a:bodyPr/>
+    <a:lstStyle/>
+    <a:p>
+      <a:pPr>
+        <a:defRPr/>
+      </a:pPr>
+      <a:endParaRPr lang="en-US"/>
+    </a:p>
+  </c:txPr>
+  <c:externalData r:id="rId3">
+    <c:autoUpdate val="0"/>
+  </c:externalData>
+</c:chartSpace>
+</file>
+
+<file path=ppt/charts/chart2.xml><?xml version="1.0" encoding="utf-8"?>
+<c:chartSpace xmlns:c="http://schemas.openxmlformats.org/drawingml/2006/chart" xmlns:a="http://schemas.openxmlformats.org/drawingml/2006/main" xmlns:r="http://schemas.openxmlformats.org/officeDocument/2006/relationships" xmlns:c16r2="http://schemas.microsoft.com/office/drawing/2015/06/chart">
+  <c:date1904 val="0"/>
+  <c:lang val="en-US"/>
+  <c:roundedCorners val="0"/>
+  <mc:AlternateContent xmlns:mc="http://schemas.openxmlformats.org/markup-compatibility/2006">
+    <mc:Choice xmlns:c14="http://schemas.microsoft.com/office/drawing/2007/8/2/chart" Requires="c14">
+      <c14:style val="102"/>
+    </mc:Choice>
+    <mc:Fallback>
+      <c:style val="2"/>
+    </mc:Fallback>
+  </mc:AlternateContent>
+  <c:chart>
+    <c:title>
+      <c:tx>
+        <c:rich>
+          <a:bodyPr rot="0" spcFirstLastPara="1" vertOverflow="ellipsis" vert="horz" wrap="square" anchor="ctr" anchorCtr="1"/>
+          <a:lstStyle/>
+          <a:p>
+            <a:pPr>
+              <a:defRPr sz="1400" b="0" i="0" u="none" strike="noStrike" kern="1200" spc="0" baseline="0">
+                <a:solidFill>
+                  <a:schemeClr val="tx1">
+                    <a:lumMod val="65000"/>
+                    <a:lumOff val="35000"/>
+                  </a:schemeClr>
+                </a:solidFill>
+                <a:latin typeface="+mn-lt"/>
+                <a:ea typeface="+mn-ea"/>
+                <a:cs typeface="+mn-cs"/>
+              </a:defRPr>
+            </a:pPr>
+            <a:r>
+              <a:rPr lang="en-US"/>
+              <a:t># of Observations in</a:t>
+            </a:r>
+            <a:r>
+              <a:rPr lang="en-US" baseline="0"/>
+              <a:t> click_nobuy, click_buy and nonclick_no_buy</a:t>
+            </a:r>
+            <a:endParaRPr lang="en-US"/>
+          </a:p>
+        </c:rich>
+      </c:tx>
+      <c:overlay val="0"/>
+      <c:spPr>
+        <a:noFill/>
+        <a:ln>
+          <a:noFill/>
+        </a:ln>
+        <a:effectLst/>
+      </c:spPr>
+      <c:txPr>
+        <a:bodyPr rot="0" spcFirstLastPara="1" vertOverflow="ellipsis" vert="horz" wrap="square" anchor="ctr" anchorCtr="1"/>
+        <a:lstStyle/>
+        <a:p>
+          <a:pPr>
+            <a:defRPr sz="1400" b="0" i="0" u="none" strike="noStrike" kern="1200" spc="0" baseline="0">
+              <a:solidFill>
+                <a:schemeClr val="tx1">
+                  <a:lumMod val="65000"/>
+                  <a:lumOff val="35000"/>
+                </a:schemeClr>
+              </a:solidFill>
+              <a:latin typeface="+mn-lt"/>
+              <a:ea typeface="+mn-ea"/>
+              <a:cs typeface="+mn-cs"/>
+            </a:defRPr>
+          </a:pPr>
+          <a:endParaRPr lang="en-US"/>
+        </a:p>
+      </c:txPr>
+    </c:title>
+    <c:autoTitleDeleted val="0"/>
+    <c:plotArea>
+      <c:layout/>
+      <c:barChart>
+        <c:barDir val="col"/>
+        <c:grouping val="clustered"/>
+        <c:varyColors val="0"/>
+        <c:ser>
+          <c:idx val="0"/>
+          <c:order val="0"/>
+          <c:tx>
+            <c:strRef>
+              <c:f>Sheet5!$A$3</c:f>
+              <c:strCache>
+                <c:ptCount val="1"/>
+                <c:pt idx="0">
+                  <c:v>rank</c:v>
+                </c:pt>
+              </c:strCache>
+            </c:strRef>
+          </c:tx>
+          <c:spPr>
+            <a:solidFill>
+              <a:schemeClr val="accent1"/>
+            </a:solidFill>
+            <a:ln>
+              <a:noFill/>
+            </a:ln>
+            <a:effectLst/>
+          </c:spPr>
+          <c:invertIfNegative val="0"/>
+          <c:val>
+            <c:numRef>
+              <c:f>Sheet5!$A$4:$A$8</c:f>
+              <c:numCache>
+                <c:formatCode>General</c:formatCode>
+                <c:ptCount val="5"/>
+                <c:pt idx="0">
+                  <c:v>1</c:v>
+                </c:pt>
+                <c:pt idx="1">
+                  <c:v>2</c:v>
+                </c:pt>
+                <c:pt idx="2">
+                  <c:v>3</c:v>
+                </c:pt>
+                <c:pt idx="3">
+                  <c:v>4</c:v>
+                </c:pt>
+                <c:pt idx="4">
+                  <c:v>5</c:v>
+                </c:pt>
+              </c:numCache>
+            </c:numRef>
+          </c:val>
+          <c:extLst>
+            <c:ext xmlns:c16="http://schemas.microsoft.com/office/drawing/2014/chart" uri="{C3380CC4-5D6E-409C-BE32-E72D297353CC}">
+              <c16:uniqueId val="{00000000-82DB-274D-A32D-194AFDE47C8B}"/>
+            </c:ext>
+          </c:extLst>
+        </c:ser>
+        <c:ser>
+          <c:idx val="1"/>
+          <c:order val="1"/>
+          <c:tx>
+            <c:strRef>
+              <c:f>Sheet5!$B$3</c:f>
+              <c:strCache>
+                <c:ptCount val="1"/>
+                <c:pt idx="0">
+                  <c:v>click_nobuy</c:v>
+                </c:pt>
+              </c:strCache>
+            </c:strRef>
+          </c:tx>
+          <c:spPr>
+            <a:solidFill>
+              <a:schemeClr val="accent2"/>
+            </a:solidFill>
+            <a:ln>
+              <a:noFill/>
+            </a:ln>
+            <a:effectLst/>
+          </c:spPr>
+          <c:invertIfNegative val="0"/>
+          <c:val>
+            <c:numRef>
+              <c:f>Sheet5!$B$4:$B$8</c:f>
+              <c:numCache>
+                <c:formatCode>#,##0</c:formatCode>
+                <c:ptCount val="5"/>
+                <c:pt idx="0">
+                  <c:v>490</c:v>
+                </c:pt>
+                <c:pt idx="1">
+                  <c:v>253</c:v>
+                </c:pt>
+                <c:pt idx="2">
+                  <c:v>213</c:v>
+                </c:pt>
+                <c:pt idx="3">
+                  <c:v>110</c:v>
+                </c:pt>
+                <c:pt idx="4">
+                  <c:v>29</c:v>
+                </c:pt>
+              </c:numCache>
+            </c:numRef>
+          </c:val>
+          <c:extLst>
+            <c:ext xmlns:c16="http://schemas.microsoft.com/office/drawing/2014/chart" uri="{C3380CC4-5D6E-409C-BE32-E72D297353CC}">
+              <c16:uniqueId val="{00000001-82DB-274D-A32D-194AFDE47C8B}"/>
+            </c:ext>
+          </c:extLst>
+        </c:ser>
+        <c:ser>
+          <c:idx val="2"/>
+          <c:order val="2"/>
+          <c:tx>
+            <c:strRef>
+              <c:f>Sheet5!$C$3</c:f>
+              <c:strCache>
+                <c:ptCount val="1"/>
+                <c:pt idx="0">
+                  <c:v>click_buy</c:v>
+                </c:pt>
+              </c:strCache>
+            </c:strRef>
+          </c:tx>
+          <c:spPr>
+            <a:solidFill>
+              <a:schemeClr val="accent3"/>
+            </a:solidFill>
+            <a:ln>
+              <a:noFill/>
+            </a:ln>
+            <a:effectLst/>
+          </c:spPr>
+          <c:invertIfNegative val="0"/>
+          <c:val>
+            <c:numRef>
+              <c:f>Sheet5!$C$4:$C$8</c:f>
+              <c:numCache>
+                <c:formatCode>General</c:formatCode>
+                <c:ptCount val="5"/>
+                <c:pt idx="0">
+                  <c:v>358</c:v>
+                </c:pt>
+                <c:pt idx="1">
+                  <c:v>209</c:v>
+                </c:pt>
+                <c:pt idx="2">
+                  <c:v>138</c:v>
+                </c:pt>
+                <c:pt idx="3">
+                  <c:v>58</c:v>
+                </c:pt>
+                <c:pt idx="4">
+                  <c:v>20</c:v>
+                </c:pt>
+              </c:numCache>
+            </c:numRef>
+          </c:val>
+          <c:extLst>
+            <c:ext xmlns:c16="http://schemas.microsoft.com/office/drawing/2014/chart" uri="{C3380CC4-5D6E-409C-BE32-E72D297353CC}">
+              <c16:uniqueId val="{00000002-82DB-274D-A32D-194AFDE47C8B}"/>
+            </c:ext>
+          </c:extLst>
+        </c:ser>
+        <c:ser>
+          <c:idx val="3"/>
+          <c:order val="3"/>
+          <c:tx>
+            <c:strRef>
+              <c:f>Sheet5!$D$3</c:f>
+              <c:strCache>
+                <c:ptCount val="1"/>
+                <c:pt idx="0">
+                  <c:v>noclick_nobuy</c:v>
+                </c:pt>
+              </c:strCache>
+            </c:strRef>
+          </c:tx>
+          <c:spPr>
+            <a:solidFill>
+              <a:schemeClr val="accent4"/>
+            </a:solidFill>
+            <a:ln>
+              <a:noFill/>
+            </a:ln>
+            <a:effectLst/>
+          </c:spPr>
+          <c:invertIfNegative val="0"/>
+          <c:val>
+            <c:numRef>
+              <c:f>Sheet5!$D$4:$D$8</c:f>
+              <c:numCache>
+                <c:formatCode>#,##0</c:formatCode>
+                <c:ptCount val="5"/>
+                <c:pt idx="0" formatCode="General">
+                  <c:v>763</c:v>
+                </c:pt>
+                <c:pt idx="1">
+                  <c:v>1146</c:v>
+                </c:pt>
+                <c:pt idx="2">
+                  <c:v>2050</c:v>
+                </c:pt>
+                <c:pt idx="3">
+                  <c:v>1921</c:v>
+                </c:pt>
+                <c:pt idx="4">
+                  <c:v>2242</c:v>
+                </c:pt>
+              </c:numCache>
+            </c:numRef>
+          </c:val>
+          <c:extLst>
+            <c:ext xmlns:c16="http://schemas.microsoft.com/office/drawing/2014/chart" uri="{C3380CC4-5D6E-409C-BE32-E72D297353CC}">
+              <c16:uniqueId val="{00000003-82DB-274D-A32D-194AFDE47C8B}"/>
+            </c:ext>
+          </c:extLst>
+        </c:ser>
+        <c:dLbls>
+          <c:showLegendKey val="0"/>
+          <c:showVal val="0"/>
+          <c:showCatName val="0"/>
+          <c:showSerName val="0"/>
+          <c:showPercent val="0"/>
+          <c:showBubbleSize val="0"/>
+        </c:dLbls>
+        <c:gapWidth val="219"/>
+        <c:overlap val="-27"/>
+        <c:axId val="2042837936"/>
+        <c:axId val="2043509632"/>
+      </c:barChart>
+      <c:catAx>
+        <c:axId val="2042837936"/>
+        <c:scaling>
+          <c:orientation val="minMax"/>
+        </c:scaling>
+        <c:delete val="0"/>
+        <c:axPos val="b"/>
+        <c:majorTickMark val="none"/>
+        <c:minorTickMark val="none"/>
+        <c:tickLblPos val="nextTo"/>
+        <c:spPr>
+          <a:noFill/>
+          <a:ln w="9525" cap="flat" cmpd="sng" algn="ctr">
+            <a:solidFill>
+              <a:schemeClr val="tx1">
+                <a:lumMod val="15000"/>
+                <a:lumOff val="85000"/>
+              </a:schemeClr>
+            </a:solidFill>
+            <a:round/>
+          </a:ln>
+          <a:effectLst/>
+        </c:spPr>
+        <c:txPr>
+          <a:bodyPr rot="-60000000" spcFirstLastPara="1" vertOverflow="ellipsis" vert="horz" wrap="square" anchor="ctr" anchorCtr="1"/>
+          <a:lstStyle/>
+          <a:p>
+            <a:pPr>
+              <a:defRPr sz="900" b="0" i="0" u="none" strike="noStrike" kern="1200" baseline="0">
+                <a:solidFill>
+                  <a:schemeClr val="tx1">
+                    <a:lumMod val="65000"/>
+                    <a:lumOff val="35000"/>
+                  </a:schemeClr>
+                </a:solidFill>
+                <a:latin typeface="+mn-lt"/>
+                <a:ea typeface="+mn-ea"/>
+                <a:cs typeface="+mn-cs"/>
+              </a:defRPr>
+            </a:pPr>
+            <a:endParaRPr lang="en-US"/>
+          </a:p>
+        </c:txPr>
+        <c:crossAx val="2043509632"/>
+        <c:crosses val="autoZero"/>
+        <c:auto val="1"/>
+        <c:lblAlgn val="ctr"/>
+        <c:lblOffset val="100"/>
+        <c:noMultiLvlLbl val="0"/>
+      </c:catAx>
+      <c:valAx>
+        <c:axId val="2043509632"/>
+        <c:scaling>
+          <c:orientation val="minMax"/>
+        </c:scaling>
+        <c:delete val="0"/>
+        <c:axPos val="l"/>
+        <c:majorGridlines>
+          <c:spPr>
+            <a:ln w="9525" cap="flat" cmpd="sng" algn="ctr">
+              <a:solidFill>
+                <a:schemeClr val="tx1">
+                  <a:lumMod val="15000"/>
+                  <a:lumOff val="85000"/>
+                </a:schemeClr>
+              </a:solidFill>
+              <a:round/>
+            </a:ln>
+            <a:effectLst/>
+          </c:spPr>
+        </c:majorGridlines>
+        <c:numFmt formatCode="General" sourceLinked="1"/>
+        <c:majorTickMark val="none"/>
+        <c:minorTickMark val="none"/>
+        <c:tickLblPos val="nextTo"/>
+        <c:spPr>
+          <a:noFill/>
+          <a:ln>
+            <a:noFill/>
+          </a:ln>
+          <a:effectLst/>
+        </c:spPr>
+        <c:txPr>
+          <a:bodyPr rot="-60000000" spcFirstLastPara="1" vertOverflow="ellipsis" vert="horz" wrap="square" anchor="ctr" anchorCtr="1"/>
+          <a:lstStyle/>
+          <a:p>
+            <a:pPr>
+              <a:defRPr sz="900" b="0" i="0" u="none" strike="noStrike" kern="1200" baseline="0">
+                <a:solidFill>
+                  <a:schemeClr val="tx1">
+                    <a:lumMod val="65000"/>
+                    <a:lumOff val="35000"/>
+                  </a:schemeClr>
+                </a:solidFill>
+                <a:latin typeface="+mn-lt"/>
+                <a:ea typeface="+mn-ea"/>
+                <a:cs typeface="+mn-cs"/>
+              </a:defRPr>
+            </a:pPr>
+            <a:endParaRPr lang="en-US"/>
+          </a:p>
+        </c:txPr>
+        <c:crossAx val="2042837936"/>
+        <c:crosses val="autoZero"/>
+        <c:crossBetween val="between"/>
+      </c:valAx>
+      <c:spPr>
+        <a:noFill/>
+        <a:ln>
+          <a:noFill/>
+        </a:ln>
+        <a:effectLst/>
+      </c:spPr>
+    </c:plotArea>
+    <c:legend>
+      <c:legendPos val="b"/>
+      <c:overlay val="0"/>
+      <c:spPr>
+        <a:noFill/>
+        <a:ln>
+          <a:noFill/>
+        </a:ln>
+        <a:effectLst/>
+      </c:spPr>
+      <c:txPr>
+        <a:bodyPr rot="0" spcFirstLastPara="1" vertOverflow="ellipsis" vert="horz" wrap="square" anchor="ctr" anchorCtr="1"/>
+        <a:lstStyle/>
+        <a:p>
+          <a:pPr>
+            <a:defRPr sz="900" b="0" i="0" u="none" strike="noStrike" kern="1200" baseline="0">
+              <a:solidFill>
+                <a:schemeClr val="tx1">
+                  <a:lumMod val="65000"/>
+                  <a:lumOff val="35000"/>
+                </a:schemeClr>
+              </a:solidFill>
+              <a:latin typeface="+mn-lt"/>
+              <a:ea typeface="+mn-ea"/>
+              <a:cs typeface="+mn-cs"/>
+            </a:defRPr>
+          </a:pPr>
+          <a:endParaRPr lang="en-US"/>
+        </a:p>
+      </c:txPr>
+    </c:legend>
+    <c:plotVisOnly val="1"/>
+    <c:dispBlanksAs val="gap"/>
+    <c:extLst>
+      <c:ext xmlns:c16r3="http://schemas.microsoft.com/office/drawing/2017/03/chart" uri="{56B9EC1D-385E-4148-901F-78D8002777C0}">
+        <c16r3:dataDisplayOptions16>
+          <c16r3:dispNaAsBlank val="1"/>
+        </c16r3:dataDisplayOptions16>
+      </c:ext>
+    </c:extLst>
+    <c:showDLblsOverMax val="0"/>
+  </c:chart>
+  <c:spPr>
+    <a:noFill/>
+    <a:ln>
+      <a:noFill/>
+    </a:ln>
+    <a:effectLst/>
+  </c:spPr>
+  <c:txPr>
+    <a:bodyPr/>
+    <a:lstStyle/>
+    <a:p>
+      <a:pPr>
+        <a:defRPr/>
+      </a:pPr>
+      <a:endParaRPr lang="en-US"/>
+    </a:p>
+  </c:txPr>
+  <c:externalData r:id="rId3">
+    <c:autoUpdate val="0"/>
+  </c:externalData>
+</c:chartSpace>
+</file>
+
+<file path=ppt/charts/chart3.xml><?xml version="1.0" encoding="utf-8"?>
+<c:chartSpace xmlns:c="http://schemas.openxmlformats.org/drawingml/2006/chart" xmlns:a="http://schemas.openxmlformats.org/drawingml/2006/main" xmlns:r="http://schemas.openxmlformats.org/officeDocument/2006/relationships" xmlns:c16r2="http://schemas.microsoft.com/office/drawing/2015/06/chart">
+  <c:date1904 val="0"/>
+  <c:lang val="en-US"/>
+  <c:roundedCorners val="0"/>
+  <mc:AlternateContent xmlns:mc="http://schemas.openxmlformats.org/markup-compatibility/2006">
+    <mc:Choice xmlns:c14="http://schemas.microsoft.com/office/drawing/2007/8/2/chart" Requires="c14">
+      <c14:style val="102"/>
+    </mc:Choice>
+    <mc:Fallback>
+      <c:style val="2"/>
+    </mc:Fallback>
+  </mc:AlternateContent>
+  <c:chart>
+    <c:autoTitleDeleted val="1"/>
+    <c:plotArea>
+      <c:layout/>
+      <c:pieChart>
+        <c:varyColors val="1"/>
+        <c:ser>
+          <c:idx val="0"/>
+          <c:order val="0"/>
+          <c:tx>
+            <c:strRef>
+              <c:f>Sheet6!$B$1</c:f>
+              <c:strCache>
+                <c:ptCount val="1"/>
+                <c:pt idx="0">
+                  <c:v>count</c:v>
+                </c:pt>
+              </c:strCache>
+            </c:strRef>
+          </c:tx>
+          <c:dPt>
+            <c:idx val="0"/>
+            <c:bubble3D val="0"/>
+            <c:spPr>
+              <a:solidFill>
+                <a:schemeClr val="accent1"/>
+              </a:solidFill>
+              <a:ln w="19050">
+                <a:solidFill>
+                  <a:schemeClr val="lt1"/>
+                </a:solidFill>
+              </a:ln>
+              <a:effectLst/>
+            </c:spPr>
+            <c:extLst>
+              <c:ext xmlns:c16="http://schemas.microsoft.com/office/drawing/2014/chart" uri="{C3380CC4-5D6E-409C-BE32-E72D297353CC}">
+                <c16:uniqueId val="{00000001-0883-CD4C-84D2-2DD3237D764E}"/>
+              </c:ext>
+            </c:extLst>
+          </c:dPt>
+          <c:dPt>
+            <c:idx val="1"/>
+            <c:bubble3D val="0"/>
+            <c:spPr>
+              <a:solidFill>
+                <a:schemeClr val="accent2"/>
+              </a:solidFill>
+              <a:ln w="19050">
+                <a:solidFill>
+                  <a:schemeClr val="lt1"/>
+                </a:solidFill>
+              </a:ln>
+              <a:effectLst/>
+            </c:spPr>
+            <c:extLst>
+              <c:ext xmlns:c16="http://schemas.microsoft.com/office/drawing/2014/chart" uri="{C3380CC4-5D6E-409C-BE32-E72D297353CC}">
+                <c16:uniqueId val="{00000003-0883-CD4C-84D2-2DD3237D764E}"/>
+              </c:ext>
+            </c:extLst>
+          </c:dPt>
+          <c:dPt>
+            <c:idx val="2"/>
+            <c:bubble3D val="0"/>
+            <c:spPr>
+              <a:solidFill>
+                <a:schemeClr val="accent3"/>
+              </a:solidFill>
+              <a:ln w="19050">
+                <a:solidFill>
+                  <a:schemeClr val="lt1"/>
+                </a:solidFill>
+              </a:ln>
+              <a:effectLst/>
+            </c:spPr>
+            <c:extLst>
+              <c:ext xmlns:c16="http://schemas.microsoft.com/office/drawing/2014/chart" uri="{C3380CC4-5D6E-409C-BE32-E72D297353CC}">
+                <c16:uniqueId val="{00000005-0883-CD4C-84D2-2DD3237D764E}"/>
+              </c:ext>
+            </c:extLst>
+          </c:dPt>
+          <c:dPt>
+            <c:idx val="3"/>
+            <c:bubble3D val="0"/>
+            <c:spPr>
+              <a:solidFill>
+                <a:schemeClr val="accent4"/>
+              </a:solidFill>
+              <a:ln w="19050">
+                <a:solidFill>
+                  <a:schemeClr val="lt1"/>
+                </a:solidFill>
+              </a:ln>
+              <a:effectLst/>
+            </c:spPr>
+            <c:extLst>
+              <c:ext xmlns:c16="http://schemas.microsoft.com/office/drawing/2014/chart" uri="{C3380CC4-5D6E-409C-BE32-E72D297353CC}">
+                <c16:uniqueId val="{00000007-0883-CD4C-84D2-2DD3237D764E}"/>
+              </c:ext>
+            </c:extLst>
+          </c:dPt>
+          <c:dPt>
+            <c:idx val="4"/>
+            <c:bubble3D val="0"/>
+            <c:spPr>
+              <a:solidFill>
+                <a:schemeClr val="accent5"/>
+              </a:solidFill>
+              <a:ln w="19050">
+                <a:solidFill>
+                  <a:schemeClr val="lt1"/>
+                </a:solidFill>
+              </a:ln>
+              <a:effectLst/>
+            </c:spPr>
+            <c:extLst>
+              <c:ext xmlns:c16="http://schemas.microsoft.com/office/drawing/2014/chart" uri="{C3380CC4-5D6E-409C-BE32-E72D297353CC}">
+                <c16:uniqueId val="{00000009-0883-CD4C-84D2-2DD3237D764E}"/>
+              </c:ext>
+            </c:extLst>
+          </c:dPt>
+          <c:dLbls>
+            <c:spPr>
+              <a:noFill/>
+              <a:ln>
+                <a:noFill/>
+              </a:ln>
+              <a:effectLst/>
+            </c:spPr>
+            <c:txPr>
+              <a:bodyPr rot="0" spcFirstLastPara="1" vertOverflow="ellipsis" vert="horz" wrap="square" lIns="38100" tIns="19050" rIns="38100" bIns="19050" anchor="ctr" anchorCtr="1">
+                <a:spAutoFit/>
+              </a:bodyPr>
+              <a:lstStyle/>
+              <a:p>
+                <a:pPr>
+                  <a:defRPr sz="900" b="0" i="0" u="none" strike="noStrike" kern="1200" baseline="0">
+                    <a:solidFill>
+                      <a:schemeClr val="tx1">
+                        <a:lumMod val="75000"/>
+                        <a:lumOff val="25000"/>
+                      </a:schemeClr>
+                    </a:solidFill>
+                    <a:latin typeface="+mn-lt"/>
+                    <a:ea typeface="+mn-ea"/>
+                    <a:cs typeface="+mn-cs"/>
+                  </a:defRPr>
+                </a:pPr>
+                <a:endParaRPr lang="en-US"/>
+              </a:p>
+            </c:txPr>
+            <c:showLegendKey val="0"/>
+            <c:showVal val="1"/>
+            <c:showCatName val="0"/>
+            <c:showSerName val="0"/>
+            <c:showPercent val="0"/>
+            <c:showBubbleSize val="0"/>
+            <c:showLeaderLines val="1"/>
+            <c:leaderLines>
+              <c:spPr>
+                <a:ln w="9525" cap="flat" cmpd="sng" algn="ctr">
+                  <a:solidFill>
+                    <a:schemeClr val="tx1">
+                      <a:lumMod val="35000"/>
+                      <a:lumOff val="65000"/>
+                    </a:schemeClr>
+                  </a:solidFill>
+                  <a:round/>
+                </a:ln>
+                <a:effectLst/>
+              </c:spPr>
+            </c:leaderLines>
+            <c:extLst>
+              <c:ext xmlns:c15="http://schemas.microsoft.com/office/drawing/2012/chart" uri="{CE6537A1-D6FC-4f65-9D91-7224C49458BB}"/>
+            </c:extLst>
+          </c:dLbls>
+          <c:cat>
+            <c:strRef>
+              <c:f>Sheet6!$A$2:$A$6</c:f>
+              <c:strCache>
+                <c:ptCount val="5"/>
+                <c:pt idx="0">
+                  <c:v>click_nobuy_r1</c:v>
+                </c:pt>
+                <c:pt idx="1">
+                  <c:v>click_nobuy_r2</c:v>
+                </c:pt>
+                <c:pt idx="2">
+                  <c:v>click_nobuy_r3</c:v>
+                </c:pt>
+                <c:pt idx="3">
+                  <c:v>click_nobuy_r4</c:v>
+                </c:pt>
+                <c:pt idx="4">
+                  <c:v>click_nobuy_r5</c:v>
+                </c:pt>
+              </c:strCache>
+            </c:strRef>
+          </c:cat>
+          <c:val>
+            <c:numRef>
+              <c:f>Sheet6!$B$2:$B$6</c:f>
+              <c:numCache>
+                <c:formatCode>General</c:formatCode>
+                <c:ptCount val="5"/>
+                <c:pt idx="0">
+                  <c:v>490</c:v>
+                </c:pt>
+                <c:pt idx="1">
+                  <c:v>253</c:v>
+                </c:pt>
+                <c:pt idx="2">
+                  <c:v>213</c:v>
+                </c:pt>
+                <c:pt idx="3">
+                  <c:v>110</c:v>
+                </c:pt>
+                <c:pt idx="4">
+                  <c:v>29</c:v>
+                </c:pt>
+              </c:numCache>
+            </c:numRef>
+          </c:val>
+          <c:extLst>
+            <c:ext xmlns:c16="http://schemas.microsoft.com/office/drawing/2014/chart" uri="{C3380CC4-5D6E-409C-BE32-E72D297353CC}">
+              <c16:uniqueId val="{0000000A-0883-CD4C-84D2-2DD3237D764E}"/>
+            </c:ext>
+          </c:extLst>
+        </c:ser>
+        <c:dLbls>
+          <c:showLegendKey val="0"/>
+          <c:showVal val="0"/>
+          <c:showCatName val="0"/>
+          <c:showSerName val="0"/>
+          <c:showPercent val="0"/>
+          <c:showBubbleSize val="0"/>
+          <c:showLeaderLines val="1"/>
+        </c:dLbls>
+        <c:firstSliceAng val="0"/>
+      </c:pieChart>
+      <c:spPr>
+        <a:noFill/>
+        <a:ln>
+          <a:noFill/>
+        </a:ln>
+        <a:effectLst/>
+      </c:spPr>
+    </c:plotArea>
+    <c:legend>
+      <c:legendPos val="b"/>
+      <c:overlay val="0"/>
+      <c:spPr>
+        <a:noFill/>
+        <a:ln>
+          <a:noFill/>
+        </a:ln>
+        <a:effectLst/>
+      </c:spPr>
+      <c:txPr>
+        <a:bodyPr rot="0" spcFirstLastPara="1" vertOverflow="ellipsis" vert="horz" wrap="square" anchor="ctr" anchorCtr="1"/>
+        <a:lstStyle/>
+        <a:p>
+          <a:pPr>
+            <a:defRPr sz="900" b="0" i="0" u="none" strike="noStrike" kern="1200" baseline="0">
+              <a:solidFill>
+                <a:schemeClr val="tx1">
+                  <a:lumMod val="65000"/>
+                  <a:lumOff val="35000"/>
+                </a:schemeClr>
+              </a:solidFill>
+              <a:latin typeface="+mn-lt"/>
+              <a:ea typeface="+mn-ea"/>
+              <a:cs typeface="+mn-cs"/>
+            </a:defRPr>
+          </a:pPr>
+          <a:endParaRPr lang="en-US"/>
+        </a:p>
+      </c:txPr>
+    </c:legend>
+    <c:plotVisOnly val="1"/>
+    <c:dispBlanksAs val="gap"/>
+    <c:extLst>
+      <c:ext xmlns:c16r3="http://schemas.microsoft.com/office/drawing/2017/03/chart" uri="{56B9EC1D-385E-4148-901F-78D8002777C0}">
+        <c16r3:dataDisplayOptions16>
+          <c16r3:dispNaAsBlank val="1"/>
+        </c16r3:dataDisplayOptions16>
+      </c:ext>
+    </c:extLst>
+    <c:showDLblsOverMax val="0"/>
+  </c:chart>
+  <c:spPr>
+    <a:noFill/>
+    <a:ln>
+      <a:noFill/>
+    </a:ln>
+    <a:effectLst/>
+  </c:spPr>
+  <c:txPr>
+    <a:bodyPr/>
+    <a:lstStyle/>
+    <a:p>
+      <a:pPr>
+        <a:defRPr/>
+      </a:pPr>
+      <a:endParaRPr lang="en-US"/>
+    </a:p>
+  </c:txPr>
+  <c:externalData r:id="rId3">
+    <c:autoUpdate val="0"/>
+  </c:externalData>
+</c:chartSpace>
+</file>
+
+<file path=ppt/charts/chart4.xml><?xml version="1.0" encoding="utf-8"?>
+<c:chartSpace xmlns:c="http://schemas.openxmlformats.org/drawingml/2006/chart" xmlns:a="http://schemas.openxmlformats.org/drawingml/2006/main" xmlns:r="http://schemas.openxmlformats.org/officeDocument/2006/relationships" xmlns:c16r2="http://schemas.microsoft.com/office/drawing/2015/06/chart">
+  <c:date1904 val="0"/>
+  <c:lang val="en-US"/>
+  <c:roundedCorners val="0"/>
+  <mc:AlternateContent xmlns:mc="http://schemas.openxmlformats.org/markup-compatibility/2006">
+    <mc:Choice xmlns:c14="http://schemas.microsoft.com/office/drawing/2007/8/2/chart" Requires="c14">
+      <c14:style val="102"/>
+    </mc:Choice>
+    <mc:Fallback>
+      <c:style val="2"/>
+    </mc:Fallback>
+  </mc:AlternateContent>
+  <c:chart>
+    <c:autoTitleDeleted val="1"/>
+    <c:plotArea>
+      <c:layout/>
+      <c:pieChart>
+        <c:varyColors val="1"/>
+        <c:ser>
+          <c:idx val="0"/>
+          <c:order val="0"/>
+          <c:tx>
+            <c:strRef>
+              <c:f>Sheet6!$B$10</c:f>
+              <c:strCache>
+                <c:ptCount val="1"/>
+                <c:pt idx="0">
+                  <c:v>count</c:v>
+                </c:pt>
+              </c:strCache>
+            </c:strRef>
+          </c:tx>
+          <c:dPt>
+            <c:idx val="0"/>
+            <c:bubble3D val="0"/>
+            <c:spPr>
+              <a:solidFill>
+                <a:schemeClr val="accent1"/>
+              </a:solidFill>
+              <a:ln w="19050">
+                <a:solidFill>
+                  <a:schemeClr val="lt1"/>
+                </a:solidFill>
+              </a:ln>
+              <a:effectLst/>
+            </c:spPr>
+            <c:extLst>
+              <c:ext xmlns:c16="http://schemas.microsoft.com/office/drawing/2014/chart" uri="{C3380CC4-5D6E-409C-BE32-E72D297353CC}">
+                <c16:uniqueId val="{00000001-214B-9442-8362-05BE6673EE3F}"/>
+              </c:ext>
+            </c:extLst>
+          </c:dPt>
+          <c:dPt>
+            <c:idx val="1"/>
+            <c:bubble3D val="0"/>
+            <c:spPr>
+              <a:solidFill>
+                <a:schemeClr val="accent2"/>
+              </a:solidFill>
+              <a:ln w="19050">
+                <a:solidFill>
+                  <a:schemeClr val="lt1"/>
+                </a:solidFill>
+              </a:ln>
+              <a:effectLst/>
+            </c:spPr>
+            <c:extLst>
+              <c:ext xmlns:c16="http://schemas.microsoft.com/office/drawing/2014/chart" uri="{C3380CC4-5D6E-409C-BE32-E72D297353CC}">
+                <c16:uniqueId val="{00000003-214B-9442-8362-05BE6673EE3F}"/>
+              </c:ext>
+            </c:extLst>
+          </c:dPt>
+          <c:dPt>
+            <c:idx val="2"/>
+            <c:bubble3D val="0"/>
+            <c:spPr>
+              <a:solidFill>
+                <a:schemeClr val="accent3"/>
+              </a:solidFill>
+              <a:ln w="19050">
+                <a:solidFill>
+                  <a:schemeClr val="lt1"/>
+                </a:solidFill>
+              </a:ln>
+              <a:effectLst/>
+            </c:spPr>
+            <c:extLst>
+              <c:ext xmlns:c16="http://schemas.microsoft.com/office/drawing/2014/chart" uri="{C3380CC4-5D6E-409C-BE32-E72D297353CC}">
+                <c16:uniqueId val="{00000005-214B-9442-8362-05BE6673EE3F}"/>
+              </c:ext>
+            </c:extLst>
+          </c:dPt>
+          <c:dPt>
+            <c:idx val="3"/>
+            <c:bubble3D val="0"/>
+            <c:spPr>
+              <a:solidFill>
+                <a:schemeClr val="accent4"/>
+              </a:solidFill>
+              <a:ln w="19050">
+                <a:solidFill>
+                  <a:schemeClr val="lt1"/>
+                </a:solidFill>
+              </a:ln>
+              <a:effectLst/>
+            </c:spPr>
+            <c:extLst>
+              <c:ext xmlns:c16="http://schemas.microsoft.com/office/drawing/2014/chart" uri="{C3380CC4-5D6E-409C-BE32-E72D297353CC}">
+                <c16:uniqueId val="{00000007-214B-9442-8362-05BE6673EE3F}"/>
+              </c:ext>
+            </c:extLst>
+          </c:dPt>
+          <c:dPt>
+            <c:idx val="4"/>
+            <c:bubble3D val="0"/>
+            <c:spPr>
+              <a:solidFill>
+                <a:schemeClr val="accent5"/>
+              </a:solidFill>
+              <a:ln w="19050">
+                <a:solidFill>
+                  <a:schemeClr val="lt1"/>
+                </a:solidFill>
+              </a:ln>
+              <a:effectLst/>
+            </c:spPr>
+            <c:extLst>
+              <c:ext xmlns:c16="http://schemas.microsoft.com/office/drawing/2014/chart" uri="{C3380CC4-5D6E-409C-BE32-E72D297353CC}">
+                <c16:uniqueId val="{00000009-214B-9442-8362-05BE6673EE3F}"/>
+              </c:ext>
+            </c:extLst>
+          </c:dPt>
+          <c:dLbls>
+            <c:spPr>
+              <a:noFill/>
+              <a:ln>
+                <a:noFill/>
+              </a:ln>
+              <a:effectLst/>
+            </c:spPr>
+            <c:txPr>
+              <a:bodyPr rot="0" spcFirstLastPara="1" vertOverflow="ellipsis" vert="horz" wrap="square" lIns="38100" tIns="19050" rIns="38100" bIns="19050" anchor="ctr" anchorCtr="1">
+                <a:spAutoFit/>
+              </a:bodyPr>
+              <a:lstStyle/>
+              <a:p>
+                <a:pPr>
+                  <a:defRPr sz="900" b="0" i="0" u="none" strike="noStrike" kern="1200" baseline="0">
+                    <a:solidFill>
+                      <a:schemeClr val="tx1">
+                        <a:lumMod val="75000"/>
+                        <a:lumOff val="25000"/>
+                      </a:schemeClr>
+                    </a:solidFill>
+                    <a:latin typeface="+mn-lt"/>
+                    <a:ea typeface="+mn-ea"/>
+                    <a:cs typeface="+mn-cs"/>
+                  </a:defRPr>
+                </a:pPr>
+                <a:endParaRPr lang="en-US"/>
+              </a:p>
+            </c:txPr>
+            <c:showLegendKey val="0"/>
+            <c:showVal val="1"/>
+            <c:showCatName val="0"/>
+            <c:showSerName val="0"/>
+            <c:showPercent val="0"/>
+            <c:showBubbleSize val="0"/>
+            <c:showLeaderLines val="1"/>
+            <c:leaderLines>
+              <c:spPr>
+                <a:ln w="9525" cap="flat" cmpd="sng" algn="ctr">
+                  <a:solidFill>
+                    <a:schemeClr val="tx1">
+                      <a:lumMod val="35000"/>
+                      <a:lumOff val="65000"/>
+                    </a:schemeClr>
+                  </a:solidFill>
+                  <a:round/>
+                </a:ln>
+                <a:effectLst/>
+              </c:spPr>
+            </c:leaderLines>
+            <c:extLst>
+              <c:ext xmlns:c15="http://schemas.microsoft.com/office/drawing/2012/chart" uri="{CE6537A1-D6FC-4f65-9D91-7224C49458BB}"/>
+            </c:extLst>
+          </c:dLbls>
+          <c:cat>
+            <c:strRef>
+              <c:f>Sheet6!$A$11:$A$15</c:f>
+              <c:strCache>
+                <c:ptCount val="5"/>
+                <c:pt idx="0">
+                  <c:v>click_buy_r1</c:v>
+                </c:pt>
+                <c:pt idx="1">
+                  <c:v>click_buy_r2</c:v>
+                </c:pt>
+                <c:pt idx="2">
+                  <c:v>click_buy_r3</c:v>
+                </c:pt>
+                <c:pt idx="3">
+                  <c:v>click_buy_r4</c:v>
+                </c:pt>
+                <c:pt idx="4">
+                  <c:v>click_buy_r5</c:v>
+                </c:pt>
+              </c:strCache>
+            </c:strRef>
+          </c:cat>
+          <c:val>
+            <c:numRef>
+              <c:f>Sheet6!$B$11:$B$15</c:f>
+              <c:numCache>
+                <c:formatCode>General</c:formatCode>
+                <c:ptCount val="5"/>
+                <c:pt idx="0">
+                  <c:v>358</c:v>
+                </c:pt>
+                <c:pt idx="1">
+                  <c:v>209</c:v>
+                </c:pt>
+                <c:pt idx="2">
+                  <c:v>138</c:v>
+                </c:pt>
+                <c:pt idx="3">
+                  <c:v>58</c:v>
+                </c:pt>
+                <c:pt idx="4">
+                  <c:v>20</c:v>
+                </c:pt>
+              </c:numCache>
+            </c:numRef>
+          </c:val>
+          <c:extLst>
+            <c:ext xmlns:c16="http://schemas.microsoft.com/office/drawing/2014/chart" uri="{C3380CC4-5D6E-409C-BE32-E72D297353CC}">
+              <c16:uniqueId val="{0000000A-214B-9442-8362-05BE6673EE3F}"/>
+            </c:ext>
+          </c:extLst>
+        </c:ser>
+        <c:dLbls>
+          <c:showLegendKey val="0"/>
+          <c:showVal val="0"/>
+          <c:showCatName val="0"/>
+          <c:showSerName val="0"/>
+          <c:showPercent val="0"/>
+          <c:showBubbleSize val="0"/>
+          <c:showLeaderLines val="1"/>
+        </c:dLbls>
+        <c:firstSliceAng val="0"/>
+      </c:pieChart>
+      <c:spPr>
+        <a:noFill/>
+        <a:ln>
+          <a:noFill/>
+        </a:ln>
+        <a:effectLst/>
+      </c:spPr>
+    </c:plotArea>
+    <c:legend>
+      <c:legendPos val="b"/>
+      <c:overlay val="0"/>
+      <c:spPr>
+        <a:noFill/>
+        <a:ln>
+          <a:noFill/>
+        </a:ln>
+        <a:effectLst/>
+      </c:spPr>
+      <c:txPr>
+        <a:bodyPr rot="0" spcFirstLastPara="1" vertOverflow="ellipsis" vert="horz" wrap="square" anchor="ctr" anchorCtr="1"/>
+        <a:lstStyle/>
+        <a:p>
+          <a:pPr>
+            <a:defRPr sz="900" b="0" i="0" u="none" strike="noStrike" kern="1200" baseline="0">
+              <a:solidFill>
+                <a:schemeClr val="tx1">
+                  <a:lumMod val="65000"/>
+                  <a:lumOff val="35000"/>
+                </a:schemeClr>
+              </a:solidFill>
+              <a:latin typeface="+mn-lt"/>
+              <a:ea typeface="+mn-ea"/>
+              <a:cs typeface="+mn-cs"/>
+            </a:defRPr>
+          </a:pPr>
+          <a:endParaRPr lang="en-US"/>
+        </a:p>
+      </c:txPr>
+    </c:legend>
+    <c:plotVisOnly val="1"/>
+    <c:dispBlanksAs val="gap"/>
+    <c:extLst>
+      <c:ext xmlns:c16r3="http://schemas.microsoft.com/office/drawing/2017/03/chart" uri="{56B9EC1D-385E-4148-901F-78D8002777C0}">
+        <c16r3:dataDisplayOptions16>
+          <c16r3:dispNaAsBlank val="1"/>
+        </c16r3:dataDisplayOptions16>
+      </c:ext>
+    </c:extLst>
+    <c:showDLblsOverMax val="0"/>
+  </c:chart>
+  <c:spPr>
+    <a:noFill/>
+    <a:ln>
+      <a:noFill/>
+    </a:ln>
+    <a:effectLst/>
+  </c:spPr>
+  <c:txPr>
+    <a:bodyPr/>
+    <a:lstStyle/>
+    <a:p>
+      <a:pPr>
+        <a:defRPr/>
+      </a:pPr>
+      <a:endParaRPr lang="en-US"/>
+    </a:p>
+  </c:txPr>
+  <c:externalData r:id="rId3">
+    <c:autoUpdate val="0"/>
+  </c:externalData>
+</c:chartSpace>
+</file>
+
+<file path=ppt/charts/chart5.xml><?xml version="1.0" encoding="utf-8"?>
+<c:chartSpace xmlns:c="http://schemas.openxmlformats.org/drawingml/2006/chart" xmlns:a="http://schemas.openxmlformats.org/drawingml/2006/main" xmlns:r="http://schemas.openxmlformats.org/officeDocument/2006/relationships" xmlns:c16r2="http://schemas.microsoft.com/office/drawing/2015/06/chart">
+  <c:date1904 val="0"/>
+  <c:lang val="en-US"/>
+  <c:roundedCorners val="0"/>
+  <mc:AlternateContent xmlns:mc="http://schemas.openxmlformats.org/markup-compatibility/2006">
+    <mc:Choice xmlns:c14="http://schemas.microsoft.com/office/drawing/2007/8/2/chart" Requires="c14">
+      <c14:style val="102"/>
+    </mc:Choice>
+    <mc:Fallback>
+      <c:style val="2"/>
+    </mc:Fallback>
+  </mc:AlternateContent>
+  <c:chart>
+    <c:autoTitleDeleted val="1"/>
+    <c:plotArea>
+      <c:layout/>
+      <c:pieChart>
+        <c:varyColors val="1"/>
+        <c:ser>
+          <c:idx val="0"/>
+          <c:order val="0"/>
+          <c:tx>
+            <c:strRef>
+              <c:f>Sheet6!$B$19</c:f>
+              <c:strCache>
+                <c:ptCount val="1"/>
+                <c:pt idx="0">
+                  <c:v>count</c:v>
+                </c:pt>
+              </c:strCache>
+            </c:strRef>
+          </c:tx>
+          <c:dPt>
+            <c:idx val="0"/>
+            <c:bubble3D val="0"/>
+            <c:spPr>
+              <a:solidFill>
+                <a:schemeClr val="accent1"/>
+              </a:solidFill>
+              <a:ln w="19050">
+                <a:solidFill>
+                  <a:schemeClr val="lt1"/>
+                </a:solidFill>
+              </a:ln>
+              <a:effectLst/>
+            </c:spPr>
+            <c:extLst>
+              <c:ext xmlns:c16="http://schemas.microsoft.com/office/drawing/2014/chart" uri="{C3380CC4-5D6E-409C-BE32-E72D297353CC}">
+                <c16:uniqueId val="{00000001-ECDE-AC48-A65D-4DF2860219CA}"/>
+              </c:ext>
+            </c:extLst>
+          </c:dPt>
+          <c:dPt>
+            <c:idx val="1"/>
+            <c:bubble3D val="0"/>
+            <c:spPr>
+              <a:solidFill>
+                <a:schemeClr val="accent2"/>
+              </a:solidFill>
+              <a:ln w="19050">
+                <a:solidFill>
+                  <a:schemeClr val="lt1"/>
+                </a:solidFill>
+              </a:ln>
+              <a:effectLst/>
+            </c:spPr>
+            <c:extLst>
+              <c:ext xmlns:c16="http://schemas.microsoft.com/office/drawing/2014/chart" uri="{C3380CC4-5D6E-409C-BE32-E72D297353CC}">
+                <c16:uniqueId val="{00000003-ECDE-AC48-A65D-4DF2860219CA}"/>
+              </c:ext>
+            </c:extLst>
+          </c:dPt>
+          <c:dPt>
+            <c:idx val="2"/>
+            <c:bubble3D val="0"/>
+            <c:spPr>
+              <a:solidFill>
+                <a:schemeClr val="accent3"/>
+              </a:solidFill>
+              <a:ln w="19050">
+                <a:solidFill>
+                  <a:schemeClr val="lt1"/>
+                </a:solidFill>
+              </a:ln>
+              <a:effectLst/>
+            </c:spPr>
+            <c:extLst>
+              <c:ext xmlns:c16="http://schemas.microsoft.com/office/drawing/2014/chart" uri="{C3380CC4-5D6E-409C-BE32-E72D297353CC}">
+                <c16:uniqueId val="{00000005-ECDE-AC48-A65D-4DF2860219CA}"/>
+              </c:ext>
+            </c:extLst>
+          </c:dPt>
+          <c:dPt>
+            <c:idx val="3"/>
+            <c:bubble3D val="0"/>
+            <c:spPr>
+              <a:solidFill>
+                <a:schemeClr val="accent4"/>
+              </a:solidFill>
+              <a:ln w="19050">
+                <a:solidFill>
+                  <a:schemeClr val="lt1"/>
+                </a:solidFill>
+              </a:ln>
+              <a:effectLst/>
+            </c:spPr>
+            <c:extLst>
+              <c:ext xmlns:c16="http://schemas.microsoft.com/office/drawing/2014/chart" uri="{C3380CC4-5D6E-409C-BE32-E72D297353CC}">
+                <c16:uniqueId val="{00000007-ECDE-AC48-A65D-4DF2860219CA}"/>
+              </c:ext>
+            </c:extLst>
+          </c:dPt>
+          <c:dPt>
+            <c:idx val="4"/>
+            <c:bubble3D val="0"/>
+            <c:spPr>
+              <a:solidFill>
+                <a:schemeClr val="accent5"/>
+              </a:solidFill>
+              <a:ln w="19050">
+                <a:solidFill>
+                  <a:schemeClr val="lt1"/>
+                </a:solidFill>
+              </a:ln>
+              <a:effectLst/>
+            </c:spPr>
+            <c:extLst>
+              <c:ext xmlns:c16="http://schemas.microsoft.com/office/drawing/2014/chart" uri="{C3380CC4-5D6E-409C-BE32-E72D297353CC}">
+                <c16:uniqueId val="{00000009-ECDE-AC48-A65D-4DF2860219CA}"/>
+              </c:ext>
+            </c:extLst>
+          </c:dPt>
+          <c:dLbls>
+            <c:spPr>
+              <a:noFill/>
+              <a:ln>
+                <a:noFill/>
+              </a:ln>
+              <a:effectLst/>
+            </c:spPr>
+            <c:txPr>
+              <a:bodyPr rot="0" spcFirstLastPara="1" vertOverflow="ellipsis" vert="horz" wrap="square" lIns="38100" tIns="19050" rIns="38100" bIns="19050" anchor="ctr" anchorCtr="1">
+                <a:spAutoFit/>
+              </a:bodyPr>
+              <a:lstStyle/>
+              <a:p>
+                <a:pPr>
+                  <a:defRPr sz="900" b="0" i="0" u="none" strike="noStrike" kern="1200" baseline="0">
+                    <a:solidFill>
+                      <a:schemeClr val="tx1">
+                        <a:lumMod val="75000"/>
+                        <a:lumOff val="25000"/>
+                      </a:schemeClr>
+                    </a:solidFill>
+                    <a:latin typeface="+mn-lt"/>
+                    <a:ea typeface="+mn-ea"/>
+                    <a:cs typeface="+mn-cs"/>
+                  </a:defRPr>
+                </a:pPr>
+                <a:endParaRPr lang="en-US"/>
+              </a:p>
+            </c:txPr>
+            <c:showLegendKey val="0"/>
+            <c:showVal val="1"/>
+            <c:showCatName val="0"/>
+            <c:showSerName val="0"/>
+            <c:showPercent val="0"/>
+            <c:showBubbleSize val="0"/>
+            <c:showLeaderLines val="1"/>
+            <c:leaderLines>
+              <c:spPr>
+                <a:ln w="9525" cap="flat" cmpd="sng" algn="ctr">
+                  <a:solidFill>
+                    <a:schemeClr val="tx1">
+                      <a:lumMod val="35000"/>
+                      <a:lumOff val="65000"/>
+                    </a:schemeClr>
+                  </a:solidFill>
+                  <a:round/>
+                </a:ln>
+                <a:effectLst/>
+              </c:spPr>
+            </c:leaderLines>
+            <c:extLst>
+              <c:ext xmlns:c15="http://schemas.microsoft.com/office/drawing/2012/chart" uri="{CE6537A1-D6FC-4f65-9D91-7224C49458BB}"/>
+            </c:extLst>
+          </c:dLbls>
+          <c:cat>
+            <c:strRef>
+              <c:f>Sheet6!$A$20:$A$24</c:f>
+              <c:strCache>
+                <c:ptCount val="5"/>
+                <c:pt idx="0">
+                  <c:v>noclick_nobuy_r1</c:v>
+                </c:pt>
+                <c:pt idx="1">
+                  <c:v>noclick_nobuy_r2</c:v>
+                </c:pt>
+                <c:pt idx="2">
+                  <c:v>noclick_nobuy_r3</c:v>
+                </c:pt>
+                <c:pt idx="3">
+                  <c:v>noclick_nobuy_r4</c:v>
+                </c:pt>
+                <c:pt idx="4">
+                  <c:v>noclick_nobuy_r5</c:v>
+                </c:pt>
+              </c:strCache>
+            </c:strRef>
+          </c:cat>
+          <c:val>
+            <c:numRef>
+              <c:f>Sheet6!$B$20:$B$24</c:f>
+              <c:numCache>
+                <c:formatCode>#,##0</c:formatCode>
+                <c:ptCount val="5"/>
+                <c:pt idx="0" formatCode="General">
+                  <c:v>763</c:v>
+                </c:pt>
+                <c:pt idx="1">
+                  <c:v>1146</c:v>
+                </c:pt>
+                <c:pt idx="2">
+                  <c:v>2050</c:v>
+                </c:pt>
+                <c:pt idx="3">
+                  <c:v>1921</c:v>
+                </c:pt>
+                <c:pt idx="4">
+                  <c:v>2242</c:v>
+                </c:pt>
+              </c:numCache>
+            </c:numRef>
+          </c:val>
+          <c:extLst>
+            <c:ext xmlns:c16="http://schemas.microsoft.com/office/drawing/2014/chart" uri="{C3380CC4-5D6E-409C-BE32-E72D297353CC}">
+              <c16:uniqueId val="{0000000A-ECDE-AC48-A65D-4DF2860219CA}"/>
+            </c:ext>
+          </c:extLst>
+        </c:ser>
+        <c:dLbls>
+          <c:showLegendKey val="0"/>
+          <c:showVal val="0"/>
+          <c:showCatName val="0"/>
+          <c:showSerName val="0"/>
+          <c:showPercent val="0"/>
+          <c:showBubbleSize val="0"/>
+          <c:showLeaderLines val="1"/>
+        </c:dLbls>
+        <c:firstSliceAng val="0"/>
+      </c:pieChart>
+      <c:spPr>
+        <a:noFill/>
+        <a:ln>
+          <a:noFill/>
+        </a:ln>
+        <a:effectLst/>
+      </c:spPr>
+    </c:plotArea>
+    <c:legend>
+      <c:legendPos val="b"/>
+      <c:overlay val="0"/>
+      <c:spPr>
+        <a:noFill/>
+        <a:ln>
+          <a:noFill/>
+        </a:ln>
+        <a:effectLst/>
+      </c:spPr>
+      <c:txPr>
+        <a:bodyPr rot="0" spcFirstLastPara="1" vertOverflow="ellipsis" vert="horz" wrap="square" anchor="ctr" anchorCtr="1"/>
+        <a:lstStyle/>
+        <a:p>
+          <a:pPr>
+            <a:defRPr sz="900" b="0" i="0" u="none" strike="noStrike" kern="1200" baseline="0">
+              <a:solidFill>
+                <a:schemeClr val="tx1">
+                  <a:lumMod val="65000"/>
+                  <a:lumOff val="35000"/>
+                </a:schemeClr>
+              </a:solidFill>
+              <a:latin typeface="+mn-lt"/>
+              <a:ea typeface="+mn-ea"/>
+              <a:cs typeface="+mn-cs"/>
+            </a:defRPr>
+          </a:pPr>
+          <a:endParaRPr lang="en-US"/>
+        </a:p>
+      </c:txPr>
+    </c:legend>
+    <c:plotVisOnly val="1"/>
+    <c:dispBlanksAs val="gap"/>
+    <c:extLst>
+      <c:ext xmlns:c16r3="http://schemas.microsoft.com/office/drawing/2017/03/chart" uri="{56B9EC1D-385E-4148-901F-78D8002777C0}">
+        <c16r3:dataDisplayOptions16>
+          <c16r3:dispNaAsBlank val="1"/>
+        </c16r3:dataDisplayOptions16>
+      </c:ext>
+    </c:extLst>
+    <c:showDLblsOverMax val="0"/>
+  </c:chart>
+  <c:spPr>
+    <a:noFill/>
+    <a:ln>
+      <a:noFill/>
+    </a:ln>
+    <a:effectLst/>
+  </c:spPr>
+  <c:txPr>
+    <a:bodyPr/>
+    <a:lstStyle/>
+    <a:p>
+      <a:pPr>
+        <a:defRPr/>
+      </a:pPr>
+      <a:endParaRPr lang="en-US"/>
+    </a:p>
+  </c:txPr>
+  <c:externalData r:id="rId3">
+    <c:autoUpdate val="0"/>
+  </c:externalData>
+</c:chartSpace>
+</file>
+
+<file path=ppt/charts/chart6.xml><?xml version="1.0" encoding="utf-8"?>
 <c:chartSpace xmlns:c="http://schemas.openxmlformats.org/drawingml/2006/chart" xmlns:a="http://schemas.openxmlformats.org/drawingml/2006/main" xmlns:r="http://schemas.openxmlformats.org/officeDocument/2006/relationships" xmlns:c16r2="http://schemas.microsoft.com/office/drawing/2015/06/chart">
   <c:date1904 val="0"/>
   <c:lang val="en-US"/>
@@ -781,7 +3303,7 @@
 </c:chartSpace>
 </file>
 
-<file path=ppt/charts/chart2.xml><?xml version="1.0" encoding="utf-8"?>
+<file path=ppt/charts/chart7.xml><?xml version="1.0" encoding="utf-8"?>
 <c:chartSpace xmlns:c="http://schemas.openxmlformats.org/drawingml/2006/chart" xmlns:a="http://schemas.openxmlformats.org/drawingml/2006/main" xmlns:r="http://schemas.openxmlformats.org/officeDocument/2006/relationships" xmlns:c16r2="http://schemas.microsoft.com/office/drawing/2015/06/chart">
   <c:date1904 val="0"/>
   <c:lang val="en-US"/>
@@ -1473,7 +3995,7 @@
 </c:chartSpace>
 </file>
 
-<file path=ppt/charts/chart3.xml><?xml version="1.0" encoding="utf-8"?>
+<file path=ppt/charts/chart8.xml><?xml version="1.0" encoding="utf-8"?>
 <c:chartSpace xmlns:c="http://schemas.openxmlformats.org/drawingml/2006/chart" xmlns:a="http://schemas.openxmlformats.org/drawingml/2006/main" xmlns:r="http://schemas.openxmlformats.org/officeDocument/2006/relationships" xmlns:c16r2="http://schemas.microsoft.com/office/drawing/2015/06/chart">
   <c:date1904 val="0"/>
   <c:lang val="en-US"/>
@@ -2174,7 +4696,7 @@
 </c:chartSpace>
 </file>
 
-<file path=ppt/charts/chart4.xml><?xml version="1.0" encoding="utf-8"?>
+<file path=ppt/charts/chart9.xml><?xml version="1.0" encoding="utf-8"?>
 <c:chartSpace xmlns:c="http://schemas.openxmlformats.org/drawingml/2006/chart" xmlns:a="http://schemas.openxmlformats.org/drawingml/2006/main" xmlns:r="http://schemas.openxmlformats.org/officeDocument/2006/relationships" xmlns:c16r2="http://schemas.microsoft.com/office/drawing/2015/06/chart">
   <c:date1904 val="0"/>
   <c:lang val="en-US"/>
@@ -2875,797 +5397,47 @@
 </c:chartSpace>
 </file>
 
-<file path=ppt/charts/chart5.xml><?xml version="1.0" encoding="utf-8"?>
-<c:chartSpace xmlns:c="http://schemas.openxmlformats.org/drawingml/2006/chart" xmlns:a="http://schemas.openxmlformats.org/drawingml/2006/main" xmlns:r="http://schemas.openxmlformats.org/officeDocument/2006/relationships" xmlns:c16r2="http://schemas.microsoft.com/office/drawing/2015/06/chart">
-  <c:date1904 val="0"/>
-  <c:lang val="en-US"/>
-  <c:roundedCorners val="0"/>
-  <mc:AlternateContent xmlns:mc="http://schemas.openxmlformats.org/markup-compatibility/2006">
-    <mc:Choice xmlns:c14="http://schemas.microsoft.com/office/drawing/2007/8/2/chart" Requires="c14">
-      <c14:style val="102"/>
-    </mc:Choice>
-    <mc:Fallback>
-      <c:style val="2"/>
-    </mc:Fallback>
-  </mc:AlternateContent>
-  <c:chart>
-    <c:title>
-      <c:tx>
-        <c:rich>
-          <a:bodyPr rot="0" spcFirstLastPara="1" vertOverflow="ellipsis" vert="horz" wrap="square" anchor="ctr" anchorCtr="1"/>
-          <a:lstStyle/>
-          <a:p>
-            <a:pPr>
-              <a:defRPr sz="1400" b="0" i="0" u="none" strike="noStrike" kern="1200" spc="0" baseline="0">
-                <a:solidFill>
-                  <a:schemeClr val="tx1">
-                    <a:lumMod val="65000"/>
-                    <a:lumOff val="35000"/>
-                  </a:schemeClr>
-                </a:solidFill>
-                <a:latin typeface="+mn-lt"/>
-                <a:ea typeface="+mn-ea"/>
-                <a:cs typeface="+mn-cs"/>
-              </a:defRPr>
-            </a:pPr>
-            <a:r>
-              <a:rPr lang="en-US" dirty="0" err="1"/>
-              <a:t>Noclick_nobuy</a:t>
-            </a:r>
-            <a:endParaRPr lang="en-US" dirty="0"/>
-          </a:p>
-        </c:rich>
-      </c:tx>
-      <c:overlay val="0"/>
-      <c:spPr>
-        <a:noFill/>
-        <a:ln>
-          <a:noFill/>
-        </a:ln>
-        <a:effectLst/>
-      </c:spPr>
-      <c:txPr>
-        <a:bodyPr rot="0" spcFirstLastPara="1" vertOverflow="ellipsis" vert="horz" wrap="square" anchor="ctr" anchorCtr="1"/>
-        <a:lstStyle/>
-        <a:p>
-          <a:pPr>
-            <a:defRPr sz="1400" b="0" i="0" u="none" strike="noStrike" kern="1200" spc="0" baseline="0">
-              <a:solidFill>
-                <a:schemeClr val="tx1">
-                  <a:lumMod val="65000"/>
-                  <a:lumOff val="35000"/>
-                </a:schemeClr>
-              </a:solidFill>
-              <a:latin typeface="+mn-lt"/>
-              <a:ea typeface="+mn-ea"/>
-              <a:cs typeface="+mn-cs"/>
-            </a:defRPr>
-          </a:pPr>
-          <a:endParaRPr lang="en-US"/>
-        </a:p>
-      </c:txPr>
-    </c:title>
-    <c:autoTitleDeleted val="0"/>
-    <c:plotArea>
-      <c:layout/>
-      <c:barChart>
-        <c:barDir val="col"/>
-        <c:grouping val="clustered"/>
-        <c:varyColors val="0"/>
-        <c:ser>
-          <c:idx val="0"/>
-          <c:order val="0"/>
-          <c:tx>
-            <c:strRef>
-              <c:f>Sheet2!$H$29</c:f>
-              <c:strCache>
-                <c:ptCount val="1"/>
-                <c:pt idx="0">
-                  <c:v>rank5_click_buy</c:v>
-                </c:pt>
-              </c:strCache>
-            </c:strRef>
-          </c:tx>
-          <c:spPr>
-            <a:solidFill>
-              <a:schemeClr val="accent1"/>
-            </a:solidFill>
-            <a:ln>
-              <a:noFill/>
-            </a:ln>
-            <a:effectLst/>
-          </c:spPr>
-          <c:invertIfNegative val="0"/>
-          <c:cat>
-            <c:strRef>
-              <c:f>(Sheet2!$I$28,Sheet2!$P$28,Sheet2!$W$28,Sheet2!$AD$28,Sheet2!$AL$28,Sheet2!$AT$28,Sheet2!$BB$28)</c:f>
-              <c:strCache>
-                <c:ptCount val="7"/>
-                <c:pt idx="0">
-                  <c:v>mean_insured_Y</c:v>
-                </c:pt>
-                <c:pt idx="1">
-                  <c:v>mean_insured_N</c:v>
-                </c:pt>
-                <c:pt idx="2">
-                  <c:v>mean_insured_Un</c:v>
-                </c:pt>
-                <c:pt idx="3">
-                  <c:v>mean_married</c:v>
-                </c:pt>
-                <c:pt idx="4">
-                  <c:v>mean_single</c:v>
-                </c:pt>
-                <c:pt idx="5">
-                  <c:v>mean_ve~s</c:v>
-                </c:pt>
-                <c:pt idx="6">
-                  <c:v>mean_dr~s</c:v>
-                </c:pt>
-              </c:strCache>
-            </c:strRef>
-          </c:cat>
-          <c:val>
-            <c:numRef>
-              <c:f>(Sheet2!$I$29,Sheet2!$P$29,Sheet2!$W$29,Sheet2!$AD$29,Sheet2!$AL$29,Sheet2!$AT$29,Sheet2!$BB$29)</c:f>
-              <c:numCache>
-                <c:formatCode>General</c:formatCode>
-                <c:ptCount val="7"/>
-                <c:pt idx="0">
-                  <c:v>0.55000000000000004</c:v>
-                </c:pt>
-                <c:pt idx="1">
-                  <c:v>0.45</c:v>
-                </c:pt>
-                <c:pt idx="2">
-                  <c:v>0</c:v>
-                </c:pt>
-                <c:pt idx="3">
-                  <c:v>0.7</c:v>
-                </c:pt>
-                <c:pt idx="4">
-                  <c:v>0.3</c:v>
-                </c:pt>
-                <c:pt idx="5">
-                  <c:v>2.35</c:v>
-                </c:pt>
-                <c:pt idx="6">
-                  <c:v>1.5</c:v>
-                </c:pt>
-              </c:numCache>
-            </c:numRef>
-          </c:val>
-          <c:extLst>
-            <c:ext xmlns:c16="http://schemas.microsoft.com/office/drawing/2014/chart" uri="{C3380CC4-5D6E-409C-BE32-E72D297353CC}">
-              <c16:uniqueId val="{00000000-4E19-8F4D-835B-B7B2D995BA7B}"/>
-            </c:ext>
-          </c:extLst>
-        </c:ser>
-        <c:ser>
-          <c:idx val="1"/>
-          <c:order val="1"/>
-          <c:tx>
-            <c:strRef>
-              <c:f>Sheet2!$H$30</c:f>
-              <c:strCache>
-                <c:ptCount val="1"/>
-                <c:pt idx="0">
-                  <c:v>rank1_noclick_nobuy</c:v>
-                </c:pt>
-              </c:strCache>
-            </c:strRef>
-          </c:tx>
-          <c:spPr>
-            <a:solidFill>
-              <a:schemeClr val="accent2"/>
-            </a:solidFill>
-            <a:ln>
-              <a:noFill/>
-            </a:ln>
-            <a:effectLst/>
-          </c:spPr>
-          <c:invertIfNegative val="0"/>
-          <c:cat>
-            <c:strRef>
-              <c:f>(Sheet2!$I$28,Sheet2!$P$28,Sheet2!$W$28,Sheet2!$AD$28,Sheet2!$AL$28,Sheet2!$AT$28,Sheet2!$BB$28)</c:f>
-              <c:strCache>
-                <c:ptCount val="7"/>
-                <c:pt idx="0">
-                  <c:v>mean_insured_Y</c:v>
-                </c:pt>
-                <c:pt idx="1">
-                  <c:v>mean_insured_N</c:v>
-                </c:pt>
-                <c:pt idx="2">
-                  <c:v>mean_insured_Un</c:v>
-                </c:pt>
-                <c:pt idx="3">
-                  <c:v>mean_married</c:v>
-                </c:pt>
-                <c:pt idx="4">
-                  <c:v>mean_single</c:v>
-                </c:pt>
-                <c:pt idx="5">
-                  <c:v>mean_ve~s</c:v>
-                </c:pt>
-                <c:pt idx="6">
-                  <c:v>mean_dr~s</c:v>
-                </c:pt>
-              </c:strCache>
-            </c:strRef>
-          </c:cat>
-          <c:val>
-            <c:numRef>
-              <c:f>(Sheet2!$I$30,Sheet2!$P$30,Sheet2!$W$30,Sheet2!$AD$30,Sheet2!$AL$30,Sheet2!$AT$30,Sheet2!$BB$30)</c:f>
-              <c:numCache>
-                <c:formatCode>General</c:formatCode>
-                <c:ptCount val="7"/>
-                <c:pt idx="0">
-                  <c:v>7.6015730000000004E-2</c:v>
-                </c:pt>
-                <c:pt idx="1">
-                  <c:v>9.0432499999999999E-2</c:v>
-                </c:pt>
-                <c:pt idx="2">
-                  <c:v>0.83355177000000003</c:v>
-                </c:pt>
-                <c:pt idx="3">
-                  <c:v>0.53997379000000001</c:v>
-                </c:pt>
-                <c:pt idx="4">
-                  <c:v>0.46002620999999999</c:v>
-                </c:pt>
-                <c:pt idx="5">
-                  <c:v>1.5543906000000001</c:v>
-                </c:pt>
-                <c:pt idx="6">
-                  <c:v>1.559633</c:v>
-                </c:pt>
-              </c:numCache>
-            </c:numRef>
-          </c:val>
-          <c:extLst>
-            <c:ext xmlns:c16="http://schemas.microsoft.com/office/drawing/2014/chart" uri="{C3380CC4-5D6E-409C-BE32-E72D297353CC}">
-              <c16:uniqueId val="{00000001-4E19-8F4D-835B-B7B2D995BA7B}"/>
-            </c:ext>
-          </c:extLst>
-        </c:ser>
-        <c:ser>
-          <c:idx val="2"/>
-          <c:order val="2"/>
-          <c:tx>
-            <c:strRef>
-              <c:f>Sheet2!$H$31</c:f>
-              <c:strCache>
-                <c:ptCount val="1"/>
-                <c:pt idx="0">
-                  <c:v>rank2_noclick_nobuy</c:v>
-                </c:pt>
-              </c:strCache>
-            </c:strRef>
-          </c:tx>
-          <c:spPr>
-            <a:solidFill>
-              <a:schemeClr val="accent3"/>
-            </a:solidFill>
-            <a:ln>
-              <a:noFill/>
-            </a:ln>
-            <a:effectLst/>
-          </c:spPr>
-          <c:invertIfNegative val="0"/>
-          <c:cat>
-            <c:strRef>
-              <c:f>(Sheet2!$I$28,Sheet2!$P$28,Sheet2!$W$28,Sheet2!$AD$28,Sheet2!$AL$28,Sheet2!$AT$28,Sheet2!$BB$28)</c:f>
-              <c:strCache>
-                <c:ptCount val="7"/>
-                <c:pt idx="0">
-                  <c:v>mean_insured_Y</c:v>
-                </c:pt>
-                <c:pt idx="1">
-                  <c:v>mean_insured_N</c:v>
-                </c:pt>
-                <c:pt idx="2">
-                  <c:v>mean_insured_Un</c:v>
-                </c:pt>
-                <c:pt idx="3">
-                  <c:v>mean_married</c:v>
-                </c:pt>
-                <c:pt idx="4">
-                  <c:v>mean_single</c:v>
-                </c:pt>
-                <c:pt idx="5">
-                  <c:v>mean_ve~s</c:v>
-                </c:pt>
-                <c:pt idx="6">
-                  <c:v>mean_dr~s</c:v>
-                </c:pt>
-              </c:strCache>
-            </c:strRef>
-          </c:cat>
-          <c:val>
-            <c:numRef>
-              <c:f>(Sheet2!$I$31,Sheet2!$P$31,Sheet2!$W$31,Sheet2!$AD$31,Sheet2!$AL$31,Sheet2!$AT$31,Sheet2!$BB$31)</c:f>
-              <c:numCache>
-                <c:formatCode>General</c:formatCode>
-                <c:ptCount val="7"/>
-                <c:pt idx="0">
-                  <c:v>0.23211169000000001</c:v>
-                </c:pt>
-                <c:pt idx="1">
-                  <c:v>0.17801047</c:v>
-                </c:pt>
-                <c:pt idx="2">
-                  <c:v>0.58987783999999999</c:v>
-                </c:pt>
-                <c:pt idx="3">
-                  <c:v>0.52006980999999997</c:v>
-                </c:pt>
-                <c:pt idx="4">
-                  <c:v>0.47993018999999998</c:v>
-                </c:pt>
-                <c:pt idx="5">
-                  <c:v>1.5959859999999999</c:v>
-                </c:pt>
-                <c:pt idx="6">
-                  <c:v>1.534904</c:v>
-                </c:pt>
-              </c:numCache>
-            </c:numRef>
-          </c:val>
-          <c:extLst>
-            <c:ext xmlns:c16="http://schemas.microsoft.com/office/drawing/2014/chart" uri="{C3380CC4-5D6E-409C-BE32-E72D297353CC}">
-              <c16:uniqueId val="{00000002-4E19-8F4D-835B-B7B2D995BA7B}"/>
-            </c:ext>
-          </c:extLst>
-        </c:ser>
-        <c:ser>
-          <c:idx val="3"/>
-          <c:order val="3"/>
-          <c:tx>
-            <c:strRef>
-              <c:f>Sheet2!$H$32</c:f>
-              <c:strCache>
-                <c:ptCount val="1"/>
-                <c:pt idx="0">
-                  <c:v>rank3_noclick_nobuy</c:v>
-                </c:pt>
-              </c:strCache>
-            </c:strRef>
-          </c:tx>
-          <c:spPr>
-            <a:solidFill>
-              <a:schemeClr val="accent4"/>
-            </a:solidFill>
-            <a:ln>
-              <a:noFill/>
-            </a:ln>
-            <a:effectLst/>
-          </c:spPr>
-          <c:invertIfNegative val="0"/>
-          <c:cat>
-            <c:strRef>
-              <c:f>(Sheet2!$I$28,Sheet2!$P$28,Sheet2!$W$28,Sheet2!$AD$28,Sheet2!$AL$28,Sheet2!$AT$28,Sheet2!$BB$28)</c:f>
-              <c:strCache>
-                <c:ptCount val="7"/>
-                <c:pt idx="0">
-                  <c:v>mean_insured_Y</c:v>
-                </c:pt>
-                <c:pt idx="1">
-                  <c:v>mean_insured_N</c:v>
-                </c:pt>
-                <c:pt idx="2">
-                  <c:v>mean_insured_Un</c:v>
-                </c:pt>
-                <c:pt idx="3">
-                  <c:v>mean_married</c:v>
-                </c:pt>
-                <c:pt idx="4">
-                  <c:v>mean_single</c:v>
-                </c:pt>
-                <c:pt idx="5">
-                  <c:v>mean_ve~s</c:v>
-                </c:pt>
-                <c:pt idx="6">
-                  <c:v>mean_dr~s</c:v>
-                </c:pt>
-              </c:strCache>
-            </c:strRef>
-          </c:cat>
-          <c:val>
-            <c:numRef>
-              <c:f>(Sheet2!$I$32,Sheet2!$P$32,Sheet2!$W$32,Sheet2!$AD$32,Sheet2!$AL$32,Sheet2!$AT$32,Sheet2!$BB$32)</c:f>
-              <c:numCache>
-                <c:formatCode>General</c:formatCode>
-                <c:ptCount val="7"/>
-                <c:pt idx="0">
-                  <c:v>0.37756097999999999</c:v>
-                </c:pt>
-                <c:pt idx="1">
-                  <c:v>0.32878048999999998</c:v>
-                </c:pt>
-                <c:pt idx="2">
-                  <c:v>0.29365854000000002</c:v>
-                </c:pt>
-                <c:pt idx="3">
-                  <c:v>0.52926828999999997</c:v>
-                </c:pt>
-                <c:pt idx="4">
-                  <c:v>0.47073171000000003</c:v>
-                </c:pt>
-                <c:pt idx="5">
-                  <c:v>1.9229267999999999</c:v>
-                </c:pt>
-                <c:pt idx="6">
-                  <c:v>1.5190243999999999</c:v>
-                </c:pt>
-              </c:numCache>
-            </c:numRef>
-          </c:val>
-          <c:extLst>
-            <c:ext xmlns:c16="http://schemas.microsoft.com/office/drawing/2014/chart" uri="{C3380CC4-5D6E-409C-BE32-E72D297353CC}">
-              <c16:uniqueId val="{00000003-4E19-8F4D-835B-B7B2D995BA7B}"/>
-            </c:ext>
-          </c:extLst>
-        </c:ser>
-        <c:ser>
-          <c:idx val="4"/>
-          <c:order val="4"/>
-          <c:tx>
-            <c:strRef>
-              <c:f>Sheet2!$H$33</c:f>
-              <c:strCache>
-                <c:ptCount val="1"/>
-                <c:pt idx="0">
-                  <c:v>rank4_noclick_nobuy</c:v>
-                </c:pt>
-              </c:strCache>
-            </c:strRef>
-          </c:tx>
-          <c:spPr>
-            <a:solidFill>
-              <a:schemeClr val="accent5"/>
-            </a:solidFill>
-            <a:ln>
-              <a:noFill/>
-            </a:ln>
-            <a:effectLst/>
-          </c:spPr>
-          <c:invertIfNegative val="0"/>
-          <c:cat>
-            <c:strRef>
-              <c:f>(Sheet2!$I$28,Sheet2!$P$28,Sheet2!$W$28,Sheet2!$AD$28,Sheet2!$AL$28,Sheet2!$AT$28,Sheet2!$BB$28)</c:f>
-              <c:strCache>
-                <c:ptCount val="7"/>
-                <c:pt idx="0">
-                  <c:v>mean_insured_Y</c:v>
-                </c:pt>
-                <c:pt idx="1">
-                  <c:v>mean_insured_N</c:v>
-                </c:pt>
-                <c:pt idx="2">
-                  <c:v>mean_insured_Un</c:v>
-                </c:pt>
-                <c:pt idx="3">
-                  <c:v>mean_married</c:v>
-                </c:pt>
-                <c:pt idx="4">
-                  <c:v>mean_single</c:v>
-                </c:pt>
-                <c:pt idx="5">
-                  <c:v>mean_ve~s</c:v>
-                </c:pt>
-                <c:pt idx="6">
-                  <c:v>mean_dr~s</c:v>
-                </c:pt>
-              </c:strCache>
-            </c:strRef>
-          </c:cat>
-          <c:val>
-            <c:numRef>
-              <c:f>(Sheet2!$I$33,Sheet2!$P$33,Sheet2!$W$33,Sheet2!$AD$33,Sheet2!$AL$33,Sheet2!$AT$33,Sheet2!$BB$33)</c:f>
-              <c:numCache>
-                <c:formatCode>General</c:formatCode>
-                <c:ptCount val="7"/>
-                <c:pt idx="0">
-                  <c:v>0.46590317999999997</c:v>
-                </c:pt>
-                <c:pt idx="1">
-                  <c:v>0.45809474</c:v>
-                </c:pt>
-                <c:pt idx="2">
-                  <c:v>7.600208E-2</c:v>
-                </c:pt>
-                <c:pt idx="3">
-                  <c:v>0.52732952</c:v>
-                </c:pt>
-                <c:pt idx="4">
-                  <c:v>0.47267048</c:v>
-                </c:pt>
-                <c:pt idx="5">
-                  <c:v>2.1572098</c:v>
-                </c:pt>
-                <c:pt idx="6">
-                  <c:v>1.4763143999999999</c:v>
-                </c:pt>
-              </c:numCache>
-            </c:numRef>
-          </c:val>
-          <c:extLst>
-            <c:ext xmlns:c16="http://schemas.microsoft.com/office/drawing/2014/chart" uri="{C3380CC4-5D6E-409C-BE32-E72D297353CC}">
-              <c16:uniqueId val="{00000004-4E19-8F4D-835B-B7B2D995BA7B}"/>
-            </c:ext>
-          </c:extLst>
-        </c:ser>
-        <c:ser>
-          <c:idx val="5"/>
-          <c:order val="5"/>
-          <c:tx>
-            <c:strRef>
-              <c:f>Sheet2!$H$34</c:f>
-              <c:strCache>
-                <c:ptCount val="1"/>
-                <c:pt idx="0">
-                  <c:v>rank5_noclick_nobuy</c:v>
-                </c:pt>
-              </c:strCache>
-            </c:strRef>
-          </c:tx>
-          <c:spPr>
-            <a:solidFill>
-              <a:schemeClr val="accent6"/>
-            </a:solidFill>
-            <a:ln>
-              <a:noFill/>
-            </a:ln>
-            <a:effectLst/>
-          </c:spPr>
-          <c:invertIfNegative val="0"/>
-          <c:cat>
-            <c:strRef>
-              <c:f>(Sheet2!$I$28,Sheet2!$P$28,Sheet2!$W$28,Sheet2!$AD$28,Sheet2!$AL$28,Sheet2!$AT$28,Sheet2!$BB$28)</c:f>
-              <c:strCache>
-                <c:ptCount val="7"/>
-                <c:pt idx="0">
-                  <c:v>mean_insured_Y</c:v>
-                </c:pt>
-                <c:pt idx="1">
-                  <c:v>mean_insured_N</c:v>
-                </c:pt>
-                <c:pt idx="2">
-                  <c:v>mean_insured_Un</c:v>
-                </c:pt>
-                <c:pt idx="3">
-                  <c:v>mean_married</c:v>
-                </c:pt>
-                <c:pt idx="4">
-                  <c:v>mean_single</c:v>
-                </c:pt>
-                <c:pt idx="5">
-                  <c:v>mean_ve~s</c:v>
-                </c:pt>
-                <c:pt idx="6">
-                  <c:v>mean_dr~s</c:v>
-                </c:pt>
-              </c:strCache>
-            </c:strRef>
-          </c:cat>
-          <c:val>
-            <c:numRef>
-              <c:f>(Sheet2!$I$34,Sheet2!$P$34,Sheet2!$W$34,Sheet2!$AD$34,Sheet2!$AL$34,Sheet2!$AT$34,Sheet2!$BB$34)</c:f>
-              <c:numCache>
-                <c:formatCode>General</c:formatCode>
-                <c:ptCount val="7"/>
-                <c:pt idx="0">
-                  <c:v>0.47413023999999998</c:v>
-                </c:pt>
-                <c:pt idx="1">
-                  <c:v>0.52586975999999996</c:v>
-                </c:pt>
-                <c:pt idx="2">
-                  <c:v>0</c:v>
-                </c:pt>
-                <c:pt idx="3">
-                  <c:v>0.52319358000000005</c:v>
-                </c:pt>
-                <c:pt idx="4">
-                  <c:v>0.47680642000000001</c:v>
-                </c:pt>
-                <c:pt idx="5">
-                  <c:v>2.4103479000000001</c:v>
-                </c:pt>
-                <c:pt idx="6">
-                  <c:v>1.4455842999999999</c:v>
-                </c:pt>
-              </c:numCache>
-            </c:numRef>
-          </c:val>
-          <c:extLst>
-            <c:ext xmlns:c16="http://schemas.microsoft.com/office/drawing/2014/chart" uri="{C3380CC4-5D6E-409C-BE32-E72D297353CC}">
-              <c16:uniqueId val="{00000005-4E19-8F4D-835B-B7B2D995BA7B}"/>
-            </c:ext>
-          </c:extLst>
-        </c:ser>
-        <c:dLbls>
-          <c:showLegendKey val="0"/>
-          <c:showVal val="0"/>
-          <c:showCatName val="0"/>
-          <c:showSerName val="0"/>
-          <c:showPercent val="0"/>
-          <c:showBubbleSize val="0"/>
-        </c:dLbls>
-        <c:gapWidth val="219"/>
-        <c:overlap val="-27"/>
-        <c:axId val="2039628688"/>
-        <c:axId val="2024346464"/>
-      </c:barChart>
-      <c:catAx>
-        <c:axId val="2039628688"/>
-        <c:scaling>
-          <c:orientation val="minMax"/>
-        </c:scaling>
-        <c:delete val="0"/>
-        <c:axPos val="b"/>
-        <c:numFmt formatCode="General" sourceLinked="1"/>
-        <c:majorTickMark val="none"/>
-        <c:minorTickMark val="none"/>
-        <c:tickLblPos val="nextTo"/>
-        <c:spPr>
-          <a:noFill/>
-          <a:ln w="9525" cap="flat" cmpd="sng" algn="ctr">
-            <a:solidFill>
-              <a:schemeClr val="tx1">
-                <a:lumMod val="15000"/>
-                <a:lumOff val="85000"/>
-              </a:schemeClr>
-            </a:solidFill>
-            <a:round/>
-          </a:ln>
-          <a:effectLst/>
-        </c:spPr>
-        <c:txPr>
-          <a:bodyPr rot="-60000000" spcFirstLastPara="1" vertOverflow="ellipsis" vert="horz" wrap="square" anchor="ctr" anchorCtr="1"/>
-          <a:lstStyle/>
-          <a:p>
-            <a:pPr>
-              <a:defRPr sz="900" b="0" i="0" u="none" strike="noStrike" kern="1200" baseline="0">
-                <a:solidFill>
-                  <a:schemeClr val="tx1">
-                    <a:lumMod val="65000"/>
-                    <a:lumOff val="35000"/>
-                  </a:schemeClr>
-                </a:solidFill>
-                <a:latin typeface="+mn-lt"/>
-                <a:ea typeface="+mn-ea"/>
-                <a:cs typeface="+mn-cs"/>
-              </a:defRPr>
-            </a:pPr>
-            <a:endParaRPr lang="en-US"/>
-          </a:p>
-        </c:txPr>
-        <c:crossAx val="2024346464"/>
-        <c:crosses val="autoZero"/>
-        <c:auto val="1"/>
-        <c:lblAlgn val="ctr"/>
-        <c:lblOffset val="100"/>
-        <c:noMultiLvlLbl val="0"/>
-      </c:catAx>
-      <c:valAx>
-        <c:axId val="2024346464"/>
-        <c:scaling>
-          <c:orientation val="minMax"/>
-        </c:scaling>
-        <c:delete val="0"/>
-        <c:axPos val="l"/>
-        <c:numFmt formatCode="General" sourceLinked="1"/>
-        <c:majorTickMark val="none"/>
-        <c:minorTickMark val="none"/>
-        <c:tickLblPos val="nextTo"/>
-        <c:spPr>
-          <a:noFill/>
-          <a:ln>
-            <a:noFill/>
-          </a:ln>
-          <a:effectLst/>
-        </c:spPr>
-        <c:txPr>
-          <a:bodyPr rot="-60000000" spcFirstLastPara="1" vertOverflow="ellipsis" vert="horz" wrap="square" anchor="ctr" anchorCtr="1"/>
-          <a:lstStyle/>
-          <a:p>
-            <a:pPr>
-              <a:defRPr sz="900" b="0" i="0" u="none" strike="noStrike" kern="1200" baseline="0">
-                <a:solidFill>
-                  <a:schemeClr val="tx1">
-                    <a:lumMod val="65000"/>
-                    <a:lumOff val="35000"/>
-                  </a:schemeClr>
-                </a:solidFill>
-                <a:latin typeface="+mn-lt"/>
-                <a:ea typeface="+mn-ea"/>
-                <a:cs typeface="+mn-cs"/>
-              </a:defRPr>
-            </a:pPr>
-            <a:endParaRPr lang="en-US"/>
-          </a:p>
-        </c:txPr>
-        <c:crossAx val="2039628688"/>
-        <c:crosses val="autoZero"/>
-        <c:crossBetween val="between"/>
-      </c:valAx>
-      <c:spPr>
-        <a:noFill/>
-        <a:ln>
-          <a:noFill/>
-        </a:ln>
-        <a:effectLst/>
-      </c:spPr>
-    </c:plotArea>
-    <c:legend>
-      <c:legendPos val="b"/>
-      <c:overlay val="0"/>
-      <c:spPr>
-        <a:noFill/>
-        <a:ln>
-          <a:noFill/>
-        </a:ln>
-        <a:effectLst/>
-      </c:spPr>
-      <c:txPr>
-        <a:bodyPr rot="0" spcFirstLastPara="1" vertOverflow="ellipsis" vert="horz" wrap="square" anchor="ctr" anchorCtr="1"/>
-        <a:lstStyle/>
-        <a:p>
-          <a:pPr>
-            <a:defRPr sz="900" b="0" i="0" u="none" strike="noStrike" kern="1200" baseline="0">
-              <a:solidFill>
-                <a:schemeClr val="tx1">
-                  <a:lumMod val="65000"/>
-                  <a:lumOff val="35000"/>
-                </a:schemeClr>
-              </a:solidFill>
-              <a:latin typeface="+mn-lt"/>
-              <a:ea typeface="+mn-ea"/>
-              <a:cs typeface="+mn-cs"/>
-            </a:defRPr>
-          </a:pPr>
-          <a:endParaRPr lang="en-US"/>
-        </a:p>
-      </c:txPr>
-    </c:legend>
-    <c:plotVisOnly val="1"/>
-    <c:dispBlanksAs val="gap"/>
-    <c:extLst>
-      <c:ext xmlns:c16r3="http://schemas.microsoft.com/office/drawing/2017/03/chart" uri="{56B9EC1D-385E-4148-901F-78D8002777C0}">
-        <c16r3:dataDisplayOptions16>
-          <c16r3:dispNaAsBlank val="1"/>
-        </c16r3:dataDisplayOptions16>
-      </c:ext>
-    </c:extLst>
-    <c:showDLblsOverMax val="0"/>
-  </c:chart>
-  <c:spPr>
-    <a:noFill/>
-    <a:ln>
-      <a:noFill/>
-    </a:ln>
-    <a:effectLst/>
-  </c:spPr>
-  <c:txPr>
-    <a:bodyPr/>
-    <a:lstStyle/>
-    <a:p>
-      <a:pPr>
-        <a:defRPr/>
-      </a:pPr>
-      <a:endParaRPr lang="en-US"/>
-    </a:p>
-  </c:txPr>
-  <c:externalData r:id="rId3">
-    <c:autoUpdate val="0"/>
-  </c:externalData>
-</c:chartSpace>
+<file path=ppt/charts/colors1.xml><?xml version="1.0" encoding="utf-8"?>
+<cs:colorStyle xmlns:cs="http://schemas.microsoft.com/office/drawing/2012/chartStyle" xmlns:a="http://schemas.openxmlformats.org/drawingml/2006/main" meth="cycle" id="10">
+  <a:schemeClr val="accent1"/>
+  <a:schemeClr val="accent2"/>
+  <a:schemeClr val="accent3"/>
+  <a:schemeClr val="accent4"/>
+  <a:schemeClr val="accent5"/>
+  <a:schemeClr val="accent6"/>
+  <cs:variation/>
+  <cs:variation>
+    <a:lumMod val="60000"/>
+  </cs:variation>
+  <cs:variation>
+    <a:lumMod val="80000"/>
+    <a:lumOff val="20000"/>
+  </cs:variation>
+  <cs:variation>
+    <a:lumMod val="80000"/>
+  </cs:variation>
+  <cs:variation>
+    <a:lumMod val="60000"/>
+    <a:lumOff val="40000"/>
+  </cs:variation>
+  <cs:variation>
+    <a:lumMod val="50000"/>
+  </cs:variation>
+  <cs:variation>
+    <a:lumMod val="70000"/>
+    <a:lumOff val="30000"/>
+  </cs:variation>
+  <cs:variation>
+    <a:lumMod val="70000"/>
+  </cs:variation>
+  <cs:variation>
+    <a:lumMod val="50000"/>
+    <a:lumOff val="50000"/>
+  </cs:variation>
+</cs:colorStyle>
 </file>
 
-<file path=ppt/charts/colors1.xml><?xml version="1.0" encoding="utf-8"?>
+<file path=ppt/charts/colors10.xml><?xml version="1.0" encoding="utf-8"?>
 <cs:colorStyle xmlns:cs="http://schemas.microsoft.com/office/drawing/2012/chartStyle" xmlns:a="http://schemas.openxmlformats.org/drawingml/2006/main" meth="cycle" id="10">
   <a:schemeClr val="accent1"/>
   <a:schemeClr val="accent2"/>
@@ -3865,8 +5637,168 @@
 </cs:colorStyle>
 </file>
 
+<file path=ppt/charts/colors6.xml><?xml version="1.0" encoding="utf-8"?>
+<cs:colorStyle xmlns:cs="http://schemas.microsoft.com/office/drawing/2012/chartStyle" xmlns:a="http://schemas.openxmlformats.org/drawingml/2006/main" meth="cycle" id="10">
+  <a:schemeClr val="accent1"/>
+  <a:schemeClr val="accent2"/>
+  <a:schemeClr val="accent3"/>
+  <a:schemeClr val="accent4"/>
+  <a:schemeClr val="accent5"/>
+  <a:schemeClr val="accent6"/>
+  <cs:variation/>
+  <cs:variation>
+    <a:lumMod val="60000"/>
+  </cs:variation>
+  <cs:variation>
+    <a:lumMod val="80000"/>
+    <a:lumOff val="20000"/>
+  </cs:variation>
+  <cs:variation>
+    <a:lumMod val="80000"/>
+  </cs:variation>
+  <cs:variation>
+    <a:lumMod val="60000"/>
+    <a:lumOff val="40000"/>
+  </cs:variation>
+  <cs:variation>
+    <a:lumMod val="50000"/>
+  </cs:variation>
+  <cs:variation>
+    <a:lumMod val="70000"/>
+    <a:lumOff val="30000"/>
+  </cs:variation>
+  <cs:variation>
+    <a:lumMod val="70000"/>
+  </cs:variation>
+  <cs:variation>
+    <a:lumMod val="50000"/>
+    <a:lumOff val="50000"/>
+  </cs:variation>
+</cs:colorStyle>
+</file>
+
+<file path=ppt/charts/colors7.xml><?xml version="1.0" encoding="utf-8"?>
+<cs:colorStyle xmlns:cs="http://schemas.microsoft.com/office/drawing/2012/chartStyle" xmlns:a="http://schemas.openxmlformats.org/drawingml/2006/main" meth="cycle" id="10">
+  <a:schemeClr val="accent1"/>
+  <a:schemeClr val="accent2"/>
+  <a:schemeClr val="accent3"/>
+  <a:schemeClr val="accent4"/>
+  <a:schemeClr val="accent5"/>
+  <a:schemeClr val="accent6"/>
+  <cs:variation/>
+  <cs:variation>
+    <a:lumMod val="60000"/>
+  </cs:variation>
+  <cs:variation>
+    <a:lumMod val="80000"/>
+    <a:lumOff val="20000"/>
+  </cs:variation>
+  <cs:variation>
+    <a:lumMod val="80000"/>
+  </cs:variation>
+  <cs:variation>
+    <a:lumMod val="60000"/>
+    <a:lumOff val="40000"/>
+  </cs:variation>
+  <cs:variation>
+    <a:lumMod val="50000"/>
+  </cs:variation>
+  <cs:variation>
+    <a:lumMod val="70000"/>
+    <a:lumOff val="30000"/>
+  </cs:variation>
+  <cs:variation>
+    <a:lumMod val="70000"/>
+  </cs:variation>
+  <cs:variation>
+    <a:lumMod val="50000"/>
+    <a:lumOff val="50000"/>
+  </cs:variation>
+</cs:colorStyle>
+</file>
+
+<file path=ppt/charts/colors8.xml><?xml version="1.0" encoding="utf-8"?>
+<cs:colorStyle xmlns:cs="http://schemas.microsoft.com/office/drawing/2012/chartStyle" xmlns:a="http://schemas.openxmlformats.org/drawingml/2006/main" meth="cycle" id="10">
+  <a:schemeClr val="accent1"/>
+  <a:schemeClr val="accent2"/>
+  <a:schemeClr val="accent3"/>
+  <a:schemeClr val="accent4"/>
+  <a:schemeClr val="accent5"/>
+  <a:schemeClr val="accent6"/>
+  <cs:variation/>
+  <cs:variation>
+    <a:lumMod val="60000"/>
+  </cs:variation>
+  <cs:variation>
+    <a:lumMod val="80000"/>
+    <a:lumOff val="20000"/>
+  </cs:variation>
+  <cs:variation>
+    <a:lumMod val="80000"/>
+  </cs:variation>
+  <cs:variation>
+    <a:lumMod val="60000"/>
+    <a:lumOff val="40000"/>
+  </cs:variation>
+  <cs:variation>
+    <a:lumMod val="50000"/>
+  </cs:variation>
+  <cs:variation>
+    <a:lumMod val="70000"/>
+    <a:lumOff val="30000"/>
+  </cs:variation>
+  <cs:variation>
+    <a:lumMod val="70000"/>
+  </cs:variation>
+  <cs:variation>
+    <a:lumMod val="50000"/>
+    <a:lumOff val="50000"/>
+  </cs:variation>
+</cs:colorStyle>
+</file>
+
+<file path=ppt/charts/colors9.xml><?xml version="1.0" encoding="utf-8"?>
+<cs:colorStyle xmlns:cs="http://schemas.microsoft.com/office/drawing/2012/chartStyle" xmlns:a="http://schemas.openxmlformats.org/drawingml/2006/main" meth="cycle" id="10">
+  <a:schemeClr val="accent1"/>
+  <a:schemeClr val="accent2"/>
+  <a:schemeClr val="accent3"/>
+  <a:schemeClr val="accent4"/>
+  <a:schemeClr val="accent5"/>
+  <a:schemeClr val="accent6"/>
+  <cs:variation/>
+  <cs:variation>
+    <a:lumMod val="60000"/>
+  </cs:variation>
+  <cs:variation>
+    <a:lumMod val="80000"/>
+    <a:lumOff val="20000"/>
+  </cs:variation>
+  <cs:variation>
+    <a:lumMod val="80000"/>
+  </cs:variation>
+  <cs:variation>
+    <a:lumMod val="60000"/>
+    <a:lumOff val="40000"/>
+  </cs:variation>
+  <cs:variation>
+    <a:lumMod val="50000"/>
+  </cs:variation>
+  <cs:variation>
+    <a:lumMod val="70000"/>
+    <a:lumOff val="30000"/>
+  </cs:variation>
+  <cs:variation>
+    <a:lumMod val="70000"/>
+  </cs:variation>
+  <cs:variation>
+    <a:lumMod val="50000"/>
+    <a:lumOff val="50000"/>
+  </cs:variation>
+</cs:colorStyle>
+</file>
+
 <file path=ppt/charts/style1.xml><?xml version="1.0" encoding="utf-8"?>
-<cs:chartStyle xmlns:cs="http://schemas.microsoft.com/office/drawing/2012/chartStyle" xmlns:a="http://schemas.openxmlformats.org/drawingml/2006/main" id="201">
+<cs:chartStyle xmlns:cs="http://schemas.microsoft.com/office/drawing/2012/chartStyle" xmlns:a="http://schemas.openxmlformats.org/drawingml/2006/main" id="251">
   <cs:axisTitle>
     <cs:lnRef idx="0"/>
     <cs:fillRef idx="0"/>
@@ -3923,7 +5855,7 @@
         <a:round/>
       </a:ln>
     </cs:spPr>
-    <cs:defRPr sz="1000" kern="1200"/>
+    <cs:defRPr sz="900" kern="1200"/>
   </cs:chartArea>
   <cs:dataLabel>
     <cs:lnRef idx="0"/>
@@ -3974,6 +5906,13 @@
     <cs:fontRef idx="minor">
       <a:schemeClr val="tx1"/>
     </cs:fontRef>
+    <cs:spPr>
+      <a:ln w="19050">
+        <a:solidFill>
+          <a:schemeClr val="lt1"/>
+        </a:solidFill>
+      </a:ln>
+    </cs:spPr>
   </cs:dataPoint>
   <cs:dataPoint3D>
     <cs:lnRef idx="0"/>
@@ -3984,12 +5923,19 @@
     <cs:fontRef idx="minor">
       <a:schemeClr val="tx1"/>
     </cs:fontRef>
+    <cs:spPr>
+      <a:ln w="25400">
+        <a:solidFill>
+          <a:schemeClr val="lt1"/>
+        </a:solidFill>
+      </a:ln>
+    </cs:spPr>
   </cs:dataPoint3D>
   <cs:dataPointLine>
     <cs:lnRef idx="0">
       <cs:styleClr val="auto"/>
     </cs:lnRef>
-    <cs:fillRef idx="1"/>
+    <cs:fillRef idx="0"/>
     <cs:effectRef idx="0"/>
     <cs:fontRef idx="minor">
       <a:schemeClr val="tx1"/>
@@ -4027,7 +5973,7 @@
     <cs:lnRef idx="0">
       <cs:styleClr val="auto"/>
     </cs:lnRef>
-    <cs:fillRef idx="1"/>
+    <cs:fillRef idx="0"/>
     <cs:effectRef idx="0"/>
     <cs:fontRef idx="minor">
       <a:schemeClr val="tx1"/>
@@ -4070,22 +6016,23 @@
     <cs:fillRef idx="0"/>
     <cs:effectRef idx="0"/>
     <cs:fontRef idx="minor">
-      <a:schemeClr val="dk1"/>
+      <a:schemeClr val="tx1"/>
     </cs:fontRef>
     <cs:spPr>
       <a:solidFill>
         <a:schemeClr val="dk1">
-          <a:lumMod val="65000"/>
-          <a:lumOff val="35000"/>
+          <a:lumMod val="75000"/>
+          <a:lumOff val="25000"/>
         </a:schemeClr>
       </a:solidFill>
-      <a:ln w="9525">
+      <a:ln w="9525" cap="flat" cmpd="sng" algn="ctr">
         <a:solidFill>
           <a:schemeClr val="tx1">
             <a:lumMod val="65000"/>
             <a:lumOff val="35000"/>
           </a:schemeClr>
         </a:solidFill>
+        <a:round/>
       </a:ln>
     </cs:spPr>
   </cs:downBar>
@@ -4190,8 +6137,8 @@
       <a:ln w="9525" cap="flat" cmpd="sng" algn="ctr">
         <a:solidFill>
           <a:schemeClr val="tx1">
-            <a:lumMod val="75000"/>
-            <a:lumOff val="25000"/>
+            <a:lumMod val="50000"/>
+            <a:lumOff val="50000"/>
           </a:schemeClr>
         </a:solidFill>
         <a:round/>
@@ -4323,19 +6270,20 @@
     <cs:fillRef idx="0"/>
     <cs:effectRef idx="0"/>
     <cs:fontRef idx="minor">
-      <a:schemeClr val="dk1"/>
+      <a:schemeClr val="tx1"/>
     </cs:fontRef>
     <cs:spPr>
       <a:solidFill>
         <a:schemeClr val="lt1"/>
       </a:solidFill>
-      <a:ln w="9525">
+      <a:ln w="9525" cap="flat" cmpd="sng" algn="ctr">
         <a:solidFill>
           <a:schemeClr val="tx1">
-            <a:lumMod val="15000"/>
-            <a:lumOff val="85000"/>
+            <a:lumMod val="65000"/>
+            <a:lumOff val="35000"/>
           </a:schemeClr>
         </a:solidFill>
+        <a:round/>
       </a:ln>
     </cs:spPr>
   </cs:upBar>
@@ -4368,7 +6316,7 @@
 </cs:chartStyle>
 </file>
 
-<file path=ppt/charts/style2.xml><?xml version="1.0" encoding="utf-8"?>
+<file path=ppt/charts/style10.xml><?xml version="1.0" encoding="utf-8"?>
 <cs:chartStyle xmlns:cs="http://schemas.microsoft.com/office/drawing/2012/chartStyle" xmlns:a="http://schemas.openxmlformats.org/drawingml/2006/main" id="201">
   <cs:axisTitle>
     <cs:lnRef idx="0"/>
@@ -4871,7 +6819,7 @@
 </cs:chartStyle>
 </file>
 
-<file path=ppt/charts/style3.xml><?xml version="1.0" encoding="utf-8"?>
+<file path=ppt/charts/style2.xml><?xml version="1.0" encoding="utf-8"?>
 <cs:chartStyle xmlns:cs="http://schemas.microsoft.com/office/drawing/2012/chartStyle" xmlns:a="http://schemas.openxmlformats.org/drawingml/2006/main" id="201">
   <cs:axisTitle>
     <cs:lnRef idx="0"/>
@@ -5374,8 +7322,8 @@
 </cs:chartStyle>
 </file>
 
-<file path=ppt/charts/style4.xml><?xml version="1.0" encoding="utf-8"?>
-<cs:chartStyle xmlns:cs="http://schemas.microsoft.com/office/drawing/2012/chartStyle" xmlns:a="http://schemas.openxmlformats.org/drawingml/2006/main" id="201">
+<file path=ppt/charts/style3.xml><?xml version="1.0" encoding="utf-8"?>
+<cs:chartStyle xmlns:cs="http://schemas.microsoft.com/office/drawing/2012/chartStyle" xmlns:a="http://schemas.openxmlformats.org/drawingml/2006/main" id="251">
   <cs:axisTitle>
     <cs:lnRef idx="0"/>
     <cs:fillRef idx="0"/>
@@ -5432,7 +7380,7 @@
         <a:round/>
       </a:ln>
     </cs:spPr>
-    <cs:defRPr sz="1000" kern="1200"/>
+    <cs:defRPr sz="900" kern="1200"/>
   </cs:chartArea>
   <cs:dataLabel>
     <cs:lnRef idx="0"/>
@@ -5483,6 +7431,13 @@
     <cs:fontRef idx="minor">
       <a:schemeClr val="tx1"/>
     </cs:fontRef>
+    <cs:spPr>
+      <a:ln w="19050">
+        <a:solidFill>
+          <a:schemeClr val="lt1"/>
+        </a:solidFill>
+      </a:ln>
+    </cs:spPr>
   </cs:dataPoint>
   <cs:dataPoint3D>
     <cs:lnRef idx="0"/>
@@ -5493,12 +7448,19 @@
     <cs:fontRef idx="minor">
       <a:schemeClr val="tx1"/>
     </cs:fontRef>
+    <cs:spPr>
+      <a:ln w="25400">
+        <a:solidFill>
+          <a:schemeClr val="lt1"/>
+        </a:solidFill>
+      </a:ln>
+    </cs:spPr>
   </cs:dataPoint3D>
   <cs:dataPointLine>
     <cs:lnRef idx="0">
       <cs:styleClr val="auto"/>
     </cs:lnRef>
-    <cs:fillRef idx="1"/>
+    <cs:fillRef idx="0"/>
     <cs:effectRef idx="0"/>
     <cs:fontRef idx="minor">
       <a:schemeClr val="tx1"/>
@@ -5536,6 +7498,1549 @@
     <cs:lnRef idx="0">
       <cs:styleClr val="auto"/>
     </cs:lnRef>
+    <cs:fillRef idx="0"/>
+    <cs:effectRef idx="0"/>
+    <cs:fontRef idx="minor">
+      <a:schemeClr val="tx1"/>
+    </cs:fontRef>
+    <cs:spPr>
+      <a:ln w="9525" cap="rnd">
+        <a:solidFill>
+          <a:schemeClr val="phClr"/>
+        </a:solidFill>
+        <a:round/>
+      </a:ln>
+    </cs:spPr>
+  </cs:dataPointWireframe>
+  <cs:dataTable>
+    <cs:lnRef idx="0"/>
+    <cs:fillRef idx="0"/>
+    <cs:effectRef idx="0"/>
+    <cs:fontRef idx="minor">
+      <a:schemeClr val="tx1">
+        <a:lumMod val="65000"/>
+        <a:lumOff val="35000"/>
+      </a:schemeClr>
+    </cs:fontRef>
+    <cs:spPr>
+      <a:noFill/>
+      <a:ln w="9525" cap="flat" cmpd="sng" algn="ctr">
+        <a:solidFill>
+          <a:schemeClr val="tx1">
+            <a:lumMod val="15000"/>
+            <a:lumOff val="85000"/>
+          </a:schemeClr>
+        </a:solidFill>
+        <a:round/>
+      </a:ln>
+    </cs:spPr>
+    <cs:defRPr sz="900" kern="1200"/>
+  </cs:dataTable>
+  <cs:downBar>
+    <cs:lnRef idx="0"/>
+    <cs:fillRef idx="0"/>
+    <cs:effectRef idx="0"/>
+    <cs:fontRef idx="minor">
+      <a:schemeClr val="tx1"/>
+    </cs:fontRef>
+    <cs:spPr>
+      <a:solidFill>
+        <a:schemeClr val="dk1">
+          <a:lumMod val="75000"/>
+          <a:lumOff val="25000"/>
+        </a:schemeClr>
+      </a:solidFill>
+      <a:ln w="9525" cap="flat" cmpd="sng" algn="ctr">
+        <a:solidFill>
+          <a:schemeClr val="tx1">
+            <a:lumMod val="65000"/>
+            <a:lumOff val="35000"/>
+          </a:schemeClr>
+        </a:solidFill>
+        <a:round/>
+      </a:ln>
+    </cs:spPr>
+  </cs:downBar>
+  <cs:dropLine>
+    <cs:lnRef idx="0"/>
+    <cs:fillRef idx="0"/>
+    <cs:effectRef idx="0"/>
+    <cs:fontRef idx="minor">
+      <a:schemeClr val="tx1"/>
+    </cs:fontRef>
+    <cs:spPr>
+      <a:ln w="9525" cap="flat" cmpd="sng" algn="ctr">
+        <a:solidFill>
+          <a:schemeClr val="tx1">
+            <a:lumMod val="35000"/>
+            <a:lumOff val="65000"/>
+          </a:schemeClr>
+        </a:solidFill>
+        <a:round/>
+      </a:ln>
+    </cs:spPr>
+  </cs:dropLine>
+  <cs:errorBar>
+    <cs:lnRef idx="0"/>
+    <cs:fillRef idx="0"/>
+    <cs:effectRef idx="0"/>
+    <cs:fontRef idx="minor">
+      <a:schemeClr val="tx1"/>
+    </cs:fontRef>
+    <cs:spPr>
+      <a:ln w="9525" cap="flat" cmpd="sng" algn="ctr">
+        <a:solidFill>
+          <a:schemeClr val="tx1">
+            <a:lumMod val="65000"/>
+            <a:lumOff val="35000"/>
+          </a:schemeClr>
+        </a:solidFill>
+        <a:round/>
+      </a:ln>
+    </cs:spPr>
+  </cs:errorBar>
+  <cs:floor>
+    <cs:lnRef idx="0"/>
+    <cs:fillRef idx="0"/>
+    <cs:effectRef idx="0"/>
+    <cs:fontRef idx="minor">
+      <a:schemeClr val="tx1"/>
+    </cs:fontRef>
+    <cs:spPr>
+      <a:noFill/>
+      <a:ln>
+        <a:noFill/>
+      </a:ln>
+    </cs:spPr>
+  </cs:floor>
+  <cs:gridlineMajor>
+    <cs:lnRef idx="0"/>
+    <cs:fillRef idx="0"/>
+    <cs:effectRef idx="0"/>
+    <cs:fontRef idx="minor">
+      <a:schemeClr val="tx1"/>
+    </cs:fontRef>
+    <cs:spPr>
+      <a:ln w="9525" cap="flat" cmpd="sng" algn="ctr">
+        <a:solidFill>
+          <a:schemeClr val="tx1">
+            <a:lumMod val="15000"/>
+            <a:lumOff val="85000"/>
+          </a:schemeClr>
+        </a:solidFill>
+        <a:round/>
+      </a:ln>
+    </cs:spPr>
+  </cs:gridlineMajor>
+  <cs:gridlineMinor>
+    <cs:lnRef idx="0"/>
+    <cs:fillRef idx="0"/>
+    <cs:effectRef idx="0"/>
+    <cs:fontRef idx="minor">
+      <a:schemeClr val="tx1"/>
+    </cs:fontRef>
+    <cs:spPr>
+      <a:ln w="9525" cap="flat" cmpd="sng" algn="ctr">
+        <a:solidFill>
+          <a:schemeClr val="tx1">
+            <a:lumMod val="5000"/>
+            <a:lumOff val="95000"/>
+          </a:schemeClr>
+        </a:solidFill>
+        <a:round/>
+      </a:ln>
+    </cs:spPr>
+  </cs:gridlineMinor>
+  <cs:hiLoLine>
+    <cs:lnRef idx="0"/>
+    <cs:fillRef idx="0"/>
+    <cs:effectRef idx="0"/>
+    <cs:fontRef idx="minor">
+      <a:schemeClr val="tx1"/>
+    </cs:fontRef>
+    <cs:spPr>
+      <a:ln w="9525" cap="flat" cmpd="sng" algn="ctr">
+        <a:solidFill>
+          <a:schemeClr val="tx1">
+            <a:lumMod val="50000"/>
+            <a:lumOff val="50000"/>
+          </a:schemeClr>
+        </a:solidFill>
+        <a:round/>
+      </a:ln>
+    </cs:spPr>
+  </cs:hiLoLine>
+  <cs:leaderLine>
+    <cs:lnRef idx="0"/>
+    <cs:fillRef idx="0"/>
+    <cs:effectRef idx="0"/>
+    <cs:fontRef idx="minor">
+      <a:schemeClr val="tx1"/>
+    </cs:fontRef>
+    <cs:spPr>
+      <a:ln w="9525" cap="flat" cmpd="sng" algn="ctr">
+        <a:solidFill>
+          <a:schemeClr val="tx1">
+            <a:lumMod val="35000"/>
+            <a:lumOff val="65000"/>
+          </a:schemeClr>
+        </a:solidFill>
+        <a:round/>
+      </a:ln>
+    </cs:spPr>
+  </cs:leaderLine>
+  <cs:legend>
+    <cs:lnRef idx="0"/>
+    <cs:fillRef idx="0"/>
+    <cs:effectRef idx="0"/>
+    <cs:fontRef idx="minor">
+      <a:schemeClr val="tx1">
+        <a:lumMod val="65000"/>
+        <a:lumOff val="35000"/>
+      </a:schemeClr>
+    </cs:fontRef>
+    <cs:defRPr sz="900" kern="1200"/>
+  </cs:legend>
+  <cs:plotArea mods="allowNoFillOverride allowNoLineOverride">
+    <cs:lnRef idx="0"/>
+    <cs:fillRef idx="0"/>
+    <cs:effectRef idx="0"/>
+    <cs:fontRef idx="minor">
+      <a:schemeClr val="tx1"/>
+    </cs:fontRef>
+  </cs:plotArea>
+  <cs:plotArea3D mods="allowNoFillOverride allowNoLineOverride">
+    <cs:lnRef idx="0"/>
+    <cs:fillRef idx="0"/>
+    <cs:effectRef idx="0"/>
+    <cs:fontRef idx="minor">
+      <a:schemeClr val="tx1"/>
+    </cs:fontRef>
+  </cs:plotArea3D>
+  <cs:seriesAxis>
+    <cs:lnRef idx="0"/>
+    <cs:fillRef idx="0"/>
+    <cs:effectRef idx="0"/>
+    <cs:fontRef idx="minor">
+      <a:schemeClr val="tx1">
+        <a:lumMod val="65000"/>
+        <a:lumOff val="35000"/>
+      </a:schemeClr>
+    </cs:fontRef>
+    <cs:defRPr sz="900" kern="1200"/>
+  </cs:seriesAxis>
+  <cs:seriesLine>
+    <cs:lnRef idx="0"/>
+    <cs:fillRef idx="0"/>
+    <cs:effectRef idx="0"/>
+    <cs:fontRef idx="minor">
+      <a:schemeClr val="tx1"/>
+    </cs:fontRef>
+    <cs:spPr>
+      <a:ln w="9525" cap="flat" cmpd="sng" algn="ctr">
+        <a:solidFill>
+          <a:schemeClr val="tx1">
+            <a:lumMod val="35000"/>
+            <a:lumOff val="65000"/>
+          </a:schemeClr>
+        </a:solidFill>
+        <a:round/>
+      </a:ln>
+    </cs:spPr>
+  </cs:seriesLine>
+  <cs:title>
+    <cs:lnRef idx="0"/>
+    <cs:fillRef idx="0"/>
+    <cs:effectRef idx="0"/>
+    <cs:fontRef idx="minor">
+      <a:schemeClr val="tx1">
+        <a:lumMod val="65000"/>
+        <a:lumOff val="35000"/>
+      </a:schemeClr>
+    </cs:fontRef>
+    <cs:defRPr sz="1400" b="0" kern="1200" spc="0" baseline="0"/>
+  </cs:title>
+  <cs:trendline>
+    <cs:lnRef idx="0">
+      <cs:styleClr val="auto"/>
+    </cs:lnRef>
+    <cs:fillRef idx="0"/>
+    <cs:effectRef idx="0"/>
+    <cs:fontRef idx="minor">
+      <a:schemeClr val="tx1"/>
+    </cs:fontRef>
+    <cs:spPr>
+      <a:ln w="19050" cap="rnd">
+        <a:solidFill>
+          <a:schemeClr val="phClr"/>
+        </a:solidFill>
+        <a:prstDash val="sysDot"/>
+      </a:ln>
+    </cs:spPr>
+  </cs:trendline>
+  <cs:trendlineLabel>
+    <cs:lnRef idx="0"/>
+    <cs:fillRef idx="0"/>
+    <cs:effectRef idx="0"/>
+    <cs:fontRef idx="minor">
+      <a:schemeClr val="tx1">
+        <a:lumMod val="65000"/>
+        <a:lumOff val="35000"/>
+      </a:schemeClr>
+    </cs:fontRef>
+    <cs:defRPr sz="900" kern="1200"/>
+  </cs:trendlineLabel>
+  <cs:upBar>
+    <cs:lnRef idx="0"/>
+    <cs:fillRef idx="0"/>
+    <cs:effectRef idx="0"/>
+    <cs:fontRef idx="minor">
+      <a:schemeClr val="tx1"/>
+    </cs:fontRef>
+    <cs:spPr>
+      <a:solidFill>
+        <a:schemeClr val="lt1"/>
+      </a:solidFill>
+      <a:ln w="9525" cap="flat" cmpd="sng" algn="ctr">
+        <a:solidFill>
+          <a:schemeClr val="tx1">
+            <a:lumMod val="65000"/>
+            <a:lumOff val="35000"/>
+          </a:schemeClr>
+        </a:solidFill>
+        <a:round/>
+      </a:ln>
+    </cs:spPr>
+  </cs:upBar>
+  <cs:valueAxis>
+    <cs:lnRef idx="0"/>
+    <cs:fillRef idx="0"/>
+    <cs:effectRef idx="0"/>
+    <cs:fontRef idx="minor">
+      <a:schemeClr val="tx1">
+        <a:lumMod val="65000"/>
+        <a:lumOff val="35000"/>
+      </a:schemeClr>
+    </cs:fontRef>
+    <cs:defRPr sz="900" kern="1200"/>
+  </cs:valueAxis>
+  <cs:wall>
+    <cs:lnRef idx="0"/>
+    <cs:fillRef idx="0"/>
+    <cs:effectRef idx="0"/>
+    <cs:fontRef idx="minor">
+      <a:schemeClr val="tx1"/>
+    </cs:fontRef>
+    <cs:spPr>
+      <a:noFill/>
+      <a:ln>
+        <a:noFill/>
+      </a:ln>
+    </cs:spPr>
+  </cs:wall>
+</cs:chartStyle>
+</file>
+
+<file path=ppt/charts/style4.xml><?xml version="1.0" encoding="utf-8"?>
+<cs:chartStyle xmlns:cs="http://schemas.microsoft.com/office/drawing/2012/chartStyle" xmlns:a="http://schemas.openxmlformats.org/drawingml/2006/main" id="251">
+  <cs:axisTitle>
+    <cs:lnRef idx="0"/>
+    <cs:fillRef idx="0"/>
+    <cs:effectRef idx="0"/>
+    <cs:fontRef idx="minor">
+      <a:schemeClr val="tx1">
+        <a:lumMod val="65000"/>
+        <a:lumOff val="35000"/>
+      </a:schemeClr>
+    </cs:fontRef>
+    <cs:defRPr sz="1000" kern="1200"/>
+  </cs:axisTitle>
+  <cs:categoryAxis>
+    <cs:lnRef idx="0"/>
+    <cs:fillRef idx="0"/>
+    <cs:effectRef idx="0"/>
+    <cs:fontRef idx="minor">
+      <a:schemeClr val="tx1">
+        <a:lumMod val="65000"/>
+        <a:lumOff val="35000"/>
+      </a:schemeClr>
+    </cs:fontRef>
+    <cs:spPr>
+      <a:ln w="9525" cap="flat" cmpd="sng" algn="ctr">
+        <a:solidFill>
+          <a:schemeClr val="tx1">
+            <a:lumMod val="15000"/>
+            <a:lumOff val="85000"/>
+          </a:schemeClr>
+        </a:solidFill>
+        <a:round/>
+      </a:ln>
+    </cs:spPr>
+    <cs:defRPr sz="900" kern="1200"/>
+  </cs:categoryAxis>
+  <cs:chartArea mods="allowNoFillOverride allowNoLineOverride">
+    <cs:lnRef idx="0"/>
+    <cs:fillRef idx="0"/>
+    <cs:effectRef idx="0"/>
+    <cs:fontRef idx="minor">
+      <a:schemeClr val="tx1"/>
+    </cs:fontRef>
+    <cs:spPr>
+      <a:solidFill>
+        <a:schemeClr val="bg1"/>
+      </a:solidFill>
+      <a:ln w="9525" cap="flat" cmpd="sng" algn="ctr">
+        <a:solidFill>
+          <a:schemeClr val="tx1">
+            <a:lumMod val="15000"/>
+            <a:lumOff val="85000"/>
+          </a:schemeClr>
+        </a:solidFill>
+        <a:round/>
+      </a:ln>
+    </cs:spPr>
+    <cs:defRPr sz="900" kern="1200"/>
+  </cs:chartArea>
+  <cs:dataLabel>
+    <cs:lnRef idx="0"/>
+    <cs:fillRef idx="0"/>
+    <cs:effectRef idx="0"/>
+    <cs:fontRef idx="minor">
+      <a:schemeClr val="tx1">
+        <a:lumMod val="75000"/>
+        <a:lumOff val="25000"/>
+      </a:schemeClr>
+    </cs:fontRef>
+    <cs:defRPr sz="900" kern="1200"/>
+  </cs:dataLabel>
+  <cs:dataLabelCallout>
+    <cs:lnRef idx="0"/>
+    <cs:fillRef idx="0"/>
+    <cs:effectRef idx="0"/>
+    <cs:fontRef idx="minor">
+      <a:schemeClr val="dk1">
+        <a:lumMod val="65000"/>
+        <a:lumOff val="35000"/>
+      </a:schemeClr>
+    </cs:fontRef>
+    <cs:spPr>
+      <a:solidFill>
+        <a:schemeClr val="lt1"/>
+      </a:solidFill>
+      <a:ln>
+        <a:solidFill>
+          <a:schemeClr val="dk1">
+            <a:lumMod val="25000"/>
+            <a:lumOff val="75000"/>
+          </a:schemeClr>
+        </a:solidFill>
+      </a:ln>
+    </cs:spPr>
+    <cs:defRPr sz="900" kern="1200"/>
+    <cs:bodyPr rot="0" spcFirstLastPara="1" vertOverflow="clip" horzOverflow="clip" vert="horz" wrap="square" lIns="36576" tIns="18288" rIns="36576" bIns="18288" anchor="ctr" anchorCtr="1">
+      <a:spAutoFit/>
+    </cs:bodyPr>
+  </cs:dataLabelCallout>
+  <cs:dataPoint>
+    <cs:lnRef idx="0"/>
+    <cs:fillRef idx="1">
+      <cs:styleClr val="auto"/>
+    </cs:fillRef>
+    <cs:effectRef idx="0"/>
+    <cs:fontRef idx="minor">
+      <a:schemeClr val="tx1"/>
+    </cs:fontRef>
+    <cs:spPr>
+      <a:ln w="19050">
+        <a:solidFill>
+          <a:schemeClr val="lt1"/>
+        </a:solidFill>
+      </a:ln>
+    </cs:spPr>
+  </cs:dataPoint>
+  <cs:dataPoint3D>
+    <cs:lnRef idx="0"/>
+    <cs:fillRef idx="1">
+      <cs:styleClr val="auto"/>
+    </cs:fillRef>
+    <cs:effectRef idx="0"/>
+    <cs:fontRef idx="minor">
+      <a:schemeClr val="tx1"/>
+    </cs:fontRef>
+    <cs:spPr>
+      <a:ln w="25400">
+        <a:solidFill>
+          <a:schemeClr val="lt1"/>
+        </a:solidFill>
+      </a:ln>
+    </cs:spPr>
+  </cs:dataPoint3D>
+  <cs:dataPointLine>
+    <cs:lnRef idx="0">
+      <cs:styleClr val="auto"/>
+    </cs:lnRef>
+    <cs:fillRef idx="0"/>
+    <cs:effectRef idx="0"/>
+    <cs:fontRef idx="minor">
+      <a:schemeClr val="tx1"/>
+    </cs:fontRef>
+    <cs:spPr>
+      <a:ln w="28575" cap="rnd">
+        <a:solidFill>
+          <a:schemeClr val="phClr"/>
+        </a:solidFill>
+        <a:round/>
+      </a:ln>
+    </cs:spPr>
+  </cs:dataPointLine>
+  <cs:dataPointMarker>
+    <cs:lnRef idx="0">
+      <cs:styleClr val="auto"/>
+    </cs:lnRef>
+    <cs:fillRef idx="1">
+      <cs:styleClr val="auto"/>
+    </cs:fillRef>
+    <cs:effectRef idx="0"/>
+    <cs:fontRef idx="minor">
+      <a:schemeClr val="tx1"/>
+    </cs:fontRef>
+    <cs:spPr>
+      <a:ln w="9525">
+        <a:solidFill>
+          <a:schemeClr val="phClr"/>
+        </a:solidFill>
+      </a:ln>
+    </cs:spPr>
+  </cs:dataPointMarker>
+  <cs:dataPointMarkerLayout symbol="circle" size="5"/>
+  <cs:dataPointWireframe>
+    <cs:lnRef idx="0">
+      <cs:styleClr val="auto"/>
+    </cs:lnRef>
+    <cs:fillRef idx="0"/>
+    <cs:effectRef idx="0"/>
+    <cs:fontRef idx="minor">
+      <a:schemeClr val="tx1"/>
+    </cs:fontRef>
+    <cs:spPr>
+      <a:ln w="9525" cap="rnd">
+        <a:solidFill>
+          <a:schemeClr val="phClr"/>
+        </a:solidFill>
+        <a:round/>
+      </a:ln>
+    </cs:spPr>
+  </cs:dataPointWireframe>
+  <cs:dataTable>
+    <cs:lnRef idx="0"/>
+    <cs:fillRef idx="0"/>
+    <cs:effectRef idx="0"/>
+    <cs:fontRef idx="minor">
+      <a:schemeClr val="tx1">
+        <a:lumMod val="65000"/>
+        <a:lumOff val="35000"/>
+      </a:schemeClr>
+    </cs:fontRef>
+    <cs:spPr>
+      <a:noFill/>
+      <a:ln w="9525" cap="flat" cmpd="sng" algn="ctr">
+        <a:solidFill>
+          <a:schemeClr val="tx1">
+            <a:lumMod val="15000"/>
+            <a:lumOff val="85000"/>
+          </a:schemeClr>
+        </a:solidFill>
+        <a:round/>
+      </a:ln>
+    </cs:spPr>
+    <cs:defRPr sz="900" kern="1200"/>
+  </cs:dataTable>
+  <cs:downBar>
+    <cs:lnRef idx="0"/>
+    <cs:fillRef idx="0"/>
+    <cs:effectRef idx="0"/>
+    <cs:fontRef idx="minor">
+      <a:schemeClr val="tx1"/>
+    </cs:fontRef>
+    <cs:spPr>
+      <a:solidFill>
+        <a:schemeClr val="dk1">
+          <a:lumMod val="75000"/>
+          <a:lumOff val="25000"/>
+        </a:schemeClr>
+      </a:solidFill>
+      <a:ln w="9525" cap="flat" cmpd="sng" algn="ctr">
+        <a:solidFill>
+          <a:schemeClr val="tx1">
+            <a:lumMod val="65000"/>
+            <a:lumOff val="35000"/>
+          </a:schemeClr>
+        </a:solidFill>
+        <a:round/>
+      </a:ln>
+    </cs:spPr>
+  </cs:downBar>
+  <cs:dropLine>
+    <cs:lnRef idx="0"/>
+    <cs:fillRef idx="0"/>
+    <cs:effectRef idx="0"/>
+    <cs:fontRef idx="minor">
+      <a:schemeClr val="tx1"/>
+    </cs:fontRef>
+    <cs:spPr>
+      <a:ln w="9525" cap="flat" cmpd="sng" algn="ctr">
+        <a:solidFill>
+          <a:schemeClr val="tx1">
+            <a:lumMod val="35000"/>
+            <a:lumOff val="65000"/>
+          </a:schemeClr>
+        </a:solidFill>
+        <a:round/>
+      </a:ln>
+    </cs:spPr>
+  </cs:dropLine>
+  <cs:errorBar>
+    <cs:lnRef idx="0"/>
+    <cs:fillRef idx="0"/>
+    <cs:effectRef idx="0"/>
+    <cs:fontRef idx="minor">
+      <a:schemeClr val="tx1"/>
+    </cs:fontRef>
+    <cs:spPr>
+      <a:ln w="9525" cap="flat" cmpd="sng" algn="ctr">
+        <a:solidFill>
+          <a:schemeClr val="tx1">
+            <a:lumMod val="65000"/>
+            <a:lumOff val="35000"/>
+          </a:schemeClr>
+        </a:solidFill>
+        <a:round/>
+      </a:ln>
+    </cs:spPr>
+  </cs:errorBar>
+  <cs:floor>
+    <cs:lnRef idx="0"/>
+    <cs:fillRef idx="0"/>
+    <cs:effectRef idx="0"/>
+    <cs:fontRef idx="minor">
+      <a:schemeClr val="tx1"/>
+    </cs:fontRef>
+    <cs:spPr>
+      <a:noFill/>
+      <a:ln>
+        <a:noFill/>
+      </a:ln>
+    </cs:spPr>
+  </cs:floor>
+  <cs:gridlineMajor>
+    <cs:lnRef idx="0"/>
+    <cs:fillRef idx="0"/>
+    <cs:effectRef idx="0"/>
+    <cs:fontRef idx="minor">
+      <a:schemeClr val="tx1"/>
+    </cs:fontRef>
+    <cs:spPr>
+      <a:ln w="9525" cap="flat" cmpd="sng" algn="ctr">
+        <a:solidFill>
+          <a:schemeClr val="tx1">
+            <a:lumMod val="15000"/>
+            <a:lumOff val="85000"/>
+          </a:schemeClr>
+        </a:solidFill>
+        <a:round/>
+      </a:ln>
+    </cs:spPr>
+  </cs:gridlineMajor>
+  <cs:gridlineMinor>
+    <cs:lnRef idx="0"/>
+    <cs:fillRef idx="0"/>
+    <cs:effectRef idx="0"/>
+    <cs:fontRef idx="minor">
+      <a:schemeClr val="tx1"/>
+    </cs:fontRef>
+    <cs:spPr>
+      <a:ln w="9525" cap="flat" cmpd="sng" algn="ctr">
+        <a:solidFill>
+          <a:schemeClr val="tx1">
+            <a:lumMod val="5000"/>
+            <a:lumOff val="95000"/>
+          </a:schemeClr>
+        </a:solidFill>
+        <a:round/>
+      </a:ln>
+    </cs:spPr>
+  </cs:gridlineMinor>
+  <cs:hiLoLine>
+    <cs:lnRef idx="0"/>
+    <cs:fillRef idx="0"/>
+    <cs:effectRef idx="0"/>
+    <cs:fontRef idx="minor">
+      <a:schemeClr val="tx1"/>
+    </cs:fontRef>
+    <cs:spPr>
+      <a:ln w="9525" cap="flat" cmpd="sng" algn="ctr">
+        <a:solidFill>
+          <a:schemeClr val="tx1">
+            <a:lumMod val="50000"/>
+            <a:lumOff val="50000"/>
+          </a:schemeClr>
+        </a:solidFill>
+        <a:round/>
+      </a:ln>
+    </cs:spPr>
+  </cs:hiLoLine>
+  <cs:leaderLine>
+    <cs:lnRef idx="0"/>
+    <cs:fillRef idx="0"/>
+    <cs:effectRef idx="0"/>
+    <cs:fontRef idx="minor">
+      <a:schemeClr val="tx1"/>
+    </cs:fontRef>
+    <cs:spPr>
+      <a:ln w="9525" cap="flat" cmpd="sng" algn="ctr">
+        <a:solidFill>
+          <a:schemeClr val="tx1">
+            <a:lumMod val="35000"/>
+            <a:lumOff val="65000"/>
+          </a:schemeClr>
+        </a:solidFill>
+        <a:round/>
+      </a:ln>
+    </cs:spPr>
+  </cs:leaderLine>
+  <cs:legend>
+    <cs:lnRef idx="0"/>
+    <cs:fillRef idx="0"/>
+    <cs:effectRef idx="0"/>
+    <cs:fontRef idx="minor">
+      <a:schemeClr val="tx1">
+        <a:lumMod val="65000"/>
+        <a:lumOff val="35000"/>
+      </a:schemeClr>
+    </cs:fontRef>
+    <cs:defRPr sz="900" kern="1200"/>
+  </cs:legend>
+  <cs:plotArea mods="allowNoFillOverride allowNoLineOverride">
+    <cs:lnRef idx="0"/>
+    <cs:fillRef idx="0"/>
+    <cs:effectRef idx="0"/>
+    <cs:fontRef idx="minor">
+      <a:schemeClr val="tx1"/>
+    </cs:fontRef>
+  </cs:plotArea>
+  <cs:plotArea3D mods="allowNoFillOverride allowNoLineOverride">
+    <cs:lnRef idx="0"/>
+    <cs:fillRef idx="0"/>
+    <cs:effectRef idx="0"/>
+    <cs:fontRef idx="minor">
+      <a:schemeClr val="tx1"/>
+    </cs:fontRef>
+  </cs:plotArea3D>
+  <cs:seriesAxis>
+    <cs:lnRef idx="0"/>
+    <cs:fillRef idx="0"/>
+    <cs:effectRef idx="0"/>
+    <cs:fontRef idx="minor">
+      <a:schemeClr val="tx1">
+        <a:lumMod val="65000"/>
+        <a:lumOff val="35000"/>
+      </a:schemeClr>
+    </cs:fontRef>
+    <cs:defRPr sz="900" kern="1200"/>
+  </cs:seriesAxis>
+  <cs:seriesLine>
+    <cs:lnRef idx="0"/>
+    <cs:fillRef idx="0"/>
+    <cs:effectRef idx="0"/>
+    <cs:fontRef idx="minor">
+      <a:schemeClr val="tx1"/>
+    </cs:fontRef>
+    <cs:spPr>
+      <a:ln w="9525" cap="flat" cmpd="sng" algn="ctr">
+        <a:solidFill>
+          <a:schemeClr val="tx1">
+            <a:lumMod val="35000"/>
+            <a:lumOff val="65000"/>
+          </a:schemeClr>
+        </a:solidFill>
+        <a:round/>
+      </a:ln>
+    </cs:spPr>
+  </cs:seriesLine>
+  <cs:title>
+    <cs:lnRef idx="0"/>
+    <cs:fillRef idx="0"/>
+    <cs:effectRef idx="0"/>
+    <cs:fontRef idx="minor">
+      <a:schemeClr val="tx1">
+        <a:lumMod val="65000"/>
+        <a:lumOff val="35000"/>
+      </a:schemeClr>
+    </cs:fontRef>
+    <cs:defRPr sz="1400" b="0" kern="1200" spc="0" baseline="0"/>
+  </cs:title>
+  <cs:trendline>
+    <cs:lnRef idx="0">
+      <cs:styleClr val="auto"/>
+    </cs:lnRef>
+    <cs:fillRef idx="0"/>
+    <cs:effectRef idx="0"/>
+    <cs:fontRef idx="minor">
+      <a:schemeClr val="tx1"/>
+    </cs:fontRef>
+    <cs:spPr>
+      <a:ln w="19050" cap="rnd">
+        <a:solidFill>
+          <a:schemeClr val="phClr"/>
+        </a:solidFill>
+        <a:prstDash val="sysDot"/>
+      </a:ln>
+    </cs:spPr>
+  </cs:trendline>
+  <cs:trendlineLabel>
+    <cs:lnRef idx="0"/>
+    <cs:fillRef idx="0"/>
+    <cs:effectRef idx="0"/>
+    <cs:fontRef idx="minor">
+      <a:schemeClr val="tx1">
+        <a:lumMod val="65000"/>
+        <a:lumOff val="35000"/>
+      </a:schemeClr>
+    </cs:fontRef>
+    <cs:defRPr sz="900" kern="1200"/>
+  </cs:trendlineLabel>
+  <cs:upBar>
+    <cs:lnRef idx="0"/>
+    <cs:fillRef idx="0"/>
+    <cs:effectRef idx="0"/>
+    <cs:fontRef idx="minor">
+      <a:schemeClr val="tx1"/>
+    </cs:fontRef>
+    <cs:spPr>
+      <a:solidFill>
+        <a:schemeClr val="lt1"/>
+      </a:solidFill>
+      <a:ln w="9525" cap="flat" cmpd="sng" algn="ctr">
+        <a:solidFill>
+          <a:schemeClr val="tx1">
+            <a:lumMod val="65000"/>
+            <a:lumOff val="35000"/>
+          </a:schemeClr>
+        </a:solidFill>
+        <a:round/>
+      </a:ln>
+    </cs:spPr>
+  </cs:upBar>
+  <cs:valueAxis>
+    <cs:lnRef idx="0"/>
+    <cs:fillRef idx="0"/>
+    <cs:effectRef idx="0"/>
+    <cs:fontRef idx="minor">
+      <a:schemeClr val="tx1">
+        <a:lumMod val="65000"/>
+        <a:lumOff val="35000"/>
+      </a:schemeClr>
+    </cs:fontRef>
+    <cs:defRPr sz="900" kern="1200"/>
+  </cs:valueAxis>
+  <cs:wall>
+    <cs:lnRef idx="0"/>
+    <cs:fillRef idx="0"/>
+    <cs:effectRef idx="0"/>
+    <cs:fontRef idx="minor">
+      <a:schemeClr val="tx1"/>
+    </cs:fontRef>
+    <cs:spPr>
+      <a:noFill/>
+      <a:ln>
+        <a:noFill/>
+      </a:ln>
+    </cs:spPr>
+  </cs:wall>
+</cs:chartStyle>
+</file>
+
+<file path=ppt/charts/style5.xml><?xml version="1.0" encoding="utf-8"?>
+<cs:chartStyle xmlns:cs="http://schemas.microsoft.com/office/drawing/2012/chartStyle" xmlns:a="http://schemas.openxmlformats.org/drawingml/2006/main" id="251">
+  <cs:axisTitle>
+    <cs:lnRef idx="0"/>
+    <cs:fillRef idx="0"/>
+    <cs:effectRef idx="0"/>
+    <cs:fontRef idx="minor">
+      <a:schemeClr val="tx1">
+        <a:lumMod val="65000"/>
+        <a:lumOff val="35000"/>
+      </a:schemeClr>
+    </cs:fontRef>
+    <cs:defRPr sz="1000" kern="1200"/>
+  </cs:axisTitle>
+  <cs:categoryAxis>
+    <cs:lnRef idx="0"/>
+    <cs:fillRef idx="0"/>
+    <cs:effectRef idx="0"/>
+    <cs:fontRef idx="minor">
+      <a:schemeClr val="tx1">
+        <a:lumMod val="65000"/>
+        <a:lumOff val="35000"/>
+      </a:schemeClr>
+    </cs:fontRef>
+    <cs:spPr>
+      <a:ln w="9525" cap="flat" cmpd="sng" algn="ctr">
+        <a:solidFill>
+          <a:schemeClr val="tx1">
+            <a:lumMod val="15000"/>
+            <a:lumOff val="85000"/>
+          </a:schemeClr>
+        </a:solidFill>
+        <a:round/>
+      </a:ln>
+    </cs:spPr>
+    <cs:defRPr sz="900" kern="1200"/>
+  </cs:categoryAxis>
+  <cs:chartArea mods="allowNoFillOverride allowNoLineOverride">
+    <cs:lnRef idx="0"/>
+    <cs:fillRef idx="0"/>
+    <cs:effectRef idx="0"/>
+    <cs:fontRef idx="minor">
+      <a:schemeClr val="tx1"/>
+    </cs:fontRef>
+    <cs:spPr>
+      <a:solidFill>
+        <a:schemeClr val="bg1"/>
+      </a:solidFill>
+      <a:ln w="9525" cap="flat" cmpd="sng" algn="ctr">
+        <a:solidFill>
+          <a:schemeClr val="tx1">
+            <a:lumMod val="15000"/>
+            <a:lumOff val="85000"/>
+          </a:schemeClr>
+        </a:solidFill>
+        <a:round/>
+      </a:ln>
+    </cs:spPr>
+    <cs:defRPr sz="900" kern="1200"/>
+  </cs:chartArea>
+  <cs:dataLabel>
+    <cs:lnRef idx="0"/>
+    <cs:fillRef idx="0"/>
+    <cs:effectRef idx="0"/>
+    <cs:fontRef idx="minor">
+      <a:schemeClr val="tx1">
+        <a:lumMod val="75000"/>
+        <a:lumOff val="25000"/>
+      </a:schemeClr>
+    </cs:fontRef>
+    <cs:defRPr sz="900" kern="1200"/>
+  </cs:dataLabel>
+  <cs:dataLabelCallout>
+    <cs:lnRef idx="0"/>
+    <cs:fillRef idx="0"/>
+    <cs:effectRef idx="0"/>
+    <cs:fontRef idx="minor">
+      <a:schemeClr val="dk1">
+        <a:lumMod val="65000"/>
+        <a:lumOff val="35000"/>
+      </a:schemeClr>
+    </cs:fontRef>
+    <cs:spPr>
+      <a:solidFill>
+        <a:schemeClr val="lt1"/>
+      </a:solidFill>
+      <a:ln>
+        <a:solidFill>
+          <a:schemeClr val="dk1">
+            <a:lumMod val="25000"/>
+            <a:lumOff val="75000"/>
+          </a:schemeClr>
+        </a:solidFill>
+      </a:ln>
+    </cs:spPr>
+    <cs:defRPr sz="900" kern="1200"/>
+    <cs:bodyPr rot="0" spcFirstLastPara="1" vertOverflow="clip" horzOverflow="clip" vert="horz" wrap="square" lIns="36576" tIns="18288" rIns="36576" bIns="18288" anchor="ctr" anchorCtr="1">
+      <a:spAutoFit/>
+    </cs:bodyPr>
+  </cs:dataLabelCallout>
+  <cs:dataPoint>
+    <cs:lnRef idx="0"/>
+    <cs:fillRef idx="1">
+      <cs:styleClr val="auto"/>
+    </cs:fillRef>
+    <cs:effectRef idx="0"/>
+    <cs:fontRef idx="minor">
+      <a:schemeClr val="tx1"/>
+    </cs:fontRef>
+    <cs:spPr>
+      <a:ln w="19050">
+        <a:solidFill>
+          <a:schemeClr val="lt1"/>
+        </a:solidFill>
+      </a:ln>
+    </cs:spPr>
+  </cs:dataPoint>
+  <cs:dataPoint3D>
+    <cs:lnRef idx="0"/>
+    <cs:fillRef idx="1">
+      <cs:styleClr val="auto"/>
+    </cs:fillRef>
+    <cs:effectRef idx="0"/>
+    <cs:fontRef idx="minor">
+      <a:schemeClr val="tx1"/>
+    </cs:fontRef>
+    <cs:spPr>
+      <a:ln w="25400">
+        <a:solidFill>
+          <a:schemeClr val="lt1"/>
+        </a:solidFill>
+      </a:ln>
+    </cs:spPr>
+  </cs:dataPoint3D>
+  <cs:dataPointLine>
+    <cs:lnRef idx="0">
+      <cs:styleClr val="auto"/>
+    </cs:lnRef>
+    <cs:fillRef idx="0"/>
+    <cs:effectRef idx="0"/>
+    <cs:fontRef idx="minor">
+      <a:schemeClr val="tx1"/>
+    </cs:fontRef>
+    <cs:spPr>
+      <a:ln w="28575" cap="rnd">
+        <a:solidFill>
+          <a:schemeClr val="phClr"/>
+        </a:solidFill>
+        <a:round/>
+      </a:ln>
+    </cs:spPr>
+  </cs:dataPointLine>
+  <cs:dataPointMarker>
+    <cs:lnRef idx="0">
+      <cs:styleClr val="auto"/>
+    </cs:lnRef>
+    <cs:fillRef idx="1">
+      <cs:styleClr val="auto"/>
+    </cs:fillRef>
+    <cs:effectRef idx="0"/>
+    <cs:fontRef idx="minor">
+      <a:schemeClr val="tx1"/>
+    </cs:fontRef>
+    <cs:spPr>
+      <a:ln w="9525">
+        <a:solidFill>
+          <a:schemeClr val="phClr"/>
+        </a:solidFill>
+      </a:ln>
+    </cs:spPr>
+  </cs:dataPointMarker>
+  <cs:dataPointMarkerLayout symbol="circle" size="5"/>
+  <cs:dataPointWireframe>
+    <cs:lnRef idx="0">
+      <cs:styleClr val="auto"/>
+    </cs:lnRef>
+    <cs:fillRef idx="0"/>
+    <cs:effectRef idx="0"/>
+    <cs:fontRef idx="minor">
+      <a:schemeClr val="tx1"/>
+    </cs:fontRef>
+    <cs:spPr>
+      <a:ln w="9525" cap="rnd">
+        <a:solidFill>
+          <a:schemeClr val="phClr"/>
+        </a:solidFill>
+        <a:round/>
+      </a:ln>
+    </cs:spPr>
+  </cs:dataPointWireframe>
+  <cs:dataTable>
+    <cs:lnRef idx="0"/>
+    <cs:fillRef idx="0"/>
+    <cs:effectRef idx="0"/>
+    <cs:fontRef idx="minor">
+      <a:schemeClr val="tx1">
+        <a:lumMod val="65000"/>
+        <a:lumOff val="35000"/>
+      </a:schemeClr>
+    </cs:fontRef>
+    <cs:spPr>
+      <a:noFill/>
+      <a:ln w="9525" cap="flat" cmpd="sng" algn="ctr">
+        <a:solidFill>
+          <a:schemeClr val="tx1">
+            <a:lumMod val="15000"/>
+            <a:lumOff val="85000"/>
+          </a:schemeClr>
+        </a:solidFill>
+        <a:round/>
+      </a:ln>
+    </cs:spPr>
+    <cs:defRPr sz="900" kern="1200"/>
+  </cs:dataTable>
+  <cs:downBar>
+    <cs:lnRef idx="0"/>
+    <cs:fillRef idx="0"/>
+    <cs:effectRef idx="0"/>
+    <cs:fontRef idx="minor">
+      <a:schemeClr val="tx1"/>
+    </cs:fontRef>
+    <cs:spPr>
+      <a:solidFill>
+        <a:schemeClr val="dk1">
+          <a:lumMod val="75000"/>
+          <a:lumOff val="25000"/>
+        </a:schemeClr>
+      </a:solidFill>
+      <a:ln w="9525" cap="flat" cmpd="sng" algn="ctr">
+        <a:solidFill>
+          <a:schemeClr val="tx1">
+            <a:lumMod val="65000"/>
+            <a:lumOff val="35000"/>
+          </a:schemeClr>
+        </a:solidFill>
+        <a:round/>
+      </a:ln>
+    </cs:spPr>
+  </cs:downBar>
+  <cs:dropLine>
+    <cs:lnRef idx="0"/>
+    <cs:fillRef idx="0"/>
+    <cs:effectRef idx="0"/>
+    <cs:fontRef idx="minor">
+      <a:schemeClr val="tx1"/>
+    </cs:fontRef>
+    <cs:spPr>
+      <a:ln w="9525" cap="flat" cmpd="sng" algn="ctr">
+        <a:solidFill>
+          <a:schemeClr val="tx1">
+            <a:lumMod val="35000"/>
+            <a:lumOff val="65000"/>
+          </a:schemeClr>
+        </a:solidFill>
+        <a:round/>
+      </a:ln>
+    </cs:spPr>
+  </cs:dropLine>
+  <cs:errorBar>
+    <cs:lnRef idx="0"/>
+    <cs:fillRef idx="0"/>
+    <cs:effectRef idx="0"/>
+    <cs:fontRef idx="minor">
+      <a:schemeClr val="tx1"/>
+    </cs:fontRef>
+    <cs:spPr>
+      <a:ln w="9525" cap="flat" cmpd="sng" algn="ctr">
+        <a:solidFill>
+          <a:schemeClr val="tx1">
+            <a:lumMod val="65000"/>
+            <a:lumOff val="35000"/>
+          </a:schemeClr>
+        </a:solidFill>
+        <a:round/>
+      </a:ln>
+    </cs:spPr>
+  </cs:errorBar>
+  <cs:floor>
+    <cs:lnRef idx="0"/>
+    <cs:fillRef idx="0"/>
+    <cs:effectRef idx="0"/>
+    <cs:fontRef idx="minor">
+      <a:schemeClr val="tx1"/>
+    </cs:fontRef>
+    <cs:spPr>
+      <a:noFill/>
+      <a:ln>
+        <a:noFill/>
+      </a:ln>
+    </cs:spPr>
+  </cs:floor>
+  <cs:gridlineMajor>
+    <cs:lnRef idx="0"/>
+    <cs:fillRef idx="0"/>
+    <cs:effectRef idx="0"/>
+    <cs:fontRef idx="minor">
+      <a:schemeClr val="tx1"/>
+    </cs:fontRef>
+    <cs:spPr>
+      <a:ln w="9525" cap="flat" cmpd="sng" algn="ctr">
+        <a:solidFill>
+          <a:schemeClr val="tx1">
+            <a:lumMod val="15000"/>
+            <a:lumOff val="85000"/>
+          </a:schemeClr>
+        </a:solidFill>
+        <a:round/>
+      </a:ln>
+    </cs:spPr>
+  </cs:gridlineMajor>
+  <cs:gridlineMinor>
+    <cs:lnRef idx="0"/>
+    <cs:fillRef idx="0"/>
+    <cs:effectRef idx="0"/>
+    <cs:fontRef idx="minor">
+      <a:schemeClr val="tx1"/>
+    </cs:fontRef>
+    <cs:spPr>
+      <a:ln w="9525" cap="flat" cmpd="sng" algn="ctr">
+        <a:solidFill>
+          <a:schemeClr val="tx1">
+            <a:lumMod val="5000"/>
+            <a:lumOff val="95000"/>
+          </a:schemeClr>
+        </a:solidFill>
+        <a:round/>
+      </a:ln>
+    </cs:spPr>
+  </cs:gridlineMinor>
+  <cs:hiLoLine>
+    <cs:lnRef idx="0"/>
+    <cs:fillRef idx="0"/>
+    <cs:effectRef idx="0"/>
+    <cs:fontRef idx="minor">
+      <a:schemeClr val="tx1"/>
+    </cs:fontRef>
+    <cs:spPr>
+      <a:ln w="9525" cap="flat" cmpd="sng" algn="ctr">
+        <a:solidFill>
+          <a:schemeClr val="tx1">
+            <a:lumMod val="50000"/>
+            <a:lumOff val="50000"/>
+          </a:schemeClr>
+        </a:solidFill>
+        <a:round/>
+      </a:ln>
+    </cs:spPr>
+  </cs:hiLoLine>
+  <cs:leaderLine>
+    <cs:lnRef idx="0"/>
+    <cs:fillRef idx="0"/>
+    <cs:effectRef idx="0"/>
+    <cs:fontRef idx="minor">
+      <a:schemeClr val="tx1"/>
+    </cs:fontRef>
+    <cs:spPr>
+      <a:ln w="9525" cap="flat" cmpd="sng" algn="ctr">
+        <a:solidFill>
+          <a:schemeClr val="tx1">
+            <a:lumMod val="35000"/>
+            <a:lumOff val="65000"/>
+          </a:schemeClr>
+        </a:solidFill>
+        <a:round/>
+      </a:ln>
+    </cs:spPr>
+  </cs:leaderLine>
+  <cs:legend>
+    <cs:lnRef idx="0"/>
+    <cs:fillRef idx="0"/>
+    <cs:effectRef idx="0"/>
+    <cs:fontRef idx="minor">
+      <a:schemeClr val="tx1">
+        <a:lumMod val="65000"/>
+        <a:lumOff val="35000"/>
+      </a:schemeClr>
+    </cs:fontRef>
+    <cs:defRPr sz="900" kern="1200"/>
+  </cs:legend>
+  <cs:plotArea mods="allowNoFillOverride allowNoLineOverride">
+    <cs:lnRef idx="0"/>
+    <cs:fillRef idx="0"/>
+    <cs:effectRef idx="0"/>
+    <cs:fontRef idx="minor">
+      <a:schemeClr val="tx1"/>
+    </cs:fontRef>
+  </cs:plotArea>
+  <cs:plotArea3D mods="allowNoFillOverride allowNoLineOverride">
+    <cs:lnRef idx="0"/>
+    <cs:fillRef idx="0"/>
+    <cs:effectRef idx="0"/>
+    <cs:fontRef idx="minor">
+      <a:schemeClr val="tx1"/>
+    </cs:fontRef>
+  </cs:plotArea3D>
+  <cs:seriesAxis>
+    <cs:lnRef idx="0"/>
+    <cs:fillRef idx="0"/>
+    <cs:effectRef idx="0"/>
+    <cs:fontRef idx="minor">
+      <a:schemeClr val="tx1">
+        <a:lumMod val="65000"/>
+        <a:lumOff val="35000"/>
+      </a:schemeClr>
+    </cs:fontRef>
+    <cs:defRPr sz="900" kern="1200"/>
+  </cs:seriesAxis>
+  <cs:seriesLine>
+    <cs:lnRef idx="0"/>
+    <cs:fillRef idx="0"/>
+    <cs:effectRef idx="0"/>
+    <cs:fontRef idx="minor">
+      <a:schemeClr val="tx1"/>
+    </cs:fontRef>
+    <cs:spPr>
+      <a:ln w="9525" cap="flat" cmpd="sng" algn="ctr">
+        <a:solidFill>
+          <a:schemeClr val="tx1">
+            <a:lumMod val="35000"/>
+            <a:lumOff val="65000"/>
+          </a:schemeClr>
+        </a:solidFill>
+        <a:round/>
+      </a:ln>
+    </cs:spPr>
+  </cs:seriesLine>
+  <cs:title>
+    <cs:lnRef idx="0"/>
+    <cs:fillRef idx="0"/>
+    <cs:effectRef idx="0"/>
+    <cs:fontRef idx="minor">
+      <a:schemeClr val="tx1">
+        <a:lumMod val="65000"/>
+        <a:lumOff val="35000"/>
+      </a:schemeClr>
+    </cs:fontRef>
+    <cs:defRPr sz="1400" b="0" kern="1200" spc="0" baseline="0"/>
+  </cs:title>
+  <cs:trendline>
+    <cs:lnRef idx="0">
+      <cs:styleClr val="auto"/>
+    </cs:lnRef>
+    <cs:fillRef idx="0"/>
+    <cs:effectRef idx="0"/>
+    <cs:fontRef idx="minor">
+      <a:schemeClr val="tx1"/>
+    </cs:fontRef>
+    <cs:spPr>
+      <a:ln w="19050" cap="rnd">
+        <a:solidFill>
+          <a:schemeClr val="phClr"/>
+        </a:solidFill>
+        <a:prstDash val="sysDot"/>
+      </a:ln>
+    </cs:spPr>
+  </cs:trendline>
+  <cs:trendlineLabel>
+    <cs:lnRef idx="0"/>
+    <cs:fillRef idx="0"/>
+    <cs:effectRef idx="0"/>
+    <cs:fontRef idx="minor">
+      <a:schemeClr val="tx1">
+        <a:lumMod val="65000"/>
+        <a:lumOff val="35000"/>
+      </a:schemeClr>
+    </cs:fontRef>
+    <cs:defRPr sz="900" kern="1200"/>
+  </cs:trendlineLabel>
+  <cs:upBar>
+    <cs:lnRef idx="0"/>
+    <cs:fillRef idx="0"/>
+    <cs:effectRef idx="0"/>
+    <cs:fontRef idx="minor">
+      <a:schemeClr val="tx1"/>
+    </cs:fontRef>
+    <cs:spPr>
+      <a:solidFill>
+        <a:schemeClr val="lt1"/>
+      </a:solidFill>
+      <a:ln w="9525" cap="flat" cmpd="sng" algn="ctr">
+        <a:solidFill>
+          <a:schemeClr val="tx1">
+            <a:lumMod val="65000"/>
+            <a:lumOff val="35000"/>
+          </a:schemeClr>
+        </a:solidFill>
+        <a:round/>
+      </a:ln>
+    </cs:spPr>
+  </cs:upBar>
+  <cs:valueAxis>
+    <cs:lnRef idx="0"/>
+    <cs:fillRef idx="0"/>
+    <cs:effectRef idx="0"/>
+    <cs:fontRef idx="minor">
+      <a:schemeClr val="tx1">
+        <a:lumMod val="65000"/>
+        <a:lumOff val="35000"/>
+      </a:schemeClr>
+    </cs:fontRef>
+    <cs:defRPr sz="900" kern="1200"/>
+  </cs:valueAxis>
+  <cs:wall>
+    <cs:lnRef idx="0"/>
+    <cs:fillRef idx="0"/>
+    <cs:effectRef idx="0"/>
+    <cs:fontRef idx="minor">
+      <a:schemeClr val="tx1"/>
+    </cs:fontRef>
+    <cs:spPr>
+      <a:noFill/>
+      <a:ln>
+        <a:noFill/>
+      </a:ln>
+    </cs:spPr>
+  </cs:wall>
+</cs:chartStyle>
+</file>
+
+<file path=ppt/charts/style6.xml><?xml version="1.0" encoding="utf-8"?>
+<cs:chartStyle xmlns:cs="http://schemas.microsoft.com/office/drawing/2012/chartStyle" xmlns:a="http://schemas.openxmlformats.org/drawingml/2006/main" id="201">
+  <cs:axisTitle>
+    <cs:lnRef idx="0"/>
+    <cs:fillRef idx="0"/>
+    <cs:effectRef idx="0"/>
+    <cs:fontRef idx="minor">
+      <a:schemeClr val="tx1">
+        <a:lumMod val="65000"/>
+        <a:lumOff val="35000"/>
+      </a:schemeClr>
+    </cs:fontRef>
+    <cs:defRPr sz="1000" kern="1200"/>
+  </cs:axisTitle>
+  <cs:categoryAxis>
+    <cs:lnRef idx="0"/>
+    <cs:fillRef idx="0"/>
+    <cs:effectRef idx="0"/>
+    <cs:fontRef idx="minor">
+      <a:schemeClr val="tx1">
+        <a:lumMod val="65000"/>
+        <a:lumOff val="35000"/>
+      </a:schemeClr>
+    </cs:fontRef>
+    <cs:spPr>
+      <a:ln w="9525" cap="flat" cmpd="sng" algn="ctr">
+        <a:solidFill>
+          <a:schemeClr val="tx1">
+            <a:lumMod val="15000"/>
+            <a:lumOff val="85000"/>
+          </a:schemeClr>
+        </a:solidFill>
+        <a:round/>
+      </a:ln>
+    </cs:spPr>
+    <cs:defRPr sz="900" kern="1200"/>
+  </cs:categoryAxis>
+  <cs:chartArea mods="allowNoFillOverride allowNoLineOverride">
+    <cs:lnRef idx="0"/>
+    <cs:fillRef idx="0"/>
+    <cs:effectRef idx="0"/>
+    <cs:fontRef idx="minor">
+      <a:schemeClr val="tx1"/>
+    </cs:fontRef>
+    <cs:spPr>
+      <a:solidFill>
+        <a:schemeClr val="bg1"/>
+      </a:solidFill>
+      <a:ln w="9525" cap="flat" cmpd="sng" algn="ctr">
+        <a:solidFill>
+          <a:schemeClr val="tx1">
+            <a:lumMod val="15000"/>
+            <a:lumOff val="85000"/>
+          </a:schemeClr>
+        </a:solidFill>
+        <a:round/>
+      </a:ln>
+    </cs:spPr>
+    <cs:defRPr sz="1000" kern="1200"/>
+  </cs:chartArea>
+  <cs:dataLabel>
+    <cs:lnRef idx="0"/>
+    <cs:fillRef idx="0"/>
+    <cs:effectRef idx="0"/>
+    <cs:fontRef idx="minor">
+      <a:schemeClr val="tx1">
+        <a:lumMod val="75000"/>
+        <a:lumOff val="25000"/>
+      </a:schemeClr>
+    </cs:fontRef>
+    <cs:defRPr sz="900" kern="1200"/>
+  </cs:dataLabel>
+  <cs:dataLabelCallout>
+    <cs:lnRef idx="0"/>
+    <cs:fillRef idx="0"/>
+    <cs:effectRef idx="0"/>
+    <cs:fontRef idx="minor">
+      <a:schemeClr val="dk1">
+        <a:lumMod val="65000"/>
+        <a:lumOff val="35000"/>
+      </a:schemeClr>
+    </cs:fontRef>
+    <cs:spPr>
+      <a:solidFill>
+        <a:schemeClr val="lt1"/>
+      </a:solidFill>
+      <a:ln>
+        <a:solidFill>
+          <a:schemeClr val="dk1">
+            <a:lumMod val="25000"/>
+            <a:lumOff val="75000"/>
+          </a:schemeClr>
+        </a:solidFill>
+      </a:ln>
+    </cs:spPr>
+    <cs:defRPr sz="900" kern="1200"/>
+    <cs:bodyPr rot="0" spcFirstLastPara="1" vertOverflow="clip" horzOverflow="clip" vert="horz" wrap="square" lIns="36576" tIns="18288" rIns="36576" bIns="18288" anchor="ctr" anchorCtr="1">
+      <a:spAutoFit/>
+    </cs:bodyPr>
+  </cs:dataLabelCallout>
+  <cs:dataPoint>
+    <cs:lnRef idx="0"/>
+    <cs:fillRef idx="1">
+      <cs:styleClr val="auto"/>
+    </cs:fillRef>
+    <cs:effectRef idx="0"/>
+    <cs:fontRef idx="minor">
+      <a:schemeClr val="tx1"/>
+    </cs:fontRef>
+  </cs:dataPoint>
+  <cs:dataPoint3D>
+    <cs:lnRef idx="0"/>
+    <cs:fillRef idx="1">
+      <cs:styleClr val="auto"/>
+    </cs:fillRef>
+    <cs:effectRef idx="0"/>
+    <cs:fontRef idx="minor">
+      <a:schemeClr val="tx1"/>
+    </cs:fontRef>
+  </cs:dataPoint3D>
+  <cs:dataPointLine>
+    <cs:lnRef idx="0">
+      <cs:styleClr val="auto"/>
+    </cs:lnRef>
+    <cs:fillRef idx="1"/>
+    <cs:effectRef idx="0"/>
+    <cs:fontRef idx="minor">
+      <a:schemeClr val="tx1"/>
+    </cs:fontRef>
+    <cs:spPr>
+      <a:ln w="28575" cap="rnd">
+        <a:solidFill>
+          <a:schemeClr val="phClr"/>
+        </a:solidFill>
+        <a:round/>
+      </a:ln>
+    </cs:spPr>
+  </cs:dataPointLine>
+  <cs:dataPointMarker>
+    <cs:lnRef idx="0">
+      <cs:styleClr val="auto"/>
+    </cs:lnRef>
+    <cs:fillRef idx="1">
+      <cs:styleClr val="auto"/>
+    </cs:fillRef>
+    <cs:effectRef idx="0"/>
+    <cs:fontRef idx="minor">
+      <a:schemeClr val="tx1"/>
+    </cs:fontRef>
+    <cs:spPr>
+      <a:ln w="9525">
+        <a:solidFill>
+          <a:schemeClr val="phClr"/>
+        </a:solidFill>
+      </a:ln>
+    </cs:spPr>
+  </cs:dataPointMarker>
+  <cs:dataPointMarkerLayout symbol="circle" size="5"/>
+  <cs:dataPointWireframe>
+    <cs:lnRef idx="0">
+      <cs:styleClr val="auto"/>
+    </cs:lnRef>
     <cs:fillRef idx="1"/>
     <cs:effectRef idx="0"/>
     <cs:fontRef idx="minor">
@@ -5877,7 +9382,1013 @@
 </cs:chartStyle>
 </file>
 
-<file path=ppt/charts/style5.xml><?xml version="1.0" encoding="utf-8"?>
+<file path=ppt/charts/style7.xml><?xml version="1.0" encoding="utf-8"?>
+<cs:chartStyle xmlns:cs="http://schemas.microsoft.com/office/drawing/2012/chartStyle" xmlns:a="http://schemas.openxmlformats.org/drawingml/2006/main" id="201">
+  <cs:axisTitle>
+    <cs:lnRef idx="0"/>
+    <cs:fillRef idx="0"/>
+    <cs:effectRef idx="0"/>
+    <cs:fontRef idx="minor">
+      <a:schemeClr val="tx1">
+        <a:lumMod val="65000"/>
+        <a:lumOff val="35000"/>
+      </a:schemeClr>
+    </cs:fontRef>
+    <cs:defRPr sz="1000" kern="1200"/>
+  </cs:axisTitle>
+  <cs:categoryAxis>
+    <cs:lnRef idx="0"/>
+    <cs:fillRef idx="0"/>
+    <cs:effectRef idx="0"/>
+    <cs:fontRef idx="minor">
+      <a:schemeClr val="tx1">
+        <a:lumMod val="65000"/>
+        <a:lumOff val="35000"/>
+      </a:schemeClr>
+    </cs:fontRef>
+    <cs:spPr>
+      <a:ln w="9525" cap="flat" cmpd="sng" algn="ctr">
+        <a:solidFill>
+          <a:schemeClr val="tx1">
+            <a:lumMod val="15000"/>
+            <a:lumOff val="85000"/>
+          </a:schemeClr>
+        </a:solidFill>
+        <a:round/>
+      </a:ln>
+    </cs:spPr>
+    <cs:defRPr sz="900" kern="1200"/>
+  </cs:categoryAxis>
+  <cs:chartArea mods="allowNoFillOverride allowNoLineOverride">
+    <cs:lnRef idx="0"/>
+    <cs:fillRef idx="0"/>
+    <cs:effectRef idx="0"/>
+    <cs:fontRef idx="minor">
+      <a:schemeClr val="tx1"/>
+    </cs:fontRef>
+    <cs:spPr>
+      <a:solidFill>
+        <a:schemeClr val="bg1"/>
+      </a:solidFill>
+      <a:ln w="9525" cap="flat" cmpd="sng" algn="ctr">
+        <a:solidFill>
+          <a:schemeClr val="tx1">
+            <a:lumMod val="15000"/>
+            <a:lumOff val="85000"/>
+          </a:schemeClr>
+        </a:solidFill>
+        <a:round/>
+      </a:ln>
+    </cs:spPr>
+    <cs:defRPr sz="1000" kern="1200"/>
+  </cs:chartArea>
+  <cs:dataLabel>
+    <cs:lnRef idx="0"/>
+    <cs:fillRef idx="0"/>
+    <cs:effectRef idx="0"/>
+    <cs:fontRef idx="minor">
+      <a:schemeClr val="tx1">
+        <a:lumMod val="75000"/>
+        <a:lumOff val="25000"/>
+      </a:schemeClr>
+    </cs:fontRef>
+    <cs:defRPr sz="900" kern="1200"/>
+  </cs:dataLabel>
+  <cs:dataLabelCallout>
+    <cs:lnRef idx="0"/>
+    <cs:fillRef idx="0"/>
+    <cs:effectRef idx="0"/>
+    <cs:fontRef idx="minor">
+      <a:schemeClr val="dk1">
+        <a:lumMod val="65000"/>
+        <a:lumOff val="35000"/>
+      </a:schemeClr>
+    </cs:fontRef>
+    <cs:spPr>
+      <a:solidFill>
+        <a:schemeClr val="lt1"/>
+      </a:solidFill>
+      <a:ln>
+        <a:solidFill>
+          <a:schemeClr val="dk1">
+            <a:lumMod val="25000"/>
+            <a:lumOff val="75000"/>
+          </a:schemeClr>
+        </a:solidFill>
+      </a:ln>
+    </cs:spPr>
+    <cs:defRPr sz="900" kern="1200"/>
+    <cs:bodyPr rot="0" spcFirstLastPara="1" vertOverflow="clip" horzOverflow="clip" vert="horz" wrap="square" lIns="36576" tIns="18288" rIns="36576" bIns="18288" anchor="ctr" anchorCtr="1">
+      <a:spAutoFit/>
+    </cs:bodyPr>
+  </cs:dataLabelCallout>
+  <cs:dataPoint>
+    <cs:lnRef idx="0"/>
+    <cs:fillRef idx="1">
+      <cs:styleClr val="auto"/>
+    </cs:fillRef>
+    <cs:effectRef idx="0"/>
+    <cs:fontRef idx="minor">
+      <a:schemeClr val="tx1"/>
+    </cs:fontRef>
+  </cs:dataPoint>
+  <cs:dataPoint3D>
+    <cs:lnRef idx="0"/>
+    <cs:fillRef idx="1">
+      <cs:styleClr val="auto"/>
+    </cs:fillRef>
+    <cs:effectRef idx="0"/>
+    <cs:fontRef idx="minor">
+      <a:schemeClr val="tx1"/>
+    </cs:fontRef>
+  </cs:dataPoint3D>
+  <cs:dataPointLine>
+    <cs:lnRef idx="0">
+      <cs:styleClr val="auto"/>
+    </cs:lnRef>
+    <cs:fillRef idx="1"/>
+    <cs:effectRef idx="0"/>
+    <cs:fontRef idx="minor">
+      <a:schemeClr val="tx1"/>
+    </cs:fontRef>
+    <cs:spPr>
+      <a:ln w="28575" cap="rnd">
+        <a:solidFill>
+          <a:schemeClr val="phClr"/>
+        </a:solidFill>
+        <a:round/>
+      </a:ln>
+    </cs:spPr>
+  </cs:dataPointLine>
+  <cs:dataPointMarker>
+    <cs:lnRef idx="0">
+      <cs:styleClr val="auto"/>
+    </cs:lnRef>
+    <cs:fillRef idx="1">
+      <cs:styleClr val="auto"/>
+    </cs:fillRef>
+    <cs:effectRef idx="0"/>
+    <cs:fontRef idx="minor">
+      <a:schemeClr val="tx1"/>
+    </cs:fontRef>
+    <cs:spPr>
+      <a:ln w="9525">
+        <a:solidFill>
+          <a:schemeClr val="phClr"/>
+        </a:solidFill>
+      </a:ln>
+    </cs:spPr>
+  </cs:dataPointMarker>
+  <cs:dataPointMarkerLayout symbol="circle" size="5"/>
+  <cs:dataPointWireframe>
+    <cs:lnRef idx="0">
+      <cs:styleClr val="auto"/>
+    </cs:lnRef>
+    <cs:fillRef idx="1"/>
+    <cs:effectRef idx="0"/>
+    <cs:fontRef idx="minor">
+      <a:schemeClr val="tx1"/>
+    </cs:fontRef>
+    <cs:spPr>
+      <a:ln w="9525" cap="rnd">
+        <a:solidFill>
+          <a:schemeClr val="phClr"/>
+        </a:solidFill>
+        <a:round/>
+      </a:ln>
+    </cs:spPr>
+  </cs:dataPointWireframe>
+  <cs:dataTable>
+    <cs:lnRef idx="0"/>
+    <cs:fillRef idx="0"/>
+    <cs:effectRef idx="0"/>
+    <cs:fontRef idx="minor">
+      <a:schemeClr val="tx1">
+        <a:lumMod val="65000"/>
+        <a:lumOff val="35000"/>
+      </a:schemeClr>
+    </cs:fontRef>
+    <cs:spPr>
+      <a:noFill/>
+      <a:ln w="9525" cap="flat" cmpd="sng" algn="ctr">
+        <a:solidFill>
+          <a:schemeClr val="tx1">
+            <a:lumMod val="15000"/>
+            <a:lumOff val="85000"/>
+          </a:schemeClr>
+        </a:solidFill>
+        <a:round/>
+      </a:ln>
+    </cs:spPr>
+    <cs:defRPr sz="900" kern="1200"/>
+  </cs:dataTable>
+  <cs:downBar>
+    <cs:lnRef idx="0"/>
+    <cs:fillRef idx="0"/>
+    <cs:effectRef idx="0"/>
+    <cs:fontRef idx="minor">
+      <a:schemeClr val="dk1"/>
+    </cs:fontRef>
+    <cs:spPr>
+      <a:solidFill>
+        <a:schemeClr val="dk1">
+          <a:lumMod val="65000"/>
+          <a:lumOff val="35000"/>
+        </a:schemeClr>
+      </a:solidFill>
+      <a:ln w="9525">
+        <a:solidFill>
+          <a:schemeClr val="tx1">
+            <a:lumMod val="65000"/>
+            <a:lumOff val="35000"/>
+          </a:schemeClr>
+        </a:solidFill>
+      </a:ln>
+    </cs:spPr>
+  </cs:downBar>
+  <cs:dropLine>
+    <cs:lnRef idx="0"/>
+    <cs:fillRef idx="0"/>
+    <cs:effectRef idx="0"/>
+    <cs:fontRef idx="minor">
+      <a:schemeClr val="tx1"/>
+    </cs:fontRef>
+    <cs:spPr>
+      <a:ln w="9525" cap="flat" cmpd="sng" algn="ctr">
+        <a:solidFill>
+          <a:schemeClr val="tx1">
+            <a:lumMod val="35000"/>
+            <a:lumOff val="65000"/>
+          </a:schemeClr>
+        </a:solidFill>
+        <a:round/>
+      </a:ln>
+    </cs:spPr>
+  </cs:dropLine>
+  <cs:errorBar>
+    <cs:lnRef idx="0"/>
+    <cs:fillRef idx="0"/>
+    <cs:effectRef idx="0"/>
+    <cs:fontRef idx="minor">
+      <a:schemeClr val="tx1"/>
+    </cs:fontRef>
+    <cs:spPr>
+      <a:ln w="9525" cap="flat" cmpd="sng" algn="ctr">
+        <a:solidFill>
+          <a:schemeClr val="tx1">
+            <a:lumMod val="65000"/>
+            <a:lumOff val="35000"/>
+          </a:schemeClr>
+        </a:solidFill>
+        <a:round/>
+      </a:ln>
+    </cs:spPr>
+  </cs:errorBar>
+  <cs:floor>
+    <cs:lnRef idx="0"/>
+    <cs:fillRef idx="0"/>
+    <cs:effectRef idx="0"/>
+    <cs:fontRef idx="minor">
+      <a:schemeClr val="tx1"/>
+    </cs:fontRef>
+    <cs:spPr>
+      <a:noFill/>
+      <a:ln>
+        <a:noFill/>
+      </a:ln>
+    </cs:spPr>
+  </cs:floor>
+  <cs:gridlineMajor>
+    <cs:lnRef idx="0"/>
+    <cs:fillRef idx="0"/>
+    <cs:effectRef idx="0"/>
+    <cs:fontRef idx="minor">
+      <a:schemeClr val="tx1"/>
+    </cs:fontRef>
+    <cs:spPr>
+      <a:ln w="9525" cap="flat" cmpd="sng" algn="ctr">
+        <a:solidFill>
+          <a:schemeClr val="tx1">
+            <a:lumMod val="15000"/>
+            <a:lumOff val="85000"/>
+          </a:schemeClr>
+        </a:solidFill>
+        <a:round/>
+      </a:ln>
+    </cs:spPr>
+  </cs:gridlineMajor>
+  <cs:gridlineMinor>
+    <cs:lnRef idx="0"/>
+    <cs:fillRef idx="0"/>
+    <cs:effectRef idx="0"/>
+    <cs:fontRef idx="minor">
+      <a:schemeClr val="tx1"/>
+    </cs:fontRef>
+    <cs:spPr>
+      <a:ln w="9525" cap="flat" cmpd="sng" algn="ctr">
+        <a:solidFill>
+          <a:schemeClr val="tx1">
+            <a:lumMod val="5000"/>
+            <a:lumOff val="95000"/>
+          </a:schemeClr>
+        </a:solidFill>
+        <a:round/>
+      </a:ln>
+    </cs:spPr>
+  </cs:gridlineMinor>
+  <cs:hiLoLine>
+    <cs:lnRef idx="0"/>
+    <cs:fillRef idx="0"/>
+    <cs:effectRef idx="0"/>
+    <cs:fontRef idx="minor">
+      <a:schemeClr val="tx1"/>
+    </cs:fontRef>
+    <cs:spPr>
+      <a:ln w="9525" cap="flat" cmpd="sng" algn="ctr">
+        <a:solidFill>
+          <a:schemeClr val="tx1">
+            <a:lumMod val="75000"/>
+            <a:lumOff val="25000"/>
+          </a:schemeClr>
+        </a:solidFill>
+        <a:round/>
+      </a:ln>
+    </cs:spPr>
+  </cs:hiLoLine>
+  <cs:leaderLine>
+    <cs:lnRef idx="0"/>
+    <cs:fillRef idx="0"/>
+    <cs:effectRef idx="0"/>
+    <cs:fontRef idx="minor">
+      <a:schemeClr val="tx1"/>
+    </cs:fontRef>
+    <cs:spPr>
+      <a:ln w="9525" cap="flat" cmpd="sng" algn="ctr">
+        <a:solidFill>
+          <a:schemeClr val="tx1">
+            <a:lumMod val="35000"/>
+            <a:lumOff val="65000"/>
+          </a:schemeClr>
+        </a:solidFill>
+        <a:round/>
+      </a:ln>
+    </cs:spPr>
+  </cs:leaderLine>
+  <cs:legend>
+    <cs:lnRef idx="0"/>
+    <cs:fillRef idx="0"/>
+    <cs:effectRef idx="0"/>
+    <cs:fontRef idx="minor">
+      <a:schemeClr val="tx1">
+        <a:lumMod val="65000"/>
+        <a:lumOff val="35000"/>
+      </a:schemeClr>
+    </cs:fontRef>
+    <cs:defRPr sz="900" kern="1200"/>
+  </cs:legend>
+  <cs:plotArea mods="allowNoFillOverride allowNoLineOverride">
+    <cs:lnRef idx="0"/>
+    <cs:fillRef idx="0"/>
+    <cs:effectRef idx="0"/>
+    <cs:fontRef idx="minor">
+      <a:schemeClr val="tx1"/>
+    </cs:fontRef>
+  </cs:plotArea>
+  <cs:plotArea3D mods="allowNoFillOverride allowNoLineOverride">
+    <cs:lnRef idx="0"/>
+    <cs:fillRef idx="0"/>
+    <cs:effectRef idx="0"/>
+    <cs:fontRef idx="minor">
+      <a:schemeClr val="tx1"/>
+    </cs:fontRef>
+  </cs:plotArea3D>
+  <cs:seriesAxis>
+    <cs:lnRef idx="0"/>
+    <cs:fillRef idx="0"/>
+    <cs:effectRef idx="0"/>
+    <cs:fontRef idx="minor">
+      <a:schemeClr val="tx1">
+        <a:lumMod val="65000"/>
+        <a:lumOff val="35000"/>
+      </a:schemeClr>
+    </cs:fontRef>
+    <cs:defRPr sz="900" kern="1200"/>
+  </cs:seriesAxis>
+  <cs:seriesLine>
+    <cs:lnRef idx="0"/>
+    <cs:fillRef idx="0"/>
+    <cs:effectRef idx="0"/>
+    <cs:fontRef idx="minor">
+      <a:schemeClr val="tx1"/>
+    </cs:fontRef>
+    <cs:spPr>
+      <a:ln w="9525" cap="flat" cmpd="sng" algn="ctr">
+        <a:solidFill>
+          <a:schemeClr val="tx1">
+            <a:lumMod val="35000"/>
+            <a:lumOff val="65000"/>
+          </a:schemeClr>
+        </a:solidFill>
+        <a:round/>
+      </a:ln>
+    </cs:spPr>
+  </cs:seriesLine>
+  <cs:title>
+    <cs:lnRef idx="0"/>
+    <cs:fillRef idx="0"/>
+    <cs:effectRef idx="0"/>
+    <cs:fontRef idx="minor">
+      <a:schemeClr val="tx1">
+        <a:lumMod val="65000"/>
+        <a:lumOff val="35000"/>
+      </a:schemeClr>
+    </cs:fontRef>
+    <cs:defRPr sz="1400" b="0" kern="1200" spc="0" baseline="0"/>
+  </cs:title>
+  <cs:trendline>
+    <cs:lnRef idx="0">
+      <cs:styleClr val="auto"/>
+    </cs:lnRef>
+    <cs:fillRef idx="0"/>
+    <cs:effectRef idx="0"/>
+    <cs:fontRef idx="minor">
+      <a:schemeClr val="tx1"/>
+    </cs:fontRef>
+    <cs:spPr>
+      <a:ln w="19050" cap="rnd">
+        <a:solidFill>
+          <a:schemeClr val="phClr"/>
+        </a:solidFill>
+        <a:prstDash val="sysDot"/>
+      </a:ln>
+    </cs:spPr>
+  </cs:trendline>
+  <cs:trendlineLabel>
+    <cs:lnRef idx="0"/>
+    <cs:fillRef idx="0"/>
+    <cs:effectRef idx="0"/>
+    <cs:fontRef idx="minor">
+      <a:schemeClr val="tx1">
+        <a:lumMod val="65000"/>
+        <a:lumOff val="35000"/>
+      </a:schemeClr>
+    </cs:fontRef>
+    <cs:defRPr sz="900" kern="1200"/>
+  </cs:trendlineLabel>
+  <cs:upBar>
+    <cs:lnRef idx="0"/>
+    <cs:fillRef idx="0"/>
+    <cs:effectRef idx="0"/>
+    <cs:fontRef idx="minor">
+      <a:schemeClr val="dk1"/>
+    </cs:fontRef>
+    <cs:spPr>
+      <a:solidFill>
+        <a:schemeClr val="lt1"/>
+      </a:solidFill>
+      <a:ln w="9525">
+        <a:solidFill>
+          <a:schemeClr val="tx1">
+            <a:lumMod val="15000"/>
+            <a:lumOff val="85000"/>
+          </a:schemeClr>
+        </a:solidFill>
+      </a:ln>
+    </cs:spPr>
+  </cs:upBar>
+  <cs:valueAxis>
+    <cs:lnRef idx="0"/>
+    <cs:fillRef idx="0"/>
+    <cs:effectRef idx="0"/>
+    <cs:fontRef idx="minor">
+      <a:schemeClr val="tx1">
+        <a:lumMod val="65000"/>
+        <a:lumOff val="35000"/>
+      </a:schemeClr>
+    </cs:fontRef>
+    <cs:defRPr sz="900" kern="1200"/>
+  </cs:valueAxis>
+  <cs:wall>
+    <cs:lnRef idx="0"/>
+    <cs:fillRef idx="0"/>
+    <cs:effectRef idx="0"/>
+    <cs:fontRef idx="minor">
+      <a:schemeClr val="tx1"/>
+    </cs:fontRef>
+    <cs:spPr>
+      <a:noFill/>
+      <a:ln>
+        <a:noFill/>
+      </a:ln>
+    </cs:spPr>
+  </cs:wall>
+</cs:chartStyle>
+</file>
+
+<file path=ppt/charts/style8.xml><?xml version="1.0" encoding="utf-8"?>
+<cs:chartStyle xmlns:cs="http://schemas.microsoft.com/office/drawing/2012/chartStyle" xmlns:a="http://schemas.openxmlformats.org/drawingml/2006/main" id="201">
+  <cs:axisTitle>
+    <cs:lnRef idx="0"/>
+    <cs:fillRef idx="0"/>
+    <cs:effectRef idx="0"/>
+    <cs:fontRef idx="minor">
+      <a:schemeClr val="tx1">
+        <a:lumMod val="65000"/>
+        <a:lumOff val="35000"/>
+      </a:schemeClr>
+    </cs:fontRef>
+    <cs:defRPr sz="1000" kern="1200"/>
+  </cs:axisTitle>
+  <cs:categoryAxis>
+    <cs:lnRef idx="0"/>
+    <cs:fillRef idx="0"/>
+    <cs:effectRef idx="0"/>
+    <cs:fontRef idx="minor">
+      <a:schemeClr val="tx1">
+        <a:lumMod val="65000"/>
+        <a:lumOff val="35000"/>
+      </a:schemeClr>
+    </cs:fontRef>
+    <cs:spPr>
+      <a:ln w="9525" cap="flat" cmpd="sng" algn="ctr">
+        <a:solidFill>
+          <a:schemeClr val="tx1">
+            <a:lumMod val="15000"/>
+            <a:lumOff val="85000"/>
+          </a:schemeClr>
+        </a:solidFill>
+        <a:round/>
+      </a:ln>
+    </cs:spPr>
+    <cs:defRPr sz="900" kern="1200"/>
+  </cs:categoryAxis>
+  <cs:chartArea mods="allowNoFillOverride allowNoLineOverride">
+    <cs:lnRef idx="0"/>
+    <cs:fillRef idx="0"/>
+    <cs:effectRef idx="0"/>
+    <cs:fontRef idx="minor">
+      <a:schemeClr val="tx1"/>
+    </cs:fontRef>
+    <cs:spPr>
+      <a:solidFill>
+        <a:schemeClr val="bg1"/>
+      </a:solidFill>
+      <a:ln w="9525" cap="flat" cmpd="sng" algn="ctr">
+        <a:solidFill>
+          <a:schemeClr val="tx1">
+            <a:lumMod val="15000"/>
+            <a:lumOff val="85000"/>
+          </a:schemeClr>
+        </a:solidFill>
+        <a:round/>
+      </a:ln>
+    </cs:spPr>
+    <cs:defRPr sz="1000" kern="1200"/>
+  </cs:chartArea>
+  <cs:dataLabel>
+    <cs:lnRef idx="0"/>
+    <cs:fillRef idx="0"/>
+    <cs:effectRef idx="0"/>
+    <cs:fontRef idx="minor">
+      <a:schemeClr val="tx1">
+        <a:lumMod val="75000"/>
+        <a:lumOff val="25000"/>
+      </a:schemeClr>
+    </cs:fontRef>
+    <cs:defRPr sz="900" kern="1200"/>
+  </cs:dataLabel>
+  <cs:dataLabelCallout>
+    <cs:lnRef idx="0"/>
+    <cs:fillRef idx="0"/>
+    <cs:effectRef idx="0"/>
+    <cs:fontRef idx="minor">
+      <a:schemeClr val="dk1">
+        <a:lumMod val="65000"/>
+        <a:lumOff val="35000"/>
+      </a:schemeClr>
+    </cs:fontRef>
+    <cs:spPr>
+      <a:solidFill>
+        <a:schemeClr val="lt1"/>
+      </a:solidFill>
+      <a:ln>
+        <a:solidFill>
+          <a:schemeClr val="dk1">
+            <a:lumMod val="25000"/>
+            <a:lumOff val="75000"/>
+          </a:schemeClr>
+        </a:solidFill>
+      </a:ln>
+    </cs:spPr>
+    <cs:defRPr sz="900" kern="1200"/>
+    <cs:bodyPr rot="0" spcFirstLastPara="1" vertOverflow="clip" horzOverflow="clip" vert="horz" wrap="square" lIns="36576" tIns="18288" rIns="36576" bIns="18288" anchor="ctr" anchorCtr="1">
+      <a:spAutoFit/>
+    </cs:bodyPr>
+  </cs:dataLabelCallout>
+  <cs:dataPoint>
+    <cs:lnRef idx="0"/>
+    <cs:fillRef idx="1">
+      <cs:styleClr val="auto"/>
+    </cs:fillRef>
+    <cs:effectRef idx="0"/>
+    <cs:fontRef idx="minor">
+      <a:schemeClr val="tx1"/>
+    </cs:fontRef>
+  </cs:dataPoint>
+  <cs:dataPoint3D>
+    <cs:lnRef idx="0"/>
+    <cs:fillRef idx="1">
+      <cs:styleClr val="auto"/>
+    </cs:fillRef>
+    <cs:effectRef idx="0"/>
+    <cs:fontRef idx="minor">
+      <a:schemeClr val="tx1"/>
+    </cs:fontRef>
+  </cs:dataPoint3D>
+  <cs:dataPointLine>
+    <cs:lnRef idx="0">
+      <cs:styleClr val="auto"/>
+    </cs:lnRef>
+    <cs:fillRef idx="1"/>
+    <cs:effectRef idx="0"/>
+    <cs:fontRef idx="minor">
+      <a:schemeClr val="tx1"/>
+    </cs:fontRef>
+    <cs:spPr>
+      <a:ln w="28575" cap="rnd">
+        <a:solidFill>
+          <a:schemeClr val="phClr"/>
+        </a:solidFill>
+        <a:round/>
+      </a:ln>
+    </cs:spPr>
+  </cs:dataPointLine>
+  <cs:dataPointMarker>
+    <cs:lnRef idx="0">
+      <cs:styleClr val="auto"/>
+    </cs:lnRef>
+    <cs:fillRef idx="1">
+      <cs:styleClr val="auto"/>
+    </cs:fillRef>
+    <cs:effectRef idx="0"/>
+    <cs:fontRef idx="minor">
+      <a:schemeClr val="tx1"/>
+    </cs:fontRef>
+    <cs:spPr>
+      <a:ln w="9525">
+        <a:solidFill>
+          <a:schemeClr val="phClr"/>
+        </a:solidFill>
+      </a:ln>
+    </cs:spPr>
+  </cs:dataPointMarker>
+  <cs:dataPointMarkerLayout symbol="circle" size="5"/>
+  <cs:dataPointWireframe>
+    <cs:lnRef idx="0">
+      <cs:styleClr val="auto"/>
+    </cs:lnRef>
+    <cs:fillRef idx="1"/>
+    <cs:effectRef idx="0"/>
+    <cs:fontRef idx="minor">
+      <a:schemeClr val="tx1"/>
+    </cs:fontRef>
+    <cs:spPr>
+      <a:ln w="9525" cap="rnd">
+        <a:solidFill>
+          <a:schemeClr val="phClr"/>
+        </a:solidFill>
+        <a:round/>
+      </a:ln>
+    </cs:spPr>
+  </cs:dataPointWireframe>
+  <cs:dataTable>
+    <cs:lnRef idx="0"/>
+    <cs:fillRef idx="0"/>
+    <cs:effectRef idx="0"/>
+    <cs:fontRef idx="minor">
+      <a:schemeClr val="tx1">
+        <a:lumMod val="65000"/>
+        <a:lumOff val="35000"/>
+      </a:schemeClr>
+    </cs:fontRef>
+    <cs:spPr>
+      <a:noFill/>
+      <a:ln w="9525" cap="flat" cmpd="sng" algn="ctr">
+        <a:solidFill>
+          <a:schemeClr val="tx1">
+            <a:lumMod val="15000"/>
+            <a:lumOff val="85000"/>
+          </a:schemeClr>
+        </a:solidFill>
+        <a:round/>
+      </a:ln>
+    </cs:spPr>
+    <cs:defRPr sz="900" kern="1200"/>
+  </cs:dataTable>
+  <cs:downBar>
+    <cs:lnRef idx="0"/>
+    <cs:fillRef idx="0"/>
+    <cs:effectRef idx="0"/>
+    <cs:fontRef idx="minor">
+      <a:schemeClr val="dk1"/>
+    </cs:fontRef>
+    <cs:spPr>
+      <a:solidFill>
+        <a:schemeClr val="dk1">
+          <a:lumMod val="65000"/>
+          <a:lumOff val="35000"/>
+        </a:schemeClr>
+      </a:solidFill>
+      <a:ln w="9525">
+        <a:solidFill>
+          <a:schemeClr val="tx1">
+            <a:lumMod val="65000"/>
+            <a:lumOff val="35000"/>
+          </a:schemeClr>
+        </a:solidFill>
+      </a:ln>
+    </cs:spPr>
+  </cs:downBar>
+  <cs:dropLine>
+    <cs:lnRef idx="0"/>
+    <cs:fillRef idx="0"/>
+    <cs:effectRef idx="0"/>
+    <cs:fontRef idx="minor">
+      <a:schemeClr val="tx1"/>
+    </cs:fontRef>
+    <cs:spPr>
+      <a:ln w="9525" cap="flat" cmpd="sng" algn="ctr">
+        <a:solidFill>
+          <a:schemeClr val="tx1">
+            <a:lumMod val="35000"/>
+            <a:lumOff val="65000"/>
+          </a:schemeClr>
+        </a:solidFill>
+        <a:round/>
+      </a:ln>
+    </cs:spPr>
+  </cs:dropLine>
+  <cs:errorBar>
+    <cs:lnRef idx="0"/>
+    <cs:fillRef idx="0"/>
+    <cs:effectRef idx="0"/>
+    <cs:fontRef idx="minor">
+      <a:schemeClr val="tx1"/>
+    </cs:fontRef>
+    <cs:spPr>
+      <a:ln w="9525" cap="flat" cmpd="sng" algn="ctr">
+        <a:solidFill>
+          <a:schemeClr val="tx1">
+            <a:lumMod val="65000"/>
+            <a:lumOff val="35000"/>
+          </a:schemeClr>
+        </a:solidFill>
+        <a:round/>
+      </a:ln>
+    </cs:spPr>
+  </cs:errorBar>
+  <cs:floor>
+    <cs:lnRef idx="0"/>
+    <cs:fillRef idx="0"/>
+    <cs:effectRef idx="0"/>
+    <cs:fontRef idx="minor">
+      <a:schemeClr val="tx1"/>
+    </cs:fontRef>
+    <cs:spPr>
+      <a:noFill/>
+      <a:ln>
+        <a:noFill/>
+      </a:ln>
+    </cs:spPr>
+  </cs:floor>
+  <cs:gridlineMajor>
+    <cs:lnRef idx="0"/>
+    <cs:fillRef idx="0"/>
+    <cs:effectRef idx="0"/>
+    <cs:fontRef idx="minor">
+      <a:schemeClr val="tx1"/>
+    </cs:fontRef>
+    <cs:spPr>
+      <a:ln w="9525" cap="flat" cmpd="sng" algn="ctr">
+        <a:solidFill>
+          <a:schemeClr val="tx1">
+            <a:lumMod val="15000"/>
+            <a:lumOff val="85000"/>
+          </a:schemeClr>
+        </a:solidFill>
+        <a:round/>
+      </a:ln>
+    </cs:spPr>
+  </cs:gridlineMajor>
+  <cs:gridlineMinor>
+    <cs:lnRef idx="0"/>
+    <cs:fillRef idx="0"/>
+    <cs:effectRef idx="0"/>
+    <cs:fontRef idx="minor">
+      <a:schemeClr val="tx1"/>
+    </cs:fontRef>
+    <cs:spPr>
+      <a:ln w="9525" cap="flat" cmpd="sng" algn="ctr">
+        <a:solidFill>
+          <a:schemeClr val="tx1">
+            <a:lumMod val="5000"/>
+            <a:lumOff val="95000"/>
+          </a:schemeClr>
+        </a:solidFill>
+        <a:round/>
+      </a:ln>
+    </cs:spPr>
+  </cs:gridlineMinor>
+  <cs:hiLoLine>
+    <cs:lnRef idx="0"/>
+    <cs:fillRef idx="0"/>
+    <cs:effectRef idx="0"/>
+    <cs:fontRef idx="minor">
+      <a:schemeClr val="tx1"/>
+    </cs:fontRef>
+    <cs:spPr>
+      <a:ln w="9525" cap="flat" cmpd="sng" algn="ctr">
+        <a:solidFill>
+          <a:schemeClr val="tx1">
+            <a:lumMod val="75000"/>
+            <a:lumOff val="25000"/>
+          </a:schemeClr>
+        </a:solidFill>
+        <a:round/>
+      </a:ln>
+    </cs:spPr>
+  </cs:hiLoLine>
+  <cs:leaderLine>
+    <cs:lnRef idx="0"/>
+    <cs:fillRef idx="0"/>
+    <cs:effectRef idx="0"/>
+    <cs:fontRef idx="minor">
+      <a:schemeClr val="tx1"/>
+    </cs:fontRef>
+    <cs:spPr>
+      <a:ln w="9525" cap="flat" cmpd="sng" algn="ctr">
+        <a:solidFill>
+          <a:schemeClr val="tx1">
+            <a:lumMod val="35000"/>
+            <a:lumOff val="65000"/>
+          </a:schemeClr>
+        </a:solidFill>
+        <a:round/>
+      </a:ln>
+    </cs:spPr>
+  </cs:leaderLine>
+  <cs:legend>
+    <cs:lnRef idx="0"/>
+    <cs:fillRef idx="0"/>
+    <cs:effectRef idx="0"/>
+    <cs:fontRef idx="minor">
+      <a:schemeClr val="tx1">
+        <a:lumMod val="65000"/>
+        <a:lumOff val="35000"/>
+      </a:schemeClr>
+    </cs:fontRef>
+    <cs:defRPr sz="900" kern="1200"/>
+  </cs:legend>
+  <cs:plotArea mods="allowNoFillOverride allowNoLineOverride">
+    <cs:lnRef idx="0"/>
+    <cs:fillRef idx="0"/>
+    <cs:effectRef idx="0"/>
+    <cs:fontRef idx="minor">
+      <a:schemeClr val="tx1"/>
+    </cs:fontRef>
+  </cs:plotArea>
+  <cs:plotArea3D mods="allowNoFillOverride allowNoLineOverride">
+    <cs:lnRef idx="0"/>
+    <cs:fillRef idx="0"/>
+    <cs:effectRef idx="0"/>
+    <cs:fontRef idx="minor">
+      <a:schemeClr val="tx1"/>
+    </cs:fontRef>
+  </cs:plotArea3D>
+  <cs:seriesAxis>
+    <cs:lnRef idx="0"/>
+    <cs:fillRef idx="0"/>
+    <cs:effectRef idx="0"/>
+    <cs:fontRef idx="minor">
+      <a:schemeClr val="tx1">
+        <a:lumMod val="65000"/>
+        <a:lumOff val="35000"/>
+      </a:schemeClr>
+    </cs:fontRef>
+    <cs:defRPr sz="900" kern="1200"/>
+  </cs:seriesAxis>
+  <cs:seriesLine>
+    <cs:lnRef idx="0"/>
+    <cs:fillRef idx="0"/>
+    <cs:effectRef idx="0"/>
+    <cs:fontRef idx="minor">
+      <a:schemeClr val="tx1"/>
+    </cs:fontRef>
+    <cs:spPr>
+      <a:ln w="9525" cap="flat" cmpd="sng" algn="ctr">
+        <a:solidFill>
+          <a:schemeClr val="tx1">
+            <a:lumMod val="35000"/>
+            <a:lumOff val="65000"/>
+          </a:schemeClr>
+        </a:solidFill>
+        <a:round/>
+      </a:ln>
+    </cs:spPr>
+  </cs:seriesLine>
+  <cs:title>
+    <cs:lnRef idx="0"/>
+    <cs:fillRef idx="0"/>
+    <cs:effectRef idx="0"/>
+    <cs:fontRef idx="minor">
+      <a:schemeClr val="tx1">
+        <a:lumMod val="65000"/>
+        <a:lumOff val="35000"/>
+      </a:schemeClr>
+    </cs:fontRef>
+    <cs:defRPr sz="1400" b="0" kern="1200" spc="0" baseline="0"/>
+  </cs:title>
+  <cs:trendline>
+    <cs:lnRef idx="0">
+      <cs:styleClr val="auto"/>
+    </cs:lnRef>
+    <cs:fillRef idx="0"/>
+    <cs:effectRef idx="0"/>
+    <cs:fontRef idx="minor">
+      <a:schemeClr val="tx1"/>
+    </cs:fontRef>
+    <cs:spPr>
+      <a:ln w="19050" cap="rnd">
+        <a:solidFill>
+          <a:schemeClr val="phClr"/>
+        </a:solidFill>
+        <a:prstDash val="sysDot"/>
+      </a:ln>
+    </cs:spPr>
+  </cs:trendline>
+  <cs:trendlineLabel>
+    <cs:lnRef idx="0"/>
+    <cs:fillRef idx="0"/>
+    <cs:effectRef idx="0"/>
+    <cs:fontRef idx="minor">
+      <a:schemeClr val="tx1">
+        <a:lumMod val="65000"/>
+        <a:lumOff val="35000"/>
+      </a:schemeClr>
+    </cs:fontRef>
+    <cs:defRPr sz="900" kern="1200"/>
+  </cs:trendlineLabel>
+  <cs:upBar>
+    <cs:lnRef idx="0"/>
+    <cs:fillRef idx="0"/>
+    <cs:effectRef idx="0"/>
+    <cs:fontRef idx="minor">
+      <a:schemeClr val="dk1"/>
+    </cs:fontRef>
+    <cs:spPr>
+      <a:solidFill>
+        <a:schemeClr val="lt1"/>
+      </a:solidFill>
+      <a:ln w="9525">
+        <a:solidFill>
+          <a:schemeClr val="tx1">
+            <a:lumMod val="15000"/>
+            <a:lumOff val="85000"/>
+          </a:schemeClr>
+        </a:solidFill>
+      </a:ln>
+    </cs:spPr>
+  </cs:upBar>
+  <cs:valueAxis>
+    <cs:lnRef idx="0"/>
+    <cs:fillRef idx="0"/>
+    <cs:effectRef idx="0"/>
+    <cs:fontRef idx="minor">
+      <a:schemeClr val="tx1">
+        <a:lumMod val="65000"/>
+        <a:lumOff val="35000"/>
+      </a:schemeClr>
+    </cs:fontRef>
+    <cs:defRPr sz="900" kern="1200"/>
+  </cs:valueAxis>
+  <cs:wall>
+    <cs:lnRef idx="0"/>
+    <cs:fillRef idx="0"/>
+    <cs:effectRef idx="0"/>
+    <cs:fontRef idx="minor">
+      <a:schemeClr val="tx1"/>
+    </cs:fontRef>
+    <cs:spPr>
+      <a:noFill/>
+      <a:ln>
+        <a:noFill/>
+      </a:ln>
+    </cs:spPr>
+  </cs:wall>
+</cs:chartStyle>
+</file>
+
+<file path=ppt/charts/style9.xml><?xml version="1.0" encoding="utf-8"?>
 <cs:chartStyle xmlns:cs="http://schemas.microsoft.com/office/drawing/2012/chartStyle" xmlns:a="http://schemas.openxmlformats.org/drawingml/2006/main" id="201">
   <cs:axisTitle>
     <cs:lnRef idx="0"/>
@@ -10065,6 +14576,389 @@
           <a:chExt cx="0" cy="0"/>
         </a:xfrm>
       </p:grpSpPr>
+      <p:sp>
+        <p:nvSpPr>
+          <p:cNvPr id="4" name="Slide Number Placeholder 3">
+            <a:extLst>
+              <a:ext uri="{FF2B5EF4-FFF2-40B4-BE49-F238E27FC236}">
+                <a16:creationId xmlns:a16="http://schemas.microsoft.com/office/drawing/2014/main" id="{0C636EEA-29A9-704D-B430-F4589C2DD02C}"/>
+              </a:ext>
+            </a:extLst>
+          </p:cNvPr>
+          <p:cNvSpPr>
+            <a:spLocks noGrp="1"/>
+          </p:cNvSpPr>
+          <p:nvPr>
+            <p:ph type="sldNum" sz="quarter" idx="12"/>
+          </p:nvPr>
+        </p:nvSpPr>
+        <p:spPr/>
+        <p:txBody>
+          <a:bodyPr/>
+          <a:lstStyle/>
+          <a:p>
+            <a:fld id="{8C1CEDF5-C2F4-B645-8E32-952D9CA4E651}" type="slidenum">
+              <a:rPr lang="en-US" smtClean="0"/>
+              <a:t>2</a:t>
+            </a:fld>
+            <a:endParaRPr lang="en-US"/>
+          </a:p>
+        </p:txBody>
+      </p:sp>
+      <p:graphicFrame>
+        <p:nvGraphicFramePr>
+          <p:cNvPr id="5" name="Chart 4">
+            <a:extLst>
+              <a:ext uri="{FF2B5EF4-FFF2-40B4-BE49-F238E27FC236}">
+                <a16:creationId xmlns:a16="http://schemas.microsoft.com/office/drawing/2014/main" id="{147FE787-DE3E-DF47-BDEA-9C6BEFE27F31}"/>
+              </a:ext>
+            </a:extLst>
+          </p:cNvPr>
+          <p:cNvGraphicFramePr>
+            <a:graphicFrameLocks/>
+          </p:cNvGraphicFramePr>
+          <p:nvPr>
+            <p:extLst>
+              <p:ext uri="{D42A27DB-BD31-4B8C-83A1-F6EECF244321}">
+                <p14:modId xmlns:p14="http://schemas.microsoft.com/office/powerpoint/2010/main" val="715716649"/>
+              </p:ext>
+            </p:extLst>
+          </p:nvPr>
+        </p:nvGraphicFramePr>
+        <p:xfrm>
+          <a:off x="590550" y="1811863"/>
+          <a:ext cx="4921010" cy="3234273"/>
+        </p:xfrm>
+        <a:graphic>
+          <a:graphicData uri="http://schemas.openxmlformats.org/drawingml/2006/chart">
+            <c:chart xmlns:c="http://schemas.openxmlformats.org/drawingml/2006/chart" xmlns:r="http://schemas.openxmlformats.org/officeDocument/2006/relationships" r:id="rId2"/>
+          </a:graphicData>
+        </a:graphic>
+      </p:graphicFrame>
+      <p:graphicFrame>
+        <p:nvGraphicFramePr>
+          <p:cNvPr id="6" name="Chart 5">
+            <a:extLst>
+              <a:ext uri="{FF2B5EF4-FFF2-40B4-BE49-F238E27FC236}">
+                <a16:creationId xmlns:a16="http://schemas.microsoft.com/office/drawing/2014/main" id="{71D74E55-8FE1-B34A-9D84-24F0E0FFEE1D}"/>
+              </a:ext>
+            </a:extLst>
+          </p:cNvPr>
+          <p:cNvGraphicFramePr>
+            <a:graphicFrameLocks/>
+          </p:cNvGraphicFramePr>
+          <p:nvPr>
+            <p:extLst>
+              <p:ext uri="{D42A27DB-BD31-4B8C-83A1-F6EECF244321}">
+                <p14:modId xmlns:p14="http://schemas.microsoft.com/office/powerpoint/2010/main" val="4161954236"/>
+              </p:ext>
+            </p:extLst>
+          </p:nvPr>
+        </p:nvGraphicFramePr>
+        <p:xfrm>
+          <a:off x="5619750" y="1397000"/>
+          <a:ext cx="5981700" cy="4064000"/>
+        </p:xfrm>
+        <a:graphic>
+          <a:graphicData uri="http://schemas.openxmlformats.org/drawingml/2006/chart">
+            <c:chart xmlns:c="http://schemas.openxmlformats.org/drawingml/2006/chart" xmlns:r="http://schemas.openxmlformats.org/officeDocument/2006/relationships" r:id="rId3"/>
+          </a:graphicData>
+        </a:graphic>
+      </p:graphicFrame>
+      <p:sp>
+        <p:nvSpPr>
+          <p:cNvPr id="8" name="TextBox 7">
+            <a:extLst>
+              <a:ext uri="{FF2B5EF4-FFF2-40B4-BE49-F238E27FC236}">
+                <a16:creationId xmlns:a16="http://schemas.microsoft.com/office/drawing/2014/main" id="{12832291-9632-4A4C-86E3-207D837C0947}"/>
+              </a:ext>
+            </a:extLst>
+          </p:cNvPr>
+          <p:cNvSpPr txBox="1"/>
+          <p:nvPr/>
+        </p:nvSpPr>
+        <p:spPr>
+          <a:xfrm>
+            <a:off x="1186912" y="501650"/>
+            <a:ext cx="6014147" cy="369332"/>
+          </a:xfrm>
+          <a:prstGeom prst="rect">
+            <a:avLst/>
+          </a:prstGeom>
+          <a:noFill/>
+        </p:spPr>
+        <p:txBody>
+          <a:bodyPr wrap="none" rtlCol="0">
+            <a:spAutoFit/>
+          </a:bodyPr>
+          <a:lstStyle/>
+          <a:p>
+            <a:r>
+              <a:rPr lang="en-US" dirty="0"/>
+              <a:t># of observations in </a:t>
+            </a:r>
+            <a:r>
+              <a:rPr lang="en-US" dirty="0" err="1"/>
+              <a:t>click_nobuy</a:t>
+            </a:r>
+            <a:r>
+              <a:rPr lang="en-US" dirty="0"/>
+              <a:t>, </a:t>
+            </a:r>
+            <a:r>
+              <a:rPr lang="en-US" dirty="0" err="1"/>
+              <a:t>click_buy</a:t>
+            </a:r>
+            <a:r>
+              <a:rPr lang="en-US" dirty="0"/>
+              <a:t>, and </a:t>
+            </a:r>
+            <a:r>
+              <a:rPr lang="en-US" dirty="0" err="1"/>
+              <a:t>noclick_nobuy</a:t>
+            </a:r>
+            <a:endParaRPr lang="en-US" dirty="0"/>
+          </a:p>
+        </p:txBody>
+      </p:sp>
+    </p:spTree>
+    <p:extLst>
+      <p:ext uri="{BB962C8B-B14F-4D97-AF65-F5344CB8AC3E}">
+        <p14:creationId xmlns:p14="http://schemas.microsoft.com/office/powerpoint/2010/main" val="3749352239"/>
+      </p:ext>
+    </p:extLst>
+  </p:cSld>
+  <p:clrMapOvr>
+    <a:masterClrMapping/>
+  </p:clrMapOvr>
+</p:sld>
+</file>
+
+<file path=ppt/slides/slide3.xml><?xml version="1.0" encoding="utf-8"?>
+<p:sld xmlns:a="http://schemas.openxmlformats.org/drawingml/2006/main" xmlns:r="http://schemas.openxmlformats.org/officeDocument/2006/relationships" xmlns:p="http://schemas.openxmlformats.org/presentationml/2006/main">
+  <p:cSld>
+    <p:spTree>
+      <p:nvGrpSpPr>
+        <p:cNvPr id="1" name=""/>
+        <p:cNvGrpSpPr/>
+        <p:nvPr/>
+      </p:nvGrpSpPr>
+      <p:grpSpPr>
+        <a:xfrm>
+          <a:off x="0" y="0"/>
+          <a:ext cx="0" cy="0"/>
+          <a:chOff x="0" y="0"/>
+          <a:chExt cx="0" cy="0"/>
+        </a:xfrm>
+      </p:grpSpPr>
+      <p:sp>
+        <p:nvSpPr>
+          <p:cNvPr id="4" name="Slide Number Placeholder 3">
+            <a:extLst>
+              <a:ext uri="{FF2B5EF4-FFF2-40B4-BE49-F238E27FC236}">
+                <a16:creationId xmlns:a16="http://schemas.microsoft.com/office/drawing/2014/main" id="{A11FE21F-4630-CD42-842C-D57D64DF2F1C}"/>
+              </a:ext>
+            </a:extLst>
+          </p:cNvPr>
+          <p:cNvSpPr>
+            <a:spLocks noGrp="1"/>
+          </p:cNvSpPr>
+          <p:nvPr>
+            <p:ph type="sldNum" sz="quarter" idx="12"/>
+          </p:nvPr>
+        </p:nvSpPr>
+        <p:spPr/>
+        <p:txBody>
+          <a:bodyPr/>
+          <a:lstStyle/>
+          <a:p>
+            <a:fld id="{8C1CEDF5-C2F4-B645-8E32-952D9CA4E651}" type="slidenum">
+              <a:rPr lang="en-US" smtClean="0"/>
+              <a:t>3</a:t>
+            </a:fld>
+            <a:endParaRPr lang="en-US"/>
+          </a:p>
+        </p:txBody>
+      </p:sp>
+      <p:sp>
+        <p:nvSpPr>
+          <p:cNvPr id="5" name="TextBox 4">
+            <a:extLst>
+              <a:ext uri="{FF2B5EF4-FFF2-40B4-BE49-F238E27FC236}">
+                <a16:creationId xmlns:a16="http://schemas.microsoft.com/office/drawing/2014/main" id="{C63F9491-A5AA-DD41-BAB1-9DC95F34D496}"/>
+              </a:ext>
+            </a:extLst>
+          </p:cNvPr>
+          <p:cNvSpPr txBox="1"/>
+          <p:nvPr/>
+        </p:nvSpPr>
+        <p:spPr>
+          <a:xfrm>
+            <a:off x="1186912" y="501650"/>
+            <a:ext cx="7892417" cy="369332"/>
+          </a:xfrm>
+          <a:prstGeom prst="rect">
+            <a:avLst/>
+          </a:prstGeom>
+          <a:noFill/>
+        </p:spPr>
+        <p:txBody>
+          <a:bodyPr wrap="none" rtlCol="0">
+            <a:spAutoFit/>
+          </a:bodyPr>
+          <a:lstStyle/>
+          <a:p>
+            <a:r>
+              <a:rPr lang="en-US" dirty="0"/>
+              <a:t># of observations within </a:t>
+            </a:r>
+            <a:r>
+              <a:rPr lang="en-US" dirty="0" err="1"/>
+              <a:t>click_nobuy</a:t>
+            </a:r>
+            <a:r>
+              <a:rPr lang="en-US" dirty="0"/>
+              <a:t>, </a:t>
+            </a:r>
+            <a:r>
+              <a:rPr lang="en-US" dirty="0" err="1"/>
+              <a:t>click_buy</a:t>
+            </a:r>
+            <a:r>
+              <a:rPr lang="en-US" dirty="0"/>
+              <a:t>, and </a:t>
+            </a:r>
+            <a:r>
+              <a:rPr lang="en-US" dirty="0" err="1"/>
+              <a:t>noclick_nobuy</a:t>
+            </a:r>
+            <a:r>
+              <a:rPr lang="en-US" dirty="0"/>
+              <a:t> across rank 1-5</a:t>
+            </a:r>
+          </a:p>
+        </p:txBody>
+      </p:sp>
+      <p:graphicFrame>
+        <p:nvGraphicFramePr>
+          <p:cNvPr id="6" name="Chart 5">
+            <a:extLst>
+              <a:ext uri="{FF2B5EF4-FFF2-40B4-BE49-F238E27FC236}">
+                <a16:creationId xmlns:a16="http://schemas.microsoft.com/office/drawing/2014/main" id="{F36303F4-0C1C-634A-A0E8-B0909396F0C2}"/>
+              </a:ext>
+            </a:extLst>
+          </p:cNvPr>
+          <p:cNvGraphicFramePr>
+            <a:graphicFrameLocks/>
+          </p:cNvGraphicFramePr>
+          <p:nvPr>
+            <p:extLst>
+              <p:ext uri="{D42A27DB-BD31-4B8C-83A1-F6EECF244321}">
+                <p14:modId xmlns:p14="http://schemas.microsoft.com/office/powerpoint/2010/main" val="3677809361"/>
+              </p:ext>
+            </p:extLst>
+          </p:nvPr>
+        </p:nvGraphicFramePr>
+        <p:xfrm>
+          <a:off x="662969" y="870983"/>
+          <a:ext cx="4853796" cy="2743200"/>
+        </p:xfrm>
+        <a:graphic>
+          <a:graphicData uri="http://schemas.openxmlformats.org/drawingml/2006/chart">
+            <c:chart xmlns:c="http://schemas.openxmlformats.org/drawingml/2006/chart" xmlns:r="http://schemas.openxmlformats.org/officeDocument/2006/relationships" r:id="rId2"/>
+          </a:graphicData>
+        </a:graphic>
+      </p:graphicFrame>
+      <p:graphicFrame>
+        <p:nvGraphicFramePr>
+          <p:cNvPr id="8" name="Chart 7">
+            <a:extLst>
+              <a:ext uri="{FF2B5EF4-FFF2-40B4-BE49-F238E27FC236}">
+                <a16:creationId xmlns:a16="http://schemas.microsoft.com/office/drawing/2014/main" id="{7F2126AF-C9FC-654F-ADB3-0AE61F2C9160}"/>
+              </a:ext>
+            </a:extLst>
+          </p:cNvPr>
+          <p:cNvGraphicFramePr>
+            <a:graphicFrameLocks/>
+          </p:cNvGraphicFramePr>
+          <p:nvPr>
+            <p:extLst>
+              <p:ext uri="{D42A27DB-BD31-4B8C-83A1-F6EECF244321}">
+                <p14:modId xmlns:p14="http://schemas.microsoft.com/office/powerpoint/2010/main" val="1528801279"/>
+              </p:ext>
+            </p:extLst>
+          </p:nvPr>
+        </p:nvGraphicFramePr>
+        <p:xfrm>
+          <a:off x="5516765" y="900716"/>
+          <a:ext cx="5468112" cy="2713467"/>
+        </p:xfrm>
+        <a:graphic>
+          <a:graphicData uri="http://schemas.openxmlformats.org/drawingml/2006/chart">
+            <c:chart xmlns:c="http://schemas.openxmlformats.org/drawingml/2006/chart" xmlns:r="http://schemas.openxmlformats.org/officeDocument/2006/relationships" r:id="rId3"/>
+          </a:graphicData>
+        </a:graphic>
+      </p:graphicFrame>
+      <p:graphicFrame>
+        <p:nvGraphicFramePr>
+          <p:cNvPr id="9" name="Chart 8">
+            <a:extLst>
+              <a:ext uri="{FF2B5EF4-FFF2-40B4-BE49-F238E27FC236}">
+                <a16:creationId xmlns:a16="http://schemas.microsoft.com/office/drawing/2014/main" id="{DE62BCFF-672E-3B4F-B069-5653E1568282}"/>
+              </a:ext>
+            </a:extLst>
+          </p:cNvPr>
+          <p:cNvGraphicFramePr>
+            <a:graphicFrameLocks/>
+          </p:cNvGraphicFramePr>
+          <p:nvPr>
+            <p:extLst>
+              <p:ext uri="{D42A27DB-BD31-4B8C-83A1-F6EECF244321}">
+                <p14:modId xmlns:p14="http://schemas.microsoft.com/office/powerpoint/2010/main" val="3942661491"/>
+              </p:ext>
+            </p:extLst>
+          </p:nvPr>
+        </p:nvGraphicFramePr>
+        <p:xfrm>
+          <a:off x="2441448" y="3643916"/>
+          <a:ext cx="6397752" cy="2894996"/>
+        </p:xfrm>
+        <a:graphic>
+          <a:graphicData uri="http://schemas.openxmlformats.org/drawingml/2006/chart">
+            <c:chart xmlns:c="http://schemas.openxmlformats.org/drawingml/2006/chart" xmlns:r="http://schemas.openxmlformats.org/officeDocument/2006/relationships" r:id="rId4"/>
+          </a:graphicData>
+        </a:graphic>
+      </p:graphicFrame>
+    </p:spTree>
+    <p:extLst>
+      <p:ext uri="{BB962C8B-B14F-4D97-AF65-F5344CB8AC3E}">
+        <p14:creationId xmlns:p14="http://schemas.microsoft.com/office/powerpoint/2010/main" val="1827842893"/>
+      </p:ext>
+    </p:extLst>
+  </p:cSld>
+  <p:clrMapOvr>
+    <a:masterClrMapping/>
+  </p:clrMapOvr>
+</p:sld>
+</file>
+
+<file path=ppt/slides/slide4.xml><?xml version="1.0" encoding="utf-8"?>
+<p:sld xmlns:a="http://schemas.openxmlformats.org/drawingml/2006/main" xmlns:r="http://schemas.openxmlformats.org/officeDocument/2006/relationships" xmlns:p="http://schemas.openxmlformats.org/presentationml/2006/main">
+  <p:cSld>
+    <p:spTree>
+      <p:nvGrpSpPr>
+        <p:cNvPr id="1" name=""/>
+        <p:cNvGrpSpPr/>
+        <p:nvPr/>
+      </p:nvGrpSpPr>
+      <p:grpSpPr>
+        <a:xfrm>
+          <a:off x="0" y="0"/>
+          <a:ext cx="0" cy="0"/>
+          <a:chOff x="0" y="0"/>
+          <a:chExt cx="0" cy="0"/>
+        </a:xfrm>
+      </p:grpSpPr>
       <p:graphicFrame>
         <p:nvGraphicFramePr>
           <p:cNvPr id="4" name="Chart 3">
@@ -10208,7 +15102,7 @@
           <a:p>
             <a:fld id="{8C1CEDF5-C2F4-B645-8E32-952D9CA4E651}" type="slidenum">
               <a:rPr lang="en-US" smtClean="0"/>
-              <a:t>2</a:t>
+              <a:t>4</a:t>
             </a:fld>
             <a:endParaRPr lang="en-US"/>
           </a:p>
@@ -10227,7 +15121,7 @@
 </p:sld>
 </file>
 
-<file path=ppt/slides/slide3.xml><?xml version="1.0" encoding="utf-8"?>
+<file path=ppt/slides/slide5.xml><?xml version="1.0" encoding="utf-8"?>
 <p:sld xmlns:a="http://schemas.openxmlformats.org/drawingml/2006/main" xmlns:r="http://schemas.openxmlformats.org/officeDocument/2006/relationships" xmlns:p="http://schemas.openxmlformats.org/presentationml/2006/main">
   <p:cSld>
     <p:spTree>
@@ -10340,7 +15234,7 @@
           <a:p>
             <a:fld id="{8C1CEDF5-C2F4-B645-8E32-952D9CA4E651}" type="slidenum">
               <a:rPr lang="en-US" smtClean="0"/>
-              <a:t>3</a:t>
+              <a:t>5</a:t>
             </a:fld>
             <a:endParaRPr lang="en-US"/>
           </a:p>
@@ -10359,7 +15253,7 @@
 </p:sld>
 </file>
 
-<file path=ppt/slides/slide4.xml><?xml version="1.0" encoding="utf-8"?>
+<file path=ppt/slides/slide6.xml><?xml version="1.0" encoding="utf-8"?>
 <p:sld xmlns:a="http://schemas.openxmlformats.org/drawingml/2006/main" xmlns:r="http://schemas.openxmlformats.org/officeDocument/2006/relationships" xmlns:p="http://schemas.openxmlformats.org/presentationml/2006/main">
   <p:cSld>
     <p:spTree>
@@ -10472,7 +15366,7 @@
           <a:p>
             <a:fld id="{8C1CEDF5-C2F4-B645-8E32-952D9CA4E651}" type="slidenum">
               <a:rPr lang="en-US" smtClean="0"/>
-              <a:t>4</a:t>
+              <a:t>6</a:t>
             </a:fld>
             <a:endParaRPr lang="en-US"/>
           </a:p>
@@ -10491,7 +15385,7 @@
 </p:sld>
 </file>
 
-<file path=ppt/slides/slide5.xml><?xml version="1.0" encoding="utf-8"?>
+<file path=ppt/slides/slide7.xml><?xml version="1.0" encoding="utf-8"?>
 <p:sld xmlns:a="http://schemas.openxmlformats.org/drawingml/2006/main" xmlns:r="http://schemas.openxmlformats.org/officeDocument/2006/relationships" xmlns:p="http://schemas.openxmlformats.org/presentationml/2006/main">
   <p:cSld>
     <p:spTree>
@@ -10604,7 +15498,7 @@
           <a:p>
             <a:fld id="{8C1CEDF5-C2F4-B645-8E32-952D9CA4E651}" type="slidenum">
               <a:rPr lang="en-US" smtClean="0"/>
-              <a:t>5</a:t>
+              <a:t>7</a:t>
             </a:fld>
             <a:endParaRPr lang="en-US"/>
           </a:p>
@@ -10623,7 +15517,7 @@
 </p:sld>
 </file>
 
-<file path=ppt/slides/slide6.xml><?xml version="1.0" encoding="utf-8"?>
+<file path=ppt/slides/slide8.xml><?xml version="1.0" encoding="utf-8"?>
 <p:sld xmlns:a="http://schemas.openxmlformats.org/drawingml/2006/main" xmlns:r="http://schemas.openxmlformats.org/officeDocument/2006/relationships" xmlns:p="http://schemas.openxmlformats.org/presentationml/2006/main">
   <p:cSld>
     <p:spTree>
@@ -10842,7 +15736,7 @@
           <a:p>
             <a:fld id="{8C1CEDF5-C2F4-B645-8E32-952D9CA4E651}" type="slidenum">
               <a:rPr lang="en-US" smtClean="0"/>
-              <a:t>6</a:t>
+              <a:t>8</a:t>
             </a:fld>
             <a:endParaRPr lang="en-US"/>
           </a:p>
@@ -10861,7 +15755,7 @@
 </p:sld>
 </file>
 
-<file path=ppt/slides/slide7.xml><?xml version="1.0" encoding="utf-8"?>
+<file path=ppt/slides/slide9.xml><?xml version="1.0" encoding="utf-8"?>
 <p:sld xmlns:a="http://schemas.openxmlformats.org/drawingml/2006/main" xmlns:r="http://schemas.openxmlformats.org/officeDocument/2006/relationships" xmlns:p="http://schemas.openxmlformats.org/presentationml/2006/main">
   <p:cSld>
     <p:spTree>
@@ -10992,7 +15886,7 @@
           <a:p>
             <a:fld id="{8C1CEDF5-C2F4-B645-8E32-952D9CA4E651}" type="slidenum">
               <a:rPr lang="en-US" smtClean="0"/>
-              <a:t>7</a:t>
+              <a:t>9</a:t>
             </a:fld>
             <a:endParaRPr lang="en-US"/>
           </a:p>

--- a/1-analysis/RootInsurance_Qi.pptx
+++ b/1-analysis/RootInsurance_Qi.pptx
@@ -5,18 +5,19 @@
     <p:sldMasterId id="2147483648" r:id="rId1"/>
   </p:sldMasterIdLst>
   <p:notesMasterIdLst>
-    <p:notesMasterId r:id="rId11"/>
+    <p:notesMasterId r:id="rId12"/>
   </p:notesMasterIdLst>
   <p:sldIdLst>
     <p:sldId id="256" r:id="rId2"/>
-    <p:sldId id="263" r:id="rId3"/>
-    <p:sldId id="264" r:id="rId4"/>
-    <p:sldId id="257" r:id="rId5"/>
-    <p:sldId id="258" r:id="rId6"/>
-    <p:sldId id="259" r:id="rId7"/>
-    <p:sldId id="260" r:id="rId8"/>
-    <p:sldId id="261" r:id="rId9"/>
-    <p:sldId id="262" r:id="rId10"/>
+    <p:sldId id="265" r:id="rId3"/>
+    <p:sldId id="263" r:id="rId4"/>
+    <p:sldId id="264" r:id="rId5"/>
+    <p:sldId id="257" r:id="rId6"/>
+    <p:sldId id="258" r:id="rId7"/>
+    <p:sldId id="259" r:id="rId8"/>
+    <p:sldId id="260" r:id="rId9"/>
+    <p:sldId id="261" r:id="rId10"/>
+    <p:sldId id="262" r:id="rId11"/>
   </p:sldIdLst>
   <p:sldSz cx="12192000" cy="6858000"/>
   <p:notesSz cx="6858000" cy="9144000"/>
@@ -137,7 +138,56 @@
     </mc:Fallback>
   </mc:AlternateContent>
   <c:chart>
-    <c:autoTitleDeleted val="1"/>
+    <c:title>
+      <c:tx>
+        <c:rich>
+          <a:bodyPr rot="0" spcFirstLastPara="1" vertOverflow="ellipsis" vert="horz" wrap="square" anchor="ctr" anchorCtr="1"/>
+          <a:lstStyle/>
+          <a:p>
+            <a:pPr>
+              <a:defRPr sz="1600" b="1" i="0" u="none" strike="noStrike" kern="1200" baseline="0">
+                <a:solidFill>
+                  <a:schemeClr val="tx2"/>
+                </a:solidFill>
+                <a:latin typeface="+mn-lt"/>
+                <a:ea typeface="+mn-ea"/>
+                <a:cs typeface="+mn-cs"/>
+              </a:defRPr>
+            </a:pPr>
+            <a:r>
+              <a:rPr lang="en-US"/>
+              <a:t>Rank 1-5 percentage</a:t>
+            </a:r>
+          </a:p>
+        </c:rich>
+      </c:tx>
+      <c:overlay val="0"/>
+      <c:spPr>
+        <a:noFill/>
+        <a:ln>
+          <a:noFill/>
+        </a:ln>
+        <a:effectLst/>
+      </c:spPr>
+      <c:txPr>
+        <a:bodyPr rot="0" spcFirstLastPara="1" vertOverflow="ellipsis" vert="horz" wrap="square" anchor="ctr" anchorCtr="1"/>
+        <a:lstStyle/>
+        <a:p>
+          <a:pPr>
+            <a:defRPr sz="1600" b="1" i="0" u="none" strike="noStrike" kern="1200" baseline="0">
+              <a:solidFill>
+                <a:schemeClr val="tx2"/>
+              </a:solidFill>
+              <a:latin typeface="+mn-lt"/>
+              <a:ea typeface="+mn-ea"/>
+              <a:cs typeface="+mn-cs"/>
+            </a:defRPr>
+          </a:pPr>
+          <a:endParaRPr lang="en-US"/>
+        </a:p>
+      </c:txPr>
+    </c:title>
+    <c:autoTitleDeleted val="0"/>
     <c:plotArea>
       <c:layout/>
       <c:pieChart>
@@ -147,11 +197,11 @@
           <c:order val="0"/>
           <c:tx>
             <c:strRef>
-              <c:f>Sheet5!$A$11</c:f>
+              <c:f>Sheet7!$B$2</c:f>
               <c:strCache>
                 <c:ptCount val="1"/>
                 <c:pt idx="0">
-                  <c:v>Total</c:v>
+                  <c:v>freq</c:v>
                 </c:pt>
               </c:strCache>
             </c:strRef>
@@ -160,19 +210,40 @@
             <c:idx val="0"/>
             <c:bubble3D val="0"/>
             <c:spPr>
-              <a:solidFill>
-                <a:schemeClr val="accent1"/>
-              </a:solidFill>
-              <a:ln w="19050">
-                <a:solidFill>
-                  <a:schemeClr val="lt1"/>
-                </a:solidFill>
+              <a:gradFill rotWithShape="1">
+                <a:gsLst>
+                  <a:gs pos="0">
+                    <a:schemeClr val="accent1">
+                      <a:satMod val="103000"/>
+                      <a:lumMod val="102000"/>
+                      <a:tint val="94000"/>
+                    </a:schemeClr>
+                  </a:gs>
+                  <a:gs pos="50000">
+                    <a:schemeClr val="accent1">
+                      <a:satMod val="110000"/>
+                      <a:lumMod val="100000"/>
+                      <a:shade val="100000"/>
+                    </a:schemeClr>
+                  </a:gs>
+                  <a:gs pos="100000">
+                    <a:schemeClr val="accent1">
+                      <a:lumMod val="99000"/>
+                      <a:satMod val="120000"/>
+                      <a:shade val="78000"/>
+                    </a:schemeClr>
+                  </a:gs>
+                </a:gsLst>
+                <a:lin ang="5400000" scaled="0"/>
+              </a:gradFill>
+              <a:ln>
+                <a:noFill/>
               </a:ln>
               <a:effectLst/>
             </c:spPr>
             <c:extLst>
               <c:ext xmlns:c16="http://schemas.microsoft.com/office/drawing/2014/chart" uri="{C3380CC4-5D6E-409C-BE32-E72D297353CC}">
-                <c16:uniqueId val="{00000001-D239-554D-8278-ABD799171359}"/>
+                <c16:uniqueId val="{00000001-5397-D14B-8CA3-1091DB117DDC}"/>
               </c:ext>
             </c:extLst>
           </c:dPt>
@@ -180,19 +251,40 @@
             <c:idx val="1"/>
             <c:bubble3D val="0"/>
             <c:spPr>
-              <a:solidFill>
-                <a:schemeClr val="accent2"/>
-              </a:solidFill>
-              <a:ln w="19050">
-                <a:solidFill>
-                  <a:schemeClr val="lt1"/>
-                </a:solidFill>
+              <a:gradFill rotWithShape="1">
+                <a:gsLst>
+                  <a:gs pos="0">
+                    <a:schemeClr val="accent2">
+                      <a:satMod val="103000"/>
+                      <a:lumMod val="102000"/>
+                      <a:tint val="94000"/>
+                    </a:schemeClr>
+                  </a:gs>
+                  <a:gs pos="50000">
+                    <a:schemeClr val="accent2">
+                      <a:satMod val="110000"/>
+                      <a:lumMod val="100000"/>
+                      <a:shade val="100000"/>
+                    </a:schemeClr>
+                  </a:gs>
+                  <a:gs pos="100000">
+                    <a:schemeClr val="accent2">
+                      <a:lumMod val="99000"/>
+                      <a:satMod val="120000"/>
+                      <a:shade val="78000"/>
+                    </a:schemeClr>
+                  </a:gs>
+                </a:gsLst>
+                <a:lin ang="5400000" scaled="0"/>
+              </a:gradFill>
+              <a:ln>
+                <a:noFill/>
               </a:ln>
               <a:effectLst/>
             </c:spPr>
             <c:extLst>
               <c:ext xmlns:c16="http://schemas.microsoft.com/office/drawing/2014/chart" uri="{C3380CC4-5D6E-409C-BE32-E72D297353CC}">
-                <c16:uniqueId val="{00000003-D239-554D-8278-ABD799171359}"/>
+                <c16:uniqueId val="{00000003-5397-D14B-8CA3-1091DB117DDC}"/>
               </c:ext>
             </c:extLst>
           </c:dPt>
@@ -200,19 +292,122 @@
             <c:idx val="2"/>
             <c:bubble3D val="0"/>
             <c:spPr>
-              <a:solidFill>
-                <a:schemeClr val="accent3"/>
-              </a:solidFill>
-              <a:ln w="19050">
-                <a:solidFill>
-                  <a:schemeClr val="lt1"/>
-                </a:solidFill>
+              <a:gradFill rotWithShape="1">
+                <a:gsLst>
+                  <a:gs pos="0">
+                    <a:schemeClr val="accent3">
+                      <a:satMod val="103000"/>
+                      <a:lumMod val="102000"/>
+                      <a:tint val="94000"/>
+                    </a:schemeClr>
+                  </a:gs>
+                  <a:gs pos="50000">
+                    <a:schemeClr val="accent3">
+                      <a:satMod val="110000"/>
+                      <a:lumMod val="100000"/>
+                      <a:shade val="100000"/>
+                    </a:schemeClr>
+                  </a:gs>
+                  <a:gs pos="100000">
+                    <a:schemeClr val="accent3">
+                      <a:lumMod val="99000"/>
+                      <a:satMod val="120000"/>
+                      <a:shade val="78000"/>
+                    </a:schemeClr>
+                  </a:gs>
+                </a:gsLst>
+                <a:lin ang="5400000" scaled="0"/>
+              </a:gradFill>
+              <a:ln>
+                <a:noFill/>
               </a:ln>
               <a:effectLst/>
             </c:spPr>
             <c:extLst>
               <c:ext xmlns:c16="http://schemas.microsoft.com/office/drawing/2014/chart" uri="{C3380CC4-5D6E-409C-BE32-E72D297353CC}">
-                <c16:uniqueId val="{00000005-D239-554D-8278-ABD799171359}"/>
+                <c16:uniqueId val="{00000005-5397-D14B-8CA3-1091DB117DDC}"/>
+              </c:ext>
+            </c:extLst>
+          </c:dPt>
+          <c:dPt>
+            <c:idx val="3"/>
+            <c:bubble3D val="0"/>
+            <c:spPr>
+              <a:gradFill rotWithShape="1">
+                <a:gsLst>
+                  <a:gs pos="0">
+                    <a:schemeClr val="accent4">
+                      <a:satMod val="103000"/>
+                      <a:lumMod val="102000"/>
+                      <a:tint val="94000"/>
+                    </a:schemeClr>
+                  </a:gs>
+                  <a:gs pos="50000">
+                    <a:schemeClr val="accent4">
+                      <a:satMod val="110000"/>
+                      <a:lumMod val="100000"/>
+                      <a:shade val="100000"/>
+                    </a:schemeClr>
+                  </a:gs>
+                  <a:gs pos="100000">
+                    <a:schemeClr val="accent4">
+                      <a:lumMod val="99000"/>
+                      <a:satMod val="120000"/>
+                      <a:shade val="78000"/>
+                    </a:schemeClr>
+                  </a:gs>
+                </a:gsLst>
+                <a:lin ang="5400000" scaled="0"/>
+              </a:gradFill>
+              <a:ln>
+                <a:noFill/>
+              </a:ln>
+              <a:effectLst/>
+            </c:spPr>
+            <c:extLst>
+              <c:ext xmlns:c16="http://schemas.microsoft.com/office/drawing/2014/chart" uri="{C3380CC4-5D6E-409C-BE32-E72D297353CC}">
+                <c16:uniqueId val="{00000007-5397-D14B-8CA3-1091DB117DDC}"/>
+              </c:ext>
+            </c:extLst>
+          </c:dPt>
+          <c:dPt>
+            <c:idx val="4"/>
+            <c:bubble3D val="0"/>
+            <c:spPr>
+              <a:gradFill rotWithShape="1">
+                <a:gsLst>
+                  <a:gs pos="0">
+                    <a:schemeClr val="accent5">
+                      <a:satMod val="103000"/>
+                      <a:lumMod val="102000"/>
+                      <a:tint val="94000"/>
+                    </a:schemeClr>
+                  </a:gs>
+                  <a:gs pos="50000">
+                    <a:schemeClr val="accent5">
+                      <a:satMod val="110000"/>
+                      <a:lumMod val="100000"/>
+                      <a:shade val="100000"/>
+                    </a:schemeClr>
+                  </a:gs>
+                  <a:gs pos="100000">
+                    <a:schemeClr val="accent5">
+                      <a:lumMod val="99000"/>
+                      <a:satMod val="120000"/>
+                      <a:shade val="78000"/>
+                    </a:schemeClr>
+                  </a:gs>
+                </a:gsLst>
+                <a:lin ang="5400000" scaled="0"/>
+              </a:gradFill>
+              <a:ln>
+                <a:noFill/>
+              </a:ln>
+              <a:effectLst/>
+            </c:spPr>
+            <c:extLst>
+              <c:ext xmlns:c16="http://schemas.microsoft.com/office/drawing/2014/chart" uri="{C3380CC4-5D6E-409C-BE32-E72D297353CC}">
+                <c16:uniqueId val="{00000009-5397-D14B-8CA3-1091DB117DDC}"/>
               </c:ext>
             </c:extLst>
           </c:dPt>
@@ -233,10 +428,7 @@
                 <a:pPr>
                   <a:defRPr sz="900" b="0" i="0" u="none" strike="noStrike" kern="1200" baseline="0">
                     <a:solidFill>
-                      <a:schemeClr val="tx1">
-                        <a:lumMod val="75000"/>
-                        <a:lumOff val="25000"/>
-                      </a:schemeClr>
+                      <a:schemeClr val="tx2"/>
                     </a:solidFill>
                     <a:latin typeface="+mn-lt"/>
                     <a:ea typeface="+mn-ea"/>
@@ -246,23 +438,23 @@
                 <a:endParaRPr lang="en-US"/>
               </a:p>
             </c:txPr>
+            <c:dLblPos val="ctr"/>
             <c:showLegendKey val="0"/>
-            <c:showVal val="1"/>
+            <c:showVal val="0"/>
             <c:showCatName val="0"/>
             <c:showSerName val="0"/>
-            <c:showPercent val="0"/>
+            <c:showPercent val="1"/>
             <c:showBubbleSize val="0"/>
             <c:showLeaderLines val="1"/>
             <c:leaderLines>
               <c:spPr>
-                <a:ln w="9525" cap="flat" cmpd="sng" algn="ctr">
+                <a:ln w="9525">
                   <a:solidFill>
-                    <a:schemeClr val="tx1">
+                    <a:schemeClr val="tx2">
                       <a:lumMod val="35000"/>
                       <a:lumOff val="65000"/>
                     </a:schemeClr>
                   </a:solidFill>
-                  <a:round/>
                 </a:ln>
                 <a:effectLst/>
               </c:spPr>
@@ -271,44 +463,637 @@
               <c:ext xmlns:c15="http://schemas.microsoft.com/office/drawing/2012/chart" uri="{CE6537A1-D6FC-4f65-9D91-7224C49458BB}"/>
             </c:extLst>
           </c:dLbls>
+          <c:val>
+            <c:numRef>
+              <c:f>Sheet7!$B$3:$B$7</c:f>
+              <c:numCache>
+                <c:formatCode>#,##0</c:formatCode>
+                <c:ptCount val="5"/>
+                <c:pt idx="0">
+                  <c:v>1611</c:v>
+                </c:pt>
+                <c:pt idx="1">
+                  <c:v>1608</c:v>
+                </c:pt>
+                <c:pt idx="2">
+                  <c:v>2401</c:v>
+                </c:pt>
+                <c:pt idx="3">
+                  <c:v>2089</c:v>
+                </c:pt>
+                <c:pt idx="4">
+                  <c:v>2291</c:v>
+                </c:pt>
+              </c:numCache>
+            </c:numRef>
+          </c:val>
+          <c:extLst>
+            <c:ext xmlns:c16="http://schemas.microsoft.com/office/drawing/2014/chart" uri="{C3380CC4-5D6E-409C-BE32-E72D297353CC}">
+              <c16:uniqueId val="{0000000A-5397-D14B-8CA3-1091DB117DDC}"/>
+            </c:ext>
+          </c:extLst>
+        </c:ser>
+        <c:dLbls>
+          <c:dLblPos val="ctr"/>
+          <c:showLegendKey val="0"/>
+          <c:showVal val="0"/>
+          <c:showCatName val="0"/>
+          <c:showSerName val="0"/>
+          <c:showPercent val="1"/>
+          <c:showBubbleSize val="0"/>
+          <c:showLeaderLines val="1"/>
+        </c:dLbls>
+        <c:firstSliceAng val="0"/>
+      </c:pieChart>
+      <c:spPr>
+        <a:noFill/>
+        <a:ln>
+          <a:noFill/>
+        </a:ln>
+        <a:effectLst/>
+      </c:spPr>
+    </c:plotArea>
+    <c:legend>
+      <c:legendPos val="b"/>
+      <c:overlay val="0"/>
+      <c:spPr>
+        <a:noFill/>
+        <a:ln>
+          <a:noFill/>
+        </a:ln>
+        <a:effectLst/>
+      </c:spPr>
+      <c:txPr>
+        <a:bodyPr rot="0" spcFirstLastPara="1" vertOverflow="ellipsis" vert="horz" wrap="square" anchor="ctr" anchorCtr="1"/>
+        <a:lstStyle/>
+        <a:p>
+          <a:pPr rtl="0">
+            <a:defRPr sz="900" b="0" i="0" u="none" strike="noStrike" kern="1200" baseline="0">
+              <a:solidFill>
+                <a:schemeClr val="tx2"/>
+              </a:solidFill>
+              <a:latin typeface="+mn-lt"/>
+              <a:ea typeface="+mn-ea"/>
+              <a:cs typeface="+mn-cs"/>
+            </a:defRPr>
+          </a:pPr>
+          <a:endParaRPr lang="en-US"/>
+        </a:p>
+      </c:txPr>
+    </c:legend>
+    <c:plotVisOnly val="1"/>
+    <c:dispBlanksAs val="gap"/>
+    <c:extLst>
+      <c:ext xmlns:c16r3="http://schemas.microsoft.com/office/drawing/2017/03/chart" uri="{56B9EC1D-385E-4148-901F-78D8002777C0}">
+        <c16r3:dataDisplayOptions16>
+          <c16r3:dispNaAsBlank val="1"/>
+        </c16r3:dataDisplayOptions16>
+      </c:ext>
+    </c:extLst>
+    <c:showDLblsOverMax val="0"/>
+  </c:chart>
+  <c:spPr>
+    <a:noFill/>
+    <a:ln>
+      <a:noFill/>
+    </a:ln>
+    <a:effectLst/>
+  </c:spPr>
+  <c:txPr>
+    <a:bodyPr/>
+    <a:lstStyle/>
+    <a:p>
+      <a:pPr>
+        <a:defRPr/>
+      </a:pPr>
+      <a:endParaRPr lang="en-US"/>
+    </a:p>
+  </c:txPr>
+  <c:externalData r:id="rId3">
+    <c:autoUpdate val="0"/>
+  </c:externalData>
+</c:chartSpace>
+</file>
+
+<file path=ppt/charts/chart10.xml><?xml version="1.0" encoding="utf-8"?>
+<c:chartSpace xmlns:c="http://schemas.openxmlformats.org/drawingml/2006/chart" xmlns:a="http://schemas.openxmlformats.org/drawingml/2006/main" xmlns:r="http://schemas.openxmlformats.org/officeDocument/2006/relationships" xmlns:c16r2="http://schemas.microsoft.com/office/drawing/2015/06/chart">
+  <c:date1904 val="0"/>
+  <c:lang val="en-US"/>
+  <c:roundedCorners val="0"/>
+  <mc:AlternateContent xmlns:mc="http://schemas.openxmlformats.org/markup-compatibility/2006">
+    <mc:Choice xmlns:c14="http://schemas.microsoft.com/office/drawing/2007/8/2/chart" Requires="c14">
+      <c14:style val="102"/>
+    </mc:Choice>
+    <mc:Fallback>
+      <c:style val="2"/>
+    </mc:Fallback>
+  </mc:AlternateContent>
+  <c:chart>
+    <c:title>
+      <c:tx>
+        <c:rich>
+          <a:bodyPr rot="0" spcFirstLastPara="1" vertOverflow="ellipsis" vert="horz" wrap="square" anchor="ctr" anchorCtr="1"/>
+          <a:lstStyle/>
+          <a:p>
+            <a:pPr>
+              <a:defRPr sz="1400" b="0" i="0" u="none" strike="noStrike" kern="1200" spc="0" baseline="0">
+                <a:solidFill>
+                  <a:schemeClr val="tx1">
+                    <a:lumMod val="65000"/>
+                    <a:lumOff val="35000"/>
+                  </a:schemeClr>
+                </a:solidFill>
+                <a:latin typeface="+mn-lt"/>
+                <a:ea typeface="+mn-ea"/>
+                <a:cs typeface="+mn-cs"/>
+              </a:defRPr>
+            </a:pPr>
+            <a:r>
+              <a:rPr lang="en-US" dirty="0" err="1"/>
+              <a:t>Click_nobuy</a:t>
+            </a:r>
+            <a:endParaRPr lang="en-US" dirty="0"/>
+          </a:p>
+        </c:rich>
+      </c:tx>
+      <c:overlay val="0"/>
+      <c:spPr>
+        <a:noFill/>
+        <a:ln>
+          <a:noFill/>
+        </a:ln>
+        <a:effectLst/>
+      </c:spPr>
+      <c:txPr>
+        <a:bodyPr rot="0" spcFirstLastPara="1" vertOverflow="ellipsis" vert="horz" wrap="square" anchor="ctr" anchorCtr="1"/>
+        <a:lstStyle/>
+        <a:p>
+          <a:pPr>
+            <a:defRPr sz="1400" b="0" i="0" u="none" strike="noStrike" kern="1200" spc="0" baseline="0">
+              <a:solidFill>
+                <a:schemeClr val="tx1">
+                  <a:lumMod val="65000"/>
+                  <a:lumOff val="35000"/>
+                </a:schemeClr>
+              </a:solidFill>
+              <a:latin typeface="+mn-lt"/>
+              <a:ea typeface="+mn-ea"/>
+              <a:cs typeface="+mn-cs"/>
+            </a:defRPr>
+          </a:pPr>
+          <a:endParaRPr lang="en-US"/>
+        </a:p>
+      </c:txPr>
+    </c:title>
+    <c:autoTitleDeleted val="0"/>
+    <c:plotArea>
+      <c:layout/>
+      <c:barChart>
+        <c:barDir val="col"/>
+        <c:grouping val="clustered"/>
+        <c:varyColors val="0"/>
+        <c:ser>
+          <c:idx val="0"/>
+          <c:order val="0"/>
+          <c:tx>
+            <c:strRef>
+              <c:f>Sheet2!$H$2</c:f>
+              <c:strCache>
+                <c:ptCount val="1"/>
+                <c:pt idx="0">
+                  <c:v>rank1_click_nobuy</c:v>
+                </c:pt>
+              </c:strCache>
+            </c:strRef>
+          </c:tx>
+          <c:spPr>
+            <a:solidFill>
+              <a:schemeClr val="accent1"/>
+            </a:solidFill>
+            <a:ln>
+              <a:noFill/>
+            </a:ln>
+            <a:effectLst/>
+          </c:spPr>
+          <c:invertIfNegative val="0"/>
           <c:cat>
             <c:strRef>
-              <c:f>Sheet5!$B$10:$D$10</c:f>
+              <c:f>(Sheet2!$I$1,Sheet2!$P$1,Sheet2!$W$1,Sheet2!$AD$1,Sheet2!$AL$1,Sheet2!$AT$1,Sheet2!$BB$1)</c:f>
               <c:strCache>
-                <c:ptCount val="3"/>
+                <c:ptCount val="7"/>
                 <c:pt idx="0">
-                  <c:v>click_nobuy</c:v>
+                  <c:v>mean_insured_Y</c:v>
                 </c:pt>
                 <c:pt idx="1">
-                  <c:v>click_buy</c:v>
+                  <c:v>mean_insured_N</c:v>
                 </c:pt>
                 <c:pt idx="2">
-                  <c:v>noclick_nobuy</c:v>
+                  <c:v>mean_insured_Un</c:v>
+                </c:pt>
+                <c:pt idx="3">
+                  <c:v>mean_married</c:v>
+                </c:pt>
+                <c:pt idx="4">
+                  <c:v>mean_single</c:v>
+                </c:pt>
+                <c:pt idx="5">
+                  <c:v>mean_ve~s</c:v>
+                </c:pt>
+                <c:pt idx="6">
+                  <c:v>mean_dr~s</c:v>
                 </c:pt>
               </c:strCache>
             </c:strRef>
           </c:cat>
           <c:val>
             <c:numRef>
-              <c:f>Sheet5!$B$11:$D$11</c:f>
+              <c:f>(Sheet2!$I$2,Sheet2!$P$2,Sheet2!$W$2,Sheet2!$AD$2,Sheet2!$AL$2,Sheet2!$AT$2,Sheet2!$BB$2)</c:f>
               <c:numCache>
                 <c:formatCode>General</c:formatCode>
-                <c:ptCount val="3"/>
-                <c:pt idx="0" formatCode="#,##0">
-                  <c:v>1095</c:v>
+                <c:ptCount val="7"/>
+                <c:pt idx="0">
+                  <c:v>8.367347E-2</c:v>
                 </c:pt>
                 <c:pt idx="1">
-                  <c:v>783</c:v>
-                </c:pt>
-                <c:pt idx="2" formatCode="#,##0">
-                  <c:v>8122</c:v>
+                  <c:v>0.11632653</c:v>
+                </c:pt>
+                <c:pt idx="2">
+                  <c:v>0.8</c:v>
+                </c:pt>
+                <c:pt idx="3">
+                  <c:v>0.45102040999999998</c:v>
+                </c:pt>
+                <c:pt idx="4">
+                  <c:v>0.54897958999999996</c:v>
+                </c:pt>
+                <c:pt idx="5">
+                  <c:v>1.5693878000000001</c:v>
+                </c:pt>
+                <c:pt idx="6">
+                  <c:v>1.5632653000000001</c:v>
                 </c:pt>
               </c:numCache>
             </c:numRef>
           </c:val>
           <c:extLst>
             <c:ext xmlns:c16="http://schemas.microsoft.com/office/drawing/2014/chart" uri="{C3380CC4-5D6E-409C-BE32-E72D297353CC}">
-              <c16:uniqueId val="{00000006-D239-554D-8278-ABD799171359}"/>
+              <c16:uniqueId val="{00000000-59A6-AA4F-8736-441463B8DBA1}"/>
+            </c:ext>
+          </c:extLst>
+        </c:ser>
+        <c:ser>
+          <c:idx val="1"/>
+          <c:order val="1"/>
+          <c:tx>
+            <c:strRef>
+              <c:f>Sheet2!$H$3</c:f>
+              <c:strCache>
+                <c:ptCount val="1"/>
+                <c:pt idx="0">
+                  <c:v>rank2_click_nobuy</c:v>
+                </c:pt>
+              </c:strCache>
+            </c:strRef>
+          </c:tx>
+          <c:spPr>
+            <a:solidFill>
+              <a:schemeClr val="accent2"/>
+            </a:solidFill>
+            <a:ln>
+              <a:noFill/>
+            </a:ln>
+            <a:effectLst/>
+          </c:spPr>
+          <c:invertIfNegative val="0"/>
+          <c:cat>
+            <c:strRef>
+              <c:f>(Sheet2!$I$1,Sheet2!$P$1,Sheet2!$W$1,Sheet2!$AD$1,Sheet2!$AL$1,Sheet2!$AT$1,Sheet2!$BB$1)</c:f>
+              <c:strCache>
+                <c:ptCount val="7"/>
+                <c:pt idx="0">
+                  <c:v>mean_insured_Y</c:v>
+                </c:pt>
+                <c:pt idx="1">
+                  <c:v>mean_insured_N</c:v>
+                </c:pt>
+                <c:pt idx="2">
+                  <c:v>mean_insured_Un</c:v>
+                </c:pt>
+                <c:pt idx="3">
+                  <c:v>mean_married</c:v>
+                </c:pt>
+                <c:pt idx="4">
+                  <c:v>mean_single</c:v>
+                </c:pt>
+                <c:pt idx="5">
+                  <c:v>mean_ve~s</c:v>
+                </c:pt>
+                <c:pt idx="6">
+                  <c:v>mean_dr~s</c:v>
+                </c:pt>
+              </c:strCache>
+            </c:strRef>
+          </c:cat>
+          <c:val>
+            <c:numRef>
+              <c:f>(Sheet2!$I$3,Sheet2!$P$3,Sheet2!$W$3,Sheet2!$AD$3,Sheet2!$AL$3,Sheet2!$AT$3,Sheet2!$BB$3)</c:f>
+              <c:numCache>
+                <c:formatCode>General</c:formatCode>
+                <c:ptCount val="7"/>
+                <c:pt idx="0">
+                  <c:v>0.20158102999999999</c:v>
+                </c:pt>
+                <c:pt idx="1">
+                  <c:v>0.22924901</c:v>
+                </c:pt>
+                <c:pt idx="2">
+                  <c:v>0.56916995999999997</c:v>
+                </c:pt>
+                <c:pt idx="3">
+                  <c:v>0.54150198000000005</c:v>
+                </c:pt>
+                <c:pt idx="4">
+                  <c:v>0.45849802000000001</c:v>
+                </c:pt>
+                <c:pt idx="5">
+                  <c:v>1.5731225</c:v>
+                </c:pt>
+                <c:pt idx="6">
+                  <c:v>1.6047431000000001</c:v>
+                </c:pt>
+              </c:numCache>
+            </c:numRef>
+          </c:val>
+          <c:extLst>
+            <c:ext xmlns:c16="http://schemas.microsoft.com/office/drawing/2014/chart" uri="{C3380CC4-5D6E-409C-BE32-E72D297353CC}">
+              <c16:uniqueId val="{00000001-59A6-AA4F-8736-441463B8DBA1}"/>
+            </c:ext>
+          </c:extLst>
+        </c:ser>
+        <c:ser>
+          <c:idx val="2"/>
+          <c:order val="2"/>
+          <c:tx>
+            <c:strRef>
+              <c:f>Sheet2!$H$4</c:f>
+              <c:strCache>
+                <c:ptCount val="1"/>
+                <c:pt idx="0">
+                  <c:v>rank3_click_nobuy</c:v>
+                </c:pt>
+              </c:strCache>
+            </c:strRef>
+          </c:tx>
+          <c:spPr>
+            <a:solidFill>
+              <a:schemeClr val="accent3"/>
+            </a:solidFill>
+            <a:ln>
+              <a:noFill/>
+            </a:ln>
+            <a:effectLst/>
+          </c:spPr>
+          <c:invertIfNegative val="0"/>
+          <c:cat>
+            <c:strRef>
+              <c:f>(Sheet2!$I$1,Sheet2!$P$1,Sheet2!$W$1,Sheet2!$AD$1,Sheet2!$AL$1,Sheet2!$AT$1,Sheet2!$BB$1)</c:f>
+              <c:strCache>
+                <c:ptCount val="7"/>
+                <c:pt idx="0">
+                  <c:v>mean_insured_Y</c:v>
+                </c:pt>
+                <c:pt idx="1">
+                  <c:v>mean_insured_N</c:v>
+                </c:pt>
+                <c:pt idx="2">
+                  <c:v>mean_insured_Un</c:v>
+                </c:pt>
+                <c:pt idx="3">
+                  <c:v>mean_married</c:v>
+                </c:pt>
+                <c:pt idx="4">
+                  <c:v>mean_single</c:v>
+                </c:pt>
+                <c:pt idx="5">
+                  <c:v>mean_ve~s</c:v>
+                </c:pt>
+                <c:pt idx="6">
+                  <c:v>mean_dr~s</c:v>
+                </c:pt>
+              </c:strCache>
+            </c:strRef>
+          </c:cat>
+          <c:val>
+            <c:numRef>
+              <c:f>(Sheet2!$I$4,Sheet2!$P$4,Sheet2!$W$4,Sheet2!$AD$4,Sheet2!$AL$4,Sheet2!$AT$4,Sheet2!$BB$4)</c:f>
+              <c:numCache>
+                <c:formatCode>General</c:formatCode>
+                <c:ptCount val="7"/>
+                <c:pt idx="0">
+                  <c:v>0.342723</c:v>
+                </c:pt>
+                <c:pt idx="1">
+                  <c:v>0.40375587000000002</c:v>
+                </c:pt>
+                <c:pt idx="2">
+                  <c:v>0.25352112999999998</c:v>
+                </c:pt>
+                <c:pt idx="3">
+                  <c:v>0.5258216</c:v>
+                </c:pt>
+                <c:pt idx="4">
+                  <c:v>0.4741784</c:v>
+                </c:pt>
+                <c:pt idx="5">
+                  <c:v>1.9295774999999999</c:v>
+                </c:pt>
+                <c:pt idx="6">
+                  <c:v>1.4976525999999999</c:v>
+                </c:pt>
+              </c:numCache>
+            </c:numRef>
+          </c:val>
+          <c:extLst>
+            <c:ext xmlns:c16="http://schemas.microsoft.com/office/drawing/2014/chart" uri="{C3380CC4-5D6E-409C-BE32-E72D297353CC}">
+              <c16:uniqueId val="{00000002-59A6-AA4F-8736-441463B8DBA1}"/>
+            </c:ext>
+          </c:extLst>
+        </c:ser>
+        <c:ser>
+          <c:idx val="3"/>
+          <c:order val="3"/>
+          <c:tx>
+            <c:strRef>
+              <c:f>Sheet2!$H$5</c:f>
+              <c:strCache>
+                <c:ptCount val="1"/>
+                <c:pt idx="0">
+                  <c:v>rank4_click_nobuy</c:v>
+                </c:pt>
+              </c:strCache>
+            </c:strRef>
+          </c:tx>
+          <c:spPr>
+            <a:solidFill>
+              <a:schemeClr val="accent4"/>
+            </a:solidFill>
+            <a:ln>
+              <a:noFill/>
+            </a:ln>
+            <a:effectLst/>
+          </c:spPr>
+          <c:invertIfNegative val="0"/>
+          <c:cat>
+            <c:strRef>
+              <c:f>(Sheet2!$I$1,Sheet2!$P$1,Sheet2!$W$1,Sheet2!$AD$1,Sheet2!$AL$1,Sheet2!$AT$1,Sheet2!$BB$1)</c:f>
+              <c:strCache>
+                <c:ptCount val="7"/>
+                <c:pt idx="0">
+                  <c:v>mean_insured_Y</c:v>
+                </c:pt>
+                <c:pt idx="1">
+                  <c:v>mean_insured_N</c:v>
+                </c:pt>
+                <c:pt idx="2">
+                  <c:v>mean_insured_Un</c:v>
+                </c:pt>
+                <c:pt idx="3">
+                  <c:v>mean_married</c:v>
+                </c:pt>
+                <c:pt idx="4">
+                  <c:v>mean_single</c:v>
+                </c:pt>
+                <c:pt idx="5">
+                  <c:v>mean_ve~s</c:v>
+                </c:pt>
+                <c:pt idx="6">
+                  <c:v>mean_dr~s</c:v>
+                </c:pt>
+              </c:strCache>
+            </c:strRef>
+          </c:cat>
+          <c:val>
+            <c:numRef>
+              <c:f>(Sheet2!$I$5,Sheet2!$P$5,Sheet2!$W$5,Sheet2!$AD$5,Sheet2!$AL$5,Sheet2!$AT$5,Sheet2!$BB$5)</c:f>
+              <c:numCache>
+                <c:formatCode>General</c:formatCode>
+                <c:ptCount val="7"/>
+                <c:pt idx="0">
+                  <c:v>0.34545455000000003</c:v>
+                </c:pt>
+                <c:pt idx="1">
+                  <c:v>0.55454545</c:v>
+                </c:pt>
+                <c:pt idx="2">
+                  <c:v>0.1</c:v>
+                </c:pt>
+                <c:pt idx="3">
+                  <c:v>0.4</c:v>
+                </c:pt>
+                <c:pt idx="4">
+                  <c:v>0.6</c:v>
+                </c:pt>
+                <c:pt idx="5">
+                  <c:v>2.2181818</c:v>
+                </c:pt>
+                <c:pt idx="6">
+                  <c:v>1.4818182</c:v>
+                </c:pt>
+              </c:numCache>
+            </c:numRef>
+          </c:val>
+          <c:extLst>
+            <c:ext xmlns:c16="http://schemas.microsoft.com/office/drawing/2014/chart" uri="{C3380CC4-5D6E-409C-BE32-E72D297353CC}">
+              <c16:uniqueId val="{00000003-59A6-AA4F-8736-441463B8DBA1}"/>
+            </c:ext>
+          </c:extLst>
+        </c:ser>
+        <c:ser>
+          <c:idx val="4"/>
+          <c:order val="4"/>
+          <c:tx>
+            <c:strRef>
+              <c:f>Sheet2!$H$6</c:f>
+              <c:strCache>
+                <c:ptCount val="1"/>
+                <c:pt idx="0">
+                  <c:v>rank5_click_nobuy</c:v>
+                </c:pt>
+              </c:strCache>
+            </c:strRef>
+          </c:tx>
+          <c:spPr>
+            <a:solidFill>
+              <a:schemeClr val="accent5"/>
+            </a:solidFill>
+            <a:ln>
+              <a:noFill/>
+            </a:ln>
+            <a:effectLst/>
+          </c:spPr>
+          <c:invertIfNegative val="0"/>
+          <c:cat>
+            <c:strRef>
+              <c:f>(Sheet2!$I$1,Sheet2!$P$1,Sheet2!$W$1,Sheet2!$AD$1,Sheet2!$AL$1,Sheet2!$AT$1,Sheet2!$BB$1)</c:f>
+              <c:strCache>
+                <c:ptCount val="7"/>
+                <c:pt idx="0">
+                  <c:v>mean_insured_Y</c:v>
+                </c:pt>
+                <c:pt idx="1">
+                  <c:v>mean_insured_N</c:v>
+                </c:pt>
+                <c:pt idx="2">
+                  <c:v>mean_insured_Un</c:v>
+                </c:pt>
+                <c:pt idx="3">
+                  <c:v>mean_married</c:v>
+                </c:pt>
+                <c:pt idx="4">
+                  <c:v>mean_single</c:v>
+                </c:pt>
+                <c:pt idx="5">
+                  <c:v>mean_ve~s</c:v>
+                </c:pt>
+                <c:pt idx="6">
+                  <c:v>mean_dr~s</c:v>
+                </c:pt>
+              </c:strCache>
+            </c:strRef>
+          </c:cat>
+          <c:val>
+            <c:numRef>
+              <c:f>(Sheet2!$I$6,Sheet2!$P$6,Sheet2!$W$6,Sheet2!$AD$6,Sheet2!$AL$6,Sheet2!$AT$6,Sheet2!$BB$6)</c:f>
+              <c:numCache>
+                <c:formatCode>General</c:formatCode>
+                <c:ptCount val="7"/>
+                <c:pt idx="0">
+                  <c:v>0.37931034000000002</c:v>
+                </c:pt>
+                <c:pt idx="1">
+                  <c:v>0.62068966000000003</c:v>
+                </c:pt>
+                <c:pt idx="2">
+                  <c:v>0</c:v>
+                </c:pt>
+                <c:pt idx="3">
+                  <c:v>0.58620689999999998</c:v>
+                </c:pt>
+                <c:pt idx="4">
+                  <c:v>0.41379310000000002</c:v>
+                </c:pt>
+                <c:pt idx="5">
+                  <c:v>2.4482759000000001</c:v>
+                </c:pt>
+                <c:pt idx="6">
+                  <c:v>1.3103448</c:v>
+                </c:pt>
+              </c:numCache>
+            </c:numRef>
+          </c:val>
+          <c:extLst>
+            <c:ext xmlns:c16="http://schemas.microsoft.com/office/drawing/2014/chart" uri="{C3380CC4-5D6E-409C-BE32-E72D297353CC}">
+              <c16:uniqueId val="{00000004-59A6-AA4F-8736-441463B8DBA1}"/>
             </c:ext>
           </c:extLst>
         </c:ser>
@@ -319,10 +1104,105 @@
           <c:showSerName val="0"/>
           <c:showPercent val="0"/>
           <c:showBubbleSize val="0"/>
-          <c:showLeaderLines val="1"/>
         </c:dLbls>
-        <c:firstSliceAng val="0"/>
-      </c:pieChart>
+        <c:gapWidth val="219"/>
+        <c:overlap val="-27"/>
+        <c:axId val="1945554512"/>
+        <c:axId val="1945684544"/>
+      </c:barChart>
+      <c:catAx>
+        <c:axId val="1945554512"/>
+        <c:scaling>
+          <c:orientation val="minMax"/>
+        </c:scaling>
+        <c:delete val="0"/>
+        <c:axPos val="b"/>
+        <c:numFmt formatCode="General" sourceLinked="1"/>
+        <c:majorTickMark val="none"/>
+        <c:minorTickMark val="none"/>
+        <c:tickLblPos val="nextTo"/>
+        <c:spPr>
+          <a:noFill/>
+          <a:ln w="9525" cap="flat" cmpd="sng" algn="ctr">
+            <a:solidFill>
+              <a:schemeClr val="tx1">
+                <a:lumMod val="15000"/>
+                <a:lumOff val="85000"/>
+              </a:schemeClr>
+            </a:solidFill>
+            <a:round/>
+          </a:ln>
+          <a:effectLst/>
+        </c:spPr>
+        <c:txPr>
+          <a:bodyPr rot="-60000000" spcFirstLastPara="1" vertOverflow="ellipsis" vert="horz" wrap="square" anchor="ctr" anchorCtr="1"/>
+          <a:lstStyle/>
+          <a:p>
+            <a:pPr>
+              <a:defRPr sz="900" b="0" i="0" u="none" strike="noStrike" kern="1200" baseline="0">
+                <a:solidFill>
+                  <a:schemeClr val="tx1">
+                    <a:lumMod val="65000"/>
+                    <a:lumOff val="35000"/>
+                  </a:schemeClr>
+                </a:solidFill>
+                <a:latin typeface="+mn-lt"/>
+                <a:ea typeface="+mn-ea"/>
+                <a:cs typeface="+mn-cs"/>
+              </a:defRPr>
+            </a:pPr>
+            <a:endParaRPr lang="en-US"/>
+          </a:p>
+        </c:txPr>
+        <c:crossAx val="1945684544"/>
+        <c:crosses val="autoZero"/>
+        <c:auto val="1"/>
+        <c:lblAlgn val="ctr"/>
+        <c:lblOffset val="100"/>
+        <c:noMultiLvlLbl val="0"/>
+      </c:catAx>
+      <c:valAx>
+        <c:axId val="1945684544"/>
+        <c:scaling>
+          <c:orientation val="minMax"/>
+        </c:scaling>
+        <c:delete val="0"/>
+        <c:axPos val="l"/>
+        <c:numFmt formatCode="General" sourceLinked="1"/>
+        <c:majorTickMark val="none"/>
+        <c:minorTickMark val="none"/>
+        <c:tickLblPos val="nextTo"/>
+        <c:spPr>
+          <a:noFill/>
+          <a:ln>
+            <a:noFill/>
+          </a:ln>
+          <a:effectLst/>
+        </c:spPr>
+        <c:txPr>
+          <a:bodyPr rot="-60000000" spcFirstLastPara="1" vertOverflow="ellipsis" vert="horz" wrap="square" anchor="ctr" anchorCtr="1"/>
+          <a:lstStyle/>
+          <a:p>
+            <a:pPr>
+              <a:defRPr sz="900" b="0" i="0" u="none" strike="noStrike" kern="1200" baseline="0">
+                <a:solidFill>
+                  <a:schemeClr val="tx1">
+                    <a:lumMod val="65000"/>
+                    <a:lumOff val="35000"/>
+                  </a:schemeClr>
+                </a:solidFill>
+                <a:latin typeface="+mn-lt"/>
+                <a:ea typeface="+mn-ea"/>
+                <a:cs typeface="+mn-cs"/>
+              </a:defRPr>
+            </a:pPr>
+            <a:endParaRPr lang="en-US"/>
+          </a:p>
+        </c:txPr>
+        <c:crossAx val="1945554512"/>
+        <c:crosses val="autoZero"/>
+        <c:crossBetween val="between"/>
+      </c:valAx>
       <c:spPr>
         <a:noFill/>
         <a:ln>
@@ -364,6 +1244,13 @@
     </c:legend>
     <c:plotVisOnly val="1"/>
     <c:dispBlanksAs val="gap"/>
+    <c:extLst>
+      <c:ext xmlns:c16r3="http://schemas.microsoft.com/office/drawing/2017/03/chart" uri="{56B9EC1D-385E-4148-901F-78D8002777C0}">
+        <c16r3:dataDisplayOptions16>
+          <c16r3:dispNaAsBlank val="1"/>
+        </c16r3:dataDisplayOptions16>
+      </c:ext>
+    </c:extLst>
     <c:showDLblsOverMax val="0"/>
   </c:chart>
   <c:spPr>
@@ -389,7 +1276,708 @@
 </c:chartSpace>
 </file>
 
-<file path=ppt/charts/chart10.xml><?xml version="1.0" encoding="utf-8"?>
+<file path=ppt/charts/chart11.xml><?xml version="1.0" encoding="utf-8"?>
+<c:chartSpace xmlns:c="http://schemas.openxmlformats.org/drawingml/2006/chart" xmlns:a="http://schemas.openxmlformats.org/drawingml/2006/main" xmlns:r="http://schemas.openxmlformats.org/officeDocument/2006/relationships" xmlns:c16r2="http://schemas.microsoft.com/office/drawing/2015/06/chart">
+  <c:date1904 val="0"/>
+  <c:lang val="en-US"/>
+  <c:roundedCorners val="0"/>
+  <mc:AlternateContent xmlns:mc="http://schemas.openxmlformats.org/markup-compatibility/2006">
+    <mc:Choice xmlns:c14="http://schemas.microsoft.com/office/drawing/2007/8/2/chart" Requires="c14">
+      <c14:style val="102"/>
+    </mc:Choice>
+    <mc:Fallback>
+      <c:style val="2"/>
+    </mc:Fallback>
+  </mc:AlternateContent>
+  <c:chart>
+    <c:title>
+      <c:tx>
+        <c:rich>
+          <a:bodyPr rot="0" spcFirstLastPara="1" vertOverflow="ellipsis" vert="horz" wrap="square" anchor="ctr" anchorCtr="1"/>
+          <a:lstStyle/>
+          <a:p>
+            <a:pPr>
+              <a:defRPr sz="1400" b="0" i="0" u="none" strike="noStrike" kern="1200" spc="0" baseline="0">
+                <a:solidFill>
+                  <a:schemeClr val="tx1">
+                    <a:lumMod val="65000"/>
+                    <a:lumOff val="35000"/>
+                  </a:schemeClr>
+                </a:solidFill>
+                <a:latin typeface="+mn-lt"/>
+                <a:ea typeface="+mn-ea"/>
+                <a:cs typeface="+mn-cs"/>
+              </a:defRPr>
+            </a:pPr>
+            <a:r>
+              <a:rPr lang="en-US" dirty="0" err="1"/>
+              <a:t>Click_buy</a:t>
+            </a:r>
+            <a:endParaRPr lang="en-US" dirty="0"/>
+          </a:p>
+        </c:rich>
+      </c:tx>
+      <c:overlay val="0"/>
+      <c:spPr>
+        <a:noFill/>
+        <a:ln>
+          <a:noFill/>
+        </a:ln>
+        <a:effectLst/>
+      </c:spPr>
+      <c:txPr>
+        <a:bodyPr rot="0" spcFirstLastPara="1" vertOverflow="ellipsis" vert="horz" wrap="square" anchor="ctr" anchorCtr="1"/>
+        <a:lstStyle/>
+        <a:p>
+          <a:pPr>
+            <a:defRPr sz="1400" b="0" i="0" u="none" strike="noStrike" kern="1200" spc="0" baseline="0">
+              <a:solidFill>
+                <a:schemeClr val="tx1">
+                  <a:lumMod val="65000"/>
+                  <a:lumOff val="35000"/>
+                </a:schemeClr>
+              </a:solidFill>
+              <a:latin typeface="+mn-lt"/>
+              <a:ea typeface="+mn-ea"/>
+              <a:cs typeface="+mn-cs"/>
+            </a:defRPr>
+          </a:pPr>
+          <a:endParaRPr lang="en-US"/>
+        </a:p>
+      </c:txPr>
+    </c:title>
+    <c:autoTitleDeleted val="0"/>
+    <c:plotArea>
+      <c:layout/>
+      <c:barChart>
+        <c:barDir val="col"/>
+        <c:grouping val="clustered"/>
+        <c:varyColors val="0"/>
+        <c:ser>
+          <c:idx val="0"/>
+          <c:order val="0"/>
+          <c:tx>
+            <c:strRef>
+              <c:f>Sheet2!$H$21</c:f>
+              <c:strCache>
+                <c:ptCount val="1"/>
+                <c:pt idx="0">
+                  <c:v>rank1_click_buy</c:v>
+                </c:pt>
+              </c:strCache>
+            </c:strRef>
+          </c:tx>
+          <c:spPr>
+            <a:solidFill>
+              <a:schemeClr val="accent1"/>
+            </a:solidFill>
+            <a:ln>
+              <a:noFill/>
+            </a:ln>
+            <a:effectLst/>
+          </c:spPr>
+          <c:invertIfNegative val="0"/>
+          <c:cat>
+            <c:strRef>
+              <c:f>(Sheet2!$I$20,Sheet2!$P$20,Sheet2!$W$20,Sheet2!$AD$20,Sheet2!$AL$20,Sheet2!$AT$20,Sheet2!$BB$20)</c:f>
+              <c:strCache>
+                <c:ptCount val="7"/>
+                <c:pt idx="0">
+                  <c:v>mean_insured_Y</c:v>
+                </c:pt>
+                <c:pt idx="1">
+                  <c:v>mean_insured_N</c:v>
+                </c:pt>
+                <c:pt idx="2">
+                  <c:v>mean_insured_Un</c:v>
+                </c:pt>
+                <c:pt idx="3">
+                  <c:v>mean_married</c:v>
+                </c:pt>
+                <c:pt idx="4">
+                  <c:v>mean_single</c:v>
+                </c:pt>
+                <c:pt idx="5">
+                  <c:v>mean_ve~s</c:v>
+                </c:pt>
+                <c:pt idx="6">
+                  <c:v>mean_dr~s</c:v>
+                </c:pt>
+              </c:strCache>
+            </c:strRef>
+          </c:cat>
+          <c:val>
+            <c:numRef>
+              <c:f>(Sheet2!$I$21,Sheet2!$P$21,Sheet2!$W$21,Sheet2!$AD$21,Sheet2!$AL$21,Sheet2!$AT$21,Sheet2!$BB$21)</c:f>
+              <c:numCache>
+                <c:formatCode>General</c:formatCode>
+                <c:ptCount val="7"/>
+                <c:pt idx="0">
+                  <c:v>6.424581E-2</c:v>
+                </c:pt>
+                <c:pt idx="1">
+                  <c:v>0.11452514</c:v>
+                </c:pt>
+                <c:pt idx="2">
+                  <c:v>0.82122905000000002</c:v>
+                </c:pt>
+                <c:pt idx="3">
+                  <c:v>0.48044692999999999</c:v>
+                </c:pt>
+                <c:pt idx="4">
+                  <c:v>0.51955306999999995</c:v>
+                </c:pt>
+                <c:pt idx="5">
+                  <c:v>1.4553073000000001</c:v>
+                </c:pt>
+                <c:pt idx="6">
+                  <c:v>1.5111732</c:v>
+                </c:pt>
+              </c:numCache>
+            </c:numRef>
+          </c:val>
+          <c:extLst>
+            <c:ext xmlns:c16="http://schemas.microsoft.com/office/drawing/2014/chart" uri="{C3380CC4-5D6E-409C-BE32-E72D297353CC}">
+              <c16:uniqueId val="{00000000-B19D-9841-BDD6-096D1B199535}"/>
+            </c:ext>
+          </c:extLst>
+        </c:ser>
+        <c:ser>
+          <c:idx val="1"/>
+          <c:order val="1"/>
+          <c:tx>
+            <c:strRef>
+              <c:f>Sheet2!$H$22</c:f>
+              <c:strCache>
+                <c:ptCount val="1"/>
+                <c:pt idx="0">
+                  <c:v>rank2_click_buy</c:v>
+                </c:pt>
+              </c:strCache>
+            </c:strRef>
+          </c:tx>
+          <c:spPr>
+            <a:solidFill>
+              <a:schemeClr val="accent2"/>
+            </a:solidFill>
+            <a:ln>
+              <a:noFill/>
+            </a:ln>
+            <a:effectLst/>
+          </c:spPr>
+          <c:invertIfNegative val="0"/>
+          <c:cat>
+            <c:strRef>
+              <c:f>(Sheet2!$I$20,Sheet2!$P$20,Sheet2!$W$20,Sheet2!$AD$20,Sheet2!$AL$20,Sheet2!$AT$20,Sheet2!$BB$20)</c:f>
+              <c:strCache>
+                <c:ptCount val="7"/>
+                <c:pt idx="0">
+                  <c:v>mean_insured_Y</c:v>
+                </c:pt>
+                <c:pt idx="1">
+                  <c:v>mean_insured_N</c:v>
+                </c:pt>
+                <c:pt idx="2">
+                  <c:v>mean_insured_Un</c:v>
+                </c:pt>
+                <c:pt idx="3">
+                  <c:v>mean_married</c:v>
+                </c:pt>
+                <c:pt idx="4">
+                  <c:v>mean_single</c:v>
+                </c:pt>
+                <c:pt idx="5">
+                  <c:v>mean_ve~s</c:v>
+                </c:pt>
+                <c:pt idx="6">
+                  <c:v>mean_dr~s</c:v>
+                </c:pt>
+              </c:strCache>
+            </c:strRef>
+          </c:cat>
+          <c:val>
+            <c:numRef>
+              <c:f>(Sheet2!$I$22,Sheet2!$P$22,Sheet2!$W$22,Sheet2!$AD$22,Sheet2!$AL$22,Sheet2!$AT$22,Sheet2!$BB$22)</c:f>
+              <c:numCache>
+                <c:formatCode>General</c:formatCode>
+                <c:ptCount val="7"/>
+                <c:pt idx="0">
+                  <c:v>0.27272727000000002</c:v>
+                </c:pt>
+                <c:pt idx="1">
+                  <c:v>0.13875598</c:v>
+                </c:pt>
+                <c:pt idx="2">
+                  <c:v>0.58851675000000003</c:v>
+                </c:pt>
+                <c:pt idx="3">
+                  <c:v>0.44976076999999998</c:v>
+                </c:pt>
+                <c:pt idx="4">
+                  <c:v>0.55023922999999997</c:v>
+                </c:pt>
+                <c:pt idx="5">
+                  <c:v>1.5023922999999999</c:v>
+                </c:pt>
+                <c:pt idx="6">
+                  <c:v>1.4880382999999999</c:v>
+                </c:pt>
+              </c:numCache>
+            </c:numRef>
+          </c:val>
+          <c:extLst>
+            <c:ext xmlns:c16="http://schemas.microsoft.com/office/drawing/2014/chart" uri="{C3380CC4-5D6E-409C-BE32-E72D297353CC}">
+              <c16:uniqueId val="{00000001-B19D-9841-BDD6-096D1B199535}"/>
+            </c:ext>
+          </c:extLst>
+        </c:ser>
+        <c:ser>
+          <c:idx val="2"/>
+          <c:order val="2"/>
+          <c:tx>
+            <c:strRef>
+              <c:f>Sheet2!$H$23</c:f>
+              <c:strCache>
+                <c:ptCount val="1"/>
+                <c:pt idx="0">
+                  <c:v>rank3_click_buy</c:v>
+                </c:pt>
+              </c:strCache>
+            </c:strRef>
+          </c:tx>
+          <c:spPr>
+            <a:solidFill>
+              <a:schemeClr val="accent3"/>
+            </a:solidFill>
+            <a:ln>
+              <a:noFill/>
+            </a:ln>
+            <a:effectLst/>
+          </c:spPr>
+          <c:invertIfNegative val="0"/>
+          <c:cat>
+            <c:strRef>
+              <c:f>(Sheet2!$I$20,Sheet2!$P$20,Sheet2!$W$20,Sheet2!$AD$20,Sheet2!$AL$20,Sheet2!$AT$20,Sheet2!$BB$20)</c:f>
+              <c:strCache>
+                <c:ptCount val="7"/>
+                <c:pt idx="0">
+                  <c:v>mean_insured_Y</c:v>
+                </c:pt>
+                <c:pt idx="1">
+                  <c:v>mean_insured_N</c:v>
+                </c:pt>
+                <c:pt idx="2">
+                  <c:v>mean_insured_Un</c:v>
+                </c:pt>
+                <c:pt idx="3">
+                  <c:v>mean_married</c:v>
+                </c:pt>
+                <c:pt idx="4">
+                  <c:v>mean_single</c:v>
+                </c:pt>
+                <c:pt idx="5">
+                  <c:v>mean_ve~s</c:v>
+                </c:pt>
+                <c:pt idx="6">
+                  <c:v>mean_dr~s</c:v>
+                </c:pt>
+              </c:strCache>
+            </c:strRef>
+          </c:cat>
+          <c:val>
+            <c:numRef>
+              <c:f>(Sheet2!$I$23,Sheet2!$P$23,Sheet2!$W$23,Sheet2!$AD$23,Sheet2!$AL$23,Sheet2!$AT$23,Sheet2!$BB$23)</c:f>
+              <c:numCache>
+                <c:formatCode>General</c:formatCode>
+                <c:ptCount val="7"/>
+                <c:pt idx="0">
+                  <c:v>0.36956522000000003</c:v>
+                </c:pt>
+                <c:pt idx="1">
+                  <c:v>0.24637681</c:v>
+                </c:pt>
+                <c:pt idx="2">
+                  <c:v>0.38405797000000003</c:v>
+                </c:pt>
+                <c:pt idx="3">
+                  <c:v>0.52173913000000005</c:v>
+                </c:pt>
+                <c:pt idx="4">
+                  <c:v>0.47826087</c:v>
+                </c:pt>
+                <c:pt idx="5">
+                  <c:v>1.826087</c:v>
+                </c:pt>
+                <c:pt idx="6">
+                  <c:v>1.4202899</c:v>
+                </c:pt>
+              </c:numCache>
+            </c:numRef>
+          </c:val>
+          <c:extLst>
+            <c:ext xmlns:c16="http://schemas.microsoft.com/office/drawing/2014/chart" uri="{C3380CC4-5D6E-409C-BE32-E72D297353CC}">
+              <c16:uniqueId val="{00000002-B19D-9841-BDD6-096D1B199535}"/>
+            </c:ext>
+          </c:extLst>
+        </c:ser>
+        <c:ser>
+          <c:idx val="3"/>
+          <c:order val="3"/>
+          <c:tx>
+            <c:strRef>
+              <c:f>Sheet2!$H$24</c:f>
+              <c:strCache>
+                <c:ptCount val="1"/>
+                <c:pt idx="0">
+                  <c:v>rank4_click_buy</c:v>
+                </c:pt>
+              </c:strCache>
+            </c:strRef>
+          </c:tx>
+          <c:spPr>
+            <a:solidFill>
+              <a:schemeClr val="accent4"/>
+            </a:solidFill>
+            <a:ln>
+              <a:noFill/>
+            </a:ln>
+            <a:effectLst/>
+          </c:spPr>
+          <c:invertIfNegative val="0"/>
+          <c:cat>
+            <c:strRef>
+              <c:f>(Sheet2!$I$20,Sheet2!$P$20,Sheet2!$W$20,Sheet2!$AD$20,Sheet2!$AL$20,Sheet2!$AT$20,Sheet2!$BB$20)</c:f>
+              <c:strCache>
+                <c:ptCount val="7"/>
+                <c:pt idx="0">
+                  <c:v>mean_insured_Y</c:v>
+                </c:pt>
+                <c:pt idx="1">
+                  <c:v>mean_insured_N</c:v>
+                </c:pt>
+                <c:pt idx="2">
+                  <c:v>mean_insured_Un</c:v>
+                </c:pt>
+                <c:pt idx="3">
+                  <c:v>mean_married</c:v>
+                </c:pt>
+                <c:pt idx="4">
+                  <c:v>mean_single</c:v>
+                </c:pt>
+                <c:pt idx="5">
+                  <c:v>mean_ve~s</c:v>
+                </c:pt>
+                <c:pt idx="6">
+                  <c:v>mean_dr~s</c:v>
+                </c:pt>
+              </c:strCache>
+            </c:strRef>
+          </c:cat>
+          <c:val>
+            <c:numRef>
+              <c:f>(Sheet2!$I$24,Sheet2!$P$24,Sheet2!$W$24,Sheet2!$AD$24,Sheet2!$AL$24,Sheet2!$AT$24,Sheet2!$BB$24)</c:f>
+              <c:numCache>
+                <c:formatCode>General</c:formatCode>
+                <c:ptCount val="7"/>
+                <c:pt idx="0">
+                  <c:v>0.55172414000000003</c:v>
+                </c:pt>
+                <c:pt idx="1">
+                  <c:v>0.34482759000000002</c:v>
+                </c:pt>
+                <c:pt idx="2">
+                  <c:v>0.10344828</c:v>
+                </c:pt>
+                <c:pt idx="3">
+                  <c:v>0.5</c:v>
+                </c:pt>
+                <c:pt idx="4">
+                  <c:v>0.5</c:v>
+                </c:pt>
+                <c:pt idx="5">
+                  <c:v>2.1034483000000002</c:v>
+                </c:pt>
+                <c:pt idx="6">
+                  <c:v>1.5344827999999999</c:v>
+                </c:pt>
+              </c:numCache>
+            </c:numRef>
+          </c:val>
+          <c:extLst>
+            <c:ext xmlns:c16="http://schemas.microsoft.com/office/drawing/2014/chart" uri="{C3380CC4-5D6E-409C-BE32-E72D297353CC}">
+              <c16:uniqueId val="{00000003-B19D-9841-BDD6-096D1B199535}"/>
+            </c:ext>
+          </c:extLst>
+        </c:ser>
+        <c:ser>
+          <c:idx val="4"/>
+          <c:order val="4"/>
+          <c:tx>
+            <c:strRef>
+              <c:f>Sheet2!$H$25</c:f>
+              <c:strCache>
+                <c:ptCount val="1"/>
+                <c:pt idx="0">
+                  <c:v>rank5_click_buy</c:v>
+                </c:pt>
+              </c:strCache>
+            </c:strRef>
+          </c:tx>
+          <c:spPr>
+            <a:solidFill>
+              <a:schemeClr val="accent5"/>
+            </a:solidFill>
+            <a:ln>
+              <a:noFill/>
+            </a:ln>
+            <a:effectLst/>
+          </c:spPr>
+          <c:invertIfNegative val="0"/>
+          <c:cat>
+            <c:strRef>
+              <c:f>(Sheet2!$I$20,Sheet2!$P$20,Sheet2!$W$20,Sheet2!$AD$20,Sheet2!$AL$20,Sheet2!$AT$20,Sheet2!$BB$20)</c:f>
+              <c:strCache>
+                <c:ptCount val="7"/>
+                <c:pt idx="0">
+                  <c:v>mean_insured_Y</c:v>
+                </c:pt>
+                <c:pt idx="1">
+                  <c:v>mean_insured_N</c:v>
+                </c:pt>
+                <c:pt idx="2">
+                  <c:v>mean_insured_Un</c:v>
+                </c:pt>
+                <c:pt idx="3">
+                  <c:v>mean_married</c:v>
+                </c:pt>
+                <c:pt idx="4">
+                  <c:v>mean_single</c:v>
+                </c:pt>
+                <c:pt idx="5">
+                  <c:v>mean_ve~s</c:v>
+                </c:pt>
+                <c:pt idx="6">
+                  <c:v>mean_dr~s</c:v>
+                </c:pt>
+              </c:strCache>
+            </c:strRef>
+          </c:cat>
+          <c:val>
+            <c:numRef>
+              <c:f>(Sheet2!$I$25,Sheet2!$P$25,Sheet2!$W$25,Sheet2!$AD$25,Sheet2!$AL$25,Sheet2!$AT$25,Sheet2!$BB$25)</c:f>
+              <c:numCache>
+                <c:formatCode>General</c:formatCode>
+                <c:ptCount val="7"/>
+                <c:pt idx="0">
+                  <c:v>0.55000000000000004</c:v>
+                </c:pt>
+                <c:pt idx="1">
+                  <c:v>0.45</c:v>
+                </c:pt>
+                <c:pt idx="2">
+                  <c:v>0</c:v>
+                </c:pt>
+                <c:pt idx="3">
+                  <c:v>0.7</c:v>
+                </c:pt>
+                <c:pt idx="4">
+                  <c:v>0.3</c:v>
+                </c:pt>
+                <c:pt idx="5">
+                  <c:v>2.35</c:v>
+                </c:pt>
+                <c:pt idx="6">
+                  <c:v>1.5</c:v>
+                </c:pt>
+              </c:numCache>
+            </c:numRef>
+          </c:val>
+          <c:extLst>
+            <c:ext xmlns:c16="http://schemas.microsoft.com/office/drawing/2014/chart" uri="{C3380CC4-5D6E-409C-BE32-E72D297353CC}">
+              <c16:uniqueId val="{00000004-B19D-9841-BDD6-096D1B199535}"/>
+            </c:ext>
+          </c:extLst>
+        </c:ser>
+        <c:dLbls>
+          <c:showLegendKey val="0"/>
+          <c:showVal val="0"/>
+          <c:showCatName val="0"/>
+          <c:showSerName val="0"/>
+          <c:showPercent val="0"/>
+          <c:showBubbleSize val="0"/>
+        </c:dLbls>
+        <c:gapWidth val="219"/>
+        <c:overlap val="-27"/>
+        <c:axId val="1962425792"/>
+        <c:axId val="2041952304"/>
+      </c:barChart>
+      <c:catAx>
+        <c:axId val="1962425792"/>
+        <c:scaling>
+          <c:orientation val="minMax"/>
+        </c:scaling>
+        <c:delete val="0"/>
+        <c:axPos val="b"/>
+        <c:numFmt formatCode="General" sourceLinked="1"/>
+        <c:majorTickMark val="none"/>
+        <c:minorTickMark val="none"/>
+        <c:tickLblPos val="nextTo"/>
+        <c:spPr>
+          <a:noFill/>
+          <a:ln w="9525" cap="flat" cmpd="sng" algn="ctr">
+            <a:solidFill>
+              <a:schemeClr val="tx1">
+                <a:lumMod val="15000"/>
+                <a:lumOff val="85000"/>
+              </a:schemeClr>
+            </a:solidFill>
+            <a:round/>
+          </a:ln>
+          <a:effectLst/>
+        </c:spPr>
+        <c:txPr>
+          <a:bodyPr rot="-60000000" spcFirstLastPara="1" vertOverflow="ellipsis" vert="horz" wrap="square" anchor="ctr" anchorCtr="1"/>
+          <a:lstStyle/>
+          <a:p>
+            <a:pPr>
+              <a:defRPr sz="900" b="0" i="0" u="none" strike="noStrike" kern="1200" baseline="0">
+                <a:solidFill>
+                  <a:schemeClr val="tx1">
+                    <a:lumMod val="65000"/>
+                    <a:lumOff val="35000"/>
+                  </a:schemeClr>
+                </a:solidFill>
+                <a:latin typeface="+mn-lt"/>
+                <a:ea typeface="+mn-ea"/>
+                <a:cs typeface="+mn-cs"/>
+              </a:defRPr>
+            </a:pPr>
+            <a:endParaRPr lang="en-US"/>
+          </a:p>
+        </c:txPr>
+        <c:crossAx val="2041952304"/>
+        <c:crosses val="autoZero"/>
+        <c:auto val="1"/>
+        <c:lblAlgn val="ctr"/>
+        <c:lblOffset val="100"/>
+        <c:noMultiLvlLbl val="0"/>
+      </c:catAx>
+      <c:valAx>
+        <c:axId val="2041952304"/>
+        <c:scaling>
+          <c:orientation val="minMax"/>
+        </c:scaling>
+        <c:delete val="0"/>
+        <c:axPos val="l"/>
+        <c:numFmt formatCode="General" sourceLinked="1"/>
+        <c:majorTickMark val="none"/>
+        <c:minorTickMark val="none"/>
+        <c:tickLblPos val="nextTo"/>
+        <c:spPr>
+          <a:noFill/>
+          <a:ln>
+            <a:noFill/>
+          </a:ln>
+          <a:effectLst/>
+        </c:spPr>
+        <c:txPr>
+          <a:bodyPr rot="-60000000" spcFirstLastPara="1" vertOverflow="ellipsis" vert="horz" wrap="square" anchor="ctr" anchorCtr="1"/>
+          <a:lstStyle/>
+          <a:p>
+            <a:pPr>
+              <a:defRPr sz="900" b="0" i="0" u="none" strike="noStrike" kern="1200" baseline="0">
+                <a:solidFill>
+                  <a:schemeClr val="tx1">
+                    <a:lumMod val="65000"/>
+                    <a:lumOff val="35000"/>
+                  </a:schemeClr>
+                </a:solidFill>
+                <a:latin typeface="+mn-lt"/>
+                <a:ea typeface="+mn-ea"/>
+                <a:cs typeface="+mn-cs"/>
+              </a:defRPr>
+            </a:pPr>
+            <a:endParaRPr lang="en-US"/>
+          </a:p>
+        </c:txPr>
+        <c:crossAx val="1962425792"/>
+        <c:crosses val="autoZero"/>
+        <c:crossBetween val="between"/>
+      </c:valAx>
+      <c:spPr>
+        <a:noFill/>
+        <a:ln>
+          <a:noFill/>
+        </a:ln>
+        <a:effectLst/>
+      </c:spPr>
+    </c:plotArea>
+    <c:legend>
+      <c:legendPos val="b"/>
+      <c:overlay val="0"/>
+      <c:spPr>
+        <a:noFill/>
+        <a:ln>
+          <a:noFill/>
+        </a:ln>
+        <a:effectLst/>
+      </c:spPr>
+      <c:txPr>
+        <a:bodyPr rot="0" spcFirstLastPara="1" vertOverflow="ellipsis" vert="horz" wrap="square" anchor="ctr" anchorCtr="1"/>
+        <a:lstStyle/>
+        <a:p>
+          <a:pPr>
+            <a:defRPr sz="900" b="0" i="0" u="none" strike="noStrike" kern="1200" baseline="0">
+              <a:solidFill>
+                <a:schemeClr val="tx1">
+                  <a:lumMod val="65000"/>
+                  <a:lumOff val="35000"/>
+                </a:schemeClr>
+              </a:solidFill>
+              <a:latin typeface="+mn-lt"/>
+              <a:ea typeface="+mn-ea"/>
+              <a:cs typeface="+mn-cs"/>
+            </a:defRPr>
+          </a:pPr>
+          <a:endParaRPr lang="en-US"/>
+        </a:p>
+      </c:txPr>
+    </c:legend>
+    <c:plotVisOnly val="1"/>
+    <c:dispBlanksAs val="gap"/>
+    <c:extLst>
+      <c:ext xmlns:c16r3="http://schemas.microsoft.com/office/drawing/2017/03/chart" uri="{56B9EC1D-385E-4148-901F-78D8002777C0}">
+        <c16r3:dataDisplayOptions16>
+          <c16r3:dispNaAsBlank val="1"/>
+        </c16r3:dataDisplayOptions16>
+      </c:ext>
+    </c:extLst>
+    <c:showDLblsOverMax val="0"/>
+  </c:chart>
+  <c:spPr>
+    <a:noFill/>
+    <a:ln>
+      <a:noFill/>
+    </a:ln>
+    <a:effectLst/>
+  </c:spPr>
+  <c:txPr>
+    <a:bodyPr/>
+    <a:lstStyle/>
+    <a:p>
+      <a:pPr>
+        <a:defRPr/>
+      </a:pPr>
+      <a:endParaRPr lang="en-US"/>
+    </a:p>
+  </c:txPr>
+  <c:externalData r:id="rId3">
+    <c:autoUpdate val="0"/>
+  </c:externalData>
+</c:chartSpace>
+</file>
+
+<file path=ppt/charts/chart12.xml><?xml version="1.0" encoding="utf-8"?>
 <c:chartSpace xmlns:c="http://schemas.openxmlformats.org/drawingml/2006/chart" xmlns:a="http://schemas.openxmlformats.org/drawingml/2006/main" xmlns:r="http://schemas.openxmlformats.org/officeDocument/2006/relationships" xmlns:c16r2="http://schemas.microsoft.com/office/drawing/2015/06/chart">
   <c:date1904 val="0"/>
   <c:lang val="en-US"/>
@@ -1214,6 +2802,660 @@
             </a:pPr>
             <a:r>
               <a:rPr lang="en-US"/>
+              <a:t>Rank</a:t>
+            </a:r>
+            <a:r>
+              <a:rPr lang="en-US" baseline="0"/>
+              <a:t> 1-5 </a:t>
+            </a:r>
+            <a:r>
+              <a:rPr lang="en-US"/>
+              <a:t>freq</a:t>
+            </a:r>
+          </a:p>
+        </c:rich>
+      </c:tx>
+      <c:overlay val="0"/>
+      <c:spPr>
+        <a:noFill/>
+        <a:ln>
+          <a:noFill/>
+        </a:ln>
+        <a:effectLst/>
+      </c:spPr>
+      <c:txPr>
+        <a:bodyPr rot="0" spcFirstLastPara="1" vertOverflow="ellipsis" vert="horz" wrap="square" anchor="ctr" anchorCtr="1"/>
+        <a:lstStyle/>
+        <a:p>
+          <a:pPr>
+            <a:defRPr sz="1400" b="0" i="0" u="none" strike="noStrike" kern="1200" spc="0" baseline="0">
+              <a:solidFill>
+                <a:schemeClr val="tx1">
+                  <a:lumMod val="65000"/>
+                  <a:lumOff val="35000"/>
+                </a:schemeClr>
+              </a:solidFill>
+              <a:latin typeface="+mn-lt"/>
+              <a:ea typeface="+mn-ea"/>
+              <a:cs typeface="+mn-cs"/>
+            </a:defRPr>
+          </a:pPr>
+          <a:endParaRPr lang="en-US"/>
+        </a:p>
+      </c:txPr>
+    </c:title>
+    <c:autoTitleDeleted val="0"/>
+    <c:plotArea>
+      <c:layout/>
+      <c:barChart>
+        <c:barDir val="col"/>
+        <c:grouping val="clustered"/>
+        <c:varyColors val="0"/>
+        <c:ser>
+          <c:idx val="1"/>
+          <c:order val="0"/>
+          <c:tx>
+            <c:strRef>
+              <c:f>Sheet7!$B$2</c:f>
+              <c:strCache>
+                <c:ptCount val="1"/>
+                <c:pt idx="0">
+                  <c:v>freq</c:v>
+                </c:pt>
+              </c:strCache>
+            </c:strRef>
+          </c:tx>
+          <c:spPr>
+            <a:solidFill>
+              <a:schemeClr val="accent2"/>
+            </a:solidFill>
+            <a:ln w="19050">
+              <a:solidFill>
+                <a:schemeClr val="lt1"/>
+              </a:solidFill>
+            </a:ln>
+            <a:effectLst/>
+          </c:spPr>
+          <c:invertIfNegative val="0"/>
+          <c:dLbls>
+            <c:spPr>
+              <a:noFill/>
+              <a:ln>
+                <a:noFill/>
+              </a:ln>
+              <a:effectLst/>
+            </c:spPr>
+            <c:txPr>
+              <a:bodyPr rot="0" spcFirstLastPara="1" vertOverflow="ellipsis" vert="horz" wrap="square" lIns="38100" tIns="19050" rIns="38100" bIns="19050" anchor="ctr" anchorCtr="1">
+                <a:spAutoFit/>
+              </a:bodyPr>
+              <a:lstStyle/>
+              <a:p>
+                <a:pPr>
+                  <a:defRPr sz="900" b="0" i="0" u="none" strike="noStrike" kern="1200" baseline="0">
+                    <a:solidFill>
+                      <a:schemeClr val="tx1">
+                        <a:lumMod val="75000"/>
+                        <a:lumOff val="25000"/>
+                      </a:schemeClr>
+                    </a:solidFill>
+                    <a:latin typeface="+mn-lt"/>
+                    <a:ea typeface="+mn-ea"/>
+                    <a:cs typeface="+mn-cs"/>
+                  </a:defRPr>
+                </a:pPr>
+                <a:endParaRPr lang="en-US"/>
+              </a:p>
+            </c:txPr>
+            <c:showLegendKey val="0"/>
+            <c:showVal val="1"/>
+            <c:showCatName val="0"/>
+            <c:showSerName val="0"/>
+            <c:showPercent val="0"/>
+            <c:showBubbleSize val="0"/>
+            <c:showLeaderLines val="0"/>
+            <c:extLst>
+              <c:ext xmlns:c15="http://schemas.microsoft.com/office/drawing/2012/chart" uri="{CE6537A1-D6FC-4f65-9D91-7224C49458BB}">
+                <c15:showLeaderLines val="1"/>
+                <c15:leaderLines>
+                  <c:spPr>
+                    <a:ln w="9525" cap="flat" cmpd="sng" algn="ctr">
+                      <a:solidFill>
+                        <a:schemeClr val="tx1">
+                          <a:lumMod val="35000"/>
+                          <a:lumOff val="65000"/>
+                        </a:schemeClr>
+                      </a:solidFill>
+                      <a:round/>
+                    </a:ln>
+                    <a:effectLst/>
+                  </c:spPr>
+                </c15:leaderLines>
+              </c:ext>
+            </c:extLst>
+          </c:dLbls>
+          <c:val>
+            <c:numRef>
+              <c:f>Sheet7!$B$3:$B$7</c:f>
+              <c:numCache>
+                <c:formatCode>#,##0</c:formatCode>
+                <c:ptCount val="5"/>
+                <c:pt idx="0">
+                  <c:v>1611</c:v>
+                </c:pt>
+                <c:pt idx="1">
+                  <c:v>1608</c:v>
+                </c:pt>
+                <c:pt idx="2">
+                  <c:v>2401</c:v>
+                </c:pt>
+                <c:pt idx="3">
+                  <c:v>2089</c:v>
+                </c:pt>
+                <c:pt idx="4">
+                  <c:v>2291</c:v>
+                </c:pt>
+              </c:numCache>
+            </c:numRef>
+          </c:val>
+          <c:extLst>
+            <c:ext xmlns:c16="http://schemas.microsoft.com/office/drawing/2014/chart" uri="{C3380CC4-5D6E-409C-BE32-E72D297353CC}">
+              <c16:uniqueId val="{00000000-B693-2C42-92B6-FE15361C0BC9}"/>
+            </c:ext>
+          </c:extLst>
+        </c:ser>
+        <c:dLbls>
+          <c:showLegendKey val="0"/>
+          <c:showVal val="0"/>
+          <c:showCatName val="0"/>
+          <c:showSerName val="0"/>
+          <c:showPercent val="0"/>
+          <c:showBubbleSize val="0"/>
+        </c:dLbls>
+        <c:gapWidth val="150"/>
+        <c:axId val="2022794064"/>
+        <c:axId val="2022795712"/>
+      </c:barChart>
+      <c:catAx>
+        <c:axId val="2022794064"/>
+        <c:scaling>
+          <c:orientation val="minMax"/>
+        </c:scaling>
+        <c:delete val="0"/>
+        <c:axPos val="b"/>
+        <c:majorTickMark val="out"/>
+        <c:minorTickMark val="none"/>
+        <c:tickLblPos val="nextTo"/>
+        <c:spPr>
+          <a:noFill/>
+          <a:ln w="9525" cap="flat" cmpd="sng" algn="ctr">
+            <a:solidFill>
+              <a:schemeClr val="tx1">
+                <a:lumMod val="15000"/>
+                <a:lumOff val="85000"/>
+              </a:schemeClr>
+            </a:solidFill>
+            <a:round/>
+          </a:ln>
+          <a:effectLst/>
+        </c:spPr>
+        <c:txPr>
+          <a:bodyPr rot="-60000000" spcFirstLastPara="1" vertOverflow="ellipsis" vert="horz" wrap="square" anchor="ctr" anchorCtr="1"/>
+          <a:lstStyle/>
+          <a:p>
+            <a:pPr>
+              <a:defRPr sz="900" b="0" i="0" u="none" strike="noStrike" kern="1200" baseline="0">
+                <a:solidFill>
+                  <a:schemeClr val="tx1">
+                    <a:lumMod val="65000"/>
+                    <a:lumOff val="35000"/>
+                  </a:schemeClr>
+                </a:solidFill>
+                <a:latin typeface="+mn-lt"/>
+                <a:ea typeface="+mn-ea"/>
+                <a:cs typeface="+mn-cs"/>
+              </a:defRPr>
+            </a:pPr>
+            <a:endParaRPr lang="en-US"/>
+          </a:p>
+        </c:txPr>
+        <c:crossAx val="2022795712"/>
+        <c:crosses val="autoZero"/>
+        <c:auto val="1"/>
+        <c:lblAlgn val="ctr"/>
+        <c:lblOffset val="100"/>
+        <c:noMultiLvlLbl val="0"/>
+      </c:catAx>
+      <c:valAx>
+        <c:axId val="2022795712"/>
+        <c:scaling>
+          <c:orientation val="minMax"/>
+        </c:scaling>
+        <c:delete val="0"/>
+        <c:axPos val="l"/>
+        <c:majorGridlines>
+          <c:spPr>
+            <a:ln w="9525" cap="flat" cmpd="sng" algn="ctr">
+              <a:solidFill>
+                <a:schemeClr val="tx1">
+                  <a:lumMod val="15000"/>
+                  <a:lumOff val="85000"/>
+                </a:schemeClr>
+              </a:solidFill>
+              <a:round/>
+            </a:ln>
+            <a:effectLst/>
+          </c:spPr>
+        </c:majorGridlines>
+        <c:numFmt formatCode="#,##0" sourceLinked="1"/>
+        <c:majorTickMark val="out"/>
+        <c:minorTickMark val="none"/>
+        <c:tickLblPos val="nextTo"/>
+        <c:spPr>
+          <a:noFill/>
+          <a:ln>
+            <a:noFill/>
+          </a:ln>
+          <a:effectLst/>
+        </c:spPr>
+        <c:txPr>
+          <a:bodyPr rot="-60000000" spcFirstLastPara="1" vertOverflow="ellipsis" vert="horz" wrap="square" anchor="ctr" anchorCtr="1"/>
+          <a:lstStyle/>
+          <a:p>
+            <a:pPr>
+              <a:defRPr sz="900" b="0" i="0" u="none" strike="noStrike" kern="1200" baseline="0">
+                <a:solidFill>
+                  <a:schemeClr val="tx1">
+                    <a:lumMod val="65000"/>
+                    <a:lumOff val="35000"/>
+                  </a:schemeClr>
+                </a:solidFill>
+                <a:latin typeface="+mn-lt"/>
+                <a:ea typeface="+mn-ea"/>
+                <a:cs typeface="+mn-cs"/>
+              </a:defRPr>
+            </a:pPr>
+            <a:endParaRPr lang="en-US"/>
+          </a:p>
+        </c:txPr>
+        <c:crossAx val="2022794064"/>
+        <c:crosses val="autoZero"/>
+        <c:crossBetween val="between"/>
+      </c:valAx>
+      <c:spPr>
+        <a:noFill/>
+        <a:ln>
+          <a:noFill/>
+        </a:ln>
+        <a:effectLst/>
+      </c:spPr>
+    </c:plotArea>
+    <c:legend>
+      <c:legendPos val="b"/>
+      <c:overlay val="0"/>
+      <c:spPr>
+        <a:noFill/>
+        <a:ln>
+          <a:noFill/>
+        </a:ln>
+        <a:effectLst/>
+      </c:spPr>
+      <c:txPr>
+        <a:bodyPr rot="0" spcFirstLastPara="1" vertOverflow="ellipsis" vert="horz" wrap="square" anchor="ctr" anchorCtr="1"/>
+        <a:lstStyle/>
+        <a:p>
+          <a:pPr rtl="0">
+            <a:defRPr sz="900" b="0" i="0" u="none" strike="noStrike" kern="1200" baseline="0">
+              <a:solidFill>
+                <a:schemeClr val="tx1">
+                  <a:lumMod val="65000"/>
+                  <a:lumOff val="35000"/>
+                </a:schemeClr>
+              </a:solidFill>
+              <a:latin typeface="+mn-lt"/>
+              <a:ea typeface="+mn-ea"/>
+              <a:cs typeface="+mn-cs"/>
+            </a:defRPr>
+          </a:pPr>
+          <a:endParaRPr lang="en-US"/>
+        </a:p>
+      </c:txPr>
+    </c:legend>
+    <c:plotVisOnly val="1"/>
+    <c:dispBlanksAs val="gap"/>
+    <c:extLst>
+      <c:ext xmlns:c16r3="http://schemas.microsoft.com/office/drawing/2017/03/chart" uri="{56B9EC1D-385E-4148-901F-78D8002777C0}">
+        <c16r3:dataDisplayOptions16>
+          <c16r3:dispNaAsBlank val="1"/>
+        </c16r3:dataDisplayOptions16>
+      </c:ext>
+    </c:extLst>
+    <c:showDLblsOverMax val="0"/>
+  </c:chart>
+  <c:spPr>
+    <a:noFill/>
+    <a:ln>
+      <a:noFill/>
+    </a:ln>
+    <a:effectLst/>
+  </c:spPr>
+  <c:txPr>
+    <a:bodyPr/>
+    <a:lstStyle/>
+    <a:p>
+      <a:pPr>
+        <a:defRPr/>
+      </a:pPr>
+      <a:endParaRPr lang="en-US"/>
+    </a:p>
+  </c:txPr>
+  <c:externalData r:id="rId3">
+    <c:autoUpdate val="0"/>
+  </c:externalData>
+</c:chartSpace>
+</file>
+
+<file path=ppt/charts/chart3.xml><?xml version="1.0" encoding="utf-8"?>
+<c:chartSpace xmlns:c="http://schemas.openxmlformats.org/drawingml/2006/chart" xmlns:a="http://schemas.openxmlformats.org/drawingml/2006/main" xmlns:r="http://schemas.openxmlformats.org/officeDocument/2006/relationships" xmlns:c16r2="http://schemas.microsoft.com/office/drawing/2015/06/chart">
+  <c:date1904 val="0"/>
+  <c:lang val="en-US"/>
+  <c:roundedCorners val="0"/>
+  <mc:AlternateContent xmlns:mc="http://schemas.openxmlformats.org/markup-compatibility/2006">
+    <mc:Choice xmlns:c14="http://schemas.microsoft.com/office/drawing/2007/8/2/chart" Requires="c14">
+      <c14:style val="102"/>
+    </mc:Choice>
+    <mc:Fallback>
+      <c:style val="2"/>
+    </mc:Fallback>
+  </mc:AlternateContent>
+  <c:chart>
+    <c:autoTitleDeleted val="1"/>
+    <c:plotArea>
+      <c:layout/>
+      <c:pieChart>
+        <c:varyColors val="1"/>
+        <c:ser>
+          <c:idx val="0"/>
+          <c:order val="0"/>
+          <c:tx>
+            <c:strRef>
+              <c:f>Sheet5!$A$11</c:f>
+              <c:strCache>
+                <c:ptCount val="1"/>
+                <c:pt idx="0">
+                  <c:v>Total</c:v>
+                </c:pt>
+              </c:strCache>
+            </c:strRef>
+          </c:tx>
+          <c:dPt>
+            <c:idx val="0"/>
+            <c:bubble3D val="0"/>
+            <c:spPr>
+              <a:solidFill>
+                <a:schemeClr val="accent1"/>
+              </a:solidFill>
+              <a:ln w="19050">
+                <a:solidFill>
+                  <a:schemeClr val="lt1"/>
+                </a:solidFill>
+              </a:ln>
+              <a:effectLst/>
+            </c:spPr>
+            <c:extLst>
+              <c:ext xmlns:c16="http://schemas.microsoft.com/office/drawing/2014/chart" uri="{C3380CC4-5D6E-409C-BE32-E72D297353CC}">
+                <c16:uniqueId val="{00000001-D239-554D-8278-ABD799171359}"/>
+              </c:ext>
+            </c:extLst>
+          </c:dPt>
+          <c:dPt>
+            <c:idx val="1"/>
+            <c:bubble3D val="0"/>
+            <c:spPr>
+              <a:solidFill>
+                <a:schemeClr val="accent2"/>
+              </a:solidFill>
+              <a:ln w="19050">
+                <a:solidFill>
+                  <a:schemeClr val="lt1"/>
+                </a:solidFill>
+              </a:ln>
+              <a:effectLst/>
+            </c:spPr>
+            <c:extLst>
+              <c:ext xmlns:c16="http://schemas.microsoft.com/office/drawing/2014/chart" uri="{C3380CC4-5D6E-409C-BE32-E72D297353CC}">
+                <c16:uniqueId val="{00000003-D239-554D-8278-ABD799171359}"/>
+              </c:ext>
+            </c:extLst>
+          </c:dPt>
+          <c:dPt>
+            <c:idx val="2"/>
+            <c:bubble3D val="0"/>
+            <c:spPr>
+              <a:solidFill>
+                <a:schemeClr val="accent3"/>
+              </a:solidFill>
+              <a:ln w="19050">
+                <a:solidFill>
+                  <a:schemeClr val="lt1"/>
+                </a:solidFill>
+              </a:ln>
+              <a:effectLst/>
+            </c:spPr>
+            <c:extLst>
+              <c:ext xmlns:c16="http://schemas.microsoft.com/office/drawing/2014/chart" uri="{C3380CC4-5D6E-409C-BE32-E72D297353CC}">
+                <c16:uniqueId val="{00000005-D239-554D-8278-ABD799171359}"/>
+              </c:ext>
+            </c:extLst>
+          </c:dPt>
+          <c:dLbls>
+            <c:spPr>
+              <a:noFill/>
+              <a:ln>
+                <a:noFill/>
+              </a:ln>
+              <a:effectLst/>
+            </c:spPr>
+            <c:txPr>
+              <a:bodyPr rot="0" spcFirstLastPara="1" vertOverflow="ellipsis" vert="horz" wrap="square" lIns="38100" tIns="19050" rIns="38100" bIns="19050" anchor="ctr" anchorCtr="1">
+                <a:spAutoFit/>
+              </a:bodyPr>
+              <a:lstStyle/>
+              <a:p>
+                <a:pPr>
+                  <a:defRPr sz="900" b="0" i="0" u="none" strike="noStrike" kern="1200" baseline="0">
+                    <a:solidFill>
+                      <a:schemeClr val="tx1">
+                        <a:lumMod val="75000"/>
+                        <a:lumOff val="25000"/>
+                      </a:schemeClr>
+                    </a:solidFill>
+                    <a:latin typeface="+mn-lt"/>
+                    <a:ea typeface="+mn-ea"/>
+                    <a:cs typeface="+mn-cs"/>
+                  </a:defRPr>
+                </a:pPr>
+                <a:endParaRPr lang="en-US"/>
+              </a:p>
+            </c:txPr>
+            <c:showLegendKey val="0"/>
+            <c:showVal val="1"/>
+            <c:showCatName val="0"/>
+            <c:showSerName val="0"/>
+            <c:showPercent val="0"/>
+            <c:showBubbleSize val="0"/>
+            <c:showLeaderLines val="1"/>
+            <c:leaderLines>
+              <c:spPr>
+                <a:ln w="9525" cap="flat" cmpd="sng" algn="ctr">
+                  <a:solidFill>
+                    <a:schemeClr val="tx1">
+                      <a:lumMod val="35000"/>
+                      <a:lumOff val="65000"/>
+                    </a:schemeClr>
+                  </a:solidFill>
+                  <a:round/>
+                </a:ln>
+                <a:effectLst/>
+              </c:spPr>
+            </c:leaderLines>
+            <c:extLst>
+              <c:ext xmlns:c15="http://schemas.microsoft.com/office/drawing/2012/chart" uri="{CE6537A1-D6FC-4f65-9D91-7224C49458BB}"/>
+            </c:extLst>
+          </c:dLbls>
+          <c:cat>
+            <c:strRef>
+              <c:f>Sheet5!$B$10:$D$10</c:f>
+              <c:strCache>
+                <c:ptCount val="3"/>
+                <c:pt idx="0">
+                  <c:v>click_nobuy</c:v>
+                </c:pt>
+                <c:pt idx="1">
+                  <c:v>click_buy</c:v>
+                </c:pt>
+                <c:pt idx="2">
+                  <c:v>noclick_nobuy</c:v>
+                </c:pt>
+              </c:strCache>
+            </c:strRef>
+          </c:cat>
+          <c:val>
+            <c:numRef>
+              <c:f>Sheet5!$B$11:$D$11</c:f>
+              <c:numCache>
+                <c:formatCode>General</c:formatCode>
+                <c:ptCount val="3"/>
+                <c:pt idx="0" formatCode="#,##0">
+                  <c:v>1095</c:v>
+                </c:pt>
+                <c:pt idx="1">
+                  <c:v>783</c:v>
+                </c:pt>
+                <c:pt idx="2" formatCode="#,##0">
+                  <c:v>8122</c:v>
+                </c:pt>
+              </c:numCache>
+            </c:numRef>
+          </c:val>
+          <c:extLst>
+            <c:ext xmlns:c16="http://schemas.microsoft.com/office/drawing/2014/chart" uri="{C3380CC4-5D6E-409C-BE32-E72D297353CC}">
+              <c16:uniqueId val="{00000006-D239-554D-8278-ABD799171359}"/>
+            </c:ext>
+          </c:extLst>
+        </c:ser>
+        <c:dLbls>
+          <c:showLegendKey val="0"/>
+          <c:showVal val="0"/>
+          <c:showCatName val="0"/>
+          <c:showSerName val="0"/>
+          <c:showPercent val="0"/>
+          <c:showBubbleSize val="0"/>
+          <c:showLeaderLines val="1"/>
+        </c:dLbls>
+        <c:firstSliceAng val="0"/>
+      </c:pieChart>
+      <c:spPr>
+        <a:noFill/>
+        <a:ln>
+          <a:noFill/>
+        </a:ln>
+        <a:effectLst/>
+      </c:spPr>
+    </c:plotArea>
+    <c:legend>
+      <c:legendPos val="b"/>
+      <c:overlay val="0"/>
+      <c:spPr>
+        <a:noFill/>
+        <a:ln>
+          <a:noFill/>
+        </a:ln>
+        <a:effectLst/>
+      </c:spPr>
+      <c:txPr>
+        <a:bodyPr rot="0" spcFirstLastPara="1" vertOverflow="ellipsis" vert="horz" wrap="square" anchor="ctr" anchorCtr="1"/>
+        <a:lstStyle/>
+        <a:p>
+          <a:pPr>
+            <a:defRPr sz="900" b="0" i="0" u="none" strike="noStrike" kern="1200" baseline="0">
+              <a:solidFill>
+                <a:schemeClr val="tx1">
+                  <a:lumMod val="65000"/>
+                  <a:lumOff val="35000"/>
+                </a:schemeClr>
+              </a:solidFill>
+              <a:latin typeface="+mn-lt"/>
+              <a:ea typeface="+mn-ea"/>
+              <a:cs typeface="+mn-cs"/>
+            </a:defRPr>
+          </a:pPr>
+          <a:endParaRPr lang="en-US"/>
+        </a:p>
+      </c:txPr>
+    </c:legend>
+    <c:plotVisOnly val="1"/>
+    <c:dispBlanksAs val="gap"/>
+    <c:showDLblsOverMax val="0"/>
+  </c:chart>
+  <c:spPr>
+    <a:noFill/>
+    <a:ln>
+      <a:noFill/>
+    </a:ln>
+    <a:effectLst/>
+  </c:spPr>
+  <c:txPr>
+    <a:bodyPr/>
+    <a:lstStyle/>
+    <a:p>
+      <a:pPr>
+        <a:defRPr/>
+      </a:pPr>
+      <a:endParaRPr lang="en-US"/>
+    </a:p>
+  </c:txPr>
+  <c:externalData r:id="rId3">
+    <c:autoUpdate val="0"/>
+  </c:externalData>
+</c:chartSpace>
+</file>
+
+<file path=ppt/charts/chart4.xml><?xml version="1.0" encoding="utf-8"?>
+<c:chartSpace xmlns:c="http://schemas.openxmlformats.org/drawingml/2006/chart" xmlns:a="http://schemas.openxmlformats.org/drawingml/2006/main" xmlns:r="http://schemas.openxmlformats.org/officeDocument/2006/relationships" xmlns:c16r2="http://schemas.microsoft.com/office/drawing/2015/06/chart">
+  <c:date1904 val="0"/>
+  <c:lang val="en-US"/>
+  <c:roundedCorners val="0"/>
+  <mc:AlternateContent xmlns:mc="http://schemas.openxmlformats.org/markup-compatibility/2006">
+    <mc:Choice xmlns:c14="http://schemas.microsoft.com/office/drawing/2007/8/2/chart" Requires="c14">
+      <c14:style val="102"/>
+    </mc:Choice>
+    <mc:Fallback>
+      <c:style val="2"/>
+    </mc:Fallback>
+  </mc:AlternateContent>
+  <c:chart>
+    <c:title>
+      <c:tx>
+        <c:rich>
+          <a:bodyPr rot="0" spcFirstLastPara="1" vertOverflow="ellipsis" vert="horz" wrap="square" anchor="ctr" anchorCtr="1"/>
+          <a:lstStyle/>
+          <a:p>
+            <a:pPr>
+              <a:defRPr sz="1400" b="0" i="0" u="none" strike="noStrike" kern="1200" spc="0" baseline="0">
+                <a:solidFill>
+                  <a:schemeClr val="tx1">
+                    <a:lumMod val="65000"/>
+                    <a:lumOff val="35000"/>
+                  </a:schemeClr>
+                </a:solidFill>
+                <a:latin typeface="+mn-lt"/>
+                <a:ea typeface="+mn-ea"/>
+                <a:cs typeface="+mn-cs"/>
+              </a:defRPr>
+            </a:pPr>
+            <a:r>
+              <a:rPr lang="en-US"/>
               <a:t># of Observations in</a:t>
             </a:r>
             <a:r>
@@ -1668,7 +3910,7 @@
 </c:chartSpace>
 </file>
 
-<file path=ppt/charts/chart3.xml><?xml version="1.0" encoding="utf-8"?>
+<file path=ppt/charts/chart5.xml><?xml version="1.0" encoding="utf-8"?>
 <c:chartSpace xmlns:c="http://schemas.openxmlformats.org/drawingml/2006/chart" xmlns:a="http://schemas.openxmlformats.org/drawingml/2006/main" xmlns:r="http://schemas.openxmlformats.org/officeDocument/2006/relationships" xmlns:c16r2="http://schemas.microsoft.com/office/drawing/2015/06/chart">
   <c:date1904 val="0"/>
   <c:lang val="en-US"/>
@@ -1993,7 +4235,7 @@
 </c:chartSpace>
 </file>
 
-<file path=ppt/charts/chart4.xml><?xml version="1.0" encoding="utf-8"?>
+<file path=ppt/charts/chart6.xml><?xml version="1.0" encoding="utf-8"?>
 <c:chartSpace xmlns:c="http://schemas.openxmlformats.org/drawingml/2006/chart" xmlns:a="http://schemas.openxmlformats.org/drawingml/2006/main" xmlns:r="http://schemas.openxmlformats.org/officeDocument/2006/relationships" xmlns:c16r2="http://schemas.microsoft.com/office/drawing/2015/06/chart">
   <c:date1904 val="0"/>
   <c:lang val="en-US"/>
@@ -2318,7 +4560,7 @@
 </c:chartSpace>
 </file>
 
-<file path=ppt/charts/chart5.xml><?xml version="1.0" encoding="utf-8"?>
+<file path=ppt/charts/chart7.xml><?xml version="1.0" encoding="utf-8"?>
 <c:chartSpace xmlns:c="http://schemas.openxmlformats.org/drawingml/2006/chart" xmlns:a="http://schemas.openxmlformats.org/drawingml/2006/main" xmlns:r="http://schemas.openxmlformats.org/officeDocument/2006/relationships" xmlns:c16r2="http://schemas.microsoft.com/office/drawing/2015/06/chart">
   <c:date1904 val="0"/>
   <c:lang val="en-US"/>
@@ -2643,7 +4885,7 @@
 </c:chartSpace>
 </file>
 
-<file path=ppt/charts/chart6.xml><?xml version="1.0" encoding="utf-8"?>
+<file path=ppt/charts/chart8.xml><?xml version="1.0" encoding="utf-8"?>
 <c:chartSpace xmlns:c="http://schemas.openxmlformats.org/drawingml/2006/chart" xmlns:a="http://schemas.openxmlformats.org/drawingml/2006/main" xmlns:r="http://schemas.openxmlformats.org/officeDocument/2006/relationships" xmlns:c16r2="http://schemas.microsoft.com/office/drawing/2015/06/chart">
   <c:date1904 val="0"/>
   <c:lang val="en-US"/>
@@ -3303,7 +5545,7 @@
 </c:chartSpace>
 </file>
 
-<file path=ppt/charts/chart7.xml><?xml version="1.0" encoding="utf-8"?>
+<file path=ppt/charts/chart9.xml><?xml version="1.0" encoding="utf-8"?>
 <c:chartSpace xmlns:c="http://schemas.openxmlformats.org/drawingml/2006/chart" xmlns:a="http://schemas.openxmlformats.org/drawingml/2006/main" xmlns:r="http://schemas.openxmlformats.org/officeDocument/2006/relationships" xmlns:c16r2="http://schemas.microsoft.com/office/drawing/2015/06/chart">
   <c:date1904 val="0"/>
   <c:lang val="en-US"/>
@@ -3995,1408 +6237,6 @@
 </c:chartSpace>
 </file>
 
-<file path=ppt/charts/chart8.xml><?xml version="1.0" encoding="utf-8"?>
-<c:chartSpace xmlns:c="http://schemas.openxmlformats.org/drawingml/2006/chart" xmlns:a="http://schemas.openxmlformats.org/drawingml/2006/main" xmlns:r="http://schemas.openxmlformats.org/officeDocument/2006/relationships" xmlns:c16r2="http://schemas.microsoft.com/office/drawing/2015/06/chart">
-  <c:date1904 val="0"/>
-  <c:lang val="en-US"/>
-  <c:roundedCorners val="0"/>
-  <mc:AlternateContent xmlns:mc="http://schemas.openxmlformats.org/markup-compatibility/2006">
-    <mc:Choice xmlns:c14="http://schemas.microsoft.com/office/drawing/2007/8/2/chart" Requires="c14">
-      <c14:style val="102"/>
-    </mc:Choice>
-    <mc:Fallback>
-      <c:style val="2"/>
-    </mc:Fallback>
-  </mc:AlternateContent>
-  <c:chart>
-    <c:title>
-      <c:tx>
-        <c:rich>
-          <a:bodyPr rot="0" spcFirstLastPara="1" vertOverflow="ellipsis" vert="horz" wrap="square" anchor="ctr" anchorCtr="1"/>
-          <a:lstStyle/>
-          <a:p>
-            <a:pPr>
-              <a:defRPr sz="1400" b="0" i="0" u="none" strike="noStrike" kern="1200" spc="0" baseline="0">
-                <a:solidFill>
-                  <a:schemeClr val="tx1">
-                    <a:lumMod val="65000"/>
-                    <a:lumOff val="35000"/>
-                  </a:schemeClr>
-                </a:solidFill>
-                <a:latin typeface="+mn-lt"/>
-                <a:ea typeface="+mn-ea"/>
-                <a:cs typeface="+mn-cs"/>
-              </a:defRPr>
-            </a:pPr>
-            <a:r>
-              <a:rPr lang="en-US" dirty="0" err="1"/>
-              <a:t>Click_nobuy</a:t>
-            </a:r>
-            <a:endParaRPr lang="en-US" dirty="0"/>
-          </a:p>
-        </c:rich>
-      </c:tx>
-      <c:overlay val="0"/>
-      <c:spPr>
-        <a:noFill/>
-        <a:ln>
-          <a:noFill/>
-        </a:ln>
-        <a:effectLst/>
-      </c:spPr>
-      <c:txPr>
-        <a:bodyPr rot="0" spcFirstLastPara="1" vertOverflow="ellipsis" vert="horz" wrap="square" anchor="ctr" anchorCtr="1"/>
-        <a:lstStyle/>
-        <a:p>
-          <a:pPr>
-            <a:defRPr sz="1400" b="0" i="0" u="none" strike="noStrike" kern="1200" spc="0" baseline="0">
-              <a:solidFill>
-                <a:schemeClr val="tx1">
-                  <a:lumMod val="65000"/>
-                  <a:lumOff val="35000"/>
-                </a:schemeClr>
-              </a:solidFill>
-              <a:latin typeface="+mn-lt"/>
-              <a:ea typeface="+mn-ea"/>
-              <a:cs typeface="+mn-cs"/>
-            </a:defRPr>
-          </a:pPr>
-          <a:endParaRPr lang="en-US"/>
-        </a:p>
-      </c:txPr>
-    </c:title>
-    <c:autoTitleDeleted val="0"/>
-    <c:plotArea>
-      <c:layout/>
-      <c:barChart>
-        <c:barDir val="col"/>
-        <c:grouping val="clustered"/>
-        <c:varyColors val="0"/>
-        <c:ser>
-          <c:idx val="0"/>
-          <c:order val="0"/>
-          <c:tx>
-            <c:strRef>
-              <c:f>Sheet2!$H$2</c:f>
-              <c:strCache>
-                <c:ptCount val="1"/>
-                <c:pt idx="0">
-                  <c:v>rank1_click_nobuy</c:v>
-                </c:pt>
-              </c:strCache>
-            </c:strRef>
-          </c:tx>
-          <c:spPr>
-            <a:solidFill>
-              <a:schemeClr val="accent1"/>
-            </a:solidFill>
-            <a:ln>
-              <a:noFill/>
-            </a:ln>
-            <a:effectLst/>
-          </c:spPr>
-          <c:invertIfNegative val="0"/>
-          <c:cat>
-            <c:strRef>
-              <c:f>(Sheet2!$I$1,Sheet2!$P$1,Sheet2!$W$1,Sheet2!$AD$1,Sheet2!$AL$1,Sheet2!$AT$1,Sheet2!$BB$1)</c:f>
-              <c:strCache>
-                <c:ptCount val="7"/>
-                <c:pt idx="0">
-                  <c:v>mean_insured_Y</c:v>
-                </c:pt>
-                <c:pt idx="1">
-                  <c:v>mean_insured_N</c:v>
-                </c:pt>
-                <c:pt idx="2">
-                  <c:v>mean_insured_Un</c:v>
-                </c:pt>
-                <c:pt idx="3">
-                  <c:v>mean_married</c:v>
-                </c:pt>
-                <c:pt idx="4">
-                  <c:v>mean_single</c:v>
-                </c:pt>
-                <c:pt idx="5">
-                  <c:v>mean_ve~s</c:v>
-                </c:pt>
-                <c:pt idx="6">
-                  <c:v>mean_dr~s</c:v>
-                </c:pt>
-              </c:strCache>
-            </c:strRef>
-          </c:cat>
-          <c:val>
-            <c:numRef>
-              <c:f>(Sheet2!$I$2,Sheet2!$P$2,Sheet2!$W$2,Sheet2!$AD$2,Sheet2!$AL$2,Sheet2!$AT$2,Sheet2!$BB$2)</c:f>
-              <c:numCache>
-                <c:formatCode>General</c:formatCode>
-                <c:ptCount val="7"/>
-                <c:pt idx="0">
-                  <c:v>8.367347E-2</c:v>
-                </c:pt>
-                <c:pt idx="1">
-                  <c:v>0.11632653</c:v>
-                </c:pt>
-                <c:pt idx="2">
-                  <c:v>0.8</c:v>
-                </c:pt>
-                <c:pt idx="3">
-                  <c:v>0.45102040999999998</c:v>
-                </c:pt>
-                <c:pt idx="4">
-                  <c:v>0.54897958999999996</c:v>
-                </c:pt>
-                <c:pt idx="5">
-                  <c:v>1.5693878000000001</c:v>
-                </c:pt>
-                <c:pt idx="6">
-                  <c:v>1.5632653000000001</c:v>
-                </c:pt>
-              </c:numCache>
-            </c:numRef>
-          </c:val>
-          <c:extLst>
-            <c:ext xmlns:c16="http://schemas.microsoft.com/office/drawing/2014/chart" uri="{C3380CC4-5D6E-409C-BE32-E72D297353CC}">
-              <c16:uniqueId val="{00000000-59A6-AA4F-8736-441463B8DBA1}"/>
-            </c:ext>
-          </c:extLst>
-        </c:ser>
-        <c:ser>
-          <c:idx val="1"/>
-          <c:order val="1"/>
-          <c:tx>
-            <c:strRef>
-              <c:f>Sheet2!$H$3</c:f>
-              <c:strCache>
-                <c:ptCount val="1"/>
-                <c:pt idx="0">
-                  <c:v>rank2_click_nobuy</c:v>
-                </c:pt>
-              </c:strCache>
-            </c:strRef>
-          </c:tx>
-          <c:spPr>
-            <a:solidFill>
-              <a:schemeClr val="accent2"/>
-            </a:solidFill>
-            <a:ln>
-              <a:noFill/>
-            </a:ln>
-            <a:effectLst/>
-          </c:spPr>
-          <c:invertIfNegative val="0"/>
-          <c:cat>
-            <c:strRef>
-              <c:f>(Sheet2!$I$1,Sheet2!$P$1,Sheet2!$W$1,Sheet2!$AD$1,Sheet2!$AL$1,Sheet2!$AT$1,Sheet2!$BB$1)</c:f>
-              <c:strCache>
-                <c:ptCount val="7"/>
-                <c:pt idx="0">
-                  <c:v>mean_insured_Y</c:v>
-                </c:pt>
-                <c:pt idx="1">
-                  <c:v>mean_insured_N</c:v>
-                </c:pt>
-                <c:pt idx="2">
-                  <c:v>mean_insured_Un</c:v>
-                </c:pt>
-                <c:pt idx="3">
-                  <c:v>mean_married</c:v>
-                </c:pt>
-                <c:pt idx="4">
-                  <c:v>mean_single</c:v>
-                </c:pt>
-                <c:pt idx="5">
-                  <c:v>mean_ve~s</c:v>
-                </c:pt>
-                <c:pt idx="6">
-                  <c:v>mean_dr~s</c:v>
-                </c:pt>
-              </c:strCache>
-            </c:strRef>
-          </c:cat>
-          <c:val>
-            <c:numRef>
-              <c:f>(Sheet2!$I$3,Sheet2!$P$3,Sheet2!$W$3,Sheet2!$AD$3,Sheet2!$AL$3,Sheet2!$AT$3,Sheet2!$BB$3)</c:f>
-              <c:numCache>
-                <c:formatCode>General</c:formatCode>
-                <c:ptCount val="7"/>
-                <c:pt idx="0">
-                  <c:v>0.20158102999999999</c:v>
-                </c:pt>
-                <c:pt idx="1">
-                  <c:v>0.22924901</c:v>
-                </c:pt>
-                <c:pt idx="2">
-                  <c:v>0.56916995999999997</c:v>
-                </c:pt>
-                <c:pt idx="3">
-                  <c:v>0.54150198000000005</c:v>
-                </c:pt>
-                <c:pt idx="4">
-                  <c:v>0.45849802000000001</c:v>
-                </c:pt>
-                <c:pt idx="5">
-                  <c:v>1.5731225</c:v>
-                </c:pt>
-                <c:pt idx="6">
-                  <c:v>1.6047431000000001</c:v>
-                </c:pt>
-              </c:numCache>
-            </c:numRef>
-          </c:val>
-          <c:extLst>
-            <c:ext xmlns:c16="http://schemas.microsoft.com/office/drawing/2014/chart" uri="{C3380CC4-5D6E-409C-BE32-E72D297353CC}">
-              <c16:uniqueId val="{00000001-59A6-AA4F-8736-441463B8DBA1}"/>
-            </c:ext>
-          </c:extLst>
-        </c:ser>
-        <c:ser>
-          <c:idx val="2"/>
-          <c:order val="2"/>
-          <c:tx>
-            <c:strRef>
-              <c:f>Sheet2!$H$4</c:f>
-              <c:strCache>
-                <c:ptCount val="1"/>
-                <c:pt idx="0">
-                  <c:v>rank3_click_nobuy</c:v>
-                </c:pt>
-              </c:strCache>
-            </c:strRef>
-          </c:tx>
-          <c:spPr>
-            <a:solidFill>
-              <a:schemeClr val="accent3"/>
-            </a:solidFill>
-            <a:ln>
-              <a:noFill/>
-            </a:ln>
-            <a:effectLst/>
-          </c:spPr>
-          <c:invertIfNegative val="0"/>
-          <c:cat>
-            <c:strRef>
-              <c:f>(Sheet2!$I$1,Sheet2!$P$1,Sheet2!$W$1,Sheet2!$AD$1,Sheet2!$AL$1,Sheet2!$AT$1,Sheet2!$BB$1)</c:f>
-              <c:strCache>
-                <c:ptCount val="7"/>
-                <c:pt idx="0">
-                  <c:v>mean_insured_Y</c:v>
-                </c:pt>
-                <c:pt idx="1">
-                  <c:v>mean_insured_N</c:v>
-                </c:pt>
-                <c:pt idx="2">
-                  <c:v>mean_insured_Un</c:v>
-                </c:pt>
-                <c:pt idx="3">
-                  <c:v>mean_married</c:v>
-                </c:pt>
-                <c:pt idx="4">
-                  <c:v>mean_single</c:v>
-                </c:pt>
-                <c:pt idx="5">
-                  <c:v>mean_ve~s</c:v>
-                </c:pt>
-                <c:pt idx="6">
-                  <c:v>mean_dr~s</c:v>
-                </c:pt>
-              </c:strCache>
-            </c:strRef>
-          </c:cat>
-          <c:val>
-            <c:numRef>
-              <c:f>(Sheet2!$I$4,Sheet2!$P$4,Sheet2!$W$4,Sheet2!$AD$4,Sheet2!$AL$4,Sheet2!$AT$4,Sheet2!$BB$4)</c:f>
-              <c:numCache>
-                <c:formatCode>General</c:formatCode>
-                <c:ptCount val="7"/>
-                <c:pt idx="0">
-                  <c:v>0.342723</c:v>
-                </c:pt>
-                <c:pt idx="1">
-                  <c:v>0.40375587000000002</c:v>
-                </c:pt>
-                <c:pt idx="2">
-                  <c:v>0.25352112999999998</c:v>
-                </c:pt>
-                <c:pt idx="3">
-                  <c:v>0.5258216</c:v>
-                </c:pt>
-                <c:pt idx="4">
-                  <c:v>0.4741784</c:v>
-                </c:pt>
-                <c:pt idx="5">
-                  <c:v>1.9295774999999999</c:v>
-                </c:pt>
-                <c:pt idx="6">
-                  <c:v>1.4976525999999999</c:v>
-                </c:pt>
-              </c:numCache>
-            </c:numRef>
-          </c:val>
-          <c:extLst>
-            <c:ext xmlns:c16="http://schemas.microsoft.com/office/drawing/2014/chart" uri="{C3380CC4-5D6E-409C-BE32-E72D297353CC}">
-              <c16:uniqueId val="{00000002-59A6-AA4F-8736-441463B8DBA1}"/>
-            </c:ext>
-          </c:extLst>
-        </c:ser>
-        <c:ser>
-          <c:idx val="3"/>
-          <c:order val="3"/>
-          <c:tx>
-            <c:strRef>
-              <c:f>Sheet2!$H$5</c:f>
-              <c:strCache>
-                <c:ptCount val="1"/>
-                <c:pt idx="0">
-                  <c:v>rank4_click_nobuy</c:v>
-                </c:pt>
-              </c:strCache>
-            </c:strRef>
-          </c:tx>
-          <c:spPr>
-            <a:solidFill>
-              <a:schemeClr val="accent4"/>
-            </a:solidFill>
-            <a:ln>
-              <a:noFill/>
-            </a:ln>
-            <a:effectLst/>
-          </c:spPr>
-          <c:invertIfNegative val="0"/>
-          <c:cat>
-            <c:strRef>
-              <c:f>(Sheet2!$I$1,Sheet2!$P$1,Sheet2!$W$1,Sheet2!$AD$1,Sheet2!$AL$1,Sheet2!$AT$1,Sheet2!$BB$1)</c:f>
-              <c:strCache>
-                <c:ptCount val="7"/>
-                <c:pt idx="0">
-                  <c:v>mean_insured_Y</c:v>
-                </c:pt>
-                <c:pt idx="1">
-                  <c:v>mean_insured_N</c:v>
-                </c:pt>
-                <c:pt idx="2">
-                  <c:v>mean_insured_Un</c:v>
-                </c:pt>
-                <c:pt idx="3">
-                  <c:v>mean_married</c:v>
-                </c:pt>
-                <c:pt idx="4">
-                  <c:v>mean_single</c:v>
-                </c:pt>
-                <c:pt idx="5">
-                  <c:v>mean_ve~s</c:v>
-                </c:pt>
-                <c:pt idx="6">
-                  <c:v>mean_dr~s</c:v>
-                </c:pt>
-              </c:strCache>
-            </c:strRef>
-          </c:cat>
-          <c:val>
-            <c:numRef>
-              <c:f>(Sheet2!$I$5,Sheet2!$P$5,Sheet2!$W$5,Sheet2!$AD$5,Sheet2!$AL$5,Sheet2!$AT$5,Sheet2!$BB$5)</c:f>
-              <c:numCache>
-                <c:formatCode>General</c:formatCode>
-                <c:ptCount val="7"/>
-                <c:pt idx="0">
-                  <c:v>0.34545455000000003</c:v>
-                </c:pt>
-                <c:pt idx="1">
-                  <c:v>0.55454545</c:v>
-                </c:pt>
-                <c:pt idx="2">
-                  <c:v>0.1</c:v>
-                </c:pt>
-                <c:pt idx="3">
-                  <c:v>0.4</c:v>
-                </c:pt>
-                <c:pt idx="4">
-                  <c:v>0.6</c:v>
-                </c:pt>
-                <c:pt idx="5">
-                  <c:v>2.2181818</c:v>
-                </c:pt>
-                <c:pt idx="6">
-                  <c:v>1.4818182</c:v>
-                </c:pt>
-              </c:numCache>
-            </c:numRef>
-          </c:val>
-          <c:extLst>
-            <c:ext xmlns:c16="http://schemas.microsoft.com/office/drawing/2014/chart" uri="{C3380CC4-5D6E-409C-BE32-E72D297353CC}">
-              <c16:uniqueId val="{00000003-59A6-AA4F-8736-441463B8DBA1}"/>
-            </c:ext>
-          </c:extLst>
-        </c:ser>
-        <c:ser>
-          <c:idx val="4"/>
-          <c:order val="4"/>
-          <c:tx>
-            <c:strRef>
-              <c:f>Sheet2!$H$6</c:f>
-              <c:strCache>
-                <c:ptCount val="1"/>
-                <c:pt idx="0">
-                  <c:v>rank5_click_nobuy</c:v>
-                </c:pt>
-              </c:strCache>
-            </c:strRef>
-          </c:tx>
-          <c:spPr>
-            <a:solidFill>
-              <a:schemeClr val="accent5"/>
-            </a:solidFill>
-            <a:ln>
-              <a:noFill/>
-            </a:ln>
-            <a:effectLst/>
-          </c:spPr>
-          <c:invertIfNegative val="0"/>
-          <c:cat>
-            <c:strRef>
-              <c:f>(Sheet2!$I$1,Sheet2!$P$1,Sheet2!$W$1,Sheet2!$AD$1,Sheet2!$AL$1,Sheet2!$AT$1,Sheet2!$BB$1)</c:f>
-              <c:strCache>
-                <c:ptCount val="7"/>
-                <c:pt idx="0">
-                  <c:v>mean_insured_Y</c:v>
-                </c:pt>
-                <c:pt idx="1">
-                  <c:v>mean_insured_N</c:v>
-                </c:pt>
-                <c:pt idx="2">
-                  <c:v>mean_insured_Un</c:v>
-                </c:pt>
-                <c:pt idx="3">
-                  <c:v>mean_married</c:v>
-                </c:pt>
-                <c:pt idx="4">
-                  <c:v>mean_single</c:v>
-                </c:pt>
-                <c:pt idx="5">
-                  <c:v>mean_ve~s</c:v>
-                </c:pt>
-                <c:pt idx="6">
-                  <c:v>mean_dr~s</c:v>
-                </c:pt>
-              </c:strCache>
-            </c:strRef>
-          </c:cat>
-          <c:val>
-            <c:numRef>
-              <c:f>(Sheet2!$I$6,Sheet2!$P$6,Sheet2!$W$6,Sheet2!$AD$6,Sheet2!$AL$6,Sheet2!$AT$6,Sheet2!$BB$6)</c:f>
-              <c:numCache>
-                <c:formatCode>General</c:formatCode>
-                <c:ptCount val="7"/>
-                <c:pt idx="0">
-                  <c:v>0.37931034000000002</c:v>
-                </c:pt>
-                <c:pt idx="1">
-                  <c:v>0.62068966000000003</c:v>
-                </c:pt>
-                <c:pt idx="2">
-                  <c:v>0</c:v>
-                </c:pt>
-                <c:pt idx="3">
-                  <c:v>0.58620689999999998</c:v>
-                </c:pt>
-                <c:pt idx="4">
-                  <c:v>0.41379310000000002</c:v>
-                </c:pt>
-                <c:pt idx="5">
-                  <c:v>2.4482759000000001</c:v>
-                </c:pt>
-                <c:pt idx="6">
-                  <c:v>1.3103448</c:v>
-                </c:pt>
-              </c:numCache>
-            </c:numRef>
-          </c:val>
-          <c:extLst>
-            <c:ext xmlns:c16="http://schemas.microsoft.com/office/drawing/2014/chart" uri="{C3380CC4-5D6E-409C-BE32-E72D297353CC}">
-              <c16:uniqueId val="{00000004-59A6-AA4F-8736-441463B8DBA1}"/>
-            </c:ext>
-          </c:extLst>
-        </c:ser>
-        <c:dLbls>
-          <c:showLegendKey val="0"/>
-          <c:showVal val="0"/>
-          <c:showCatName val="0"/>
-          <c:showSerName val="0"/>
-          <c:showPercent val="0"/>
-          <c:showBubbleSize val="0"/>
-        </c:dLbls>
-        <c:gapWidth val="219"/>
-        <c:overlap val="-27"/>
-        <c:axId val="1945554512"/>
-        <c:axId val="1945684544"/>
-      </c:barChart>
-      <c:catAx>
-        <c:axId val="1945554512"/>
-        <c:scaling>
-          <c:orientation val="minMax"/>
-        </c:scaling>
-        <c:delete val="0"/>
-        <c:axPos val="b"/>
-        <c:numFmt formatCode="General" sourceLinked="1"/>
-        <c:majorTickMark val="none"/>
-        <c:minorTickMark val="none"/>
-        <c:tickLblPos val="nextTo"/>
-        <c:spPr>
-          <a:noFill/>
-          <a:ln w="9525" cap="flat" cmpd="sng" algn="ctr">
-            <a:solidFill>
-              <a:schemeClr val="tx1">
-                <a:lumMod val="15000"/>
-                <a:lumOff val="85000"/>
-              </a:schemeClr>
-            </a:solidFill>
-            <a:round/>
-          </a:ln>
-          <a:effectLst/>
-        </c:spPr>
-        <c:txPr>
-          <a:bodyPr rot="-60000000" spcFirstLastPara="1" vertOverflow="ellipsis" vert="horz" wrap="square" anchor="ctr" anchorCtr="1"/>
-          <a:lstStyle/>
-          <a:p>
-            <a:pPr>
-              <a:defRPr sz="900" b="0" i="0" u="none" strike="noStrike" kern="1200" baseline="0">
-                <a:solidFill>
-                  <a:schemeClr val="tx1">
-                    <a:lumMod val="65000"/>
-                    <a:lumOff val="35000"/>
-                  </a:schemeClr>
-                </a:solidFill>
-                <a:latin typeface="+mn-lt"/>
-                <a:ea typeface="+mn-ea"/>
-                <a:cs typeface="+mn-cs"/>
-              </a:defRPr>
-            </a:pPr>
-            <a:endParaRPr lang="en-US"/>
-          </a:p>
-        </c:txPr>
-        <c:crossAx val="1945684544"/>
-        <c:crosses val="autoZero"/>
-        <c:auto val="1"/>
-        <c:lblAlgn val="ctr"/>
-        <c:lblOffset val="100"/>
-        <c:noMultiLvlLbl val="0"/>
-      </c:catAx>
-      <c:valAx>
-        <c:axId val="1945684544"/>
-        <c:scaling>
-          <c:orientation val="minMax"/>
-        </c:scaling>
-        <c:delete val="0"/>
-        <c:axPos val="l"/>
-        <c:numFmt formatCode="General" sourceLinked="1"/>
-        <c:majorTickMark val="none"/>
-        <c:minorTickMark val="none"/>
-        <c:tickLblPos val="nextTo"/>
-        <c:spPr>
-          <a:noFill/>
-          <a:ln>
-            <a:noFill/>
-          </a:ln>
-          <a:effectLst/>
-        </c:spPr>
-        <c:txPr>
-          <a:bodyPr rot="-60000000" spcFirstLastPara="1" vertOverflow="ellipsis" vert="horz" wrap="square" anchor="ctr" anchorCtr="1"/>
-          <a:lstStyle/>
-          <a:p>
-            <a:pPr>
-              <a:defRPr sz="900" b="0" i="0" u="none" strike="noStrike" kern="1200" baseline="0">
-                <a:solidFill>
-                  <a:schemeClr val="tx1">
-                    <a:lumMod val="65000"/>
-                    <a:lumOff val="35000"/>
-                  </a:schemeClr>
-                </a:solidFill>
-                <a:latin typeface="+mn-lt"/>
-                <a:ea typeface="+mn-ea"/>
-                <a:cs typeface="+mn-cs"/>
-              </a:defRPr>
-            </a:pPr>
-            <a:endParaRPr lang="en-US"/>
-          </a:p>
-        </c:txPr>
-        <c:crossAx val="1945554512"/>
-        <c:crosses val="autoZero"/>
-        <c:crossBetween val="between"/>
-      </c:valAx>
-      <c:spPr>
-        <a:noFill/>
-        <a:ln>
-          <a:noFill/>
-        </a:ln>
-        <a:effectLst/>
-      </c:spPr>
-    </c:plotArea>
-    <c:legend>
-      <c:legendPos val="b"/>
-      <c:overlay val="0"/>
-      <c:spPr>
-        <a:noFill/>
-        <a:ln>
-          <a:noFill/>
-        </a:ln>
-        <a:effectLst/>
-      </c:spPr>
-      <c:txPr>
-        <a:bodyPr rot="0" spcFirstLastPara="1" vertOverflow="ellipsis" vert="horz" wrap="square" anchor="ctr" anchorCtr="1"/>
-        <a:lstStyle/>
-        <a:p>
-          <a:pPr>
-            <a:defRPr sz="900" b="0" i="0" u="none" strike="noStrike" kern="1200" baseline="0">
-              <a:solidFill>
-                <a:schemeClr val="tx1">
-                  <a:lumMod val="65000"/>
-                  <a:lumOff val="35000"/>
-                </a:schemeClr>
-              </a:solidFill>
-              <a:latin typeface="+mn-lt"/>
-              <a:ea typeface="+mn-ea"/>
-              <a:cs typeface="+mn-cs"/>
-            </a:defRPr>
-          </a:pPr>
-          <a:endParaRPr lang="en-US"/>
-        </a:p>
-      </c:txPr>
-    </c:legend>
-    <c:plotVisOnly val="1"/>
-    <c:dispBlanksAs val="gap"/>
-    <c:extLst>
-      <c:ext xmlns:c16r3="http://schemas.microsoft.com/office/drawing/2017/03/chart" uri="{56B9EC1D-385E-4148-901F-78D8002777C0}">
-        <c16r3:dataDisplayOptions16>
-          <c16r3:dispNaAsBlank val="1"/>
-        </c16r3:dataDisplayOptions16>
-      </c:ext>
-    </c:extLst>
-    <c:showDLblsOverMax val="0"/>
-  </c:chart>
-  <c:spPr>
-    <a:noFill/>
-    <a:ln>
-      <a:noFill/>
-    </a:ln>
-    <a:effectLst/>
-  </c:spPr>
-  <c:txPr>
-    <a:bodyPr/>
-    <a:lstStyle/>
-    <a:p>
-      <a:pPr>
-        <a:defRPr/>
-      </a:pPr>
-      <a:endParaRPr lang="en-US"/>
-    </a:p>
-  </c:txPr>
-  <c:externalData r:id="rId3">
-    <c:autoUpdate val="0"/>
-  </c:externalData>
-</c:chartSpace>
-</file>
-
-<file path=ppt/charts/chart9.xml><?xml version="1.0" encoding="utf-8"?>
-<c:chartSpace xmlns:c="http://schemas.openxmlformats.org/drawingml/2006/chart" xmlns:a="http://schemas.openxmlformats.org/drawingml/2006/main" xmlns:r="http://schemas.openxmlformats.org/officeDocument/2006/relationships" xmlns:c16r2="http://schemas.microsoft.com/office/drawing/2015/06/chart">
-  <c:date1904 val="0"/>
-  <c:lang val="en-US"/>
-  <c:roundedCorners val="0"/>
-  <mc:AlternateContent xmlns:mc="http://schemas.openxmlformats.org/markup-compatibility/2006">
-    <mc:Choice xmlns:c14="http://schemas.microsoft.com/office/drawing/2007/8/2/chart" Requires="c14">
-      <c14:style val="102"/>
-    </mc:Choice>
-    <mc:Fallback>
-      <c:style val="2"/>
-    </mc:Fallback>
-  </mc:AlternateContent>
-  <c:chart>
-    <c:title>
-      <c:tx>
-        <c:rich>
-          <a:bodyPr rot="0" spcFirstLastPara="1" vertOverflow="ellipsis" vert="horz" wrap="square" anchor="ctr" anchorCtr="1"/>
-          <a:lstStyle/>
-          <a:p>
-            <a:pPr>
-              <a:defRPr sz="1400" b="0" i="0" u="none" strike="noStrike" kern="1200" spc="0" baseline="0">
-                <a:solidFill>
-                  <a:schemeClr val="tx1">
-                    <a:lumMod val="65000"/>
-                    <a:lumOff val="35000"/>
-                  </a:schemeClr>
-                </a:solidFill>
-                <a:latin typeface="+mn-lt"/>
-                <a:ea typeface="+mn-ea"/>
-                <a:cs typeface="+mn-cs"/>
-              </a:defRPr>
-            </a:pPr>
-            <a:r>
-              <a:rPr lang="en-US" dirty="0" err="1"/>
-              <a:t>Click_buy</a:t>
-            </a:r>
-            <a:endParaRPr lang="en-US" dirty="0"/>
-          </a:p>
-        </c:rich>
-      </c:tx>
-      <c:overlay val="0"/>
-      <c:spPr>
-        <a:noFill/>
-        <a:ln>
-          <a:noFill/>
-        </a:ln>
-        <a:effectLst/>
-      </c:spPr>
-      <c:txPr>
-        <a:bodyPr rot="0" spcFirstLastPara="1" vertOverflow="ellipsis" vert="horz" wrap="square" anchor="ctr" anchorCtr="1"/>
-        <a:lstStyle/>
-        <a:p>
-          <a:pPr>
-            <a:defRPr sz="1400" b="0" i="0" u="none" strike="noStrike" kern="1200" spc="0" baseline="0">
-              <a:solidFill>
-                <a:schemeClr val="tx1">
-                  <a:lumMod val="65000"/>
-                  <a:lumOff val="35000"/>
-                </a:schemeClr>
-              </a:solidFill>
-              <a:latin typeface="+mn-lt"/>
-              <a:ea typeface="+mn-ea"/>
-              <a:cs typeface="+mn-cs"/>
-            </a:defRPr>
-          </a:pPr>
-          <a:endParaRPr lang="en-US"/>
-        </a:p>
-      </c:txPr>
-    </c:title>
-    <c:autoTitleDeleted val="0"/>
-    <c:plotArea>
-      <c:layout/>
-      <c:barChart>
-        <c:barDir val="col"/>
-        <c:grouping val="clustered"/>
-        <c:varyColors val="0"/>
-        <c:ser>
-          <c:idx val="0"/>
-          <c:order val="0"/>
-          <c:tx>
-            <c:strRef>
-              <c:f>Sheet2!$H$21</c:f>
-              <c:strCache>
-                <c:ptCount val="1"/>
-                <c:pt idx="0">
-                  <c:v>rank1_click_buy</c:v>
-                </c:pt>
-              </c:strCache>
-            </c:strRef>
-          </c:tx>
-          <c:spPr>
-            <a:solidFill>
-              <a:schemeClr val="accent1"/>
-            </a:solidFill>
-            <a:ln>
-              <a:noFill/>
-            </a:ln>
-            <a:effectLst/>
-          </c:spPr>
-          <c:invertIfNegative val="0"/>
-          <c:cat>
-            <c:strRef>
-              <c:f>(Sheet2!$I$20,Sheet2!$P$20,Sheet2!$W$20,Sheet2!$AD$20,Sheet2!$AL$20,Sheet2!$AT$20,Sheet2!$BB$20)</c:f>
-              <c:strCache>
-                <c:ptCount val="7"/>
-                <c:pt idx="0">
-                  <c:v>mean_insured_Y</c:v>
-                </c:pt>
-                <c:pt idx="1">
-                  <c:v>mean_insured_N</c:v>
-                </c:pt>
-                <c:pt idx="2">
-                  <c:v>mean_insured_Un</c:v>
-                </c:pt>
-                <c:pt idx="3">
-                  <c:v>mean_married</c:v>
-                </c:pt>
-                <c:pt idx="4">
-                  <c:v>mean_single</c:v>
-                </c:pt>
-                <c:pt idx="5">
-                  <c:v>mean_ve~s</c:v>
-                </c:pt>
-                <c:pt idx="6">
-                  <c:v>mean_dr~s</c:v>
-                </c:pt>
-              </c:strCache>
-            </c:strRef>
-          </c:cat>
-          <c:val>
-            <c:numRef>
-              <c:f>(Sheet2!$I$21,Sheet2!$P$21,Sheet2!$W$21,Sheet2!$AD$21,Sheet2!$AL$21,Sheet2!$AT$21,Sheet2!$BB$21)</c:f>
-              <c:numCache>
-                <c:formatCode>General</c:formatCode>
-                <c:ptCount val="7"/>
-                <c:pt idx="0">
-                  <c:v>6.424581E-2</c:v>
-                </c:pt>
-                <c:pt idx="1">
-                  <c:v>0.11452514</c:v>
-                </c:pt>
-                <c:pt idx="2">
-                  <c:v>0.82122905000000002</c:v>
-                </c:pt>
-                <c:pt idx="3">
-                  <c:v>0.48044692999999999</c:v>
-                </c:pt>
-                <c:pt idx="4">
-                  <c:v>0.51955306999999995</c:v>
-                </c:pt>
-                <c:pt idx="5">
-                  <c:v>1.4553073000000001</c:v>
-                </c:pt>
-                <c:pt idx="6">
-                  <c:v>1.5111732</c:v>
-                </c:pt>
-              </c:numCache>
-            </c:numRef>
-          </c:val>
-          <c:extLst>
-            <c:ext xmlns:c16="http://schemas.microsoft.com/office/drawing/2014/chart" uri="{C3380CC4-5D6E-409C-BE32-E72D297353CC}">
-              <c16:uniqueId val="{00000000-B19D-9841-BDD6-096D1B199535}"/>
-            </c:ext>
-          </c:extLst>
-        </c:ser>
-        <c:ser>
-          <c:idx val="1"/>
-          <c:order val="1"/>
-          <c:tx>
-            <c:strRef>
-              <c:f>Sheet2!$H$22</c:f>
-              <c:strCache>
-                <c:ptCount val="1"/>
-                <c:pt idx="0">
-                  <c:v>rank2_click_buy</c:v>
-                </c:pt>
-              </c:strCache>
-            </c:strRef>
-          </c:tx>
-          <c:spPr>
-            <a:solidFill>
-              <a:schemeClr val="accent2"/>
-            </a:solidFill>
-            <a:ln>
-              <a:noFill/>
-            </a:ln>
-            <a:effectLst/>
-          </c:spPr>
-          <c:invertIfNegative val="0"/>
-          <c:cat>
-            <c:strRef>
-              <c:f>(Sheet2!$I$20,Sheet2!$P$20,Sheet2!$W$20,Sheet2!$AD$20,Sheet2!$AL$20,Sheet2!$AT$20,Sheet2!$BB$20)</c:f>
-              <c:strCache>
-                <c:ptCount val="7"/>
-                <c:pt idx="0">
-                  <c:v>mean_insured_Y</c:v>
-                </c:pt>
-                <c:pt idx="1">
-                  <c:v>mean_insured_N</c:v>
-                </c:pt>
-                <c:pt idx="2">
-                  <c:v>mean_insured_Un</c:v>
-                </c:pt>
-                <c:pt idx="3">
-                  <c:v>mean_married</c:v>
-                </c:pt>
-                <c:pt idx="4">
-                  <c:v>mean_single</c:v>
-                </c:pt>
-                <c:pt idx="5">
-                  <c:v>mean_ve~s</c:v>
-                </c:pt>
-                <c:pt idx="6">
-                  <c:v>mean_dr~s</c:v>
-                </c:pt>
-              </c:strCache>
-            </c:strRef>
-          </c:cat>
-          <c:val>
-            <c:numRef>
-              <c:f>(Sheet2!$I$22,Sheet2!$P$22,Sheet2!$W$22,Sheet2!$AD$22,Sheet2!$AL$22,Sheet2!$AT$22,Sheet2!$BB$22)</c:f>
-              <c:numCache>
-                <c:formatCode>General</c:formatCode>
-                <c:ptCount val="7"/>
-                <c:pt idx="0">
-                  <c:v>0.27272727000000002</c:v>
-                </c:pt>
-                <c:pt idx="1">
-                  <c:v>0.13875598</c:v>
-                </c:pt>
-                <c:pt idx="2">
-                  <c:v>0.58851675000000003</c:v>
-                </c:pt>
-                <c:pt idx="3">
-                  <c:v>0.44976076999999998</c:v>
-                </c:pt>
-                <c:pt idx="4">
-                  <c:v>0.55023922999999997</c:v>
-                </c:pt>
-                <c:pt idx="5">
-                  <c:v>1.5023922999999999</c:v>
-                </c:pt>
-                <c:pt idx="6">
-                  <c:v>1.4880382999999999</c:v>
-                </c:pt>
-              </c:numCache>
-            </c:numRef>
-          </c:val>
-          <c:extLst>
-            <c:ext xmlns:c16="http://schemas.microsoft.com/office/drawing/2014/chart" uri="{C3380CC4-5D6E-409C-BE32-E72D297353CC}">
-              <c16:uniqueId val="{00000001-B19D-9841-BDD6-096D1B199535}"/>
-            </c:ext>
-          </c:extLst>
-        </c:ser>
-        <c:ser>
-          <c:idx val="2"/>
-          <c:order val="2"/>
-          <c:tx>
-            <c:strRef>
-              <c:f>Sheet2!$H$23</c:f>
-              <c:strCache>
-                <c:ptCount val="1"/>
-                <c:pt idx="0">
-                  <c:v>rank3_click_buy</c:v>
-                </c:pt>
-              </c:strCache>
-            </c:strRef>
-          </c:tx>
-          <c:spPr>
-            <a:solidFill>
-              <a:schemeClr val="accent3"/>
-            </a:solidFill>
-            <a:ln>
-              <a:noFill/>
-            </a:ln>
-            <a:effectLst/>
-          </c:spPr>
-          <c:invertIfNegative val="0"/>
-          <c:cat>
-            <c:strRef>
-              <c:f>(Sheet2!$I$20,Sheet2!$P$20,Sheet2!$W$20,Sheet2!$AD$20,Sheet2!$AL$20,Sheet2!$AT$20,Sheet2!$BB$20)</c:f>
-              <c:strCache>
-                <c:ptCount val="7"/>
-                <c:pt idx="0">
-                  <c:v>mean_insured_Y</c:v>
-                </c:pt>
-                <c:pt idx="1">
-                  <c:v>mean_insured_N</c:v>
-                </c:pt>
-                <c:pt idx="2">
-                  <c:v>mean_insured_Un</c:v>
-                </c:pt>
-                <c:pt idx="3">
-                  <c:v>mean_married</c:v>
-                </c:pt>
-                <c:pt idx="4">
-                  <c:v>mean_single</c:v>
-                </c:pt>
-                <c:pt idx="5">
-                  <c:v>mean_ve~s</c:v>
-                </c:pt>
-                <c:pt idx="6">
-                  <c:v>mean_dr~s</c:v>
-                </c:pt>
-              </c:strCache>
-            </c:strRef>
-          </c:cat>
-          <c:val>
-            <c:numRef>
-              <c:f>(Sheet2!$I$23,Sheet2!$P$23,Sheet2!$W$23,Sheet2!$AD$23,Sheet2!$AL$23,Sheet2!$AT$23,Sheet2!$BB$23)</c:f>
-              <c:numCache>
-                <c:formatCode>General</c:formatCode>
-                <c:ptCount val="7"/>
-                <c:pt idx="0">
-                  <c:v>0.36956522000000003</c:v>
-                </c:pt>
-                <c:pt idx="1">
-                  <c:v>0.24637681</c:v>
-                </c:pt>
-                <c:pt idx="2">
-                  <c:v>0.38405797000000003</c:v>
-                </c:pt>
-                <c:pt idx="3">
-                  <c:v>0.52173913000000005</c:v>
-                </c:pt>
-                <c:pt idx="4">
-                  <c:v>0.47826087</c:v>
-                </c:pt>
-                <c:pt idx="5">
-                  <c:v>1.826087</c:v>
-                </c:pt>
-                <c:pt idx="6">
-                  <c:v>1.4202899</c:v>
-                </c:pt>
-              </c:numCache>
-            </c:numRef>
-          </c:val>
-          <c:extLst>
-            <c:ext xmlns:c16="http://schemas.microsoft.com/office/drawing/2014/chart" uri="{C3380CC4-5D6E-409C-BE32-E72D297353CC}">
-              <c16:uniqueId val="{00000002-B19D-9841-BDD6-096D1B199535}"/>
-            </c:ext>
-          </c:extLst>
-        </c:ser>
-        <c:ser>
-          <c:idx val="3"/>
-          <c:order val="3"/>
-          <c:tx>
-            <c:strRef>
-              <c:f>Sheet2!$H$24</c:f>
-              <c:strCache>
-                <c:ptCount val="1"/>
-                <c:pt idx="0">
-                  <c:v>rank4_click_buy</c:v>
-                </c:pt>
-              </c:strCache>
-            </c:strRef>
-          </c:tx>
-          <c:spPr>
-            <a:solidFill>
-              <a:schemeClr val="accent4"/>
-            </a:solidFill>
-            <a:ln>
-              <a:noFill/>
-            </a:ln>
-            <a:effectLst/>
-          </c:spPr>
-          <c:invertIfNegative val="0"/>
-          <c:cat>
-            <c:strRef>
-              <c:f>(Sheet2!$I$20,Sheet2!$P$20,Sheet2!$W$20,Sheet2!$AD$20,Sheet2!$AL$20,Sheet2!$AT$20,Sheet2!$BB$20)</c:f>
-              <c:strCache>
-                <c:ptCount val="7"/>
-                <c:pt idx="0">
-                  <c:v>mean_insured_Y</c:v>
-                </c:pt>
-                <c:pt idx="1">
-                  <c:v>mean_insured_N</c:v>
-                </c:pt>
-                <c:pt idx="2">
-                  <c:v>mean_insured_Un</c:v>
-                </c:pt>
-                <c:pt idx="3">
-                  <c:v>mean_married</c:v>
-                </c:pt>
-                <c:pt idx="4">
-                  <c:v>mean_single</c:v>
-                </c:pt>
-                <c:pt idx="5">
-                  <c:v>mean_ve~s</c:v>
-                </c:pt>
-                <c:pt idx="6">
-                  <c:v>mean_dr~s</c:v>
-                </c:pt>
-              </c:strCache>
-            </c:strRef>
-          </c:cat>
-          <c:val>
-            <c:numRef>
-              <c:f>(Sheet2!$I$24,Sheet2!$P$24,Sheet2!$W$24,Sheet2!$AD$24,Sheet2!$AL$24,Sheet2!$AT$24,Sheet2!$BB$24)</c:f>
-              <c:numCache>
-                <c:formatCode>General</c:formatCode>
-                <c:ptCount val="7"/>
-                <c:pt idx="0">
-                  <c:v>0.55172414000000003</c:v>
-                </c:pt>
-                <c:pt idx="1">
-                  <c:v>0.34482759000000002</c:v>
-                </c:pt>
-                <c:pt idx="2">
-                  <c:v>0.10344828</c:v>
-                </c:pt>
-                <c:pt idx="3">
-                  <c:v>0.5</c:v>
-                </c:pt>
-                <c:pt idx="4">
-                  <c:v>0.5</c:v>
-                </c:pt>
-                <c:pt idx="5">
-                  <c:v>2.1034483000000002</c:v>
-                </c:pt>
-                <c:pt idx="6">
-                  <c:v>1.5344827999999999</c:v>
-                </c:pt>
-              </c:numCache>
-            </c:numRef>
-          </c:val>
-          <c:extLst>
-            <c:ext xmlns:c16="http://schemas.microsoft.com/office/drawing/2014/chart" uri="{C3380CC4-5D6E-409C-BE32-E72D297353CC}">
-              <c16:uniqueId val="{00000003-B19D-9841-BDD6-096D1B199535}"/>
-            </c:ext>
-          </c:extLst>
-        </c:ser>
-        <c:ser>
-          <c:idx val="4"/>
-          <c:order val="4"/>
-          <c:tx>
-            <c:strRef>
-              <c:f>Sheet2!$H$25</c:f>
-              <c:strCache>
-                <c:ptCount val="1"/>
-                <c:pt idx="0">
-                  <c:v>rank5_click_buy</c:v>
-                </c:pt>
-              </c:strCache>
-            </c:strRef>
-          </c:tx>
-          <c:spPr>
-            <a:solidFill>
-              <a:schemeClr val="accent5"/>
-            </a:solidFill>
-            <a:ln>
-              <a:noFill/>
-            </a:ln>
-            <a:effectLst/>
-          </c:spPr>
-          <c:invertIfNegative val="0"/>
-          <c:cat>
-            <c:strRef>
-              <c:f>(Sheet2!$I$20,Sheet2!$P$20,Sheet2!$W$20,Sheet2!$AD$20,Sheet2!$AL$20,Sheet2!$AT$20,Sheet2!$BB$20)</c:f>
-              <c:strCache>
-                <c:ptCount val="7"/>
-                <c:pt idx="0">
-                  <c:v>mean_insured_Y</c:v>
-                </c:pt>
-                <c:pt idx="1">
-                  <c:v>mean_insured_N</c:v>
-                </c:pt>
-                <c:pt idx="2">
-                  <c:v>mean_insured_Un</c:v>
-                </c:pt>
-                <c:pt idx="3">
-                  <c:v>mean_married</c:v>
-                </c:pt>
-                <c:pt idx="4">
-                  <c:v>mean_single</c:v>
-                </c:pt>
-                <c:pt idx="5">
-                  <c:v>mean_ve~s</c:v>
-                </c:pt>
-                <c:pt idx="6">
-                  <c:v>mean_dr~s</c:v>
-                </c:pt>
-              </c:strCache>
-            </c:strRef>
-          </c:cat>
-          <c:val>
-            <c:numRef>
-              <c:f>(Sheet2!$I$25,Sheet2!$P$25,Sheet2!$W$25,Sheet2!$AD$25,Sheet2!$AL$25,Sheet2!$AT$25,Sheet2!$BB$25)</c:f>
-              <c:numCache>
-                <c:formatCode>General</c:formatCode>
-                <c:ptCount val="7"/>
-                <c:pt idx="0">
-                  <c:v>0.55000000000000004</c:v>
-                </c:pt>
-                <c:pt idx="1">
-                  <c:v>0.45</c:v>
-                </c:pt>
-                <c:pt idx="2">
-                  <c:v>0</c:v>
-                </c:pt>
-                <c:pt idx="3">
-                  <c:v>0.7</c:v>
-                </c:pt>
-                <c:pt idx="4">
-                  <c:v>0.3</c:v>
-                </c:pt>
-                <c:pt idx="5">
-                  <c:v>2.35</c:v>
-                </c:pt>
-                <c:pt idx="6">
-                  <c:v>1.5</c:v>
-                </c:pt>
-              </c:numCache>
-            </c:numRef>
-          </c:val>
-          <c:extLst>
-            <c:ext xmlns:c16="http://schemas.microsoft.com/office/drawing/2014/chart" uri="{C3380CC4-5D6E-409C-BE32-E72D297353CC}">
-              <c16:uniqueId val="{00000004-B19D-9841-BDD6-096D1B199535}"/>
-            </c:ext>
-          </c:extLst>
-        </c:ser>
-        <c:dLbls>
-          <c:showLegendKey val="0"/>
-          <c:showVal val="0"/>
-          <c:showCatName val="0"/>
-          <c:showSerName val="0"/>
-          <c:showPercent val="0"/>
-          <c:showBubbleSize val="0"/>
-        </c:dLbls>
-        <c:gapWidth val="219"/>
-        <c:overlap val="-27"/>
-        <c:axId val="1962425792"/>
-        <c:axId val="2041952304"/>
-      </c:barChart>
-      <c:catAx>
-        <c:axId val="1962425792"/>
-        <c:scaling>
-          <c:orientation val="minMax"/>
-        </c:scaling>
-        <c:delete val="0"/>
-        <c:axPos val="b"/>
-        <c:numFmt formatCode="General" sourceLinked="1"/>
-        <c:majorTickMark val="none"/>
-        <c:minorTickMark val="none"/>
-        <c:tickLblPos val="nextTo"/>
-        <c:spPr>
-          <a:noFill/>
-          <a:ln w="9525" cap="flat" cmpd="sng" algn="ctr">
-            <a:solidFill>
-              <a:schemeClr val="tx1">
-                <a:lumMod val="15000"/>
-                <a:lumOff val="85000"/>
-              </a:schemeClr>
-            </a:solidFill>
-            <a:round/>
-          </a:ln>
-          <a:effectLst/>
-        </c:spPr>
-        <c:txPr>
-          <a:bodyPr rot="-60000000" spcFirstLastPara="1" vertOverflow="ellipsis" vert="horz" wrap="square" anchor="ctr" anchorCtr="1"/>
-          <a:lstStyle/>
-          <a:p>
-            <a:pPr>
-              <a:defRPr sz="900" b="0" i="0" u="none" strike="noStrike" kern="1200" baseline="0">
-                <a:solidFill>
-                  <a:schemeClr val="tx1">
-                    <a:lumMod val="65000"/>
-                    <a:lumOff val="35000"/>
-                  </a:schemeClr>
-                </a:solidFill>
-                <a:latin typeface="+mn-lt"/>
-                <a:ea typeface="+mn-ea"/>
-                <a:cs typeface="+mn-cs"/>
-              </a:defRPr>
-            </a:pPr>
-            <a:endParaRPr lang="en-US"/>
-          </a:p>
-        </c:txPr>
-        <c:crossAx val="2041952304"/>
-        <c:crosses val="autoZero"/>
-        <c:auto val="1"/>
-        <c:lblAlgn val="ctr"/>
-        <c:lblOffset val="100"/>
-        <c:noMultiLvlLbl val="0"/>
-      </c:catAx>
-      <c:valAx>
-        <c:axId val="2041952304"/>
-        <c:scaling>
-          <c:orientation val="minMax"/>
-        </c:scaling>
-        <c:delete val="0"/>
-        <c:axPos val="l"/>
-        <c:numFmt formatCode="General" sourceLinked="1"/>
-        <c:majorTickMark val="none"/>
-        <c:minorTickMark val="none"/>
-        <c:tickLblPos val="nextTo"/>
-        <c:spPr>
-          <a:noFill/>
-          <a:ln>
-            <a:noFill/>
-          </a:ln>
-          <a:effectLst/>
-        </c:spPr>
-        <c:txPr>
-          <a:bodyPr rot="-60000000" spcFirstLastPara="1" vertOverflow="ellipsis" vert="horz" wrap="square" anchor="ctr" anchorCtr="1"/>
-          <a:lstStyle/>
-          <a:p>
-            <a:pPr>
-              <a:defRPr sz="900" b="0" i="0" u="none" strike="noStrike" kern="1200" baseline="0">
-                <a:solidFill>
-                  <a:schemeClr val="tx1">
-                    <a:lumMod val="65000"/>
-                    <a:lumOff val="35000"/>
-                  </a:schemeClr>
-                </a:solidFill>
-                <a:latin typeface="+mn-lt"/>
-                <a:ea typeface="+mn-ea"/>
-                <a:cs typeface="+mn-cs"/>
-              </a:defRPr>
-            </a:pPr>
-            <a:endParaRPr lang="en-US"/>
-          </a:p>
-        </c:txPr>
-        <c:crossAx val="1962425792"/>
-        <c:crosses val="autoZero"/>
-        <c:crossBetween val="between"/>
-      </c:valAx>
-      <c:spPr>
-        <a:noFill/>
-        <a:ln>
-          <a:noFill/>
-        </a:ln>
-        <a:effectLst/>
-      </c:spPr>
-    </c:plotArea>
-    <c:legend>
-      <c:legendPos val="b"/>
-      <c:overlay val="0"/>
-      <c:spPr>
-        <a:noFill/>
-        <a:ln>
-          <a:noFill/>
-        </a:ln>
-        <a:effectLst/>
-      </c:spPr>
-      <c:txPr>
-        <a:bodyPr rot="0" spcFirstLastPara="1" vertOverflow="ellipsis" vert="horz" wrap="square" anchor="ctr" anchorCtr="1"/>
-        <a:lstStyle/>
-        <a:p>
-          <a:pPr>
-            <a:defRPr sz="900" b="0" i="0" u="none" strike="noStrike" kern="1200" baseline="0">
-              <a:solidFill>
-                <a:schemeClr val="tx1">
-                  <a:lumMod val="65000"/>
-                  <a:lumOff val="35000"/>
-                </a:schemeClr>
-              </a:solidFill>
-              <a:latin typeface="+mn-lt"/>
-              <a:ea typeface="+mn-ea"/>
-              <a:cs typeface="+mn-cs"/>
-            </a:defRPr>
-          </a:pPr>
-          <a:endParaRPr lang="en-US"/>
-        </a:p>
-      </c:txPr>
-    </c:legend>
-    <c:plotVisOnly val="1"/>
-    <c:dispBlanksAs val="gap"/>
-    <c:extLst>
-      <c:ext xmlns:c16r3="http://schemas.microsoft.com/office/drawing/2017/03/chart" uri="{56B9EC1D-385E-4148-901F-78D8002777C0}">
-        <c16r3:dataDisplayOptions16>
-          <c16r3:dispNaAsBlank val="1"/>
-        </c16r3:dataDisplayOptions16>
-      </c:ext>
-    </c:extLst>
-    <c:showDLblsOverMax val="0"/>
-  </c:chart>
-  <c:spPr>
-    <a:noFill/>
-    <a:ln>
-      <a:noFill/>
-    </a:ln>
-    <a:effectLst/>
-  </c:spPr>
-  <c:txPr>
-    <a:bodyPr/>
-    <a:lstStyle/>
-    <a:p>
-      <a:pPr>
-        <a:defRPr/>
-      </a:pPr>
-      <a:endParaRPr lang="en-US"/>
-    </a:p>
-  </c:txPr>
-  <c:externalData r:id="rId3">
-    <c:autoUpdate val="0"/>
-  </c:externalData>
-</c:chartSpace>
-</file>
-
 <file path=ppt/charts/colors1.xml><?xml version="1.0" encoding="utf-8"?>
 <cs:colorStyle xmlns:cs="http://schemas.microsoft.com/office/drawing/2012/chartStyle" xmlns:a="http://schemas.openxmlformats.org/drawingml/2006/main" meth="cycle" id="10">
   <a:schemeClr val="accent1"/>
@@ -5438,6 +6278,86 @@
 </file>
 
 <file path=ppt/charts/colors10.xml><?xml version="1.0" encoding="utf-8"?>
+<cs:colorStyle xmlns:cs="http://schemas.microsoft.com/office/drawing/2012/chartStyle" xmlns:a="http://schemas.openxmlformats.org/drawingml/2006/main" meth="cycle" id="10">
+  <a:schemeClr val="accent1"/>
+  <a:schemeClr val="accent2"/>
+  <a:schemeClr val="accent3"/>
+  <a:schemeClr val="accent4"/>
+  <a:schemeClr val="accent5"/>
+  <a:schemeClr val="accent6"/>
+  <cs:variation/>
+  <cs:variation>
+    <a:lumMod val="60000"/>
+  </cs:variation>
+  <cs:variation>
+    <a:lumMod val="80000"/>
+    <a:lumOff val="20000"/>
+  </cs:variation>
+  <cs:variation>
+    <a:lumMod val="80000"/>
+  </cs:variation>
+  <cs:variation>
+    <a:lumMod val="60000"/>
+    <a:lumOff val="40000"/>
+  </cs:variation>
+  <cs:variation>
+    <a:lumMod val="50000"/>
+  </cs:variation>
+  <cs:variation>
+    <a:lumMod val="70000"/>
+    <a:lumOff val="30000"/>
+  </cs:variation>
+  <cs:variation>
+    <a:lumMod val="70000"/>
+  </cs:variation>
+  <cs:variation>
+    <a:lumMod val="50000"/>
+    <a:lumOff val="50000"/>
+  </cs:variation>
+</cs:colorStyle>
+</file>
+
+<file path=ppt/charts/colors11.xml><?xml version="1.0" encoding="utf-8"?>
+<cs:colorStyle xmlns:cs="http://schemas.microsoft.com/office/drawing/2012/chartStyle" xmlns:a="http://schemas.openxmlformats.org/drawingml/2006/main" meth="cycle" id="10">
+  <a:schemeClr val="accent1"/>
+  <a:schemeClr val="accent2"/>
+  <a:schemeClr val="accent3"/>
+  <a:schemeClr val="accent4"/>
+  <a:schemeClr val="accent5"/>
+  <a:schemeClr val="accent6"/>
+  <cs:variation/>
+  <cs:variation>
+    <a:lumMod val="60000"/>
+  </cs:variation>
+  <cs:variation>
+    <a:lumMod val="80000"/>
+    <a:lumOff val="20000"/>
+  </cs:variation>
+  <cs:variation>
+    <a:lumMod val="80000"/>
+  </cs:variation>
+  <cs:variation>
+    <a:lumMod val="60000"/>
+    <a:lumOff val="40000"/>
+  </cs:variation>
+  <cs:variation>
+    <a:lumMod val="50000"/>
+  </cs:variation>
+  <cs:variation>
+    <a:lumMod val="70000"/>
+    <a:lumOff val="30000"/>
+  </cs:variation>
+  <cs:variation>
+    <a:lumMod val="70000"/>
+  </cs:variation>
+  <cs:variation>
+    <a:lumMod val="50000"/>
+    <a:lumOff val="50000"/>
+  </cs:variation>
+</cs:colorStyle>
+</file>
+
+<file path=ppt/charts/colors12.xml><?xml version="1.0" encoding="utf-8"?>
 <cs:colorStyle xmlns:cs="http://schemas.microsoft.com/office/drawing/2012/chartStyle" xmlns:a="http://schemas.openxmlformats.org/drawingml/2006/main" meth="cycle" id="10">
   <a:schemeClr val="accent1"/>
   <a:schemeClr val="accent2"/>
@@ -5798,33 +6718,27 @@
 </file>
 
 <file path=ppt/charts/style1.xml><?xml version="1.0" encoding="utf-8"?>
-<cs:chartStyle xmlns:cs="http://schemas.microsoft.com/office/drawing/2012/chartStyle" xmlns:a="http://schemas.openxmlformats.org/drawingml/2006/main" id="251">
+<cs:chartStyle xmlns:cs="http://schemas.microsoft.com/office/drawing/2012/chartStyle" xmlns:a="http://schemas.openxmlformats.org/drawingml/2006/main" id="255">
   <cs:axisTitle>
     <cs:lnRef idx="0"/>
     <cs:fillRef idx="0"/>
     <cs:effectRef idx="0"/>
     <cs:fontRef idx="minor">
-      <a:schemeClr val="tx1">
-        <a:lumMod val="65000"/>
-        <a:lumOff val="35000"/>
-      </a:schemeClr>
-    </cs:fontRef>
-    <cs:defRPr sz="1000" kern="1200"/>
+      <a:schemeClr val="tx2"/>
+    </cs:fontRef>
+    <cs:defRPr sz="900" b="1" kern="1200"/>
   </cs:axisTitle>
   <cs:categoryAxis>
     <cs:lnRef idx="0"/>
     <cs:fillRef idx="0"/>
     <cs:effectRef idx="0"/>
     <cs:fontRef idx="minor">
-      <a:schemeClr val="tx1">
-        <a:lumMod val="65000"/>
-        <a:lumOff val="35000"/>
-      </a:schemeClr>
+      <a:schemeClr val="tx2"/>
     </cs:fontRef>
     <cs:spPr>
       <a:ln w="9525" cap="flat" cmpd="sng" algn="ctr">
         <a:solidFill>
-          <a:schemeClr val="tx1">
+          <a:schemeClr val="tx2">
             <a:lumMod val="15000"/>
             <a:lumOff val="85000"/>
           </a:schemeClr>
@@ -5839,7 +6753,7 @@
     <cs:fillRef idx="0"/>
     <cs:effectRef idx="0"/>
     <cs:fontRef idx="minor">
-      <a:schemeClr val="tx1"/>
+      <a:schemeClr val="tx2"/>
     </cs:fontRef>
     <cs:spPr>
       <a:solidFill>
@@ -5847,7 +6761,7 @@
       </a:solidFill>
       <a:ln w="9525" cap="flat" cmpd="sng" algn="ctr">
         <a:solidFill>
-          <a:schemeClr val="tx1">
+          <a:schemeClr val="tx2">
             <a:lumMod val="15000"/>
             <a:lumOff val="85000"/>
           </a:schemeClr>
@@ -5862,10 +6776,7 @@
     <cs:fillRef idx="0"/>
     <cs:effectRef idx="0"/>
     <cs:fontRef idx="minor">
-      <a:schemeClr val="tx1">
-        <a:lumMod val="75000"/>
-        <a:lumOff val="25000"/>
-      </a:schemeClr>
+      <a:schemeClr val="tx2"/>
     </cs:fontRef>
     <cs:defRPr sz="900" kern="1200"/>
   </cs:dataLabel>
@@ -5874,9 +6785,8 @@
     <cs:fillRef idx="0"/>
     <cs:effectRef idx="0"/>
     <cs:fontRef idx="minor">
-      <a:schemeClr val="dk1">
-        <a:lumMod val="65000"/>
-        <a:lumOff val="35000"/>
+      <a:schemeClr val="dk2">
+        <a:lumMod val="75000"/>
       </a:schemeClr>
     </cs:fontRef>
     <cs:spPr>
@@ -5899,43 +6809,507 @@
   </cs:dataLabelCallout>
   <cs:dataPoint>
     <cs:lnRef idx="0"/>
-    <cs:fillRef idx="1">
+    <cs:fillRef idx="3">
       <cs:styleClr val="auto"/>
     </cs:fillRef>
-    <cs:effectRef idx="0"/>
-    <cs:fontRef idx="minor">
-      <a:schemeClr val="tx1"/>
-    </cs:fontRef>
-    <cs:spPr>
-      <a:ln w="19050">
-        <a:solidFill>
-          <a:schemeClr val="lt1"/>
-        </a:solidFill>
-      </a:ln>
-    </cs:spPr>
+    <cs:effectRef idx="2"/>
+    <cs:fontRef idx="minor">
+      <a:schemeClr val="tx2"/>
+    </cs:fontRef>
   </cs:dataPoint>
   <cs:dataPoint3D>
     <cs:lnRef idx="0"/>
-    <cs:fillRef idx="1">
+    <cs:fillRef idx="3">
       <cs:styleClr val="auto"/>
     </cs:fillRef>
-    <cs:effectRef idx="0"/>
-    <cs:fontRef idx="minor">
-      <a:schemeClr val="tx1"/>
-    </cs:fontRef>
-    <cs:spPr>
-      <a:ln w="25400">
-        <a:solidFill>
-          <a:schemeClr val="lt1"/>
-        </a:solidFill>
-      </a:ln>
-    </cs:spPr>
+    <cs:effectRef idx="2"/>
+    <cs:fontRef idx="minor">
+      <a:schemeClr val="tx2"/>
+    </cs:fontRef>
   </cs:dataPoint3D>
   <cs:dataPointLine>
     <cs:lnRef idx="0">
       <cs:styleClr val="auto"/>
     </cs:lnRef>
-    <cs:fillRef idx="0"/>
+    <cs:fillRef idx="3"/>
+    <cs:effectRef idx="2"/>
+    <cs:fontRef idx="minor">
+      <a:schemeClr val="tx2"/>
+    </cs:fontRef>
+    <cs:spPr>
+      <a:ln w="31750" cap="rnd">
+        <a:solidFill>
+          <a:schemeClr val="phClr"/>
+        </a:solidFill>
+        <a:round/>
+      </a:ln>
+    </cs:spPr>
+  </cs:dataPointLine>
+  <cs:dataPointMarker>
+    <cs:lnRef idx="0"/>
+    <cs:fillRef idx="3">
+      <cs:styleClr val="auto"/>
+    </cs:fillRef>
+    <cs:effectRef idx="2"/>
+    <cs:fontRef idx="minor">
+      <a:schemeClr val="tx2"/>
+    </cs:fontRef>
+    <cs:spPr>
+      <a:ln w="12700">
+        <a:solidFill>
+          <a:schemeClr val="lt2"/>
+        </a:solidFill>
+        <a:round/>
+      </a:ln>
+    </cs:spPr>
+  </cs:dataPointMarker>
+  <cs:dataPointMarkerLayout symbol="circle" size="6"/>
+  <cs:dataPointWireframe>
+    <cs:lnRef idx="0">
+      <cs:styleClr val="auto"/>
+    </cs:lnRef>
+    <cs:fillRef idx="3"/>
+    <cs:effectRef idx="2"/>
+    <cs:fontRef idx="minor">
+      <a:schemeClr val="tx2"/>
+    </cs:fontRef>
+    <cs:spPr>
+      <a:ln w="9525" cap="rnd">
+        <a:solidFill>
+          <a:schemeClr val="phClr"/>
+        </a:solidFill>
+        <a:round/>
+      </a:ln>
+    </cs:spPr>
+  </cs:dataPointWireframe>
+  <cs:dataTable>
+    <cs:lnRef idx="0"/>
+    <cs:fillRef idx="0"/>
+    <cs:effectRef idx="0"/>
+    <cs:fontRef idx="minor">
+      <a:schemeClr val="tx2"/>
+    </cs:fontRef>
+    <cs:spPr>
+      <a:ln w="9525">
+        <a:solidFill>
+          <a:schemeClr val="tx2">
+            <a:lumMod val="15000"/>
+            <a:lumOff val="85000"/>
+          </a:schemeClr>
+        </a:solidFill>
+      </a:ln>
+    </cs:spPr>
+    <cs:defRPr sz="900" kern="1200"/>
+  </cs:dataTable>
+  <cs:downBar>
+    <cs:lnRef idx="0"/>
+    <cs:fillRef idx="0"/>
+    <cs:effectRef idx="0"/>
+    <cs:fontRef idx="minor">
+      <a:schemeClr val="dk1"/>
+    </cs:fontRef>
+    <cs:spPr>
+      <a:solidFill>
+        <a:schemeClr val="dk1">
+          <a:lumMod val="65000"/>
+          <a:lumOff val="35000"/>
+        </a:schemeClr>
+      </a:solidFill>
+      <a:ln w="9525">
+        <a:solidFill>
+          <a:schemeClr val="tx1">
+            <a:lumMod val="65000"/>
+            <a:lumOff val="35000"/>
+          </a:schemeClr>
+        </a:solidFill>
+      </a:ln>
+    </cs:spPr>
+  </cs:downBar>
+  <cs:dropLine>
+    <cs:lnRef idx="0"/>
+    <cs:fillRef idx="0"/>
+    <cs:effectRef idx="0"/>
+    <cs:fontRef idx="minor">
+      <a:schemeClr val="tx2"/>
+    </cs:fontRef>
+    <cs:spPr>
+      <a:ln w="9525">
+        <a:solidFill>
+          <a:schemeClr val="tx2">
+            <a:lumMod val="60000"/>
+            <a:lumOff val="40000"/>
+          </a:schemeClr>
+        </a:solidFill>
+        <a:prstDash val="dash"/>
+      </a:ln>
+    </cs:spPr>
+  </cs:dropLine>
+  <cs:errorBar>
+    <cs:lnRef idx="0"/>
+    <cs:fillRef idx="0"/>
+    <cs:effectRef idx="0"/>
+    <cs:fontRef idx="minor">
+      <a:schemeClr val="tx2"/>
+    </cs:fontRef>
+    <cs:spPr>
+      <a:ln w="9525">
+        <a:solidFill>
+          <a:schemeClr val="tx2">
+            <a:lumMod val="75000"/>
+          </a:schemeClr>
+        </a:solidFill>
+        <a:round/>
+      </a:ln>
+    </cs:spPr>
+  </cs:errorBar>
+  <cs:floor>
+    <cs:lnRef idx="0"/>
+    <cs:fillRef idx="0"/>
+    <cs:effectRef idx="0"/>
+    <cs:fontRef idx="minor">
+      <a:schemeClr val="tx2"/>
+    </cs:fontRef>
+  </cs:floor>
+  <cs:gridlineMajor>
+    <cs:lnRef idx="0"/>
+    <cs:fillRef idx="0"/>
+    <cs:effectRef idx="0"/>
+    <cs:fontRef idx="minor">
+      <a:schemeClr val="tx2"/>
+    </cs:fontRef>
+    <cs:spPr>
+      <a:ln w="9525" cap="flat" cmpd="sng" algn="ctr">
+        <a:solidFill>
+          <a:schemeClr val="tx2">
+            <a:lumMod val="15000"/>
+            <a:lumOff val="85000"/>
+          </a:schemeClr>
+        </a:solidFill>
+        <a:round/>
+      </a:ln>
+    </cs:spPr>
+  </cs:gridlineMajor>
+  <cs:gridlineMinor>
+    <cs:lnRef idx="0"/>
+    <cs:fillRef idx="0"/>
+    <cs:effectRef idx="0"/>
+    <cs:fontRef idx="minor">
+      <a:schemeClr val="tx2"/>
+    </cs:fontRef>
+    <cs:spPr>
+      <a:ln>
+        <a:solidFill>
+          <a:schemeClr val="tx2">
+            <a:lumMod val="5000"/>
+            <a:lumOff val="95000"/>
+          </a:schemeClr>
+        </a:solidFill>
+      </a:ln>
+    </cs:spPr>
+  </cs:gridlineMinor>
+  <cs:hiLoLine>
+    <cs:lnRef idx="0"/>
+    <cs:fillRef idx="0"/>
+    <cs:effectRef idx="0"/>
+    <cs:fontRef idx="minor">
+      <a:schemeClr val="tx2"/>
+    </cs:fontRef>
+    <cs:spPr>
+      <a:ln w="9525">
+        <a:solidFill>
+          <a:schemeClr val="tx2">
+            <a:lumMod val="60000"/>
+            <a:lumOff val="40000"/>
+          </a:schemeClr>
+        </a:solidFill>
+        <a:prstDash val="dash"/>
+      </a:ln>
+    </cs:spPr>
+  </cs:hiLoLine>
+  <cs:leaderLine>
+    <cs:lnRef idx="0"/>
+    <cs:fillRef idx="0"/>
+    <cs:effectRef idx="0"/>
+    <cs:fontRef idx="minor">
+      <a:schemeClr val="tx2"/>
+    </cs:fontRef>
+    <cs:spPr>
+      <a:ln w="9525">
+        <a:solidFill>
+          <a:schemeClr val="tx2">
+            <a:lumMod val="35000"/>
+            <a:lumOff val="65000"/>
+          </a:schemeClr>
+        </a:solidFill>
+      </a:ln>
+    </cs:spPr>
+  </cs:leaderLine>
+  <cs:legend>
+    <cs:lnRef idx="0"/>
+    <cs:fillRef idx="0"/>
+    <cs:effectRef idx="0"/>
+    <cs:fontRef idx="minor">
+      <a:schemeClr val="tx2"/>
+    </cs:fontRef>
+    <cs:defRPr sz="900" kern="1200"/>
+  </cs:legend>
+  <cs:plotArea>
+    <cs:lnRef idx="0"/>
+    <cs:fillRef idx="0"/>
+    <cs:effectRef idx="0"/>
+    <cs:fontRef idx="minor">
+      <a:schemeClr val="tx2"/>
+    </cs:fontRef>
+  </cs:plotArea>
+  <cs:plotArea3D>
+    <cs:lnRef idx="0"/>
+    <cs:fillRef idx="0"/>
+    <cs:effectRef idx="0"/>
+    <cs:fontRef idx="minor">
+      <a:schemeClr val="tx2"/>
+    </cs:fontRef>
+  </cs:plotArea3D>
+  <cs:seriesAxis>
+    <cs:lnRef idx="0"/>
+    <cs:fillRef idx="0"/>
+    <cs:effectRef idx="0"/>
+    <cs:fontRef idx="minor">
+      <a:schemeClr val="tx2"/>
+    </cs:fontRef>
+    <cs:spPr>
+      <a:ln w="9525" cap="flat" cmpd="sng" algn="ctr">
+        <a:solidFill>
+          <a:schemeClr val="tx2">
+            <a:lumMod val="15000"/>
+            <a:lumOff val="85000"/>
+          </a:schemeClr>
+        </a:solidFill>
+        <a:round/>
+      </a:ln>
+    </cs:spPr>
+    <cs:defRPr sz="900" kern="1200"/>
+  </cs:seriesAxis>
+  <cs:seriesLine>
+    <cs:lnRef idx="0"/>
+    <cs:fillRef idx="0"/>
+    <cs:effectRef idx="0"/>
+    <cs:fontRef idx="minor">
+      <a:schemeClr val="tx2"/>
+    </cs:fontRef>
+    <cs:spPr>
+      <a:ln w="9525">
+        <a:solidFill>
+          <a:schemeClr val="tx2">
+            <a:lumMod val="60000"/>
+            <a:lumOff val="40000"/>
+          </a:schemeClr>
+        </a:solidFill>
+        <a:prstDash val="dash"/>
+      </a:ln>
+    </cs:spPr>
+  </cs:seriesLine>
+  <cs:title>
+    <cs:lnRef idx="0"/>
+    <cs:fillRef idx="0"/>
+    <cs:effectRef idx="0"/>
+    <cs:fontRef idx="minor">
+      <a:schemeClr val="tx2"/>
+    </cs:fontRef>
+    <cs:defRPr sz="1600" b="1" kern="1200"/>
+  </cs:title>
+  <cs:trendline>
+    <cs:lnRef idx="0">
+      <cs:styleClr val="auto"/>
+    </cs:lnRef>
+    <cs:fillRef idx="0"/>
+    <cs:effectRef idx="0"/>
+    <cs:fontRef idx="minor">
+      <a:schemeClr val="tx2"/>
+    </cs:fontRef>
+    <cs:spPr>
+      <a:ln w="19050" cap="rnd">
+        <a:solidFill>
+          <a:schemeClr val="phClr"/>
+        </a:solidFill>
+        <a:prstDash val="sysDash"/>
+      </a:ln>
+    </cs:spPr>
+  </cs:trendline>
+  <cs:trendlineLabel>
+    <cs:lnRef idx="0"/>
+    <cs:fillRef idx="0"/>
+    <cs:effectRef idx="0"/>
+    <cs:fontRef idx="minor">
+      <a:schemeClr val="tx2"/>
+    </cs:fontRef>
+    <cs:defRPr sz="900" kern="1200"/>
+  </cs:trendlineLabel>
+  <cs:upBar>
+    <cs:lnRef idx="0"/>
+    <cs:fillRef idx="0"/>
+    <cs:effectRef idx="0"/>
+    <cs:fontRef idx="minor">
+      <a:schemeClr val="tx2"/>
+    </cs:fontRef>
+    <cs:spPr>
+      <a:solidFill>
+        <a:schemeClr val="lt1"/>
+      </a:solidFill>
+      <a:ln w="9525">
+        <a:solidFill>
+          <a:schemeClr val="tx1">
+            <a:lumMod val="15000"/>
+            <a:lumOff val="85000"/>
+          </a:schemeClr>
+        </a:solidFill>
+      </a:ln>
+    </cs:spPr>
+  </cs:upBar>
+  <cs:valueAxis>
+    <cs:lnRef idx="0"/>
+    <cs:fillRef idx="0"/>
+    <cs:effectRef idx="0"/>
+    <cs:fontRef idx="minor">
+      <a:schemeClr val="tx2"/>
+    </cs:fontRef>
+    <cs:defRPr sz="900" kern="1200"/>
+  </cs:valueAxis>
+  <cs:wall>
+    <cs:lnRef idx="0"/>
+    <cs:fillRef idx="0"/>
+    <cs:effectRef idx="0"/>
+    <cs:fontRef idx="minor">
+      <a:schemeClr val="tx2"/>
+    </cs:fontRef>
+  </cs:wall>
+</cs:chartStyle>
+</file>
+
+<file path=ppt/charts/style10.xml><?xml version="1.0" encoding="utf-8"?>
+<cs:chartStyle xmlns:cs="http://schemas.microsoft.com/office/drawing/2012/chartStyle" xmlns:a="http://schemas.openxmlformats.org/drawingml/2006/main" id="201">
+  <cs:axisTitle>
+    <cs:lnRef idx="0"/>
+    <cs:fillRef idx="0"/>
+    <cs:effectRef idx="0"/>
+    <cs:fontRef idx="minor">
+      <a:schemeClr val="tx1">
+        <a:lumMod val="65000"/>
+        <a:lumOff val="35000"/>
+      </a:schemeClr>
+    </cs:fontRef>
+    <cs:defRPr sz="1000" kern="1200"/>
+  </cs:axisTitle>
+  <cs:categoryAxis>
+    <cs:lnRef idx="0"/>
+    <cs:fillRef idx="0"/>
+    <cs:effectRef idx="0"/>
+    <cs:fontRef idx="minor">
+      <a:schemeClr val="tx1">
+        <a:lumMod val="65000"/>
+        <a:lumOff val="35000"/>
+      </a:schemeClr>
+    </cs:fontRef>
+    <cs:spPr>
+      <a:ln w="9525" cap="flat" cmpd="sng" algn="ctr">
+        <a:solidFill>
+          <a:schemeClr val="tx1">
+            <a:lumMod val="15000"/>
+            <a:lumOff val="85000"/>
+          </a:schemeClr>
+        </a:solidFill>
+        <a:round/>
+      </a:ln>
+    </cs:spPr>
+    <cs:defRPr sz="900" kern="1200"/>
+  </cs:categoryAxis>
+  <cs:chartArea mods="allowNoFillOverride allowNoLineOverride">
+    <cs:lnRef idx="0"/>
+    <cs:fillRef idx="0"/>
+    <cs:effectRef idx="0"/>
+    <cs:fontRef idx="minor">
+      <a:schemeClr val="tx1"/>
+    </cs:fontRef>
+    <cs:spPr>
+      <a:solidFill>
+        <a:schemeClr val="bg1"/>
+      </a:solidFill>
+      <a:ln w="9525" cap="flat" cmpd="sng" algn="ctr">
+        <a:solidFill>
+          <a:schemeClr val="tx1">
+            <a:lumMod val="15000"/>
+            <a:lumOff val="85000"/>
+          </a:schemeClr>
+        </a:solidFill>
+        <a:round/>
+      </a:ln>
+    </cs:spPr>
+    <cs:defRPr sz="1000" kern="1200"/>
+  </cs:chartArea>
+  <cs:dataLabel>
+    <cs:lnRef idx="0"/>
+    <cs:fillRef idx="0"/>
+    <cs:effectRef idx="0"/>
+    <cs:fontRef idx="minor">
+      <a:schemeClr val="tx1">
+        <a:lumMod val="75000"/>
+        <a:lumOff val="25000"/>
+      </a:schemeClr>
+    </cs:fontRef>
+    <cs:defRPr sz="900" kern="1200"/>
+  </cs:dataLabel>
+  <cs:dataLabelCallout>
+    <cs:lnRef idx="0"/>
+    <cs:fillRef idx="0"/>
+    <cs:effectRef idx="0"/>
+    <cs:fontRef idx="minor">
+      <a:schemeClr val="dk1">
+        <a:lumMod val="65000"/>
+        <a:lumOff val="35000"/>
+      </a:schemeClr>
+    </cs:fontRef>
+    <cs:spPr>
+      <a:solidFill>
+        <a:schemeClr val="lt1"/>
+      </a:solidFill>
+      <a:ln>
+        <a:solidFill>
+          <a:schemeClr val="dk1">
+            <a:lumMod val="25000"/>
+            <a:lumOff val="75000"/>
+          </a:schemeClr>
+        </a:solidFill>
+      </a:ln>
+    </cs:spPr>
+    <cs:defRPr sz="900" kern="1200"/>
+    <cs:bodyPr rot="0" spcFirstLastPara="1" vertOverflow="clip" horzOverflow="clip" vert="horz" wrap="square" lIns="36576" tIns="18288" rIns="36576" bIns="18288" anchor="ctr" anchorCtr="1">
+      <a:spAutoFit/>
+    </cs:bodyPr>
+  </cs:dataLabelCallout>
+  <cs:dataPoint>
+    <cs:lnRef idx="0"/>
+    <cs:fillRef idx="1">
+      <cs:styleClr val="auto"/>
+    </cs:fillRef>
+    <cs:effectRef idx="0"/>
+    <cs:fontRef idx="minor">
+      <a:schemeClr val="tx1"/>
+    </cs:fontRef>
+  </cs:dataPoint>
+  <cs:dataPoint3D>
+    <cs:lnRef idx="0"/>
+    <cs:fillRef idx="1">
+      <cs:styleClr val="auto"/>
+    </cs:fillRef>
+    <cs:effectRef idx="0"/>
+    <cs:fontRef idx="minor">
+      <a:schemeClr val="tx1"/>
+    </cs:fontRef>
+  </cs:dataPoint3D>
+  <cs:dataPointLine>
+    <cs:lnRef idx="0">
+      <cs:styleClr val="auto"/>
+    </cs:lnRef>
+    <cs:fillRef idx="1"/>
     <cs:effectRef idx="0"/>
     <cs:fontRef idx="minor">
       <a:schemeClr val="tx1"/>
@@ -5973,7 +7347,7 @@
     <cs:lnRef idx="0">
       <cs:styleClr val="auto"/>
     </cs:lnRef>
-    <cs:fillRef idx="0"/>
+    <cs:fillRef idx="1"/>
     <cs:effectRef idx="0"/>
     <cs:fontRef idx="minor">
       <a:schemeClr val="tx1"/>
@@ -6016,23 +7390,22 @@
     <cs:fillRef idx="0"/>
     <cs:effectRef idx="0"/>
     <cs:fontRef idx="minor">
-      <a:schemeClr val="tx1"/>
+      <a:schemeClr val="dk1"/>
     </cs:fontRef>
     <cs:spPr>
       <a:solidFill>
         <a:schemeClr val="dk1">
-          <a:lumMod val="75000"/>
-          <a:lumOff val="25000"/>
+          <a:lumMod val="65000"/>
+          <a:lumOff val="35000"/>
         </a:schemeClr>
       </a:solidFill>
-      <a:ln w="9525" cap="flat" cmpd="sng" algn="ctr">
+      <a:ln w="9525">
         <a:solidFill>
           <a:schemeClr val="tx1">
             <a:lumMod val="65000"/>
             <a:lumOff val="35000"/>
           </a:schemeClr>
         </a:solidFill>
-        <a:round/>
       </a:ln>
     </cs:spPr>
   </cs:downBar>
@@ -6137,8 +7510,8 @@
       <a:ln w="9525" cap="flat" cmpd="sng" algn="ctr">
         <a:solidFill>
           <a:schemeClr val="tx1">
-            <a:lumMod val="50000"/>
-            <a:lumOff val="50000"/>
+            <a:lumMod val="75000"/>
+            <a:lumOff val="25000"/>
           </a:schemeClr>
         </a:solidFill>
         <a:round/>
@@ -6270,20 +7643,19 @@
     <cs:fillRef idx="0"/>
     <cs:effectRef idx="0"/>
     <cs:fontRef idx="minor">
-      <a:schemeClr val="tx1"/>
+      <a:schemeClr val="dk1"/>
     </cs:fontRef>
     <cs:spPr>
       <a:solidFill>
         <a:schemeClr val="lt1"/>
       </a:solidFill>
-      <a:ln w="9525" cap="flat" cmpd="sng" algn="ctr">
+      <a:ln w="9525">
         <a:solidFill>
           <a:schemeClr val="tx1">
-            <a:lumMod val="65000"/>
-            <a:lumOff val="35000"/>
+            <a:lumMod val="15000"/>
+            <a:lumOff val="85000"/>
           </a:schemeClr>
         </a:solidFill>
-        <a:round/>
       </a:ln>
     </cs:spPr>
   </cs:upBar>
@@ -6316,7 +7688,7 @@
 </cs:chartStyle>
 </file>
 
-<file path=ppt/charts/style10.xml><?xml version="1.0" encoding="utf-8"?>
+<file path=ppt/charts/style11.xml><?xml version="1.0" encoding="utf-8"?>
 <cs:chartStyle xmlns:cs="http://schemas.microsoft.com/office/drawing/2012/chartStyle" xmlns:a="http://schemas.openxmlformats.org/drawingml/2006/main" id="201">
   <cs:axisTitle>
     <cs:lnRef idx="0"/>
@@ -6819,7 +8191,7 @@
 </cs:chartStyle>
 </file>
 
-<file path=ppt/charts/style2.xml><?xml version="1.0" encoding="utf-8"?>
+<file path=ppt/charts/style12.xml><?xml version="1.0" encoding="utf-8"?>
 <cs:chartStyle xmlns:cs="http://schemas.microsoft.com/office/drawing/2012/chartStyle" xmlns:a="http://schemas.openxmlformats.org/drawingml/2006/main" id="201">
   <cs:axisTitle>
     <cs:lnRef idx="0"/>
@@ -7322,7 +8694,7 @@
 </cs:chartStyle>
 </file>
 
-<file path=ppt/charts/style3.xml><?xml version="1.0" encoding="utf-8"?>
+<file path=ppt/charts/style2.xml><?xml version="1.0" encoding="utf-8"?>
 <cs:chartStyle xmlns:cs="http://schemas.microsoft.com/office/drawing/2012/chartStyle" xmlns:a="http://schemas.openxmlformats.org/drawingml/2006/main" id="251">
   <cs:axisTitle>
     <cs:lnRef idx="0"/>
@@ -7841,7 +9213,7 @@
 </cs:chartStyle>
 </file>
 
-<file path=ppt/charts/style4.xml><?xml version="1.0" encoding="utf-8"?>
+<file path=ppt/charts/style3.xml><?xml version="1.0" encoding="utf-8"?>
 <cs:chartStyle xmlns:cs="http://schemas.microsoft.com/office/drawing/2012/chartStyle" xmlns:a="http://schemas.openxmlformats.org/drawingml/2006/main" id="251">
   <cs:axisTitle>
     <cs:lnRef idx="0"/>
@@ -8360,8 +9732,8 @@
 </cs:chartStyle>
 </file>
 
-<file path=ppt/charts/style5.xml><?xml version="1.0" encoding="utf-8"?>
-<cs:chartStyle xmlns:cs="http://schemas.microsoft.com/office/drawing/2012/chartStyle" xmlns:a="http://schemas.openxmlformats.org/drawingml/2006/main" id="251">
+<file path=ppt/charts/style4.xml><?xml version="1.0" encoding="utf-8"?>
+<cs:chartStyle xmlns:cs="http://schemas.microsoft.com/office/drawing/2012/chartStyle" xmlns:a="http://schemas.openxmlformats.org/drawingml/2006/main" id="201">
   <cs:axisTitle>
     <cs:lnRef idx="0"/>
     <cs:fillRef idx="0"/>
@@ -8418,7 +9790,7 @@
         <a:round/>
       </a:ln>
     </cs:spPr>
-    <cs:defRPr sz="900" kern="1200"/>
+    <cs:defRPr sz="1000" kern="1200"/>
   </cs:chartArea>
   <cs:dataLabel>
     <cs:lnRef idx="0"/>
@@ -8469,13 +9841,6 @@
     <cs:fontRef idx="minor">
       <a:schemeClr val="tx1"/>
     </cs:fontRef>
-    <cs:spPr>
-      <a:ln w="19050">
-        <a:solidFill>
-          <a:schemeClr val="lt1"/>
-        </a:solidFill>
-      </a:ln>
-    </cs:spPr>
   </cs:dataPoint>
   <cs:dataPoint3D>
     <cs:lnRef idx="0"/>
@@ -8486,19 +9851,12 @@
     <cs:fontRef idx="minor">
       <a:schemeClr val="tx1"/>
     </cs:fontRef>
-    <cs:spPr>
-      <a:ln w="25400">
-        <a:solidFill>
-          <a:schemeClr val="lt1"/>
-        </a:solidFill>
-      </a:ln>
-    </cs:spPr>
   </cs:dataPoint3D>
   <cs:dataPointLine>
     <cs:lnRef idx="0">
       <cs:styleClr val="auto"/>
     </cs:lnRef>
-    <cs:fillRef idx="0"/>
+    <cs:fillRef idx="1"/>
     <cs:effectRef idx="0"/>
     <cs:fontRef idx="minor">
       <a:schemeClr val="tx1"/>
@@ -8536,7 +9894,7 @@
     <cs:lnRef idx="0">
       <cs:styleClr val="auto"/>
     </cs:lnRef>
-    <cs:fillRef idx="0"/>
+    <cs:fillRef idx="1"/>
     <cs:effectRef idx="0"/>
     <cs:fontRef idx="minor">
       <a:schemeClr val="tx1"/>
@@ -8579,23 +9937,22 @@
     <cs:fillRef idx="0"/>
     <cs:effectRef idx="0"/>
     <cs:fontRef idx="minor">
-      <a:schemeClr val="tx1"/>
+      <a:schemeClr val="dk1"/>
     </cs:fontRef>
     <cs:spPr>
       <a:solidFill>
         <a:schemeClr val="dk1">
-          <a:lumMod val="75000"/>
-          <a:lumOff val="25000"/>
+          <a:lumMod val="65000"/>
+          <a:lumOff val="35000"/>
         </a:schemeClr>
       </a:solidFill>
-      <a:ln w="9525" cap="flat" cmpd="sng" algn="ctr">
+      <a:ln w="9525">
         <a:solidFill>
           <a:schemeClr val="tx1">
             <a:lumMod val="65000"/>
             <a:lumOff val="35000"/>
           </a:schemeClr>
         </a:solidFill>
-        <a:round/>
       </a:ln>
     </cs:spPr>
   </cs:downBar>
@@ -8700,8 +10057,8 @@
       <a:ln w="9525" cap="flat" cmpd="sng" algn="ctr">
         <a:solidFill>
           <a:schemeClr val="tx1">
-            <a:lumMod val="50000"/>
-            <a:lumOff val="50000"/>
+            <a:lumMod val="75000"/>
+            <a:lumOff val="25000"/>
           </a:schemeClr>
         </a:solidFill>
         <a:round/>
@@ -8833,20 +10190,19 @@
     <cs:fillRef idx="0"/>
     <cs:effectRef idx="0"/>
     <cs:fontRef idx="minor">
-      <a:schemeClr val="tx1"/>
+      <a:schemeClr val="dk1"/>
     </cs:fontRef>
     <cs:spPr>
       <a:solidFill>
         <a:schemeClr val="lt1"/>
       </a:solidFill>
-      <a:ln w="9525" cap="flat" cmpd="sng" algn="ctr">
+      <a:ln w="9525">
         <a:solidFill>
           <a:schemeClr val="tx1">
-            <a:lumMod val="65000"/>
-            <a:lumOff val="35000"/>
+            <a:lumMod val="15000"/>
+            <a:lumOff val="85000"/>
           </a:schemeClr>
         </a:solidFill>
-        <a:round/>
       </a:ln>
     </cs:spPr>
   </cs:upBar>
@@ -8879,8 +10235,8 @@
 </cs:chartStyle>
 </file>
 
-<file path=ppt/charts/style6.xml><?xml version="1.0" encoding="utf-8"?>
-<cs:chartStyle xmlns:cs="http://schemas.microsoft.com/office/drawing/2012/chartStyle" xmlns:a="http://schemas.openxmlformats.org/drawingml/2006/main" id="201">
+<file path=ppt/charts/style5.xml><?xml version="1.0" encoding="utf-8"?>
+<cs:chartStyle xmlns:cs="http://schemas.microsoft.com/office/drawing/2012/chartStyle" xmlns:a="http://schemas.openxmlformats.org/drawingml/2006/main" id="251">
   <cs:axisTitle>
     <cs:lnRef idx="0"/>
     <cs:fillRef idx="0"/>
@@ -8937,7 +10293,7 @@
         <a:round/>
       </a:ln>
     </cs:spPr>
-    <cs:defRPr sz="1000" kern="1200"/>
+    <cs:defRPr sz="900" kern="1200"/>
   </cs:chartArea>
   <cs:dataLabel>
     <cs:lnRef idx="0"/>
@@ -8988,6 +10344,13 @@
     <cs:fontRef idx="minor">
       <a:schemeClr val="tx1"/>
     </cs:fontRef>
+    <cs:spPr>
+      <a:ln w="19050">
+        <a:solidFill>
+          <a:schemeClr val="lt1"/>
+        </a:solidFill>
+      </a:ln>
+    </cs:spPr>
   </cs:dataPoint>
   <cs:dataPoint3D>
     <cs:lnRef idx="0"/>
@@ -8998,12 +10361,19 @@
     <cs:fontRef idx="minor">
       <a:schemeClr val="tx1"/>
     </cs:fontRef>
+    <cs:spPr>
+      <a:ln w="25400">
+        <a:solidFill>
+          <a:schemeClr val="lt1"/>
+        </a:solidFill>
+      </a:ln>
+    </cs:spPr>
   </cs:dataPoint3D>
   <cs:dataPointLine>
     <cs:lnRef idx="0">
       <cs:styleClr val="auto"/>
     </cs:lnRef>
-    <cs:fillRef idx="1"/>
+    <cs:fillRef idx="0"/>
     <cs:effectRef idx="0"/>
     <cs:fontRef idx="minor">
       <a:schemeClr val="tx1"/>
@@ -9041,7 +10411,7 @@
     <cs:lnRef idx="0">
       <cs:styleClr val="auto"/>
     </cs:lnRef>
-    <cs:fillRef idx="1"/>
+    <cs:fillRef idx="0"/>
     <cs:effectRef idx="0"/>
     <cs:fontRef idx="minor">
       <a:schemeClr val="tx1"/>
@@ -9084,22 +10454,23 @@
     <cs:fillRef idx="0"/>
     <cs:effectRef idx="0"/>
     <cs:fontRef idx="minor">
-      <a:schemeClr val="dk1"/>
+      <a:schemeClr val="tx1"/>
     </cs:fontRef>
     <cs:spPr>
       <a:solidFill>
         <a:schemeClr val="dk1">
-          <a:lumMod val="65000"/>
-          <a:lumOff val="35000"/>
+          <a:lumMod val="75000"/>
+          <a:lumOff val="25000"/>
         </a:schemeClr>
       </a:solidFill>
-      <a:ln w="9525">
+      <a:ln w="9525" cap="flat" cmpd="sng" algn="ctr">
         <a:solidFill>
           <a:schemeClr val="tx1">
             <a:lumMod val="65000"/>
             <a:lumOff val="35000"/>
           </a:schemeClr>
         </a:solidFill>
+        <a:round/>
       </a:ln>
     </cs:spPr>
   </cs:downBar>
@@ -9204,8 +10575,8 @@
       <a:ln w="9525" cap="flat" cmpd="sng" algn="ctr">
         <a:solidFill>
           <a:schemeClr val="tx1">
-            <a:lumMod val="75000"/>
-            <a:lumOff val="25000"/>
+            <a:lumMod val="50000"/>
+            <a:lumOff val="50000"/>
           </a:schemeClr>
         </a:solidFill>
         <a:round/>
@@ -9337,76 +10708,100 @@
     <cs:fillRef idx="0"/>
     <cs:effectRef idx="0"/>
     <cs:fontRef idx="minor">
-      <a:schemeClr val="dk1"/>
+      <a:schemeClr val="tx1"/>
     </cs:fontRef>
     <cs:spPr>
       <a:solidFill>
         <a:schemeClr val="lt1"/>
       </a:solidFill>
-      <a:ln w="9525">
+      <a:ln w="9525" cap="flat" cmpd="sng" algn="ctr">
+        <a:solidFill>
+          <a:schemeClr val="tx1">
+            <a:lumMod val="65000"/>
+            <a:lumOff val="35000"/>
+          </a:schemeClr>
+        </a:solidFill>
+        <a:round/>
+      </a:ln>
+    </cs:spPr>
+  </cs:upBar>
+  <cs:valueAxis>
+    <cs:lnRef idx="0"/>
+    <cs:fillRef idx="0"/>
+    <cs:effectRef idx="0"/>
+    <cs:fontRef idx="minor">
+      <a:schemeClr val="tx1">
+        <a:lumMod val="65000"/>
+        <a:lumOff val="35000"/>
+      </a:schemeClr>
+    </cs:fontRef>
+    <cs:defRPr sz="900" kern="1200"/>
+  </cs:valueAxis>
+  <cs:wall>
+    <cs:lnRef idx="0"/>
+    <cs:fillRef idx="0"/>
+    <cs:effectRef idx="0"/>
+    <cs:fontRef idx="minor">
+      <a:schemeClr val="tx1"/>
+    </cs:fontRef>
+    <cs:spPr>
+      <a:noFill/>
+      <a:ln>
+        <a:noFill/>
+      </a:ln>
+    </cs:spPr>
+  </cs:wall>
+</cs:chartStyle>
+</file>
+
+<file path=ppt/charts/style6.xml><?xml version="1.0" encoding="utf-8"?>
+<cs:chartStyle xmlns:cs="http://schemas.microsoft.com/office/drawing/2012/chartStyle" xmlns:a="http://schemas.openxmlformats.org/drawingml/2006/main" id="251">
+  <cs:axisTitle>
+    <cs:lnRef idx="0"/>
+    <cs:fillRef idx="0"/>
+    <cs:effectRef idx="0"/>
+    <cs:fontRef idx="minor">
+      <a:schemeClr val="tx1">
+        <a:lumMod val="65000"/>
+        <a:lumOff val="35000"/>
+      </a:schemeClr>
+    </cs:fontRef>
+    <cs:defRPr sz="1000" kern="1200"/>
+  </cs:axisTitle>
+  <cs:categoryAxis>
+    <cs:lnRef idx="0"/>
+    <cs:fillRef idx="0"/>
+    <cs:effectRef idx="0"/>
+    <cs:fontRef idx="minor">
+      <a:schemeClr val="tx1">
+        <a:lumMod val="65000"/>
+        <a:lumOff val="35000"/>
+      </a:schemeClr>
+    </cs:fontRef>
+    <cs:spPr>
+      <a:ln w="9525" cap="flat" cmpd="sng" algn="ctr">
         <a:solidFill>
           <a:schemeClr val="tx1">
             <a:lumMod val="15000"/>
             <a:lumOff val="85000"/>
           </a:schemeClr>
         </a:solidFill>
-      </a:ln>
-    </cs:spPr>
-  </cs:upBar>
-  <cs:valueAxis>
-    <cs:lnRef idx="0"/>
-    <cs:fillRef idx="0"/>
-    <cs:effectRef idx="0"/>
-    <cs:fontRef idx="minor">
-      <a:schemeClr val="tx1">
-        <a:lumMod val="65000"/>
-        <a:lumOff val="35000"/>
-      </a:schemeClr>
-    </cs:fontRef>
+        <a:round/>
+      </a:ln>
+    </cs:spPr>
     <cs:defRPr sz="900" kern="1200"/>
-  </cs:valueAxis>
-  <cs:wall>
-    <cs:lnRef idx="0"/>
-    <cs:fillRef idx="0"/>
-    <cs:effectRef idx="0"/>
-    <cs:fontRef idx="minor">
-      <a:schemeClr val="tx1"/>
-    </cs:fontRef>
-    <cs:spPr>
-      <a:noFill/>
-      <a:ln>
-        <a:noFill/>
-      </a:ln>
-    </cs:spPr>
-  </cs:wall>
-</cs:chartStyle>
-</file>
-
-<file path=ppt/charts/style7.xml><?xml version="1.0" encoding="utf-8"?>
-<cs:chartStyle xmlns:cs="http://schemas.microsoft.com/office/drawing/2012/chartStyle" xmlns:a="http://schemas.openxmlformats.org/drawingml/2006/main" id="201">
-  <cs:axisTitle>
-    <cs:lnRef idx="0"/>
-    <cs:fillRef idx="0"/>
-    <cs:effectRef idx="0"/>
-    <cs:fontRef idx="minor">
-      <a:schemeClr val="tx1">
-        <a:lumMod val="65000"/>
-        <a:lumOff val="35000"/>
-      </a:schemeClr>
-    </cs:fontRef>
-    <cs:defRPr sz="1000" kern="1200"/>
-  </cs:axisTitle>
-  <cs:categoryAxis>
-    <cs:lnRef idx="0"/>
-    <cs:fillRef idx="0"/>
-    <cs:effectRef idx="0"/>
-    <cs:fontRef idx="minor">
-      <a:schemeClr val="tx1">
-        <a:lumMod val="65000"/>
-        <a:lumOff val="35000"/>
-      </a:schemeClr>
-    </cs:fontRef>
-    <cs:spPr>
+  </cs:categoryAxis>
+  <cs:chartArea mods="allowNoFillOverride allowNoLineOverride">
+    <cs:lnRef idx="0"/>
+    <cs:fillRef idx="0"/>
+    <cs:effectRef idx="0"/>
+    <cs:fontRef idx="minor">
+      <a:schemeClr val="tx1"/>
+    </cs:fontRef>
+    <cs:spPr>
+      <a:solidFill>
+        <a:schemeClr val="bg1"/>
+      </a:solidFill>
       <a:ln w="9525" cap="flat" cmpd="sng" algn="ctr">
         <a:solidFill>
           <a:schemeClr val="tx1">
@@ -9418,29 +10813,6 @@
       </a:ln>
     </cs:spPr>
     <cs:defRPr sz="900" kern="1200"/>
-  </cs:categoryAxis>
-  <cs:chartArea mods="allowNoFillOverride allowNoLineOverride">
-    <cs:lnRef idx="0"/>
-    <cs:fillRef idx="0"/>
-    <cs:effectRef idx="0"/>
-    <cs:fontRef idx="minor">
-      <a:schemeClr val="tx1"/>
-    </cs:fontRef>
-    <cs:spPr>
-      <a:solidFill>
-        <a:schemeClr val="bg1"/>
-      </a:solidFill>
-      <a:ln w="9525" cap="flat" cmpd="sng" algn="ctr">
-        <a:solidFill>
-          <a:schemeClr val="tx1">
-            <a:lumMod val="15000"/>
-            <a:lumOff val="85000"/>
-          </a:schemeClr>
-        </a:solidFill>
-        <a:round/>
-      </a:ln>
-    </cs:spPr>
-    <cs:defRPr sz="1000" kern="1200"/>
   </cs:chartArea>
   <cs:dataLabel>
     <cs:lnRef idx="0"/>
@@ -9491,6 +10863,13 @@
     <cs:fontRef idx="minor">
       <a:schemeClr val="tx1"/>
     </cs:fontRef>
+    <cs:spPr>
+      <a:ln w="19050">
+        <a:solidFill>
+          <a:schemeClr val="lt1"/>
+        </a:solidFill>
+      </a:ln>
+    </cs:spPr>
   </cs:dataPoint>
   <cs:dataPoint3D>
     <cs:lnRef idx="0"/>
@@ -9501,12 +10880,19 @@
     <cs:fontRef idx="minor">
       <a:schemeClr val="tx1"/>
     </cs:fontRef>
+    <cs:spPr>
+      <a:ln w="25400">
+        <a:solidFill>
+          <a:schemeClr val="lt1"/>
+        </a:solidFill>
+      </a:ln>
+    </cs:spPr>
   </cs:dataPoint3D>
   <cs:dataPointLine>
     <cs:lnRef idx="0">
       <cs:styleClr val="auto"/>
     </cs:lnRef>
-    <cs:fillRef idx="1"/>
+    <cs:fillRef idx="0"/>
     <cs:effectRef idx="0"/>
     <cs:fontRef idx="minor">
       <a:schemeClr val="tx1"/>
@@ -9544,7 +10930,7 @@
     <cs:lnRef idx="0">
       <cs:styleClr val="auto"/>
     </cs:lnRef>
-    <cs:fillRef idx="1"/>
+    <cs:fillRef idx="0"/>
     <cs:effectRef idx="0"/>
     <cs:fontRef idx="minor">
       <a:schemeClr val="tx1"/>
@@ -9587,22 +10973,23 @@
     <cs:fillRef idx="0"/>
     <cs:effectRef idx="0"/>
     <cs:fontRef idx="minor">
-      <a:schemeClr val="dk1"/>
+      <a:schemeClr val="tx1"/>
     </cs:fontRef>
     <cs:spPr>
       <a:solidFill>
         <a:schemeClr val="dk1">
-          <a:lumMod val="65000"/>
-          <a:lumOff val="35000"/>
+          <a:lumMod val="75000"/>
+          <a:lumOff val="25000"/>
         </a:schemeClr>
       </a:solidFill>
-      <a:ln w="9525">
+      <a:ln w="9525" cap="flat" cmpd="sng" algn="ctr">
         <a:solidFill>
           <a:schemeClr val="tx1">
             <a:lumMod val="65000"/>
             <a:lumOff val="35000"/>
           </a:schemeClr>
         </a:solidFill>
+        <a:round/>
       </a:ln>
     </cs:spPr>
   </cs:downBar>
@@ -9707,8 +11094,8 @@
       <a:ln w="9525" cap="flat" cmpd="sng" algn="ctr">
         <a:solidFill>
           <a:schemeClr val="tx1">
-            <a:lumMod val="75000"/>
-            <a:lumOff val="25000"/>
+            <a:lumMod val="50000"/>
+            <a:lumOff val="50000"/>
           </a:schemeClr>
         </a:solidFill>
         <a:round/>
@@ -9840,19 +11227,539 @@
     <cs:fillRef idx="0"/>
     <cs:effectRef idx="0"/>
     <cs:fontRef idx="minor">
-      <a:schemeClr val="dk1"/>
+      <a:schemeClr val="tx1"/>
     </cs:fontRef>
     <cs:spPr>
       <a:solidFill>
         <a:schemeClr val="lt1"/>
       </a:solidFill>
-      <a:ln w="9525">
+      <a:ln w="9525" cap="flat" cmpd="sng" algn="ctr">
+        <a:solidFill>
+          <a:schemeClr val="tx1">
+            <a:lumMod val="65000"/>
+            <a:lumOff val="35000"/>
+          </a:schemeClr>
+        </a:solidFill>
+        <a:round/>
+      </a:ln>
+    </cs:spPr>
+  </cs:upBar>
+  <cs:valueAxis>
+    <cs:lnRef idx="0"/>
+    <cs:fillRef idx="0"/>
+    <cs:effectRef idx="0"/>
+    <cs:fontRef idx="minor">
+      <a:schemeClr val="tx1">
+        <a:lumMod val="65000"/>
+        <a:lumOff val="35000"/>
+      </a:schemeClr>
+    </cs:fontRef>
+    <cs:defRPr sz="900" kern="1200"/>
+  </cs:valueAxis>
+  <cs:wall>
+    <cs:lnRef idx="0"/>
+    <cs:fillRef idx="0"/>
+    <cs:effectRef idx="0"/>
+    <cs:fontRef idx="minor">
+      <a:schemeClr val="tx1"/>
+    </cs:fontRef>
+    <cs:spPr>
+      <a:noFill/>
+      <a:ln>
+        <a:noFill/>
+      </a:ln>
+    </cs:spPr>
+  </cs:wall>
+</cs:chartStyle>
+</file>
+
+<file path=ppt/charts/style7.xml><?xml version="1.0" encoding="utf-8"?>
+<cs:chartStyle xmlns:cs="http://schemas.microsoft.com/office/drawing/2012/chartStyle" xmlns:a="http://schemas.openxmlformats.org/drawingml/2006/main" id="251">
+  <cs:axisTitle>
+    <cs:lnRef idx="0"/>
+    <cs:fillRef idx="0"/>
+    <cs:effectRef idx="0"/>
+    <cs:fontRef idx="minor">
+      <a:schemeClr val="tx1">
+        <a:lumMod val="65000"/>
+        <a:lumOff val="35000"/>
+      </a:schemeClr>
+    </cs:fontRef>
+    <cs:defRPr sz="1000" kern="1200"/>
+  </cs:axisTitle>
+  <cs:categoryAxis>
+    <cs:lnRef idx="0"/>
+    <cs:fillRef idx="0"/>
+    <cs:effectRef idx="0"/>
+    <cs:fontRef idx="minor">
+      <a:schemeClr val="tx1">
+        <a:lumMod val="65000"/>
+        <a:lumOff val="35000"/>
+      </a:schemeClr>
+    </cs:fontRef>
+    <cs:spPr>
+      <a:ln w="9525" cap="flat" cmpd="sng" algn="ctr">
         <a:solidFill>
           <a:schemeClr val="tx1">
             <a:lumMod val="15000"/>
             <a:lumOff val="85000"/>
           </a:schemeClr>
         </a:solidFill>
+        <a:round/>
+      </a:ln>
+    </cs:spPr>
+    <cs:defRPr sz="900" kern="1200"/>
+  </cs:categoryAxis>
+  <cs:chartArea mods="allowNoFillOverride allowNoLineOverride">
+    <cs:lnRef idx="0"/>
+    <cs:fillRef idx="0"/>
+    <cs:effectRef idx="0"/>
+    <cs:fontRef idx="minor">
+      <a:schemeClr val="tx1"/>
+    </cs:fontRef>
+    <cs:spPr>
+      <a:solidFill>
+        <a:schemeClr val="bg1"/>
+      </a:solidFill>
+      <a:ln w="9525" cap="flat" cmpd="sng" algn="ctr">
+        <a:solidFill>
+          <a:schemeClr val="tx1">
+            <a:lumMod val="15000"/>
+            <a:lumOff val="85000"/>
+          </a:schemeClr>
+        </a:solidFill>
+        <a:round/>
+      </a:ln>
+    </cs:spPr>
+    <cs:defRPr sz="900" kern="1200"/>
+  </cs:chartArea>
+  <cs:dataLabel>
+    <cs:lnRef idx="0"/>
+    <cs:fillRef idx="0"/>
+    <cs:effectRef idx="0"/>
+    <cs:fontRef idx="minor">
+      <a:schemeClr val="tx1">
+        <a:lumMod val="75000"/>
+        <a:lumOff val="25000"/>
+      </a:schemeClr>
+    </cs:fontRef>
+    <cs:defRPr sz="900" kern="1200"/>
+  </cs:dataLabel>
+  <cs:dataLabelCallout>
+    <cs:lnRef idx="0"/>
+    <cs:fillRef idx="0"/>
+    <cs:effectRef idx="0"/>
+    <cs:fontRef idx="minor">
+      <a:schemeClr val="dk1">
+        <a:lumMod val="65000"/>
+        <a:lumOff val="35000"/>
+      </a:schemeClr>
+    </cs:fontRef>
+    <cs:spPr>
+      <a:solidFill>
+        <a:schemeClr val="lt1"/>
+      </a:solidFill>
+      <a:ln>
+        <a:solidFill>
+          <a:schemeClr val="dk1">
+            <a:lumMod val="25000"/>
+            <a:lumOff val="75000"/>
+          </a:schemeClr>
+        </a:solidFill>
+      </a:ln>
+    </cs:spPr>
+    <cs:defRPr sz="900" kern="1200"/>
+    <cs:bodyPr rot="0" spcFirstLastPara="1" vertOverflow="clip" horzOverflow="clip" vert="horz" wrap="square" lIns="36576" tIns="18288" rIns="36576" bIns="18288" anchor="ctr" anchorCtr="1">
+      <a:spAutoFit/>
+    </cs:bodyPr>
+  </cs:dataLabelCallout>
+  <cs:dataPoint>
+    <cs:lnRef idx="0"/>
+    <cs:fillRef idx="1">
+      <cs:styleClr val="auto"/>
+    </cs:fillRef>
+    <cs:effectRef idx="0"/>
+    <cs:fontRef idx="minor">
+      <a:schemeClr val="tx1"/>
+    </cs:fontRef>
+    <cs:spPr>
+      <a:ln w="19050">
+        <a:solidFill>
+          <a:schemeClr val="lt1"/>
+        </a:solidFill>
+      </a:ln>
+    </cs:spPr>
+  </cs:dataPoint>
+  <cs:dataPoint3D>
+    <cs:lnRef idx="0"/>
+    <cs:fillRef idx="1">
+      <cs:styleClr val="auto"/>
+    </cs:fillRef>
+    <cs:effectRef idx="0"/>
+    <cs:fontRef idx="minor">
+      <a:schemeClr val="tx1"/>
+    </cs:fontRef>
+    <cs:spPr>
+      <a:ln w="25400">
+        <a:solidFill>
+          <a:schemeClr val="lt1"/>
+        </a:solidFill>
+      </a:ln>
+    </cs:spPr>
+  </cs:dataPoint3D>
+  <cs:dataPointLine>
+    <cs:lnRef idx="0">
+      <cs:styleClr val="auto"/>
+    </cs:lnRef>
+    <cs:fillRef idx="0"/>
+    <cs:effectRef idx="0"/>
+    <cs:fontRef idx="minor">
+      <a:schemeClr val="tx1"/>
+    </cs:fontRef>
+    <cs:spPr>
+      <a:ln w="28575" cap="rnd">
+        <a:solidFill>
+          <a:schemeClr val="phClr"/>
+        </a:solidFill>
+        <a:round/>
+      </a:ln>
+    </cs:spPr>
+  </cs:dataPointLine>
+  <cs:dataPointMarker>
+    <cs:lnRef idx="0">
+      <cs:styleClr val="auto"/>
+    </cs:lnRef>
+    <cs:fillRef idx="1">
+      <cs:styleClr val="auto"/>
+    </cs:fillRef>
+    <cs:effectRef idx="0"/>
+    <cs:fontRef idx="minor">
+      <a:schemeClr val="tx1"/>
+    </cs:fontRef>
+    <cs:spPr>
+      <a:ln w="9525">
+        <a:solidFill>
+          <a:schemeClr val="phClr"/>
+        </a:solidFill>
+      </a:ln>
+    </cs:spPr>
+  </cs:dataPointMarker>
+  <cs:dataPointMarkerLayout symbol="circle" size="5"/>
+  <cs:dataPointWireframe>
+    <cs:lnRef idx="0">
+      <cs:styleClr val="auto"/>
+    </cs:lnRef>
+    <cs:fillRef idx="0"/>
+    <cs:effectRef idx="0"/>
+    <cs:fontRef idx="minor">
+      <a:schemeClr val="tx1"/>
+    </cs:fontRef>
+    <cs:spPr>
+      <a:ln w="9525" cap="rnd">
+        <a:solidFill>
+          <a:schemeClr val="phClr"/>
+        </a:solidFill>
+        <a:round/>
+      </a:ln>
+    </cs:spPr>
+  </cs:dataPointWireframe>
+  <cs:dataTable>
+    <cs:lnRef idx="0"/>
+    <cs:fillRef idx="0"/>
+    <cs:effectRef idx="0"/>
+    <cs:fontRef idx="minor">
+      <a:schemeClr val="tx1">
+        <a:lumMod val="65000"/>
+        <a:lumOff val="35000"/>
+      </a:schemeClr>
+    </cs:fontRef>
+    <cs:spPr>
+      <a:noFill/>
+      <a:ln w="9525" cap="flat" cmpd="sng" algn="ctr">
+        <a:solidFill>
+          <a:schemeClr val="tx1">
+            <a:lumMod val="15000"/>
+            <a:lumOff val="85000"/>
+          </a:schemeClr>
+        </a:solidFill>
+        <a:round/>
+      </a:ln>
+    </cs:spPr>
+    <cs:defRPr sz="900" kern="1200"/>
+  </cs:dataTable>
+  <cs:downBar>
+    <cs:lnRef idx="0"/>
+    <cs:fillRef idx="0"/>
+    <cs:effectRef idx="0"/>
+    <cs:fontRef idx="minor">
+      <a:schemeClr val="tx1"/>
+    </cs:fontRef>
+    <cs:spPr>
+      <a:solidFill>
+        <a:schemeClr val="dk1">
+          <a:lumMod val="75000"/>
+          <a:lumOff val="25000"/>
+        </a:schemeClr>
+      </a:solidFill>
+      <a:ln w="9525" cap="flat" cmpd="sng" algn="ctr">
+        <a:solidFill>
+          <a:schemeClr val="tx1">
+            <a:lumMod val="65000"/>
+            <a:lumOff val="35000"/>
+          </a:schemeClr>
+        </a:solidFill>
+        <a:round/>
+      </a:ln>
+    </cs:spPr>
+  </cs:downBar>
+  <cs:dropLine>
+    <cs:lnRef idx="0"/>
+    <cs:fillRef idx="0"/>
+    <cs:effectRef idx="0"/>
+    <cs:fontRef idx="minor">
+      <a:schemeClr val="tx1"/>
+    </cs:fontRef>
+    <cs:spPr>
+      <a:ln w="9525" cap="flat" cmpd="sng" algn="ctr">
+        <a:solidFill>
+          <a:schemeClr val="tx1">
+            <a:lumMod val="35000"/>
+            <a:lumOff val="65000"/>
+          </a:schemeClr>
+        </a:solidFill>
+        <a:round/>
+      </a:ln>
+    </cs:spPr>
+  </cs:dropLine>
+  <cs:errorBar>
+    <cs:lnRef idx="0"/>
+    <cs:fillRef idx="0"/>
+    <cs:effectRef idx="0"/>
+    <cs:fontRef idx="minor">
+      <a:schemeClr val="tx1"/>
+    </cs:fontRef>
+    <cs:spPr>
+      <a:ln w="9525" cap="flat" cmpd="sng" algn="ctr">
+        <a:solidFill>
+          <a:schemeClr val="tx1">
+            <a:lumMod val="65000"/>
+            <a:lumOff val="35000"/>
+          </a:schemeClr>
+        </a:solidFill>
+        <a:round/>
+      </a:ln>
+    </cs:spPr>
+  </cs:errorBar>
+  <cs:floor>
+    <cs:lnRef idx="0"/>
+    <cs:fillRef idx="0"/>
+    <cs:effectRef idx="0"/>
+    <cs:fontRef idx="minor">
+      <a:schemeClr val="tx1"/>
+    </cs:fontRef>
+    <cs:spPr>
+      <a:noFill/>
+      <a:ln>
+        <a:noFill/>
+      </a:ln>
+    </cs:spPr>
+  </cs:floor>
+  <cs:gridlineMajor>
+    <cs:lnRef idx="0"/>
+    <cs:fillRef idx="0"/>
+    <cs:effectRef idx="0"/>
+    <cs:fontRef idx="minor">
+      <a:schemeClr val="tx1"/>
+    </cs:fontRef>
+    <cs:spPr>
+      <a:ln w="9525" cap="flat" cmpd="sng" algn="ctr">
+        <a:solidFill>
+          <a:schemeClr val="tx1">
+            <a:lumMod val="15000"/>
+            <a:lumOff val="85000"/>
+          </a:schemeClr>
+        </a:solidFill>
+        <a:round/>
+      </a:ln>
+    </cs:spPr>
+  </cs:gridlineMajor>
+  <cs:gridlineMinor>
+    <cs:lnRef idx="0"/>
+    <cs:fillRef idx="0"/>
+    <cs:effectRef idx="0"/>
+    <cs:fontRef idx="minor">
+      <a:schemeClr val="tx1"/>
+    </cs:fontRef>
+    <cs:spPr>
+      <a:ln w="9525" cap="flat" cmpd="sng" algn="ctr">
+        <a:solidFill>
+          <a:schemeClr val="tx1">
+            <a:lumMod val="5000"/>
+            <a:lumOff val="95000"/>
+          </a:schemeClr>
+        </a:solidFill>
+        <a:round/>
+      </a:ln>
+    </cs:spPr>
+  </cs:gridlineMinor>
+  <cs:hiLoLine>
+    <cs:lnRef idx="0"/>
+    <cs:fillRef idx="0"/>
+    <cs:effectRef idx="0"/>
+    <cs:fontRef idx="minor">
+      <a:schemeClr val="tx1"/>
+    </cs:fontRef>
+    <cs:spPr>
+      <a:ln w="9525" cap="flat" cmpd="sng" algn="ctr">
+        <a:solidFill>
+          <a:schemeClr val="tx1">
+            <a:lumMod val="50000"/>
+            <a:lumOff val="50000"/>
+          </a:schemeClr>
+        </a:solidFill>
+        <a:round/>
+      </a:ln>
+    </cs:spPr>
+  </cs:hiLoLine>
+  <cs:leaderLine>
+    <cs:lnRef idx="0"/>
+    <cs:fillRef idx="0"/>
+    <cs:effectRef idx="0"/>
+    <cs:fontRef idx="minor">
+      <a:schemeClr val="tx1"/>
+    </cs:fontRef>
+    <cs:spPr>
+      <a:ln w="9525" cap="flat" cmpd="sng" algn="ctr">
+        <a:solidFill>
+          <a:schemeClr val="tx1">
+            <a:lumMod val="35000"/>
+            <a:lumOff val="65000"/>
+          </a:schemeClr>
+        </a:solidFill>
+        <a:round/>
+      </a:ln>
+    </cs:spPr>
+  </cs:leaderLine>
+  <cs:legend>
+    <cs:lnRef idx="0"/>
+    <cs:fillRef idx="0"/>
+    <cs:effectRef idx="0"/>
+    <cs:fontRef idx="minor">
+      <a:schemeClr val="tx1">
+        <a:lumMod val="65000"/>
+        <a:lumOff val="35000"/>
+      </a:schemeClr>
+    </cs:fontRef>
+    <cs:defRPr sz="900" kern="1200"/>
+  </cs:legend>
+  <cs:plotArea mods="allowNoFillOverride allowNoLineOverride">
+    <cs:lnRef idx="0"/>
+    <cs:fillRef idx="0"/>
+    <cs:effectRef idx="0"/>
+    <cs:fontRef idx="minor">
+      <a:schemeClr val="tx1"/>
+    </cs:fontRef>
+  </cs:plotArea>
+  <cs:plotArea3D mods="allowNoFillOverride allowNoLineOverride">
+    <cs:lnRef idx="0"/>
+    <cs:fillRef idx="0"/>
+    <cs:effectRef idx="0"/>
+    <cs:fontRef idx="minor">
+      <a:schemeClr val="tx1"/>
+    </cs:fontRef>
+  </cs:plotArea3D>
+  <cs:seriesAxis>
+    <cs:lnRef idx="0"/>
+    <cs:fillRef idx="0"/>
+    <cs:effectRef idx="0"/>
+    <cs:fontRef idx="minor">
+      <a:schemeClr val="tx1">
+        <a:lumMod val="65000"/>
+        <a:lumOff val="35000"/>
+      </a:schemeClr>
+    </cs:fontRef>
+    <cs:defRPr sz="900" kern="1200"/>
+  </cs:seriesAxis>
+  <cs:seriesLine>
+    <cs:lnRef idx="0"/>
+    <cs:fillRef idx="0"/>
+    <cs:effectRef idx="0"/>
+    <cs:fontRef idx="minor">
+      <a:schemeClr val="tx1"/>
+    </cs:fontRef>
+    <cs:spPr>
+      <a:ln w="9525" cap="flat" cmpd="sng" algn="ctr">
+        <a:solidFill>
+          <a:schemeClr val="tx1">
+            <a:lumMod val="35000"/>
+            <a:lumOff val="65000"/>
+          </a:schemeClr>
+        </a:solidFill>
+        <a:round/>
+      </a:ln>
+    </cs:spPr>
+  </cs:seriesLine>
+  <cs:title>
+    <cs:lnRef idx="0"/>
+    <cs:fillRef idx="0"/>
+    <cs:effectRef idx="0"/>
+    <cs:fontRef idx="minor">
+      <a:schemeClr val="tx1">
+        <a:lumMod val="65000"/>
+        <a:lumOff val="35000"/>
+      </a:schemeClr>
+    </cs:fontRef>
+    <cs:defRPr sz="1400" b="0" kern="1200" spc="0" baseline="0"/>
+  </cs:title>
+  <cs:trendline>
+    <cs:lnRef idx="0">
+      <cs:styleClr val="auto"/>
+    </cs:lnRef>
+    <cs:fillRef idx="0"/>
+    <cs:effectRef idx="0"/>
+    <cs:fontRef idx="minor">
+      <a:schemeClr val="tx1"/>
+    </cs:fontRef>
+    <cs:spPr>
+      <a:ln w="19050" cap="rnd">
+        <a:solidFill>
+          <a:schemeClr val="phClr"/>
+        </a:solidFill>
+        <a:prstDash val="sysDot"/>
+      </a:ln>
+    </cs:spPr>
+  </cs:trendline>
+  <cs:trendlineLabel>
+    <cs:lnRef idx="0"/>
+    <cs:fillRef idx="0"/>
+    <cs:effectRef idx="0"/>
+    <cs:fontRef idx="minor">
+      <a:schemeClr val="tx1">
+        <a:lumMod val="65000"/>
+        <a:lumOff val="35000"/>
+      </a:schemeClr>
+    </cs:fontRef>
+    <cs:defRPr sz="900" kern="1200"/>
+  </cs:trendlineLabel>
+  <cs:upBar>
+    <cs:lnRef idx="0"/>
+    <cs:fillRef idx="0"/>
+    <cs:effectRef idx="0"/>
+    <cs:fontRef idx="minor">
+      <a:schemeClr val="tx1"/>
+    </cs:fontRef>
+    <cs:spPr>
+      <a:solidFill>
+        <a:schemeClr val="lt1"/>
+      </a:solidFill>
+      <a:ln w="9525" cap="flat" cmpd="sng" algn="ctr">
+        <a:solidFill>
+          <a:schemeClr val="tx1">
+            <a:lumMod val="65000"/>
+            <a:lumOff val="35000"/>
+          </a:schemeClr>
+        </a:solidFill>
+        <a:round/>
       </a:ln>
     </cs:spPr>
   </cs:upBar>
@@ -14559,7 +16466,366 @@
 </p:sld>
 </file>
 
+<file path=ppt/slides/slide10.xml><?xml version="1.0" encoding="utf-8"?>
+<p:sld xmlns:a="http://schemas.openxmlformats.org/drawingml/2006/main" xmlns:r="http://schemas.openxmlformats.org/officeDocument/2006/relationships" xmlns:p="http://schemas.openxmlformats.org/presentationml/2006/main">
+  <p:cSld>
+    <p:spTree>
+      <p:nvGrpSpPr>
+        <p:cNvPr id="1" name=""/>
+        <p:cNvGrpSpPr/>
+        <p:nvPr/>
+      </p:nvGrpSpPr>
+      <p:grpSpPr>
+        <a:xfrm>
+          <a:off x="0" y="0"/>
+          <a:ext cx="0" cy="0"/>
+          <a:chOff x="0" y="0"/>
+          <a:chExt cx="0" cy="0"/>
+        </a:xfrm>
+      </p:grpSpPr>
+      <p:sp>
+        <p:nvSpPr>
+          <p:cNvPr id="4" name="Rectangle 3">
+            <a:extLst>
+              <a:ext uri="{FF2B5EF4-FFF2-40B4-BE49-F238E27FC236}">
+                <a16:creationId xmlns:a16="http://schemas.microsoft.com/office/drawing/2014/main" id="{5857F923-5B29-3540-AA91-0782367B0837}"/>
+              </a:ext>
+            </a:extLst>
+          </p:cNvPr>
+          <p:cNvSpPr/>
+          <p:nvPr/>
+        </p:nvSpPr>
+        <p:spPr>
+          <a:xfrm>
+            <a:off x="759591" y="404152"/>
+            <a:ext cx="7061420" cy="646331"/>
+          </a:xfrm>
+          <a:prstGeom prst="rect">
+            <a:avLst/>
+          </a:prstGeom>
+        </p:spPr>
+        <p:txBody>
+          <a:bodyPr wrap="none">
+            <a:spAutoFit/>
+          </a:bodyPr>
+          <a:lstStyle/>
+          <a:p>
+            <a:r>
+              <a:rPr lang="en-US" dirty="0"/>
+              <a:t>Continued- Across </a:t>
+            </a:r>
+            <a:r>
+              <a:rPr lang="en-US" dirty="0" err="1"/>
+              <a:t>click_nobuy</a:t>
+            </a:r>
+            <a:r>
+              <a:rPr lang="en-US" dirty="0"/>
+              <a:t>, </a:t>
+            </a:r>
+            <a:r>
+              <a:rPr lang="en-US" dirty="0" err="1"/>
+              <a:t>click_buy</a:t>
+            </a:r>
+            <a:r>
+              <a:rPr lang="en-US" dirty="0"/>
+              <a:t>, </a:t>
+            </a:r>
+            <a:r>
+              <a:rPr lang="en-US" dirty="0" err="1"/>
+              <a:t>noclick_nobuy</a:t>
+            </a:r>
+            <a:r>
+              <a:rPr lang="en-US" dirty="0"/>
+              <a:t>, across ranks 1-5</a:t>
+            </a:r>
+          </a:p>
+          <a:p>
+            <a:endParaRPr lang="en-US" dirty="0"/>
+          </a:p>
+        </p:txBody>
+      </p:sp>
+      <p:pic>
+        <p:nvPicPr>
+          <p:cNvPr id="6" name="Picture 5">
+            <a:extLst>
+              <a:ext uri="{FF2B5EF4-FFF2-40B4-BE49-F238E27FC236}">
+                <a16:creationId xmlns:a16="http://schemas.microsoft.com/office/drawing/2014/main" id="{331FDC7E-AA56-7342-BBE3-F7B43D5EB134}"/>
+              </a:ext>
+            </a:extLst>
+          </p:cNvPr>
+          <p:cNvPicPr>
+            <a:picLocks noChangeAspect="1"/>
+          </p:cNvPicPr>
+          <p:nvPr/>
+        </p:nvPicPr>
+        <p:blipFill>
+          <a:blip r:embed="rId2"/>
+          <a:stretch>
+            <a:fillRect/>
+          </a:stretch>
+        </p:blipFill>
+        <p:spPr>
+          <a:xfrm>
+            <a:off x="759591" y="965139"/>
+            <a:ext cx="4438598" cy="2668077"/>
+          </a:xfrm>
+          <a:prstGeom prst="rect">
+            <a:avLst/>
+          </a:prstGeom>
+        </p:spPr>
+      </p:pic>
+      <p:sp>
+        <p:nvSpPr>
+          <p:cNvPr id="2" name="Slide Number Placeholder 1">
+            <a:extLst>
+              <a:ext uri="{FF2B5EF4-FFF2-40B4-BE49-F238E27FC236}">
+                <a16:creationId xmlns:a16="http://schemas.microsoft.com/office/drawing/2014/main" id="{51EA0A4D-1FC4-9546-9E0D-7E68B14A853A}"/>
+              </a:ext>
+            </a:extLst>
+          </p:cNvPr>
+          <p:cNvSpPr>
+            <a:spLocks noGrp="1"/>
+          </p:cNvSpPr>
+          <p:nvPr>
+            <p:ph type="sldNum" sz="quarter" idx="12"/>
+          </p:nvPr>
+        </p:nvSpPr>
+        <p:spPr/>
+        <p:txBody>
+          <a:bodyPr/>
+          <a:lstStyle/>
+          <a:p>
+            <a:fld id="{8C1CEDF5-C2F4-B645-8E32-952D9CA4E651}" type="slidenum">
+              <a:rPr lang="en-US" smtClean="0"/>
+              <a:t>10</a:t>
+            </a:fld>
+            <a:endParaRPr lang="en-US"/>
+          </a:p>
+        </p:txBody>
+      </p:sp>
+    </p:spTree>
+    <p:extLst>
+      <p:ext uri="{BB962C8B-B14F-4D97-AF65-F5344CB8AC3E}">
+        <p14:creationId xmlns:p14="http://schemas.microsoft.com/office/powerpoint/2010/main" val="3246210201"/>
+      </p:ext>
+    </p:extLst>
+  </p:cSld>
+  <p:clrMapOvr>
+    <a:masterClrMapping/>
+  </p:clrMapOvr>
+</p:sld>
+</file>
+
 <file path=ppt/slides/slide2.xml><?xml version="1.0" encoding="utf-8"?>
+<p:sld xmlns:a="http://schemas.openxmlformats.org/drawingml/2006/main" xmlns:r="http://schemas.openxmlformats.org/officeDocument/2006/relationships" xmlns:p="http://schemas.openxmlformats.org/presentationml/2006/main">
+  <p:cSld>
+    <p:spTree>
+      <p:nvGrpSpPr>
+        <p:cNvPr id="1" name=""/>
+        <p:cNvGrpSpPr/>
+        <p:nvPr/>
+      </p:nvGrpSpPr>
+      <p:grpSpPr>
+        <a:xfrm>
+          <a:off x="0" y="0"/>
+          <a:ext cx="0" cy="0"/>
+          <a:chOff x="0" y="0"/>
+          <a:chExt cx="0" cy="0"/>
+        </a:xfrm>
+      </p:grpSpPr>
+      <p:sp>
+        <p:nvSpPr>
+          <p:cNvPr id="4" name="Slide Number Placeholder 3">
+            <a:extLst>
+              <a:ext uri="{FF2B5EF4-FFF2-40B4-BE49-F238E27FC236}">
+                <a16:creationId xmlns:a16="http://schemas.microsoft.com/office/drawing/2014/main" id="{728431AF-1488-3748-8A8C-5E468C68A796}"/>
+              </a:ext>
+            </a:extLst>
+          </p:cNvPr>
+          <p:cNvSpPr>
+            <a:spLocks noGrp="1"/>
+          </p:cNvSpPr>
+          <p:nvPr>
+            <p:ph type="sldNum" sz="quarter" idx="12"/>
+          </p:nvPr>
+        </p:nvSpPr>
+        <p:spPr/>
+        <p:txBody>
+          <a:bodyPr/>
+          <a:lstStyle/>
+          <a:p>
+            <a:fld id="{8C1CEDF5-C2F4-B645-8E32-952D9CA4E651}" type="slidenum">
+              <a:rPr lang="en-US" smtClean="0"/>
+              <a:t>2</a:t>
+            </a:fld>
+            <a:endParaRPr lang="en-US"/>
+          </a:p>
+        </p:txBody>
+      </p:sp>
+      <p:graphicFrame>
+        <p:nvGraphicFramePr>
+          <p:cNvPr id="5" name="Chart 4">
+            <a:extLst>
+              <a:ext uri="{FF2B5EF4-FFF2-40B4-BE49-F238E27FC236}">
+                <a16:creationId xmlns:a16="http://schemas.microsoft.com/office/drawing/2014/main" id="{0EEC17B7-6D69-CD4E-812E-179761364D90}"/>
+              </a:ext>
+            </a:extLst>
+          </p:cNvPr>
+          <p:cNvGraphicFramePr>
+            <a:graphicFrameLocks/>
+          </p:cNvGraphicFramePr>
+          <p:nvPr>
+            <p:extLst>
+              <p:ext uri="{D42A27DB-BD31-4B8C-83A1-F6EECF244321}">
+                <p14:modId xmlns:p14="http://schemas.microsoft.com/office/powerpoint/2010/main" val="3957511202"/>
+              </p:ext>
+            </p:extLst>
+          </p:nvPr>
+        </p:nvGraphicFramePr>
+        <p:xfrm>
+          <a:off x="549214" y="1263769"/>
+          <a:ext cx="5546785" cy="3532517"/>
+        </p:xfrm>
+        <a:graphic>
+          <a:graphicData uri="http://schemas.openxmlformats.org/drawingml/2006/chart">
+            <c:chart xmlns:c="http://schemas.openxmlformats.org/drawingml/2006/chart" xmlns:r="http://schemas.openxmlformats.org/officeDocument/2006/relationships" r:id="rId2"/>
+          </a:graphicData>
+        </a:graphic>
+      </p:graphicFrame>
+      <p:graphicFrame>
+        <p:nvGraphicFramePr>
+          <p:cNvPr id="6" name="Chart 5">
+            <a:extLst>
+              <a:ext uri="{FF2B5EF4-FFF2-40B4-BE49-F238E27FC236}">
+                <a16:creationId xmlns:a16="http://schemas.microsoft.com/office/drawing/2014/main" id="{91F4A7D8-307E-1B42-A08E-938A9F05253D}"/>
+              </a:ext>
+            </a:extLst>
+          </p:cNvPr>
+          <p:cNvGraphicFramePr>
+            <a:graphicFrameLocks/>
+          </p:cNvGraphicFramePr>
+          <p:nvPr>
+            <p:extLst>
+              <p:ext uri="{D42A27DB-BD31-4B8C-83A1-F6EECF244321}">
+                <p14:modId xmlns:p14="http://schemas.microsoft.com/office/powerpoint/2010/main" val="494912375"/>
+              </p:ext>
+            </p:extLst>
+          </p:nvPr>
+        </p:nvGraphicFramePr>
+        <p:xfrm>
+          <a:off x="6324600" y="1658427"/>
+          <a:ext cx="4572000" cy="2743200"/>
+        </p:xfrm>
+        <a:graphic>
+          <a:graphicData uri="http://schemas.openxmlformats.org/drawingml/2006/chart">
+            <c:chart xmlns:c="http://schemas.openxmlformats.org/drawingml/2006/chart" xmlns:r="http://schemas.openxmlformats.org/officeDocument/2006/relationships" r:id="rId3"/>
+          </a:graphicData>
+        </a:graphic>
+      </p:graphicFrame>
+      <p:sp>
+        <p:nvSpPr>
+          <p:cNvPr id="8" name="TextBox 7">
+            <a:extLst>
+              <a:ext uri="{FF2B5EF4-FFF2-40B4-BE49-F238E27FC236}">
+                <a16:creationId xmlns:a16="http://schemas.microsoft.com/office/drawing/2014/main" id="{76643DBA-6F09-AC4E-ACE4-AC4370C20FEB}"/>
+              </a:ext>
+            </a:extLst>
+          </p:cNvPr>
+          <p:cNvSpPr txBox="1"/>
+          <p:nvPr/>
+        </p:nvSpPr>
+        <p:spPr>
+          <a:xfrm>
+            <a:off x="1426464" y="573024"/>
+            <a:ext cx="2485296" cy="369332"/>
+          </a:xfrm>
+          <a:prstGeom prst="rect">
+            <a:avLst/>
+          </a:prstGeom>
+          <a:noFill/>
+        </p:spPr>
+        <p:txBody>
+          <a:bodyPr wrap="none" rtlCol="0">
+            <a:spAutoFit/>
+          </a:bodyPr>
+          <a:lstStyle/>
+          <a:p>
+            <a:r>
+              <a:rPr lang="en-US" dirty="0"/>
+              <a:t># of each rank in dataset</a:t>
+            </a:r>
+          </a:p>
+        </p:txBody>
+      </p:sp>
+      <p:sp>
+        <p:nvSpPr>
+          <p:cNvPr id="9" name="TextBox 8">
+            <a:extLst>
+              <a:ext uri="{FF2B5EF4-FFF2-40B4-BE49-F238E27FC236}">
+                <a16:creationId xmlns:a16="http://schemas.microsoft.com/office/drawing/2014/main" id="{E27CC5C8-6276-7D48-820E-B33B5338B719}"/>
+              </a:ext>
+            </a:extLst>
+          </p:cNvPr>
+          <p:cNvSpPr txBox="1"/>
+          <p:nvPr/>
+        </p:nvSpPr>
+        <p:spPr>
+          <a:xfrm>
+            <a:off x="1346237" y="5132566"/>
+            <a:ext cx="9499524" cy="923330"/>
+          </a:xfrm>
+          <a:prstGeom prst="rect">
+            <a:avLst/>
+          </a:prstGeom>
+          <a:noFill/>
+        </p:spPr>
+        <p:txBody>
+          <a:bodyPr wrap="none" rtlCol="0">
+            <a:spAutoFit/>
+          </a:bodyPr>
+          <a:lstStyle/>
+          <a:p>
+            <a:r>
+              <a:rPr lang="en-US" dirty="0"/>
+              <a:t>We used 10*10000 = $100k and purchased 1611, 1608, 2401, 2089, and 2291 rank 1-5 respectively.</a:t>
+            </a:r>
+          </a:p>
+          <a:p>
+            <a:pPr marL="742950" lvl="1" indent="-285750">
+              <a:buFont typeface="Arial" panose="020B0604020202020204" pitchFamily="34" charset="0"/>
+              <a:buChar char="•"/>
+            </a:pPr>
+            <a:r>
+              <a:rPr lang="en-US" dirty="0"/>
+              <a:t>The number of Rank1 and Rank2 are kind of significantly smaller than Rank3-5</a:t>
+            </a:r>
+          </a:p>
+          <a:p>
+            <a:pPr marL="742950" lvl="1" indent="-285750">
+              <a:buFont typeface="Arial" panose="020B0604020202020204" pitchFamily="34" charset="0"/>
+              <a:buChar char="•"/>
+            </a:pPr>
+            <a:r>
+              <a:rPr lang="en-US" dirty="0"/>
+              <a:t>The number of Rank3-5 are not that significantly different from each other. 		 </a:t>
+            </a:r>
+          </a:p>
+        </p:txBody>
+      </p:sp>
+    </p:spTree>
+    <p:extLst>
+      <p:ext uri="{BB962C8B-B14F-4D97-AF65-F5344CB8AC3E}">
+        <p14:creationId xmlns:p14="http://schemas.microsoft.com/office/powerpoint/2010/main" val="3321233448"/>
+      </p:ext>
+    </p:extLst>
+  </p:cSld>
+  <p:clrMapOvr>
+    <a:masterClrMapping/>
+  </p:clrMapOvr>
+</p:sld>
+</file>
+
+<file path=ppt/slides/slide3.xml><?xml version="1.0" encoding="utf-8"?>
 <p:sld xmlns:a="http://schemas.openxmlformats.org/drawingml/2006/main" xmlns:r="http://schemas.openxmlformats.org/officeDocument/2006/relationships" xmlns:p="http://schemas.openxmlformats.org/presentationml/2006/main">
   <p:cSld>
     <p:spTree>
@@ -14599,7 +16865,7 @@
           <a:p>
             <a:fld id="{8C1CEDF5-C2F4-B645-8E32-952D9CA4E651}" type="slidenum">
               <a:rPr lang="en-US" smtClean="0"/>
-              <a:t>2</a:t>
+              <a:t>3</a:t>
             </a:fld>
             <a:endParaRPr lang="en-US"/>
           </a:p>
@@ -14734,7 +17000,7 @@
 </p:sld>
 </file>
 
-<file path=ppt/slides/slide3.xml><?xml version="1.0" encoding="utf-8"?>
+<file path=ppt/slides/slide4.xml><?xml version="1.0" encoding="utf-8"?>
 <p:sld xmlns:a="http://schemas.openxmlformats.org/drawingml/2006/main" xmlns:r="http://schemas.openxmlformats.org/officeDocument/2006/relationships" xmlns:p="http://schemas.openxmlformats.org/presentationml/2006/main">
   <p:cSld>
     <p:spTree>
@@ -14774,7 +17040,7 @@
           <a:p>
             <a:fld id="{8C1CEDF5-C2F4-B645-8E32-952D9CA4E651}" type="slidenum">
               <a:rPr lang="en-US" smtClean="0"/>
-              <a:t>3</a:t>
+              <a:t>4</a:t>
             </a:fld>
             <a:endParaRPr lang="en-US"/>
           </a:p>
@@ -14942,7 +17208,7 @@
 </p:sld>
 </file>
 
-<file path=ppt/slides/slide4.xml><?xml version="1.0" encoding="utf-8"?>
+<file path=ppt/slides/slide5.xml><?xml version="1.0" encoding="utf-8"?>
 <p:sld xmlns:a="http://schemas.openxmlformats.org/drawingml/2006/main" xmlns:r="http://schemas.openxmlformats.org/officeDocument/2006/relationships" xmlns:p="http://schemas.openxmlformats.org/presentationml/2006/main">
   <p:cSld>
     <p:spTree>
@@ -15102,7 +17368,7 @@
           <a:p>
             <a:fld id="{8C1CEDF5-C2F4-B645-8E32-952D9CA4E651}" type="slidenum">
               <a:rPr lang="en-US" smtClean="0"/>
-              <a:t>4</a:t>
+              <a:t>5</a:t>
             </a:fld>
             <a:endParaRPr lang="en-US"/>
           </a:p>
@@ -15121,7 +17387,7 @@
 </p:sld>
 </file>
 
-<file path=ppt/slides/slide5.xml><?xml version="1.0" encoding="utf-8"?>
+<file path=ppt/slides/slide6.xml><?xml version="1.0" encoding="utf-8"?>
 <p:sld xmlns:a="http://schemas.openxmlformats.org/drawingml/2006/main" xmlns:r="http://schemas.openxmlformats.org/officeDocument/2006/relationships" xmlns:p="http://schemas.openxmlformats.org/presentationml/2006/main">
   <p:cSld>
     <p:spTree>
@@ -15234,7 +17500,7 @@
           <a:p>
             <a:fld id="{8C1CEDF5-C2F4-B645-8E32-952D9CA4E651}" type="slidenum">
               <a:rPr lang="en-US" smtClean="0"/>
-              <a:t>5</a:t>
+              <a:t>6</a:t>
             </a:fld>
             <a:endParaRPr lang="en-US"/>
           </a:p>
@@ -15253,7 +17519,7 @@
 </p:sld>
 </file>
 
-<file path=ppt/slides/slide6.xml><?xml version="1.0" encoding="utf-8"?>
+<file path=ppt/slides/slide7.xml><?xml version="1.0" encoding="utf-8"?>
 <p:sld xmlns:a="http://schemas.openxmlformats.org/drawingml/2006/main" xmlns:r="http://schemas.openxmlformats.org/officeDocument/2006/relationships" xmlns:p="http://schemas.openxmlformats.org/presentationml/2006/main">
   <p:cSld>
     <p:spTree>
@@ -15366,7 +17632,7 @@
           <a:p>
             <a:fld id="{8C1CEDF5-C2F4-B645-8E32-952D9CA4E651}" type="slidenum">
               <a:rPr lang="en-US" smtClean="0"/>
-              <a:t>6</a:t>
+              <a:t>7</a:t>
             </a:fld>
             <a:endParaRPr lang="en-US"/>
           </a:p>
@@ -15385,7 +17651,7 @@
 </p:sld>
 </file>
 
-<file path=ppt/slides/slide7.xml><?xml version="1.0" encoding="utf-8"?>
+<file path=ppt/slides/slide8.xml><?xml version="1.0" encoding="utf-8"?>
 <p:sld xmlns:a="http://schemas.openxmlformats.org/drawingml/2006/main" xmlns:r="http://schemas.openxmlformats.org/officeDocument/2006/relationships" xmlns:p="http://schemas.openxmlformats.org/presentationml/2006/main">
   <p:cSld>
     <p:spTree>
@@ -15498,7 +17764,7 @@
           <a:p>
             <a:fld id="{8C1CEDF5-C2F4-B645-8E32-952D9CA4E651}" type="slidenum">
               <a:rPr lang="en-US" smtClean="0"/>
-              <a:t>7</a:t>
+              <a:t>8</a:t>
             </a:fld>
             <a:endParaRPr lang="en-US"/>
           </a:p>
@@ -15517,7 +17783,7 @@
 </p:sld>
 </file>
 
-<file path=ppt/slides/slide8.xml><?xml version="1.0" encoding="utf-8"?>
+<file path=ppt/slides/slide9.xml><?xml version="1.0" encoding="utf-8"?>
 <p:sld xmlns:a="http://schemas.openxmlformats.org/drawingml/2006/main" xmlns:r="http://schemas.openxmlformats.org/officeDocument/2006/relationships" xmlns:p="http://schemas.openxmlformats.org/presentationml/2006/main">
   <p:cSld>
     <p:spTree>
@@ -15563,33 +17829,10 @@
           <a:lstStyle/>
           <a:p>
             <a:r>
-              <a:rPr lang="en-US" dirty="0"/>
-              <a:t>Across </a:t>
+              <a:rPr lang="en-US"/>
+              <a:t>Across click_nobuy, click_buy, noclick_nobuy, across ranks 1-5</a:t>
             </a:r>
-            <a:r>
-              <a:rPr lang="en-US" dirty="0" err="1"/>
-              <a:t>click_nobuy</a:t>
-            </a:r>
-            <a:r>
-              <a:rPr lang="en-US" dirty="0"/>
-              <a:t>, </a:t>
-            </a:r>
-            <a:r>
-              <a:rPr lang="en-US" dirty="0" err="1"/>
-              <a:t>click_buy</a:t>
-            </a:r>
-            <a:r>
-              <a:rPr lang="en-US" dirty="0"/>
-              <a:t>, </a:t>
-            </a:r>
-            <a:r>
-              <a:rPr lang="en-US" dirty="0" err="1"/>
-              <a:t>noclick_nobuy</a:t>
-            </a:r>
-            <a:r>
-              <a:rPr lang="en-US" dirty="0"/>
-              <a:t>, across ranks 1-5</a:t>
-            </a:r>
+            <a:endParaRPr lang="en-US" dirty="0"/>
           </a:p>
         </p:txBody>
       </p:sp>
@@ -15736,109 +17979,18 @@
           <a:p>
             <a:fld id="{8C1CEDF5-C2F4-B645-8E32-952D9CA4E651}" type="slidenum">
               <a:rPr lang="en-US" smtClean="0"/>
-              <a:t>8</a:t>
+              <a:t>9</a:t>
             </a:fld>
             <a:endParaRPr lang="en-US"/>
           </a:p>
         </p:txBody>
       </p:sp>
-    </p:spTree>
-    <p:extLst>
-      <p:ext uri="{BB962C8B-B14F-4D97-AF65-F5344CB8AC3E}">
-        <p14:creationId xmlns:p14="http://schemas.microsoft.com/office/powerpoint/2010/main" val="1281523681"/>
-      </p:ext>
-    </p:extLst>
-  </p:cSld>
-  <p:clrMapOvr>
-    <a:masterClrMapping/>
-  </p:clrMapOvr>
-</p:sld>
-</file>
-
-<file path=ppt/slides/slide9.xml><?xml version="1.0" encoding="utf-8"?>
-<p:sld xmlns:a="http://schemas.openxmlformats.org/drawingml/2006/main" xmlns:r="http://schemas.openxmlformats.org/officeDocument/2006/relationships" xmlns:p="http://schemas.openxmlformats.org/presentationml/2006/main">
-  <p:cSld>
-    <p:spTree>
-      <p:nvGrpSpPr>
-        <p:cNvPr id="1" name=""/>
-        <p:cNvGrpSpPr/>
-        <p:nvPr/>
-      </p:nvGrpSpPr>
-      <p:grpSpPr>
-        <a:xfrm>
-          <a:off x="0" y="0"/>
-          <a:ext cx="0" cy="0"/>
-          <a:chOff x="0" y="0"/>
-          <a:chExt cx="0" cy="0"/>
-        </a:xfrm>
-      </p:grpSpPr>
-      <p:sp>
-        <p:nvSpPr>
-          <p:cNvPr id="4" name="Rectangle 3">
+      <p:pic>
+        <p:nvPicPr>
+          <p:cNvPr id="8" name="Picture 7">
             <a:extLst>
               <a:ext uri="{FF2B5EF4-FFF2-40B4-BE49-F238E27FC236}">
-                <a16:creationId xmlns:a16="http://schemas.microsoft.com/office/drawing/2014/main" id="{5857F923-5B29-3540-AA91-0782367B0837}"/>
-              </a:ext>
-            </a:extLst>
-          </p:cNvPr>
-          <p:cNvSpPr/>
-          <p:nvPr/>
-        </p:nvSpPr>
-        <p:spPr>
-          <a:xfrm>
-            <a:off x="759591" y="404152"/>
-            <a:ext cx="7061420" cy="646331"/>
-          </a:xfrm>
-          <a:prstGeom prst="rect">
-            <a:avLst/>
-          </a:prstGeom>
-        </p:spPr>
-        <p:txBody>
-          <a:bodyPr wrap="none">
-            <a:spAutoFit/>
-          </a:bodyPr>
-          <a:lstStyle/>
-          <a:p>
-            <a:r>
-              <a:rPr lang="en-US" dirty="0"/>
-              <a:t>Continued- Across </a:t>
-            </a:r>
-            <a:r>
-              <a:rPr lang="en-US" dirty="0" err="1"/>
-              <a:t>click_nobuy</a:t>
-            </a:r>
-            <a:r>
-              <a:rPr lang="en-US" dirty="0"/>
-              <a:t>, </a:t>
-            </a:r>
-            <a:r>
-              <a:rPr lang="en-US" dirty="0" err="1"/>
-              <a:t>click_buy</a:t>
-            </a:r>
-            <a:r>
-              <a:rPr lang="en-US" dirty="0"/>
-              <a:t>, </a:t>
-            </a:r>
-            <a:r>
-              <a:rPr lang="en-US" dirty="0" err="1"/>
-              <a:t>noclick_nobuy</a:t>
-            </a:r>
-            <a:r>
-              <a:rPr lang="en-US" dirty="0"/>
-              <a:t>, across ranks 1-5</a:t>
-            </a:r>
-          </a:p>
-          <a:p>
-            <a:endParaRPr lang="en-US" dirty="0"/>
-          </a:p>
-        </p:txBody>
-      </p:sp>
-      <p:pic>
-        <p:nvPicPr>
-          <p:cNvPr id="6" name="Picture 5">
-            <a:extLst>
-              <a:ext uri="{FF2B5EF4-FFF2-40B4-BE49-F238E27FC236}">
-                <a16:creationId xmlns:a16="http://schemas.microsoft.com/office/drawing/2014/main" id="{331FDC7E-AA56-7342-BBE3-F7B43D5EB134}"/>
+                <a16:creationId xmlns:a16="http://schemas.microsoft.com/office/drawing/2014/main" id="{9D849025-3D56-B349-83E3-E8C92BCCE937}"/>
               </a:ext>
             </a:extLst>
           </p:cNvPr>
@@ -15848,54 +18000,25 @@
           <p:nvPr/>
         </p:nvPicPr>
         <p:blipFill>
-          <a:blip r:embed="rId2"/>
+          <a:blip r:embed="rId6"/>
           <a:stretch>
             <a:fillRect/>
           </a:stretch>
         </p:blipFill>
         <p:spPr>
           <a:xfrm>
-            <a:off x="1596169" y="1050483"/>
-            <a:ext cx="7840534" cy="4713008"/>
+            <a:off x="759591" y="965139"/>
+            <a:ext cx="4438598" cy="2668077"/>
           </a:xfrm>
           <a:prstGeom prst="rect">
             <a:avLst/>
           </a:prstGeom>
         </p:spPr>
       </p:pic>
-      <p:sp>
-        <p:nvSpPr>
-          <p:cNvPr id="2" name="Slide Number Placeholder 1">
-            <a:extLst>
-              <a:ext uri="{FF2B5EF4-FFF2-40B4-BE49-F238E27FC236}">
-                <a16:creationId xmlns:a16="http://schemas.microsoft.com/office/drawing/2014/main" id="{51EA0A4D-1FC4-9546-9E0D-7E68B14A853A}"/>
-              </a:ext>
-            </a:extLst>
-          </p:cNvPr>
-          <p:cNvSpPr>
-            <a:spLocks noGrp="1"/>
-          </p:cNvSpPr>
-          <p:nvPr>
-            <p:ph type="sldNum" sz="quarter" idx="12"/>
-          </p:nvPr>
-        </p:nvSpPr>
-        <p:spPr/>
-        <p:txBody>
-          <a:bodyPr/>
-          <a:lstStyle/>
-          <a:p>
-            <a:fld id="{8C1CEDF5-C2F4-B645-8E32-952D9CA4E651}" type="slidenum">
-              <a:rPr lang="en-US" smtClean="0"/>
-              <a:t>9</a:t>
-            </a:fld>
-            <a:endParaRPr lang="en-US"/>
-          </a:p>
-        </p:txBody>
-      </p:sp>
     </p:spTree>
     <p:extLst>
       <p:ext uri="{BB962C8B-B14F-4D97-AF65-F5344CB8AC3E}">
-        <p14:creationId xmlns:p14="http://schemas.microsoft.com/office/powerpoint/2010/main" val="3246210201"/>
+        <p14:creationId xmlns:p14="http://schemas.microsoft.com/office/powerpoint/2010/main" val="1281523681"/>
       </p:ext>
     </p:extLst>
   </p:cSld>

--- a/1-analysis/RootInsurance_Qi.pptx
+++ b/1-analysis/RootInsurance_Qi.pptx
@@ -122,6 +122,70 @@
     </p:ext>
   </p:extLst>
 </p:presentation>
+</file>
+
+<file path=ppt/changesInfos/changesInfo1.xml><?xml version="1.0" encoding="utf-8"?>
+<pc:chgInfo xmlns:a="http://schemas.openxmlformats.org/drawingml/2006/main" xmlns:r="http://schemas.openxmlformats.org/officeDocument/2006/relationships" xmlns:ac="http://schemas.microsoft.com/office/drawing/2013/main/command" xmlns:pc="http://schemas.microsoft.com/office/powerpoint/2013/main/command">
+  <pc:docChgLst>
+    <pc:chgData name="Xiaoliu" userId="3e7d0f44-8b40-4503-963e-aeb5d235b23c" providerId="ADAL" clId="{8BB97F1C-A6F7-480D-8815-477F09450C5F}"/>
+    <pc:docChg chg="custSel modSld">
+      <pc:chgData name="Xiaoliu" userId="3e7d0f44-8b40-4503-963e-aeb5d235b23c" providerId="ADAL" clId="{8BB97F1C-A6F7-480D-8815-477F09450C5F}" dt="2021-05-24T13:38:21.367" v="823" actId="1076"/>
+      <pc:docMkLst>
+        <pc:docMk/>
+      </pc:docMkLst>
+      <pc:sldChg chg="modNotesTx">
+        <pc:chgData name="Xiaoliu" userId="3e7d0f44-8b40-4503-963e-aeb5d235b23c" providerId="ADAL" clId="{8BB97F1C-A6F7-480D-8815-477F09450C5F}" dt="2021-05-24T13:23:42.743" v="552" actId="5793"/>
+        <pc:sldMkLst>
+          <pc:docMk/>
+          <pc:sldMk cId="3509948738" sldId="257"/>
+        </pc:sldMkLst>
+      </pc:sldChg>
+      <pc:sldChg chg="modNotesTx">
+        <pc:chgData name="Xiaoliu" userId="3e7d0f44-8b40-4503-963e-aeb5d235b23c" providerId="ADAL" clId="{8BB97F1C-A6F7-480D-8815-477F09450C5F}" dt="2021-05-24T13:35:46.442" v="748" actId="20577"/>
+        <pc:sldMkLst>
+          <pc:docMk/>
+          <pc:sldMk cId="3696606159" sldId="258"/>
+        </pc:sldMkLst>
+      </pc:sldChg>
+      <pc:sldChg chg="modNotesTx">
+        <pc:chgData name="Xiaoliu" userId="3e7d0f44-8b40-4503-963e-aeb5d235b23c" providerId="ADAL" clId="{8BB97F1C-A6F7-480D-8815-477F09450C5F}" dt="2021-05-24T13:37:02.931" v="821" actId="20577"/>
+        <pc:sldMkLst>
+          <pc:docMk/>
+          <pc:sldMk cId="3545961408" sldId="260"/>
+        </pc:sldMkLst>
+      </pc:sldChg>
+      <pc:sldChg chg="modSp mod">
+        <pc:chgData name="Xiaoliu" userId="3e7d0f44-8b40-4503-963e-aeb5d235b23c" providerId="ADAL" clId="{8BB97F1C-A6F7-480D-8815-477F09450C5F}" dt="2021-05-24T13:38:21.367" v="823" actId="1076"/>
+        <pc:sldMkLst>
+          <pc:docMk/>
+          <pc:sldMk cId="1281523681" sldId="261"/>
+        </pc:sldMkLst>
+        <pc:picChg chg="mod">
+          <ac:chgData name="Xiaoliu" userId="3e7d0f44-8b40-4503-963e-aeb5d235b23c" providerId="ADAL" clId="{8BB97F1C-A6F7-480D-8815-477F09450C5F}" dt="2021-05-24T13:38:21.367" v="823" actId="1076"/>
+          <ac:picMkLst>
+            <pc:docMk/>
+            <pc:sldMk cId="1281523681" sldId="261"/>
+            <ac:picMk id="8" creationId="{9D849025-3D56-B349-83E3-E8C92BCCE937}"/>
+          </ac:picMkLst>
+        </pc:picChg>
+      </pc:sldChg>
+      <pc:sldChg chg="modNotesTx">
+        <pc:chgData name="Xiaoliu" userId="3e7d0f44-8b40-4503-963e-aeb5d235b23c" providerId="ADAL" clId="{8BB97F1C-A6F7-480D-8815-477F09450C5F}" dt="2021-05-24T13:15:46.015" v="39" actId="20577"/>
+        <pc:sldMkLst>
+          <pc:docMk/>
+          <pc:sldMk cId="3749352239" sldId="263"/>
+        </pc:sldMkLst>
+      </pc:sldChg>
+      <pc:sldChg chg="modNotesTx">
+        <pc:chgData name="Xiaoliu" userId="3e7d0f44-8b40-4503-963e-aeb5d235b23c" providerId="ADAL" clId="{8BB97F1C-A6F7-480D-8815-477F09450C5F}" dt="2021-05-24T13:19:31.280" v="302" actId="20577"/>
+        <pc:sldMkLst>
+          <pc:docMk/>
+          <pc:sldMk cId="1827842893" sldId="264"/>
+        </pc:sldMkLst>
+      </pc:sldChg>
+    </pc:docChg>
+  </pc:docChgLst>
+</pc:chgInfo>
 </file>
 
 <file path=ppt/charts/chart1.xml><?xml version="1.0" encoding="utf-8"?>
@@ -12880,7 +12944,7 @@
           <a:p>
             <a:fld id="{45362AFF-CF67-1140-8C70-5C92BEBEC062}" type="datetimeFigureOut">
               <a:rPr lang="en-US" smtClean="0"/>
-              <a:t>5/23/21</a:t>
+              <a:t>5/24/2021</a:t>
             </a:fld>
             <a:endParaRPr lang="en-US"/>
           </a:p>
@@ -13147,6 +13211,641 @@
 </p:notesMaster>
 </file>
 
+<file path=ppt/notesSlides/notesSlide1.xml><?xml version="1.0" encoding="utf-8"?>
+<p:notes xmlns:a="http://schemas.openxmlformats.org/drawingml/2006/main" xmlns:r="http://schemas.openxmlformats.org/officeDocument/2006/relationships" xmlns:p="http://schemas.openxmlformats.org/presentationml/2006/main">
+  <p:cSld>
+    <p:spTree>
+      <p:nvGrpSpPr>
+        <p:cNvPr id="1" name=""/>
+        <p:cNvGrpSpPr/>
+        <p:nvPr/>
+      </p:nvGrpSpPr>
+      <p:grpSpPr>
+        <a:xfrm>
+          <a:off x="0" y="0"/>
+          <a:ext cx="0" cy="0"/>
+          <a:chOff x="0" y="0"/>
+          <a:chExt cx="0" cy="0"/>
+        </a:xfrm>
+      </p:grpSpPr>
+      <p:sp>
+        <p:nvSpPr>
+          <p:cNvPr id="2" name="Slide Image Placeholder 1"/>
+          <p:cNvSpPr>
+            <a:spLocks noGrp="1" noRot="1" noChangeAspect="1"/>
+          </p:cNvSpPr>
+          <p:nvPr>
+            <p:ph type="sldImg"/>
+          </p:nvPr>
+        </p:nvSpPr>
+        <p:spPr/>
+      </p:sp>
+      <p:sp>
+        <p:nvSpPr>
+          <p:cNvPr id="3" name="Notes Placeholder 2"/>
+          <p:cNvSpPr>
+            <a:spLocks noGrp="1"/>
+          </p:cNvSpPr>
+          <p:nvPr>
+            <p:ph type="body" idx="1"/>
+          </p:nvPr>
+        </p:nvSpPr>
+        <p:spPr/>
+        <p:txBody>
+          <a:bodyPr/>
+          <a:lstStyle/>
+          <a:p>
+            <a:r>
+              <a:rPr lang="en-US" dirty="0"/>
+              <a:t>Percentage rather than observation?</a:t>
+            </a:r>
+          </a:p>
+        </p:txBody>
+      </p:sp>
+      <p:sp>
+        <p:nvSpPr>
+          <p:cNvPr id="4" name="Slide Number Placeholder 3"/>
+          <p:cNvSpPr>
+            <a:spLocks noGrp="1"/>
+          </p:cNvSpPr>
+          <p:nvPr>
+            <p:ph type="sldNum" sz="quarter" idx="5"/>
+          </p:nvPr>
+        </p:nvSpPr>
+        <p:spPr/>
+        <p:txBody>
+          <a:bodyPr/>
+          <a:lstStyle/>
+          <a:p>
+            <a:fld id="{C636812D-960A-F643-9FE0-0DD2AADCC235}" type="slidenum">
+              <a:rPr lang="en-US" smtClean="0"/>
+              <a:t>3</a:t>
+            </a:fld>
+            <a:endParaRPr lang="en-US"/>
+          </a:p>
+        </p:txBody>
+      </p:sp>
+    </p:spTree>
+    <p:extLst>
+      <p:ext uri="{BB962C8B-B14F-4D97-AF65-F5344CB8AC3E}">
+        <p14:creationId xmlns:p14="http://schemas.microsoft.com/office/powerpoint/2010/main" val="4092022215"/>
+      </p:ext>
+    </p:extLst>
+  </p:cSld>
+  <p:clrMapOvr>
+    <a:masterClrMapping/>
+  </p:clrMapOvr>
+</p:notes>
+</file>
+
+<file path=ppt/notesSlides/notesSlide2.xml><?xml version="1.0" encoding="utf-8"?>
+<p:notes xmlns:a="http://schemas.openxmlformats.org/drawingml/2006/main" xmlns:r="http://schemas.openxmlformats.org/officeDocument/2006/relationships" xmlns:p="http://schemas.openxmlformats.org/presentationml/2006/main">
+  <p:cSld>
+    <p:spTree>
+      <p:nvGrpSpPr>
+        <p:cNvPr id="1" name=""/>
+        <p:cNvGrpSpPr/>
+        <p:nvPr/>
+      </p:nvGrpSpPr>
+      <p:grpSpPr>
+        <a:xfrm>
+          <a:off x="0" y="0"/>
+          <a:ext cx="0" cy="0"/>
+          <a:chOff x="0" y="0"/>
+          <a:chExt cx="0" cy="0"/>
+        </a:xfrm>
+      </p:grpSpPr>
+      <p:sp>
+        <p:nvSpPr>
+          <p:cNvPr id="2" name="Slide Image Placeholder 1"/>
+          <p:cNvSpPr>
+            <a:spLocks noGrp="1" noRot="1" noChangeAspect="1"/>
+          </p:cNvSpPr>
+          <p:nvPr>
+            <p:ph type="sldImg"/>
+          </p:nvPr>
+        </p:nvSpPr>
+        <p:spPr/>
+      </p:sp>
+      <p:sp>
+        <p:nvSpPr>
+          <p:cNvPr id="3" name="Notes Placeholder 2"/>
+          <p:cNvSpPr>
+            <a:spLocks noGrp="1"/>
+          </p:cNvSpPr>
+          <p:nvPr>
+            <p:ph type="body" idx="1"/>
+          </p:nvPr>
+        </p:nvSpPr>
+        <p:spPr/>
+        <p:txBody>
+          <a:bodyPr/>
+          <a:lstStyle/>
+          <a:p>
+            <a:r>
+              <a:rPr lang="en-US" dirty="0"/>
+              <a:t>For click-buy and click-</a:t>
+            </a:r>
+            <a:r>
+              <a:rPr lang="en-US" dirty="0" err="1"/>
+              <a:t>nobuy</a:t>
+            </a:r>
+            <a:r>
+              <a:rPr lang="en-US" dirty="0"/>
+              <a:t>, most </a:t>
+            </a:r>
+            <a:r>
+              <a:rPr lang="en-US" dirty="0" err="1"/>
+              <a:t>obs</a:t>
+            </a:r>
+            <a:r>
+              <a:rPr lang="en-US" dirty="0"/>
+              <a:t> fall in rank 1, then rank 2, rank 3, rank 4 and rank 5. It makes sense. </a:t>
+            </a:r>
+          </a:p>
+          <a:p>
+            <a:endParaRPr lang="en-US" dirty="0"/>
+          </a:p>
+          <a:p>
+            <a:r>
+              <a:rPr lang="en-US" dirty="0"/>
+              <a:t>For </a:t>
+            </a:r>
+            <a:r>
+              <a:rPr lang="en-US" dirty="0" err="1"/>
+              <a:t>noclick-nobuy</a:t>
+            </a:r>
+            <a:r>
+              <a:rPr lang="en-US" dirty="0"/>
+              <a:t>, it is r5-r3-r4-r2-r1</a:t>
+            </a:r>
+          </a:p>
+        </p:txBody>
+      </p:sp>
+      <p:sp>
+        <p:nvSpPr>
+          <p:cNvPr id="4" name="Slide Number Placeholder 3"/>
+          <p:cNvSpPr>
+            <a:spLocks noGrp="1"/>
+          </p:cNvSpPr>
+          <p:nvPr>
+            <p:ph type="sldNum" sz="quarter" idx="5"/>
+          </p:nvPr>
+        </p:nvSpPr>
+        <p:spPr/>
+        <p:txBody>
+          <a:bodyPr/>
+          <a:lstStyle/>
+          <a:p>
+            <a:fld id="{C636812D-960A-F643-9FE0-0DD2AADCC235}" type="slidenum">
+              <a:rPr lang="en-US" smtClean="0"/>
+              <a:t>4</a:t>
+            </a:fld>
+            <a:endParaRPr lang="en-US"/>
+          </a:p>
+        </p:txBody>
+      </p:sp>
+    </p:spTree>
+    <p:extLst>
+      <p:ext uri="{BB962C8B-B14F-4D97-AF65-F5344CB8AC3E}">
+        <p14:creationId xmlns:p14="http://schemas.microsoft.com/office/powerpoint/2010/main" val="1360380804"/>
+      </p:ext>
+    </p:extLst>
+  </p:cSld>
+  <p:clrMapOvr>
+    <a:masterClrMapping/>
+  </p:clrMapOvr>
+</p:notes>
+</file>
+
+<file path=ppt/notesSlides/notesSlide3.xml><?xml version="1.0" encoding="utf-8"?>
+<p:notes xmlns:a="http://schemas.openxmlformats.org/drawingml/2006/main" xmlns:r="http://schemas.openxmlformats.org/officeDocument/2006/relationships" xmlns:p="http://schemas.openxmlformats.org/presentationml/2006/main">
+  <p:cSld>
+    <p:spTree>
+      <p:nvGrpSpPr>
+        <p:cNvPr id="1" name=""/>
+        <p:cNvGrpSpPr/>
+        <p:nvPr/>
+      </p:nvGrpSpPr>
+      <p:grpSpPr>
+        <a:xfrm>
+          <a:off x="0" y="0"/>
+          <a:ext cx="0" cy="0"/>
+          <a:chOff x="0" y="0"/>
+          <a:chExt cx="0" cy="0"/>
+        </a:xfrm>
+      </p:grpSpPr>
+      <p:sp>
+        <p:nvSpPr>
+          <p:cNvPr id="2" name="Slide Image Placeholder 1"/>
+          <p:cNvSpPr>
+            <a:spLocks noGrp="1" noRot="1" noChangeAspect="1"/>
+          </p:cNvSpPr>
+          <p:nvPr>
+            <p:ph type="sldImg"/>
+          </p:nvPr>
+        </p:nvSpPr>
+        <p:spPr/>
+      </p:sp>
+      <p:sp>
+        <p:nvSpPr>
+          <p:cNvPr id="3" name="Notes Placeholder 2"/>
+          <p:cNvSpPr>
+            <a:spLocks noGrp="1"/>
+          </p:cNvSpPr>
+          <p:nvPr>
+            <p:ph type="body" idx="1"/>
+          </p:nvPr>
+        </p:nvSpPr>
+        <p:spPr/>
+        <p:txBody>
+          <a:bodyPr/>
+          <a:lstStyle/>
+          <a:p>
+            <a:r>
+              <a:rPr lang="en-US" dirty="0"/>
+              <a:t>No significant difference among these groups?</a:t>
+            </a:r>
+          </a:p>
+          <a:p>
+            <a:endParaRPr lang="en-US" dirty="0"/>
+          </a:p>
+          <a:p>
+            <a:r>
+              <a:rPr lang="en-US" dirty="0"/>
+              <a:t>For </a:t>
+            </a:r>
+            <a:r>
+              <a:rPr lang="en-US" dirty="0" err="1"/>
+              <a:t>insured_Y</a:t>
+            </a:r>
+            <a:r>
+              <a:rPr lang="en-US" dirty="0"/>
+              <a:t>, for those who click and buy, they are more likely not insured </a:t>
+            </a:r>
+          </a:p>
+          <a:p>
+            <a:endParaRPr lang="en-US" dirty="0"/>
+          </a:p>
+          <a:p>
+            <a:r>
+              <a:rPr lang="en-US" dirty="0"/>
+              <a:t>Number of drivers is an important variable </a:t>
+            </a:r>
+          </a:p>
+        </p:txBody>
+      </p:sp>
+      <p:sp>
+        <p:nvSpPr>
+          <p:cNvPr id="4" name="Slide Number Placeholder 3"/>
+          <p:cNvSpPr>
+            <a:spLocks noGrp="1"/>
+          </p:cNvSpPr>
+          <p:nvPr>
+            <p:ph type="sldNum" sz="quarter" idx="5"/>
+          </p:nvPr>
+        </p:nvSpPr>
+        <p:spPr/>
+        <p:txBody>
+          <a:bodyPr/>
+          <a:lstStyle/>
+          <a:p>
+            <a:fld id="{C636812D-960A-F643-9FE0-0DD2AADCC235}" type="slidenum">
+              <a:rPr lang="en-US" smtClean="0"/>
+              <a:t>5</a:t>
+            </a:fld>
+            <a:endParaRPr lang="en-US"/>
+          </a:p>
+        </p:txBody>
+      </p:sp>
+    </p:spTree>
+    <p:extLst>
+      <p:ext uri="{BB962C8B-B14F-4D97-AF65-F5344CB8AC3E}">
+        <p14:creationId xmlns:p14="http://schemas.microsoft.com/office/powerpoint/2010/main" val="3957431563"/>
+      </p:ext>
+    </p:extLst>
+  </p:cSld>
+  <p:clrMapOvr>
+    <a:masterClrMapping/>
+  </p:clrMapOvr>
+</p:notes>
+</file>
+
+<file path=ppt/notesSlides/notesSlide4.xml><?xml version="1.0" encoding="utf-8"?>
+<p:notes xmlns:a="http://schemas.openxmlformats.org/drawingml/2006/main" xmlns:r="http://schemas.openxmlformats.org/officeDocument/2006/relationships" xmlns:p="http://schemas.openxmlformats.org/presentationml/2006/main">
+  <p:cSld>
+    <p:spTree>
+      <p:nvGrpSpPr>
+        <p:cNvPr id="1" name=""/>
+        <p:cNvGrpSpPr/>
+        <p:nvPr/>
+      </p:nvGrpSpPr>
+      <p:grpSpPr>
+        <a:xfrm>
+          <a:off x="0" y="0"/>
+          <a:ext cx="0" cy="0"/>
+          <a:chOff x="0" y="0"/>
+          <a:chExt cx="0" cy="0"/>
+        </a:xfrm>
+      </p:grpSpPr>
+      <p:sp>
+        <p:nvSpPr>
+          <p:cNvPr id="2" name="Slide Image Placeholder 1"/>
+          <p:cNvSpPr>
+            <a:spLocks noGrp="1" noRot="1" noChangeAspect="1"/>
+          </p:cNvSpPr>
+          <p:nvPr>
+            <p:ph type="sldImg"/>
+          </p:nvPr>
+        </p:nvSpPr>
+        <p:spPr/>
+      </p:sp>
+      <p:sp>
+        <p:nvSpPr>
+          <p:cNvPr id="3" name="Notes Placeholder 2"/>
+          <p:cNvSpPr>
+            <a:spLocks noGrp="1"/>
+          </p:cNvSpPr>
+          <p:nvPr>
+            <p:ph type="body" idx="1"/>
+          </p:nvPr>
+        </p:nvSpPr>
+        <p:spPr/>
+        <p:txBody>
+          <a:bodyPr/>
+          <a:lstStyle/>
+          <a:p>
+            <a:r>
+              <a:rPr lang="en-US" dirty="0"/>
+              <a:t>Rank1: lower </a:t>
+            </a:r>
+            <a:r>
+              <a:rPr lang="en-US" dirty="0" err="1"/>
+              <a:t>insured_Y</a:t>
+            </a:r>
+            <a:r>
+              <a:rPr lang="en-US" dirty="0"/>
+              <a:t> and </a:t>
+            </a:r>
+            <a:r>
+              <a:rPr lang="en-US" dirty="0" err="1"/>
+              <a:t>insured_N</a:t>
+            </a:r>
+            <a:r>
+              <a:rPr lang="en-US" dirty="0"/>
+              <a:t>, most of them are unknown </a:t>
+            </a:r>
+          </a:p>
+          <a:p>
+            <a:endParaRPr lang="en-US" dirty="0"/>
+          </a:p>
+          <a:p>
+            <a:r>
+              <a:rPr lang="en-US" dirty="0"/>
+              <a:t>Distribution among click-buy and click-</a:t>
+            </a:r>
+            <a:r>
+              <a:rPr lang="en-US" dirty="0" err="1"/>
+              <a:t>nobuy</a:t>
+            </a:r>
+            <a:r>
+              <a:rPr lang="en-US" dirty="0"/>
+              <a:t> are similar, meaning the critical is click or </a:t>
+            </a:r>
+            <a:r>
+              <a:rPr lang="en-US" dirty="0" err="1"/>
+              <a:t>noclick</a:t>
+            </a:r>
+            <a:r>
+              <a:rPr lang="en-US" dirty="0"/>
+              <a:t>?</a:t>
+            </a:r>
+          </a:p>
+        </p:txBody>
+      </p:sp>
+      <p:sp>
+        <p:nvSpPr>
+          <p:cNvPr id="4" name="Slide Number Placeholder 3"/>
+          <p:cNvSpPr>
+            <a:spLocks noGrp="1"/>
+          </p:cNvSpPr>
+          <p:nvPr>
+            <p:ph type="sldNum" sz="quarter" idx="5"/>
+          </p:nvPr>
+        </p:nvSpPr>
+        <p:spPr/>
+        <p:txBody>
+          <a:bodyPr/>
+          <a:lstStyle/>
+          <a:p>
+            <a:fld id="{C636812D-960A-F643-9FE0-0DD2AADCC235}" type="slidenum">
+              <a:rPr lang="en-US" smtClean="0"/>
+              <a:t>6</a:t>
+            </a:fld>
+            <a:endParaRPr lang="en-US"/>
+          </a:p>
+        </p:txBody>
+      </p:sp>
+    </p:spTree>
+    <p:extLst>
+      <p:ext uri="{BB962C8B-B14F-4D97-AF65-F5344CB8AC3E}">
+        <p14:creationId xmlns:p14="http://schemas.microsoft.com/office/powerpoint/2010/main" val="752715606"/>
+      </p:ext>
+    </p:extLst>
+  </p:cSld>
+  <p:clrMapOvr>
+    <a:masterClrMapping/>
+  </p:clrMapOvr>
+</p:notes>
+</file>
+
+<file path=ppt/notesSlides/notesSlide5.xml><?xml version="1.0" encoding="utf-8"?>
+<p:notes xmlns:a="http://schemas.openxmlformats.org/drawingml/2006/main" xmlns:r="http://schemas.openxmlformats.org/officeDocument/2006/relationships" xmlns:p="http://schemas.openxmlformats.org/presentationml/2006/main">
+  <p:cSld>
+    <p:spTree>
+      <p:nvGrpSpPr>
+        <p:cNvPr id="1" name=""/>
+        <p:cNvGrpSpPr/>
+        <p:nvPr/>
+      </p:nvGrpSpPr>
+      <p:grpSpPr>
+        <a:xfrm>
+          <a:off x="0" y="0"/>
+          <a:ext cx="0" cy="0"/>
+          <a:chOff x="0" y="0"/>
+          <a:chExt cx="0" cy="0"/>
+        </a:xfrm>
+      </p:grpSpPr>
+      <p:sp>
+        <p:nvSpPr>
+          <p:cNvPr id="2" name="Slide Image Placeholder 1"/>
+          <p:cNvSpPr>
+            <a:spLocks noGrp="1" noRot="1" noChangeAspect="1"/>
+          </p:cNvSpPr>
+          <p:nvPr>
+            <p:ph type="sldImg"/>
+          </p:nvPr>
+        </p:nvSpPr>
+        <p:spPr/>
+      </p:sp>
+      <p:sp>
+        <p:nvSpPr>
+          <p:cNvPr id="3" name="Notes Placeholder 2"/>
+          <p:cNvSpPr>
+            <a:spLocks noGrp="1"/>
+          </p:cNvSpPr>
+          <p:nvPr>
+            <p:ph type="body" idx="1"/>
+          </p:nvPr>
+        </p:nvSpPr>
+        <p:spPr/>
+        <p:txBody>
+          <a:bodyPr/>
+          <a:lstStyle/>
+          <a:p>
+            <a:r>
+              <a:rPr lang="en-US" dirty="0"/>
+              <a:t>For those </a:t>
+            </a:r>
+            <a:r>
+              <a:rPr lang="en-US" dirty="0" err="1"/>
+              <a:t>noclick-nobuy</a:t>
+            </a:r>
+            <a:r>
+              <a:rPr lang="en-US" dirty="0"/>
+              <a:t>, we don’t have </a:t>
+            </a:r>
+            <a:r>
+              <a:rPr lang="en-US" dirty="0" err="1"/>
+              <a:t>obs</a:t>
+            </a:r>
+            <a:r>
+              <a:rPr lang="en-US" dirty="0"/>
+              <a:t> in unknown status?</a:t>
+            </a:r>
+          </a:p>
+        </p:txBody>
+      </p:sp>
+      <p:sp>
+        <p:nvSpPr>
+          <p:cNvPr id="4" name="Slide Number Placeholder 3"/>
+          <p:cNvSpPr>
+            <a:spLocks noGrp="1"/>
+          </p:cNvSpPr>
+          <p:nvPr>
+            <p:ph type="sldNum" sz="quarter" idx="5"/>
+          </p:nvPr>
+        </p:nvSpPr>
+        <p:spPr/>
+        <p:txBody>
+          <a:bodyPr/>
+          <a:lstStyle/>
+          <a:p>
+            <a:fld id="{C636812D-960A-F643-9FE0-0DD2AADCC235}" type="slidenum">
+              <a:rPr lang="en-US" smtClean="0"/>
+              <a:t>8</a:t>
+            </a:fld>
+            <a:endParaRPr lang="en-US"/>
+          </a:p>
+        </p:txBody>
+      </p:sp>
+    </p:spTree>
+    <p:extLst>
+      <p:ext uri="{BB962C8B-B14F-4D97-AF65-F5344CB8AC3E}">
+        <p14:creationId xmlns:p14="http://schemas.microsoft.com/office/powerpoint/2010/main" val="2328481886"/>
+      </p:ext>
+    </p:extLst>
+  </p:cSld>
+  <p:clrMapOvr>
+    <a:masterClrMapping/>
+  </p:clrMapOvr>
+</p:notes>
+</file>
+
+<file path=ppt/notesSlides/notesSlide6.xml><?xml version="1.0" encoding="utf-8"?>
+<p:notes xmlns:a="http://schemas.openxmlformats.org/drawingml/2006/main" xmlns:r="http://schemas.openxmlformats.org/officeDocument/2006/relationships" xmlns:p="http://schemas.openxmlformats.org/presentationml/2006/main">
+  <p:cSld>
+    <p:spTree>
+      <p:nvGrpSpPr>
+        <p:cNvPr id="1" name=""/>
+        <p:cNvGrpSpPr/>
+        <p:nvPr/>
+      </p:nvGrpSpPr>
+      <p:grpSpPr>
+        <a:xfrm>
+          <a:off x="0" y="0"/>
+          <a:ext cx="0" cy="0"/>
+          <a:chOff x="0" y="0"/>
+          <a:chExt cx="0" cy="0"/>
+        </a:xfrm>
+      </p:grpSpPr>
+      <p:sp>
+        <p:nvSpPr>
+          <p:cNvPr id="2" name="Slide Image Placeholder 1"/>
+          <p:cNvSpPr>
+            <a:spLocks noGrp="1" noRot="1" noChangeAspect="1"/>
+          </p:cNvSpPr>
+          <p:nvPr>
+            <p:ph type="sldImg"/>
+          </p:nvPr>
+        </p:nvSpPr>
+        <p:spPr/>
+      </p:sp>
+      <p:sp>
+        <p:nvSpPr>
+          <p:cNvPr id="3" name="Notes Placeholder 2"/>
+          <p:cNvSpPr>
+            <a:spLocks noGrp="1"/>
+          </p:cNvSpPr>
+          <p:nvPr>
+            <p:ph type="body" idx="1"/>
+          </p:nvPr>
+        </p:nvSpPr>
+        <p:spPr/>
+        <p:txBody>
+          <a:bodyPr/>
+          <a:lstStyle/>
+          <a:p>
+            <a:endParaRPr lang="en-US" dirty="0"/>
+          </a:p>
+        </p:txBody>
+      </p:sp>
+      <p:sp>
+        <p:nvSpPr>
+          <p:cNvPr id="4" name="Slide Number Placeholder 3"/>
+          <p:cNvSpPr>
+            <a:spLocks noGrp="1"/>
+          </p:cNvSpPr>
+          <p:nvPr>
+            <p:ph type="sldNum" sz="quarter" idx="5"/>
+          </p:nvPr>
+        </p:nvSpPr>
+        <p:spPr/>
+        <p:txBody>
+          <a:bodyPr/>
+          <a:lstStyle/>
+          <a:p>
+            <a:fld id="{C636812D-960A-F643-9FE0-0DD2AADCC235}" type="slidenum">
+              <a:rPr lang="en-US" smtClean="0"/>
+              <a:t>9</a:t>
+            </a:fld>
+            <a:endParaRPr lang="en-US"/>
+          </a:p>
+        </p:txBody>
+      </p:sp>
+    </p:spTree>
+    <p:extLst>
+      <p:ext uri="{BB962C8B-B14F-4D97-AF65-F5344CB8AC3E}">
+        <p14:creationId xmlns:p14="http://schemas.microsoft.com/office/powerpoint/2010/main" val="4080850683"/>
+      </p:ext>
+    </p:extLst>
+  </p:cSld>
+  <p:clrMapOvr>
+    <a:masterClrMapping/>
+  </p:clrMapOvr>
+</p:notes>
+</file>
+
 <file path=ppt/slideLayouts/slideLayout1.xml><?xml version="1.0" encoding="utf-8"?>
 <p:sldLayout xmlns:a="http://schemas.openxmlformats.org/drawingml/2006/main" xmlns:r="http://schemas.openxmlformats.org/officeDocument/2006/relationships" xmlns:p="http://schemas.openxmlformats.org/presentationml/2006/main" type="title" preserve="1">
   <p:cSld name="Title Slide">
@@ -13294,7 +13993,7 @@
           <a:p>
             <a:fld id="{96D30E06-851E-2849-B9FB-FBD6F20B28B6}" type="datetime1">
               <a:rPr lang="en-US" smtClean="0"/>
-              <a:t>5/23/21</a:t>
+              <a:t>5/24/2021</a:t>
             </a:fld>
             <a:endParaRPr lang="en-US"/>
           </a:p>
@@ -13492,7 +14191,7 @@
           <a:p>
             <a:fld id="{4B616518-8E9F-FD42-85FC-4C2149BBBDED}" type="datetime1">
               <a:rPr lang="en-US" smtClean="0"/>
-              <a:t>5/23/21</a:t>
+              <a:t>5/24/2021</a:t>
             </a:fld>
             <a:endParaRPr lang="en-US"/>
           </a:p>
@@ -13700,7 +14399,7 @@
           <a:p>
             <a:fld id="{6A8F8C4C-40D1-9745-A991-6D28BD9FEF1F}" type="datetime1">
               <a:rPr lang="en-US" smtClean="0"/>
-              <a:t>5/23/21</a:t>
+              <a:t>5/24/2021</a:t>
             </a:fld>
             <a:endParaRPr lang="en-US"/>
           </a:p>
@@ -13898,7 +14597,7 @@
           <a:p>
             <a:fld id="{B7D7B1F3-3D68-A646-A9BE-4025D67CD13D}" type="datetime1">
               <a:rPr lang="en-US" smtClean="0"/>
-              <a:t>5/23/21</a:t>
+              <a:t>5/24/2021</a:t>
             </a:fld>
             <a:endParaRPr lang="en-US"/>
           </a:p>
@@ -14173,7 +14872,7 @@
           <a:p>
             <a:fld id="{CDDF58FC-D1EA-164B-B6CD-E60B4D970241}" type="datetime1">
               <a:rPr lang="en-US" smtClean="0"/>
-              <a:t>5/23/21</a:t>
+              <a:t>5/24/2021</a:t>
             </a:fld>
             <a:endParaRPr lang="en-US"/>
           </a:p>
@@ -14438,7 +15137,7 @@
           <a:p>
             <a:fld id="{8609E9C9-57D9-A044-A19E-057C6DAD7A51}" type="datetime1">
               <a:rPr lang="en-US" smtClean="0"/>
-              <a:t>5/23/21</a:t>
+              <a:t>5/24/2021</a:t>
             </a:fld>
             <a:endParaRPr lang="en-US"/>
           </a:p>
@@ -14850,7 +15549,7 @@
           <a:p>
             <a:fld id="{7B434D43-0FA9-3144-9EE3-9D1E0DF891CE}" type="datetime1">
               <a:rPr lang="en-US" smtClean="0"/>
-              <a:t>5/23/21</a:t>
+              <a:t>5/24/2021</a:t>
             </a:fld>
             <a:endParaRPr lang="en-US"/>
           </a:p>
@@ -14991,7 +15690,7 @@
           <a:p>
             <a:fld id="{13E4F8A9-4E3A-1B46-9273-314548891696}" type="datetime1">
               <a:rPr lang="en-US" smtClean="0"/>
-              <a:t>5/23/21</a:t>
+              <a:t>5/24/2021</a:t>
             </a:fld>
             <a:endParaRPr lang="en-US"/>
           </a:p>
@@ -15104,7 +15803,7 @@
           <a:p>
             <a:fld id="{CFD3DB65-C47D-4947-88AF-5D6115028757}" type="datetime1">
               <a:rPr lang="en-US" smtClean="0"/>
-              <a:t>5/23/21</a:t>
+              <a:t>5/24/2021</a:t>
             </a:fld>
             <a:endParaRPr lang="en-US"/>
           </a:p>
@@ -15415,7 +16114,7 @@
           <a:p>
             <a:fld id="{D8EF7A4B-C5A9-BF42-B155-3C2366CCDC25}" type="datetime1">
               <a:rPr lang="en-US" smtClean="0"/>
-              <a:t>5/23/21</a:t>
+              <a:t>5/24/2021</a:t>
             </a:fld>
             <a:endParaRPr lang="en-US"/>
           </a:p>
@@ -15703,7 +16402,7 @@
           <a:p>
             <a:fld id="{59410132-D18D-F245-8C04-08CB73B5C244}" type="datetime1">
               <a:rPr lang="en-US" smtClean="0"/>
-              <a:t>5/23/21</a:t>
+              <a:t>5/24/2021</a:t>
             </a:fld>
             <a:endParaRPr lang="en-US"/>
           </a:p>
@@ -15944,7 +16643,7 @@
           <a:p>
             <a:fld id="{127CDB65-F5EC-A144-9A2E-4B29416BC343}" type="datetime1">
               <a:rPr lang="en-US" smtClean="0"/>
-              <a:t>5/23/21</a:t>
+              <a:t>5/24/2021</a:t>
             </a:fld>
             <a:endParaRPr lang="en-US"/>
           </a:p>
@@ -16897,7 +17596,7 @@
         </p:xfrm>
         <a:graphic>
           <a:graphicData uri="http://schemas.openxmlformats.org/drawingml/2006/chart">
-            <c:chart xmlns:c="http://schemas.openxmlformats.org/drawingml/2006/chart" xmlns:r="http://schemas.openxmlformats.org/officeDocument/2006/relationships" r:id="rId2"/>
+            <c:chart xmlns:c="http://schemas.openxmlformats.org/drawingml/2006/chart" xmlns:r="http://schemas.openxmlformats.org/officeDocument/2006/relationships" r:id="rId3"/>
           </a:graphicData>
         </a:graphic>
       </p:graphicFrame>
@@ -16927,7 +17626,7 @@
         </p:xfrm>
         <a:graphic>
           <a:graphicData uri="http://schemas.openxmlformats.org/drawingml/2006/chart">
-            <c:chart xmlns:c="http://schemas.openxmlformats.org/drawingml/2006/chart" xmlns:r="http://schemas.openxmlformats.org/officeDocument/2006/relationships" r:id="rId3"/>
+            <c:chart xmlns:c="http://schemas.openxmlformats.org/drawingml/2006/chart" xmlns:r="http://schemas.openxmlformats.org/officeDocument/2006/relationships" r:id="rId4"/>
           </a:graphicData>
         </a:graphic>
       </p:graphicFrame>
@@ -17131,7 +17830,7 @@
         </p:xfrm>
         <a:graphic>
           <a:graphicData uri="http://schemas.openxmlformats.org/drawingml/2006/chart">
-            <c:chart xmlns:c="http://schemas.openxmlformats.org/drawingml/2006/chart" xmlns:r="http://schemas.openxmlformats.org/officeDocument/2006/relationships" r:id="rId2"/>
+            <c:chart xmlns:c="http://schemas.openxmlformats.org/drawingml/2006/chart" xmlns:r="http://schemas.openxmlformats.org/officeDocument/2006/relationships" r:id="rId3"/>
           </a:graphicData>
         </a:graphic>
       </p:graphicFrame>
@@ -17161,7 +17860,7 @@
         </p:xfrm>
         <a:graphic>
           <a:graphicData uri="http://schemas.openxmlformats.org/drawingml/2006/chart">
-            <c:chart xmlns:c="http://schemas.openxmlformats.org/drawingml/2006/chart" xmlns:r="http://schemas.openxmlformats.org/officeDocument/2006/relationships" r:id="rId3"/>
+            <c:chart xmlns:c="http://schemas.openxmlformats.org/drawingml/2006/chart" xmlns:r="http://schemas.openxmlformats.org/officeDocument/2006/relationships" r:id="rId4"/>
           </a:graphicData>
         </a:graphic>
       </p:graphicFrame>
@@ -17191,7 +17890,7 @@
         </p:xfrm>
         <a:graphic>
           <a:graphicData uri="http://schemas.openxmlformats.org/drawingml/2006/chart">
-            <c:chart xmlns:c="http://schemas.openxmlformats.org/drawingml/2006/chart" xmlns:r="http://schemas.openxmlformats.org/officeDocument/2006/relationships" r:id="rId4"/>
+            <c:chart xmlns:c="http://schemas.openxmlformats.org/drawingml/2006/chart" xmlns:r="http://schemas.openxmlformats.org/officeDocument/2006/relationships" r:id="rId5"/>
           </a:graphicData>
         </a:graphic>
       </p:graphicFrame>
@@ -17251,7 +17950,7 @@
         </p:xfrm>
         <a:graphic>
           <a:graphicData uri="http://schemas.openxmlformats.org/drawingml/2006/chart">
-            <c:chart xmlns:c="http://schemas.openxmlformats.org/drawingml/2006/chart" xmlns:r="http://schemas.openxmlformats.org/officeDocument/2006/relationships" r:id="rId2"/>
+            <c:chart xmlns:c="http://schemas.openxmlformats.org/drawingml/2006/chart" xmlns:r="http://schemas.openxmlformats.org/officeDocument/2006/relationships" r:id="rId3"/>
           </a:graphicData>
         </a:graphic>
       </p:graphicFrame>
@@ -17281,7 +17980,7 @@
         </p:xfrm>
         <a:graphic>
           <a:graphicData uri="http://schemas.openxmlformats.org/drawingml/2006/chart">
-            <c:chart xmlns:c="http://schemas.openxmlformats.org/drawingml/2006/chart" xmlns:r="http://schemas.openxmlformats.org/officeDocument/2006/relationships" r:id="rId3"/>
+            <c:chart xmlns:c="http://schemas.openxmlformats.org/drawingml/2006/chart" xmlns:r="http://schemas.openxmlformats.org/officeDocument/2006/relationships" r:id="rId4"/>
           </a:graphicData>
         </a:graphic>
       </p:graphicFrame>
@@ -17473,7 +18172,7 @@
         </p:xfrm>
         <a:graphic>
           <a:graphicData uri="http://schemas.openxmlformats.org/drawingml/2006/chart">
-            <c:chart xmlns:c="http://schemas.openxmlformats.org/drawingml/2006/chart" xmlns:r="http://schemas.openxmlformats.org/officeDocument/2006/relationships" r:id="rId2"/>
+            <c:chart xmlns:c="http://schemas.openxmlformats.org/drawingml/2006/chart" xmlns:r="http://schemas.openxmlformats.org/officeDocument/2006/relationships" r:id="rId3"/>
           </a:graphicData>
         </a:graphic>
       </p:graphicFrame>
@@ -17737,7 +18436,7 @@
         </p:xfrm>
         <a:graphic>
           <a:graphicData uri="http://schemas.openxmlformats.org/drawingml/2006/chart">
-            <c:chart xmlns:c="http://schemas.openxmlformats.org/drawingml/2006/chart" xmlns:r="http://schemas.openxmlformats.org/officeDocument/2006/relationships" r:id="rId2"/>
+            <c:chart xmlns:c="http://schemas.openxmlformats.org/drawingml/2006/chart" xmlns:r="http://schemas.openxmlformats.org/officeDocument/2006/relationships" r:id="rId3"/>
           </a:graphicData>
         </a:graphic>
       </p:graphicFrame>
@@ -17851,7 +18550,7 @@
           <p:nvPr/>
         </p:nvPicPr>
         <p:blipFill>
-          <a:blip r:embed="rId2"/>
+          <a:blip r:embed="rId3"/>
           <a:stretch>
             <a:fillRect/>
           </a:stretch>
@@ -17881,7 +18580,7 @@
           <p:nvPr/>
         </p:nvPicPr>
         <p:blipFill>
-          <a:blip r:embed="rId3"/>
+          <a:blip r:embed="rId4"/>
           <a:stretch>
             <a:fillRect/>
           </a:stretch>
@@ -17911,7 +18610,7 @@
           <p:nvPr/>
         </p:nvPicPr>
         <p:blipFill>
-          <a:blip r:embed="rId4"/>
+          <a:blip r:embed="rId5"/>
           <a:stretch>
             <a:fillRect/>
           </a:stretch>
@@ -17941,7 +18640,7 @@
           <p:nvPr/>
         </p:nvPicPr>
         <p:blipFill>
-          <a:blip r:embed="rId5"/>
+          <a:blip r:embed="rId6"/>
           <a:stretch>
             <a:fillRect/>
           </a:stretch>
@@ -18000,14 +18699,14 @@
           <p:nvPr/>
         </p:nvPicPr>
         <p:blipFill>
-          <a:blip r:embed="rId6"/>
+          <a:blip r:embed="rId7"/>
           <a:stretch>
             <a:fillRect/>
           </a:stretch>
         </p:blipFill>
         <p:spPr>
           <a:xfrm>
-            <a:off x="759591" y="965139"/>
+            <a:off x="10817991" y="2477732"/>
             <a:ext cx="4438598" cy="2668077"/>
           </a:xfrm>
           <a:prstGeom prst="rect">
